--- a/04. Slides/04. TIMER/Timer.pptx
+++ b/04. Slides/04. TIMER/Timer.pptx
@@ -2,32 +2,30 @@
 <file path=ppt/presentation.xml><?xml version="1.0" encoding="utf-8"?>
 <p:presentation xmlns:a="http://schemas.openxmlformats.org/drawingml/2006/main" xmlns:r="http://schemas.openxmlformats.org/officeDocument/2006/relationships" xmlns:p="http://schemas.openxmlformats.org/presentationml/2006/main" saveSubsetFonts="1">
   <p:sldMasterIdLst>
-    <p:sldMasterId id="2147483648" r:id="rId1"/>
-    <p:sldMasterId id="2147483660" r:id="rId2"/>
-    <p:sldMasterId id="2147483662" r:id="rId3"/>
+    <p:sldMasterId id="2147483660" r:id="rId1"/>
+    <p:sldMasterId id="2147483662" r:id="rId2"/>
   </p:sldMasterIdLst>
   <p:sldIdLst>
-    <p:sldId id="256" r:id="rId4"/>
-    <p:sldId id="257" r:id="rId5"/>
-    <p:sldId id="363" r:id="rId6"/>
-    <p:sldId id="410" r:id="rId7"/>
-    <p:sldId id="411" r:id="rId8"/>
-    <p:sldId id="412" r:id="rId9"/>
-    <p:sldId id="413" r:id="rId10"/>
-    <p:sldId id="414" r:id="rId11"/>
-    <p:sldId id="415" r:id="rId12"/>
-    <p:sldId id="416" r:id="rId13"/>
-    <p:sldId id="417" r:id="rId14"/>
-    <p:sldId id="418" r:id="rId15"/>
-    <p:sldId id="419" r:id="rId16"/>
-    <p:sldId id="420" r:id="rId17"/>
-    <p:sldId id="421" r:id="rId18"/>
-    <p:sldId id="422" r:id="rId19"/>
-    <p:sldId id="423" r:id="rId20"/>
-    <p:sldId id="424" r:id="rId21"/>
-    <p:sldId id="425" r:id="rId22"/>
-    <p:sldId id="426" r:id="rId23"/>
-    <p:sldId id="427" r:id="rId24"/>
+    <p:sldId id="257" r:id="rId3"/>
+    <p:sldId id="363" r:id="rId4"/>
+    <p:sldId id="410" r:id="rId5"/>
+    <p:sldId id="411" r:id="rId6"/>
+    <p:sldId id="412" r:id="rId7"/>
+    <p:sldId id="413" r:id="rId8"/>
+    <p:sldId id="414" r:id="rId9"/>
+    <p:sldId id="415" r:id="rId10"/>
+    <p:sldId id="416" r:id="rId11"/>
+    <p:sldId id="417" r:id="rId12"/>
+    <p:sldId id="418" r:id="rId13"/>
+    <p:sldId id="419" r:id="rId14"/>
+    <p:sldId id="420" r:id="rId15"/>
+    <p:sldId id="421" r:id="rId16"/>
+    <p:sldId id="422" r:id="rId17"/>
+    <p:sldId id="423" r:id="rId18"/>
+    <p:sldId id="424" r:id="rId19"/>
+    <p:sldId id="425" r:id="rId20"/>
+    <p:sldId id="426" r:id="rId21"/>
+    <p:sldId id="427" r:id="rId22"/>
   </p:sldIdLst>
   <p:sldSz cx="12192000" cy="6858000"/>
   <p:notesSz cx="6858000" cy="9144000"/>
@@ -126,636 +124,15 @@
       </a:defRPr>
     </a:lvl9pPr>
   </p:defaultTextStyle>
+  <p:extLst>
+    <p:ext uri="{EFAFB233-063F-42B5-8137-9DF3F51BA10A}">
+      <p15:sldGuideLst xmlns:p15="http://schemas.microsoft.com/office/powerpoint/2012/main"/>
+    </p:ext>
+  </p:extLst>
 </p:presentation>
 </file>
 
 <file path=ppt/slideLayouts/slideLayout1.xml><?xml version="1.0" encoding="utf-8"?>
-<p:sldLayout xmlns:a="http://schemas.openxmlformats.org/drawingml/2006/main" xmlns:r="http://schemas.openxmlformats.org/officeDocument/2006/relationships" xmlns:p="http://schemas.openxmlformats.org/presentationml/2006/main" type="title" preserve="1">
-  <p:cSld name="Title Slide">
-    <p:spTree>
-      <p:nvGrpSpPr>
-        <p:cNvPr id="1" name=""/>
-        <p:cNvGrpSpPr/>
-        <p:nvPr/>
-      </p:nvGrpSpPr>
-      <p:grpSpPr>
-        <a:xfrm>
-          <a:off x="0" y="0"/>
-          <a:ext cx="0" cy="0"/>
-          <a:chOff x="0" y="0"/>
-          <a:chExt cx="0" cy="0"/>
-        </a:xfrm>
-      </p:grpSpPr>
-      <p:sp>
-        <p:nvSpPr>
-          <p:cNvPr id="2" name="Title 1">
-            <a:extLst>
-              <a:ext uri="{FF2B5EF4-FFF2-40B4-BE49-F238E27FC236}">
-                <a16:creationId xmlns:a16="http://schemas.microsoft.com/office/drawing/2014/main" id="{1E2BE291-3105-4737-91A8-BBD13F5D90E3}"/>
-              </a:ext>
-            </a:extLst>
-          </p:cNvPr>
-          <p:cNvSpPr>
-            <a:spLocks noGrp="1"/>
-          </p:cNvSpPr>
-          <p:nvPr>
-            <p:ph type="ctrTitle"/>
-          </p:nvPr>
-        </p:nvSpPr>
-        <p:spPr>
-          <a:xfrm>
-            <a:off x="1524000" y="1122363"/>
-            <a:ext cx="9144000" cy="2387600"/>
-          </a:xfrm>
-        </p:spPr>
-        <p:txBody>
-          <a:bodyPr anchor="b"/>
-          <a:lstStyle>
-            <a:lvl1pPr algn="ctr">
-              <a:defRPr sz="6000"/>
-            </a:lvl1pPr>
-          </a:lstStyle>
-          <a:p>
-            <a:r>
-              <a:rPr lang="en-US"/>
-              <a:t>Click to edit Master title style</a:t>
-            </a:r>
-          </a:p>
-        </p:txBody>
-      </p:sp>
-      <p:sp>
-        <p:nvSpPr>
-          <p:cNvPr id="3" name="Subtitle 2">
-            <a:extLst>
-              <a:ext uri="{FF2B5EF4-FFF2-40B4-BE49-F238E27FC236}">
-                <a16:creationId xmlns:a16="http://schemas.microsoft.com/office/drawing/2014/main" id="{910D3434-E919-4FEC-BBBA-8CC42C9C01CD}"/>
-              </a:ext>
-            </a:extLst>
-          </p:cNvPr>
-          <p:cNvSpPr>
-            <a:spLocks noGrp="1"/>
-          </p:cNvSpPr>
-          <p:nvPr>
-            <p:ph type="subTitle" idx="1"/>
-          </p:nvPr>
-        </p:nvSpPr>
-        <p:spPr>
-          <a:xfrm>
-            <a:off x="1524000" y="3602038"/>
-            <a:ext cx="9144000" cy="1655762"/>
-          </a:xfrm>
-        </p:spPr>
-        <p:txBody>
-          <a:bodyPr/>
-          <a:lstStyle>
-            <a:lvl1pPr marL="0" indent="0" algn="ctr">
-              <a:buNone/>
-              <a:defRPr sz="2400"/>
-            </a:lvl1pPr>
-            <a:lvl2pPr marL="457200" indent="0" algn="ctr">
-              <a:buNone/>
-              <a:defRPr sz="2000"/>
-            </a:lvl2pPr>
-            <a:lvl3pPr marL="914400" indent="0" algn="ctr">
-              <a:buNone/>
-              <a:defRPr sz="1800"/>
-            </a:lvl3pPr>
-            <a:lvl4pPr marL="1371600" indent="0" algn="ctr">
-              <a:buNone/>
-              <a:defRPr sz="1600"/>
-            </a:lvl4pPr>
-            <a:lvl5pPr marL="1828800" indent="0" algn="ctr">
-              <a:buNone/>
-              <a:defRPr sz="1600"/>
-            </a:lvl5pPr>
-            <a:lvl6pPr marL="2286000" indent="0" algn="ctr">
-              <a:buNone/>
-              <a:defRPr sz="1600"/>
-            </a:lvl6pPr>
-            <a:lvl7pPr marL="2743200" indent="0" algn="ctr">
-              <a:buNone/>
-              <a:defRPr sz="1600"/>
-            </a:lvl7pPr>
-            <a:lvl8pPr marL="3200400" indent="0" algn="ctr">
-              <a:buNone/>
-              <a:defRPr sz="1600"/>
-            </a:lvl8pPr>
-            <a:lvl9pPr marL="3657600" indent="0" algn="ctr">
-              <a:buNone/>
-              <a:defRPr sz="1600"/>
-            </a:lvl9pPr>
-          </a:lstStyle>
-          <a:p>
-            <a:r>
-              <a:rPr lang="en-US"/>
-              <a:t>Click to edit Master subtitle style</a:t>
-            </a:r>
-          </a:p>
-        </p:txBody>
-      </p:sp>
-      <p:sp>
-        <p:nvSpPr>
-          <p:cNvPr id="4" name="Date Placeholder 3">
-            <a:extLst>
-              <a:ext uri="{FF2B5EF4-FFF2-40B4-BE49-F238E27FC236}">
-                <a16:creationId xmlns:a16="http://schemas.microsoft.com/office/drawing/2014/main" id="{405F89F8-7CA8-4AF6-ABB8-C42FF018A805}"/>
-              </a:ext>
-            </a:extLst>
-          </p:cNvPr>
-          <p:cNvSpPr>
-            <a:spLocks noGrp="1"/>
-          </p:cNvSpPr>
-          <p:nvPr>
-            <p:ph type="dt" sz="half" idx="10"/>
-          </p:nvPr>
-        </p:nvSpPr>
-        <p:spPr/>
-        <p:txBody>
-          <a:bodyPr/>
-          <a:lstStyle/>
-          <a:p>
-            <a:fld id="{16E9F111-BE43-41A1-8F1F-F15EF01C26C9}" type="datetimeFigureOut">
-              <a:rPr lang="en-US" smtClean="0"/>
-              <a:t>8/31/2021</a:t>
-            </a:fld>
-            <a:endParaRPr lang="en-US"/>
-          </a:p>
-        </p:txBody>
-      </p:sp>
-      <p:sp>
-        <p:nvSpPr>
-          <p:cNvPr id="5" name="Footer Placeholder 4">
-            <a:extLst>
-              <a:ext uri="{FF2B5EF4-FFF2-40B4-BE49-F238E27FC236}">
-                <a16:creationId xmlns:a16="http://schemas.microsoft.com/office/drawing/2014/main" id="{6AA30579-D874-4721-9CA9-C33150713B8D}"/>
-              </a:ext>
-            </a:extLst>
-          </p:cNvPr>
-          <p:cNvSpPr>
-            <a:spLocks noGrp="1"/>
-          </p:cNvSpPr>
-          <p:nvPr>
-            <p:ph type="ftr" sz="quarter" idx="11"/>
-          </p:nvPr>
-        </p:nvSpPr>
-        <p:spPr/>
-        <p:txBody>
-          <a:bodyPr/>
-          <a:lstStyle/>
-          <a:p>
-            <a:endParaRPr lang="en-US"/>
-          </a:p>
-        </p:txBody>
-      </p:sp>
-      <p:sp>
-        <p:nvSpPr>
-          <p:cNvPr id="6" name="Slide Number Placeholder 5">
-            <a:extLst>
-              <a:ext uri="{FF2B5EF4-FFF2-40B4-BE49-F238E27FC236}">
-                <a16:creationId xmlns:a16="http://schemas.microsoft.com/office/drawing/2014/main" id="{2D461811-B649-42FC-9F81-D4B56C6291AE}"/>
-              </a:ext>
-            </a:extLst>
-          </p:cNvPr>
-          <p:cNvSpPr>
-            <a:spLocks noGrp="1"/>
-          </p:cNvSpPr>
-          <p:nvPr>
-            <p:ph type="sldNum" sz="quarter" idx="12"/>
-          </p:nvPr>
-        </p:nvSpPr>
-        <p:spPr/>
-        <p:txBody>
-          <a:bodyPr/>
-          <a:lstStyle/>
-          <a:p>
-            <a:fld id="{4260D868-C467-41FF-9153-78355E86D2DF}" type="slidenum">
-              <a:rPr lang="en-US" smtClean="0"/>
-              <a:t>‹#›</a:t>
-            </a:fld>
-            <a:endParaRPr lang="en-US"/>
-          </a:p>
-        </p:txBody>
-      </p:sp>
-    </p:spTree>
-    <p:extLst>
-      <p:ext uri="{BB962C8B-B14F-4D97-AF65-F5344CB8AC3E}">
-        <p14:creationId xmlns:p14="http://schemas.microsoft.com/office/powerpoint/2010/main" val="2621277313"/>
-      </p:ext>
-    </p:extLst>
-  </p:cSld>
-  <p:clrMapOvr>
-    <a:masterClrMapping/>
-  </p:clrMapOvr>
-</p:sldLayout>
-</file>
-
-<file path=ppt/slideLayouts/slideLayout10.xml><?xml version="1.0" encoding="utf-8"?>
-<p:sldLayout xmlns:a="http://schemas.openxmlformats.org/drawingml/2006/main" xmlns:r="http://schemas.openxmlformats.org/officeDocument/2006/relationships" xmlns:p="http://schemas.openxmlformats.org/presentationml/2006/main" type="vertTx" preserve="1">
-  <p:cSld name="Title and Vertical Text">
-    <p:spTree>
-      <p:nvGrpSpPr>
-        <p:cNvPr id="1" name=""/>
-        <p:cNvGrpSpPr/>
-        <p:nvPr/>
-      </p:nvGrpSpPr>
-      <p:grpSpPr>
-        <a:xfrm>
-          <a:off x="0" y="0"/>
-          <a:ext cx="0" cy="0"/>
-          <a:chOff x="0" y="0"/>
-          <a:chExt cx="0" cy="0"/>
-        </a:xfrm>
-      </p:grpSpPr>
-      <p:sp>
-        <p:nvSpPr>
-          <p:cNvPr id="2" name="Title 1">
-            <a:extLst>
-              <a:ext uri="{FF2B5EF4-FFF2-40B4-BE49-F238E27FC236}">
-                <a16:creationId xmlns:a16="http://schemas.microsoft.com/office/drawing/2014/main" id="{D977DD1D-A983-430D-B6A2-43F0393DDD48}"/>
-              </a:ext>
-            </a:extLst>
-          </p:cNvPr>
-          <p:cNvSpPr>
-            <a:spLocks noGrp="1"/>
-          </p:cNvSpPr>
-          <p:nvPr>
-            <p:ph type="title"/>
-          </p:nvPr>
-        </p:nvSpPr>
-        <p:spPr/>
-        <p:txBody>
-          <a:bodyPr/>
-          <a:lstStyle/>
-          <a:p>
-            <a:r>
-              <a:rPr lang="en-US"/>
-              <a:t>Click to edit Master title style</a:t>
-            </a:r>
-          </a:p>
-        </p:txBody>
-      </p:sp>
-      <p:sp>
-        <p:nvSpPr>
-          <p:cNvPr id="3" name="Vertical Text Placeholder 2">
-            <a:extLst>
-              <a:ext uri="{FF2B5EF4-FFF2-40B4-BE49-F238E27FC236}">
-                <a16:creationId xmlns:a16="http://schemas.microsoft.com/office/drawing/2014/main" id="{C11FB176-8CEF-4067-A4FC-15BEF2683F89}"/>
-              </a:ext>
-            </a:extLst>
-          </p:cNvPr>
-          <p:cNvSpPr>
-            <a:spLocks noGrp="1"/>
-          </p:cNvSpPr>
-          <p:nvPr>
-            <p:ph type="body" orient="vert" idx="1"/>
-          </p:nvPr>
-        </p:nvSpPr>
-        <p:spPr/>
-        <p:txBody>
-          <a:bodyPr vert="eaVert"/>
-          <a:lstStyle/>
-          <a:p>
-            <a:pPr lvl="0"/>
-            <a:r>
-              <a:rPr lang="en-US"/>
-              <a:t>Click to edit Master text styles</a:t>
-            </a:r>
-          </a:p>
-          <a:p>
-            <a:pPr lvl="1"/>
-            <a:r>
-              <a:rPr lang="en-US"/>
-              <a:t>Second level</a:t>
-            </a:r>
-          </a:p>
-          <a:p>
-            <a:pPr lvl="2"/>
-            <a:r>
-              <a:rPr lang="en-US"/>
-              <a:t>Third level</a:t>
-            </a:r>
-          </a:p>
-          <a:p>
-            <a:pPr lvl="3"/>
-            <a:r>
-              <a:rPr lang="en-US"/>
-              <a:t>Fourth level</a:t>
-            </a:r>
-          </a:p>
-          <a:p>
-            <a:pPr lvl="4"/>
-            <a:r>
-              <a:rPr lang="en-US"/>
-              <a:t>Fifth level</a:t>
-            </a:r>
-          </a:p>
-        </p:txBody>
-      </p:sp>
-      <p:sp>
-        <p:nvSpPr>
-          <p:cNvPr id="4" name="Date Placeholder 3">
-            <a:extLst>
-              <a:ext uri="{FF2B5EF4-FFF2-40B4-BE49-F238E27FC236}">
-                <a16:creationId xmlns:a16="http://schemas.microsoft.com/office/drawing/2014/main" id="{88222B7A-CCBB-4A18-B6D7-E02FAAC2228C}"/>
-              </a:ext>
-            </a:extLst>
-          </p:cNvPr>
-          <p:cNvSpPr>
-            <a:spLocks noGrp="1"/>
-          </p:cNvSpPr>
-          <p:nvPr>
-            <p:ph type="dt" sz="half" idx="10"/>
-          </p:nvPr>
-        </p:nvSpPr>
-        <p:spPr/>
-        <p:txBody>
-          <a:bodyPr/>
-          <a:lstStyle/>
-          <a:p>
-            <a:fld id="{16E9F111-BE43-41A1-8F1F-F15EF01C26C9}" type="datetimeFigureOut">
-              <a:rPr lang="en-US" smtClean="0"/>
-              <a:t>8/31/2021</a:t>
-            </a:fld>
-            <a:endParaRPr lang="en-US"/>
-          </a:p>
-        </p:txBody>
-      </p:sp>
-      <p:sp>
-        <p:nvSpPr>
-          <p:cNvPr id="5" name="Footer Placeholder 4">
-            <a:extLst>
-              <a:ext uri="{FF2B5EF4-FFF2-40B4-BE49-F238E27FC236}">
-                <a16:creationId xmlns:a16="http://schemas.microsoft.com/office/drawing/2014/main" id="{693C8922-0667-4115-917F-308E225C9542}"/>
-              </a:ext>
-            </a:extLst>
-          </p:cNvPr>
-          <p:cNvSpPr>
-            <a:spLocks noGrp="1"/>
-          </p:cNvSpPr>
-          <p:nvPr>
-            <p:ph type="ftr" sz="quarter" idx="11"/>
-          </p:nvPr>
-        </p:nvSpPr>
-        <p:spPr/>
-        <p:txBody>
-          <a:bodyPr/>
-          <a:lstStyle/>
-          <a:p>
-            <a:endParaRPr lang="en-US"/>
-          </a:p>
-        </p:txBody>
-      </p:sp>
-      <p:sp>
-        <p:nvSpPr>
-          <p:cNvPr id="6" name="Slide Number Placeholder 5">
-            <a:extLst>
-              <a:ext uri="{FF2B5EF4-FFF2-40B4-BE49-F238E27FC236}">
-                <a16:creationId xmlns:a16="http://schemas.microsoft.com/office/drawing/2014/main" id="{6B6FA8A3-95B6-4EC8-B92D-9F4AB6B96A0B}"/>
-              </a:ext>
-            </a:extLst>
-          </p:cNvPr>
-          <p:cNvSpPr>
-            <a:spLocks noGrp="1"/>
-          </p:cNvSpPr>
-          <p:nvPr>
-            <p:ph type="sldNum" sz="quarter" idx="12"/>
-          </p:nvPr>
-        </p:nvSpPr>
-        <p:spPr/>
-        <p:txBody>
-          <a:bodyPr/>
-          <a:lstStyle/>
-          <a:p>
-            <a:fld id="{4260D868-C467-41FF-9153-78355E86D2DF}" type="slidenum">
-              <a:rPr lang="en-US" smtClean="0"/>
-              <a:t>‹#›</a:t>
-            </a:fld>
-            <a:endParaRPr lang="en-US"/>
-          </a:p>
-        </p:txBody>
-      </p:sp>
-    </p:spTree>
-    <p:extLst>
-      <p:ext uri="{BB962C8B-B14F-4D97-AF65-F5344CB8AC3E}">
-        <p14:creationId xmlns:p14="http://schemas.microsoft.com/office/powerpoint/2010/main" val="1646231239"/>
-      </p:ext>
-    </p:extLst>
-  </p:cSld>
-  <p:clrMapOvr>
-    <a:masterClrMapping/>
-  </p:clrMapOvr>
-</p:sldLayout>
-</file>
-
-<file path=ppt/slideLayouts/slideLayout11.xml><?xml version="1.0" encoding="utf-8"?>
-<p:sldLayout xmlns:a="http://schemas.openxmlformats.org/drawingml/2006/main" xmlns:r="http://schemas.openxmlformats.org/officeDocument/2006/relationships" xmlns:p="http://schemas.openxmlformats.org/presentationml/2006/main" type="vertTitleAndTx" preserve="1">
-  <p:cSld name="Vertical Title and Text">
-    <p:spTree>
-      <p:nvGrpSpPr>
-        <p:cNvPr id="1" name=""/>
-        <p:cNvGrpSpPr/>
-        <p:nvPr/>
-      </p:nvGrpSpPr>
-      <p:grpSpPr>
-        <a:xfrm>
-          <a:off x="0" y="0"/>
-          <a:ext cx="0" cy="0"/>
-          <a:chOff x="0" y="0"/>
-          <a:chExt cx="0" cy="0"/>
-        </a:xfrm>
-      </p:grpSpPr>
-      <p:sp>
-        <p:nvSpPr>
-          <p:cNvPr id="2" name="Vertical Title 1">
-            <a:extLst>
-              <a:ext uri="{FF2B5EF4-FFF2-40B4-BE49-F238E27FC236}">
-                <a16:creationId xmlns:a16="http://schemas.microsoft.com/office/drawing/2014/main" id="{05EA84C2-A2DA-4F7F-B82C-0B8D9FD308E7}"/>
-              </a:ext>
-            </a:extLst>
-          </p:cNvPr>
-          <p:cNvSpPr>
-            <a:spLocks noGrp="1"/>
-          </p:cNvSpPr>
-          <p:nvPr>
-            <p:ph type="title" orient="vert"/>
-          </p:nvPr>
-        </p:nvSpPr>
-        <p:spPr>
-          <a:xfrm>
-            <a:off x="8724900" y="365125"/>
-            <a:ext cx="2628900" cy="5811838"/>
-          </a:xfrm>
-        </p:spPr>
-        <p:txBody>
-          <a:bodyPr vert="eaVert"/>
-          <a:lstStyle/>
-          <a:p>
-            <a:r>
-              <a:rPr lang="en-US"/>
-              <a:t>Click to edit Master title style</a:t>
-            </a:r>
-          </a:p>
-        </p:txBody>
-      </p:sp>
-      <p:sp>
-        <p:nvSpPr>
-          <p:cNvPr id="3" name="Vertical Text Placeholder 2">
-            <a:extLst>
-              <a:ext uri="{FF2B5EF4-FFF2-40B4-BE49-F238E27FC236}">
-                <a16:creationId xmlns:a16="http://schemas.microsoft.com/office/drawing/2014/main" id="{8DA162A8-9CFF-4C4D-9C4F-4C792AD97455}"/>
-              </a:ext>
-            </a:extLst>
-          </p:cNvPr>
-          <p:cNvSpPr>
-            <a:spLocks noGrp="1"/>
-          </p:cNvSpPr>
-          <p:nvPr>
-            <p:ph type="body" orient="vert" idx="1"/>
-          </p:nvPr>
-        </p:nvSpPr>
-        <p:spPr>
-          <a:xfrm>
-            <a:off x="838200" y="365125"/>
-            <a:ext cx="7734300" cy="5811838"/>
-          </a:xfrm>
-        </p:spPr>
-        <p:txBody>
-          <a:bodyPr vert="eaVert"/>
-          <a:lstStyle/>
-          <a:p>
-            <a:pPr lvl="0"/>
-            <a:r>
-              <a:rPr lang="en-US"/>
-              <a:t>Click to edit Master text styles</a:t>
-            </a:r>
-          </a:p>
-          <a:p>
-            <a:pPr lvl="1"/>
-            <a:r>
-              <a:rPr lang="en-US"/>
-              <a:t>Second level</a:t>
-            </a:r>
-          </a:p>
-          <a:p>
-            <a:pPr lvl="2"/>
-            <a:r>
-              <a:rPr lang="en-US"/>
-              <a:t>Third level</a:t>
-            </a:r>
-          </a:p>
-          <a:p>
-            <a:pPr lvl="3"/>
-            <a:r>
-              <a:rPr lang="en-US"/>
-              <a:t>Fourth level</a:t>
-            </a:r>
-          </a:p>
-          <a:p>
-            <a:pPr lvl="4"/>
-            <a:r>
-              <a:rPr lang="en-US"/>
-              <a:t>Fifth level</a:t>
-            </a:r>
-          </a:p>
-        </p:txBody>
-      </p:sp>
-      <p:sp>
-        <p:nvSpPr>
-          <p:cNvPr id="4" name="Date Placeholder 3">
-            <a:extLst>
-              <a:ext uri="{FF2B5EF4-FFF2-40B4-BE49-F238E27FC236}">
-                <a16:creationId xmlns:a16="http://schemas.microsoft.com/office/drawing/2014/main" id="{2819AD36-C6C8-48C7-8F26-219F2E391D1C}"/>
-              </a:ext>
-            </a:extLst>
-          </p:cNvPr>
-          <p:cNvSpPr>
-            <a:spLocks noGrp="1"/>
-          </p:cNvSpPr>
-          <p:nvPr>
-            <p:ph type="dt" sz="half" idx="10"/>
-          </p:nvPr>
-        </p:nvSpPr>
-        <p:spPr/>
-        <p:txBody>
-          <a:bodyPr/>
-          <a:lstStyle/>
-          <a:p>
-            <a:fld id="{16E9F111-BE43-41A1-8F1F-F15EF01C26C9}" type="datetimeFigureOut">
-              <a:rPr lang="en-US" smtClean="0"/>
-              <a:t>8/31/2021</a:t>
-            </a:fld>
-            <a:endParaRPr lang="en-US"/>
-          </a:p>
-        </p:txBody>
-      </p:sp>
-      <p:sp>
-        <p:nvSpPr>
-          <p:cNvPr id="5" name="Footer Placeholder 4">
-            <a:extLst>
-              <a:ext uri="{FF2B5EF4-FFF2-40B4-BE49-F238E27FC236}">
-                <a16:creationId xmlns:a16="http://schemas.microsoft.com/office/drawing/2014/main" id="{86D7398C-7373-46D2-9E92-3D25C9C7F23D}"/>
-              </a:ext>
-            </a:extLst>
-          </p:cNvPr>
-          <p:cNvSpPr>
-            <a:spLocks noGrp="1"/>
-          </p:cNvSpPr>
-          <p:nvPr>
-            <p:ph type="ftr" sz="quarter" idx="11"/>
-          </p:nvPr>
-        </p:nvSpPr>
-        <p:spPr/>
-        <p:txBody>
-          <a:bodyPr/>
-          <a:lstStyle/>
-          <a:p>
-            <a:endParaRPr lang="en-US"/>
-          </a:p>
-        </p:txBody>
-      </p:sp>
-      <p:sp>
-        <p:nvSpPr>
-          <p:cNvPr id="6" name="Slide Number Placeholder 5">
-            <a:extLst>
-              <a:ext uri="{FF2B5EF4-FFF2-40B4-BE49-F238E27FC236}">
-                <a16:creationId xmlns:a16="http://schemas.microsoft.com/office/drawing/2014/main" id="{30F07ABE-2A52-41F9-A43A-2AC7285F764F}"/>
-              </a:ext>
-            </a:extLst>
-          </p:cNvPr>
-          <p:cNvSpPr>
-            <a:spLocks noGrp="1"/>
-          </p:cNvSpPr>
-          <p:nvPr>
-            <p:ph type="sldNum" sz="quarter" idx="12"/>
-          </p:nvPr>
-        </p:nvSpPr>
-        <p:spPr/>
-        <p:txBody>
-          <a:bodyPr/>
-          <a:lstStyle/>
-          <a:p>
-            <a:fld id="{4260D868-C467-41FF-9153-78355E86D2DF}" type="slidenum">
-              <a:rPr lang="en-US" smtClean="0"/>
-              <a:t>‹#›</a:t>
-            </a:fld>
-            <a:endParaRPr lang="en-US"/>
-          </a:p>
-        </p:txBody>
-      </p:sp>
-    </p:spTree>
-    <p:extLst>
-      <p:ext uri="{BB962C8B-B14F-4D97-AF65-F5344CB8AC3E}">
-        <p14:creationId xmlns:p14="http://schemas.microsoft.com/office/powerpoint/2010/main" val="453774589"/>
-      </p:ext>
-    </p:extLst>
-  </p:cSld>
-  <p:clrMapOvr>
-    <a:masterClrMapping/>
-  </p:clrMapOvr>
-</p:sldLayout>
-</file>
-
-<file path=ppt/slideLayouts/slideLayout12.xml><?xml version="1.0" encoding="utf-8"?>
 <p:sldLayout xmlns:a="http://schemas.openxmlformats.org/drawingml/2006/main" xmlns:r="http://schemas.openxmlformats.org/officeDocument/2006/relationships" xmlns:p="http://schemas.openxmlformats.org/presentationml/2006/main" type="blank" preserve="1">
   <p:cSld name="Blank">
     <p:spTree>
@@ -860,7 +237,636 @@
 </p:sldLayout>
 </file>
 
-<file path=ppt/slideLayouts/slideLayout13.xml><?xml version="1.0" encoding="utf-8"?>
+<file path=ppt/slideLayouts/slideLayout10.xml><?xml version="1.0" encoding="utf-8"?>
+<p:sldLayout xmlns:a="http://schemas.openxmlformats.org/drawingml/2006/main" xmlns:r="http://schemas.openxmlformats.org/officeDocument/2006/relationships" xmlns:p="http://schemas.openxmlformats.org/presentationml/2006/main" type="picTx" preserve="1">
+  <p:cSld name="Picture with Caption">
+    <p:spTree>
+      <p:nvGrpSpPr>
+        <p:cNvPr id="1" name=""/>
+        <p:cNvGrpSpPr/>
+        <p:nvPr/>
+      </p:nvGrpSpPr>
+      <p:grpSpPr>
+        <a:xfrm>
+          <a:off x="0" y="0"/>
+          <a:ext cx="0" cy="0"/>
+          <a:chOff x="0" y="0"/>
+          <a:chExt cx="0" cy="0"/>
+        </a:xfrm>
+      </p:grpSpPr>
+      <p:sp>
+        <p:nvSpPr>
+          <p:cNvPr id="2" name="Title 1"/>
+          <p:cNvSpPr>
+            <a:spLocks noGrp="1"/>
+          </p:cNvSpPr>
+          <p:nvPr>
+            <p:ph type="title"/>
+          </p:nvPr>
+        </p:nvSpPr>
+        <p:spPr>
+          <a:xfrm>
+            <a:off x="2389717" y="4800600"/>
+            <a:ext cx="7315200" cy="566738"/>
+          </a:xfrm>
+        </p:spPr>
+        <p:txBody>
+          <a:bodyPr/>
+          <a:lstStyle>
+            <a:lvl1pPr algn="l">
+              <a:defRPr sz="2000" b="1"/>
+            </a:lvl1pPr>
+          </a:lstStyle>
+          <a:p>
+            <a:r>
+              <a:rPr lang="en-US"/>
+              <a:t>Click to edit Master title style</a:t>
+            </a:r>
+          </a:p>
+        </p:txBody>
+      </p:sp>
+      <p:sp>
+        <p:nvSpPr>
+          <p:cNvPr id="3" name="Picture Placeholder 2"/>
+          <p:cNvSpPr>
+            <a:spLocks noGrp="1"/>
+          </p:cNvSpPr>
+          <p:nvPr>
+            <p:ph type="pic" idx="1"/>
+          </p:nvPr>
+        </p:nvSpPr>
+        <p:spPr>
+          <a:xfrm>
+            <a:off x="2389717" y="612775"/>
+            <a:ext cx="7315200" cy="4114800"/>
+          </a:xfrm>
+        </p:spPr>
+        <p:txBody>
+          <a:bodyPr/>
+          <a:lstStyle>
+            <a:lvl1pPr marL="0" indent="0">
+              <a:buNone/>
+              <a:defRPr sz="3200"/>
+            </a:lvl1pPr>
+            <a:lvl2pPr marL="457200" indent="0">
+              <a:buNone/>
+              <a:defRPr sz="2800"/>
+            </a:lvl2pPr>
+            <a:lvl3pPr marL="914400" indent="0">
+              <a:buNone/>
+              <a:defRPr sz="2400"/>
+            </a:lvl3pPr>
+            <a:lvl4pPr marL="1371600" indent="0">
+              <a:buNone/>
+              <a:defRPr sz="2000"/>
+            </a:lvl4pPr>
+            <a:lvl5pPr marL="1828800" indent="0">
+              <a:buNone/>
+              <a:defRPr sz="2000"/>
+            </a:lvl5pPr>
+            <a:lvl6pPr marL="2286000" indent="0">
+              <a:buNone/>
+              <a:defRPr sz="2000"/>
+            </a:lvl6pPr>
+            <a:lvl7pPr marL="2743200" indent="0">
+              <a:buNone/>
+              <a:defRPr sz="2000"/>
+            </a:lvl7pPr>
+            <a:lvl8pPr marL="3200400" indent="0">
+              <a:buNone/>
+              <a:defRPr sz="2000"/>
+            </a:lvl8pPr>
+            <a:lvl9pPr marL="3657600" indent="0">
+              <a:buNone/>
+              <a:defRPr sz="2000"/>
+            </a:lvl9pPr>
+          </a:lstStyle>
+          <a:p>
+            <a:pPr lvl="0"/>
+            <a:endParaRPr lang="en-US" noProof="0"/>
+          </a:p>
+        </p:txBody>
+      </p:sp>
+      <p:sp>
+        <p:nvSpPr>
+          <p:cNvPr id="4" name="Text Placeholder 3"/>
+          <p:cNvSpPr>
+            <a:spLocks noGrp="1"/>
+          </p:cNvSpPr>
+          <p:nvPr>
+            <p:ph type="body" sz="half" idx="2"/>
+          </p:nvPr>
+        </p:nvSpPr>
+        <p:spPr>
+          <a:xfrm>
+            <a:off x="2389717" y="5367338"/>
+            <a:ext cx="7315200" cy="804862"/>
+          </a:xfrm>
+        </p:spPr>
+        <p:txBody>
+          <a:bodyPr/>
+          <a:lstStyle>
+            <a:lvl1pPr marL="0" indent="0">
+              <a:buNone/>
+              <a:defRPr sz="1400"/>
+            </a:lvl1pPr>
+            <a:lvl2pPr marL="457200" indent="0">
+              <a:buNone/>
+              <a:defRPr sz="1200"/>
+            </a:lvl2pPr>
+            <a:lvl3pPr marL="914400" indent="0">
+              <a:buNone/>
+              <a:defRPr sz="1000"/>
+            </a:lvl3pPr>
+            <a:lvl4pPr marL="1371600" indent="0">
+              <a:buNone/>
+              <a:defRPr sz="900"/>
+            </a:lvl4pPr>
+            <a:lvl5pPr marL="1828800" indent="0">
+              <a:buNone/>
+              <a:defRPr sz="900"/>
+            </a:lvl5pPr>
+            <a:lvl6pPr marL="2286000" indent="0">
+              <a:buNone/>
+              <a:defRPr sz="900"/>
+            </a:lvl6pPr>
+            <a:lvl7pPr marL="2743200" indent="0">
+              <a:buNone/>
+              <a:defRPr sz="900"/>
+            </a:lvl7pPr>
+            <a:lvl8pPr marL="3200400" indent="0">
+              <a:buNone/>
+              <a:defRPr sz="900"/>
+            </a:lvl8pPr>
+            <a:lvl9pPr marL="3657600" indent="0">
+              <a:buNone/>
+              <a:defRPr sz="900"/>
+            </a:lvl9pPr>
+          </a:lstStyle>
+          <a:p>
+            <a:pPr lvl="0"/>
+            <a:r>
+              <a:rPr lang="en-US"/>
+              <a:t>Click to edit Master text styles</a:t>
+            </a:r>
+          </a:p>
+        </p:txBody>
+      </p:sp>
+      <p:sp>
+        <p:nvSpPr>
+          <p:cNvPr id="5" name="Rectangle 5">
+            <a:extLst>
+              <a:ext uri="{FF2B5EF4-FFF2-40B4-BE49-F238E27FC236}">
+                <a16:creationId xmlns:a16="http://schemas.microsoft.com/office/drawing/2014/main" id="{9FF29DF2-272C-4DF5-B221-881A5195A6D4}"/>
+              </a:ext>
+            </a:extLst>
+          </p:cNvPr>
+          <p:cNvSpPr>
+            <a:spLocks noGrp="1" noChangeArrowheads="1"/>
+          </p:cNvSpPr>
+          <p:nvPr>
+            <p:ph type="dt" sz="half" idx="10"/>
+          </p:nvPr>
+        </p:nvSpPr>
+        <p:spPr>
+          <a:ln/>
+        </p:spPr>
+        <p:txBody>
+          <a:bodyPr/>
+          <a:lstStyle>
+            <a:lvl1pPr>
+              <a:defRPr/>
+            </a:lvl1pPr>
+          </a:lstStyle>
+          <a:p>
+            <a:pPr>
+              <a:defRPr/>
+            </a:pPr>
+            <a:endParaRPr lang="en-US" altLang="en-US"/>
+          </a:p>
+        </p:txBody>
+      </p:sp>
+      <p:sp>
+        <p:nvSpPr>
+          <p:cNvPr id="6" name="Rectangle 7">
+            <a:extLst>
+              <a:ext uri="{FF2B5EF4-FFF2-40B4-BE49-F238E27FC236}">
+                <a16:creationId xmlns:a16="http://schemas.microsoft.com/office/drawing/2014/main" id="{D09118A7-F379-40D4-9D97-8583589080EA}"/>
+              </a:ext>
+            </a:extLst>
+          </p:cNvPr>
+          <p:cNvSpPr>
+            <a:spLocks noGrp="1" noChangeArrowheads="1"/>
+          </p:cNvSpPr>
+          <p:nvPr>
+            <p:ph type="sldNum" sz="quarter" idx="11"/>
+          </p:nvPr>
+        </p:nvSpPr>
+        <p:spPr>
+          <a:ln/>
+        </p:spPr>
+        <p:txBody>
+          <a:bodyPr/>
+          <a:lstStyle>
+            <a:lvl1pPr>
+              <a:defRPr/>
+            </a:lvl1pPr>
+          </a:lstStyle>
+          <a:p>
+            <a:pPr>
+              <a:defRPr/>
+            </a:pPr>
+            <a:fld id="{CAF9C78E-A5C9-4AFB-8616-E10027409AA0}" type="slidenum">
+              <a:rPr lang="en-US" altLang="en-US"/>
+              <a:pPr>
+                <a:defRPr/>
+              </a:pPr>
+              <a:t>‹#›</a:t>
+            </a:fld>
+            <a:endParaRPr lang="en-US" altLang="en-US"/>
+          </a:p>
+        </p:txBody>
+      </p:sp>
+    </p:spTree>
+    <p:extLst>
+      <p:ext uri="{BB962C8B-B14F-4D97-AF65-F5344CB8AC3E}">
+        <p14:creationId xmlns:p14="http://schemas.microsoft.com/office/powerpoint/2010/main" val="531613983"/>
+      </p:ext>
+    </p:extLst>
+  </p:cSld>
+  <p:clrMapOvr>
+    <a:masterClrMapping/>
+  </p:clrMapOvr>
+</p:sldLayout>
+</file>
+
+<file path=ppt/slideLayouts/slideLayout11.xml><?xml version="1.0" encoding="utf-8"?>
+<p:sldLayout xmlns:a="http://schemas.openxmlformats.org/drawingml/2006/main" xmlns:r="http://schemas.openxmlformats.org/officeDocument/2006/relationships" xmlns:p="http://schemas.openxmlformats.org/presentationml/2006/main" type="vertTx" preserve="1">
+  <p:cSld name="Title and Vertical Text">
+    <p:spTree>
+      <p:nvGrpSpPr>
+        <p:cNvPr id="1" name=""/>
+        <p:cNvGrpSpPr/>
+        <p:nvPr/>
+      </p:nvGrpSpPr>
+      <p:grpSpPr>
+        <a:xfrm>
+          <a:off x="0" y="0"/>
+          <a:ext cx="0" cy="0"/>
+          <a:chOff x="0" y="0"/>
+          <a:chExt cx="0" cy="0"/>
+        </a:xfrm>
+      </p:grpSpPr>
+      <p:sp>
+        <p:nvSpPr>
+          <p:cNvPr id="2" name="Title 1"/>
+          <p:cNvSpPr>
+            <a:spLocks noGrp="1"/>
+          </p:cNvSpPr>
+          <p:nvPr>
+            <p:ph type="title"/>
+          </p:nvPr>
+        </p:nvSpPr>
+        <p:spPr/>
+        <p:txBody>
+          <a:bodyPr/>
+          <a:lstStyle/>
+          <a:p>
+            <a:r>
+              <a:rPr lang="en-US"/>
+              <a:t>Click to edit Master title style</a:t>
+            </a:r>
+          </a:p>
+        </p:txBody>
+      </p:sp>
+      <p:sp>
+        <p:nvSpPr>
+          <p:cNvPr id="3" name="Vertical Text Placeholder 2"/>
+          <p:cNvSpPr>
+            <a:spLocks noGrp="1"/>
+          </p:cNvSpPr>
+          <p:nvPr>
+            <p:ph type="body" orient="vert" idx="1"/>
+          </p:nvPr>
+        </p:nvSpPr>
+        <p:spPr/>
+        <p:txBody>
+          <a:bodyPr vert="eaVert"/>
+          <a:lstStyle/>
+          <a:p>
+            <a:pPr lvl="0"/>
+            <a:r>
+              <a:rPr lang="en-US"/>
+              <a:t>Click to edit Master text styles</a:t>
+            </a:r>
+          </a:p>
+          <a:p>
+            <a:pPr lvl="1"/>
+            <a:r>
+              <a:rPr lang="en-US"/>
+              <a:t>Second level</a:t>
+            </a:r>
+          </a:p>
+          <a:p>
+            <a:pPr lvl="2"/>
+            <a:r>
+              <a:rPr lang="en-US"/>
+              <a:t>Third level</a:t>
+            </a:r>
+          </a:p>
+          <a:p>
+            <a:pPr lvl="3"/>
+            <a:r>
+              <a:rPr lang="en-US"/>
+              <a:t>Fourth level</a:t>
+            </a:r>
+          </a:p>
+          <a:p>
+            <a:pPr lvl="4"/>
+            <a:r>
+              <a:rPr lang="en-US"/>
+              <a:t>Fifth level</a:t>
+            </a:r>
+          </a:p>
+        </p:txBody>
+      </p:sp>
+      <p:sp>
+        <p:nvSpPr>
+          <p:cNvPr id="4" name="Rectangle 5">
+            <a:extLst>
+              <a:ext uri="{FF2B5EF4-FFF2-40B4-BE49-F238E27FC236}">
+                <a16:creationId xmlns:a16="http://schemas.microsoft.com/office/drawing/2014/main" id="{03CE7503-63EE-4C4E-8094-F36FF8B4A27F}"/>
+              </a:ext>
+            </a:extLst>
+          </p:cNvPr>
+          <p:cNvSpPr>
+            <a:spLocks noGrp="1" noChangeArrowheads="1"/>
+          </p:cNvSpPr>
+          <p:nvPr>
+            <p:ph type="dt" sz="half" idx="10"/>
+          </p:nvPr>
+        </p:nvSpPr>
+        <p:spPr>
+          <a:ln/>
+        </p:spPr>
+        <p:txBody>
+          <a:bodyPr/>
+          <a:lstStyle>
+            <a:lvl1pPr>
+              <a:defRPr/>
+            </a:lvl1pPr>
+          </a:lstStyle>
+          <a:p>
+            <a:pPr>
+              <a:defRPr/>
+            </a:pPr>
+            <a:endParaRPr lang="en-US" altLang="en-US"/>
+          </a:p>
+        </p:txBody>
+      </p:sp>
+      <p:sp>
+        <p:nvSpPr>
+          <p:cNvPr id="5" name="Rectangle 7">
+            <a:extLst>
+              <a:ext uri="{FF2B5EF4-FFF2-40B4-BE49-F238E27FC236}">
+                <a16:creationId xmlns:a16="http://schemas.microsoft.com/office/drawing/2014/main" id="{1F6A88E6-22F7-4324-B512-7A0D4CC98240}"/>
+              </a:ext>
+            </a:extLst>
+          </p:cNvPr>
+          <p:cNvSpPr>
+            <a:spLocks noGrp="1" noChangeArrowheads="1"/>
+          </p:cNvSpPr>
+          <p:nvPr>
+            <p:ph type="sldNum" sz="quarter" idx="11"/>
+          </p:nvPr>
+        </p:nvSpPr>
+        <p:spPr>
+          <a:ln/>
+        </p:spPr>
+        <p:txBody>
+          <a:bodyPr/>
+          <a:lstStyle>
+            <a:lvl1pPr>
+              <a:defRPr/>
+            </a:lvl1pPr>
+          </a:lstStyle>
+          <a:p>
+            <a:pPr>
+              <a:defRPr/>
+            </a:pPr>
+            <a:fld id="{54886259-D9D7-4C1C-8916-165CECB78B7F}" type="slidenum">
+              <a:rPr lang="en-US" altLang="en-US"/>
+              <a:pPr>
+                <a:defRPr/>
+              </a:pPr>
+              <a:t>‹#›</a:t>
+            </a:fld>
+            <a:endParaRPr lang="en-US" altLang="en-US"/>
+          </a:p>
+        </p:txBody>
+      </p:sp>
+    </p:spTree>
+    <p:extLst>
+      <p:ext uri="{BB962C8B-B14F-4D97-AF65-F5344CB8AC3E}">
+        <p14:creationId xmlns:p14="http://schemas.microsoft.com/office/powerpoint/2010/main" val="3209616200"/>
+      </p:ext>
+    </p:extLst>
+  </p:cSld>
+  <p:clrMapOvr>
+    <a:masterClrMapping/>
+  </p:clrMapOvr>
+</p:sldLayout>
+</file>
+
+<file path=ppt/slideLayouts/slideLayout12.xml><?xml version="1.0" encoding="utf-8"?>
+<p:sldLayout xmlns:a="http://schemas.openxmlformats.org/drawingml/2006/main" xmlns:r="http://schemas.openxmlformats.org/officeDocument/2006/relationships" xmlns:p="http://schemas.openxmlformats.org/presentationml/2006/main" type="vertTitleAndTx" preserve="1">
+  <p:cSld name="Vertical Title and Text">
+    <p:spTree>
+      <p:nvGrpSpPr>
+        <p:cNvPr id="1" name=""/>
+        <p:cNvGrpSpPr/>
+        <p:nvPr/>
+      </p:nvGrpSpPr>
+      <p:grpSpPr>
+        <a:xfrm>
+          <a:off x="0" y="0"/>
+          <a:ext cx="0" cy="0"/>
+          <a:chOff x="0" y="0"/>
+          <a:chExt cx="0" cy="0"/>
+        </a:xfrm>
+      </p:grpSpPr>
+      <p:sp>
+        <p:nvSpPr>
+          <p:cNvPr id="2" name="Vertical Title 1"/>
+          <p:cNvSpPr>
+            <a:spLocks noGrp="1"/>
+          </p:cNvSpPr>
+          <p:nvPr>
+            <p:ph type="title" orient="vert"/>
+          </p:nvPr>
+        </p:nvSpPr>
+        <p:spPr>
+          <a:xfrm>
+            <a:off x="8839200" y="258763"/>
+            <a:ext cx="2743200" cy="5872162"/>
+          </a:xfrm>
+        </p:spPr>
+        <p:txBody>
+          <a:bodyPr vert="eaVert"/>
+          <a:lstStyle/>
+          <a:p>
+            <a:r>
+              <a:rPr lang="en-US"/>
+              <a:t>Click to edit Master title style</a:t>
+            </a:r>
+          </a:p>
+        </p:txBody>
+      </p:sp>
+      <p:sp>
+        <p:nvSpPr>
+          <p:cNvPr id="3" name="Vertical Text Placeholder 2"/>
+          <p:cNvSpPr>
+            <a:spLocks noGrp="1"/>
+          </p:cNvSpPr>
+          <p:nvPr>
+            <p:ph type="body" orient="vert" idx="1"/>
+          </p:nvPr>
+        </p:nvSpPr>
+        <p:spPr>
+          <a:xfrm>
+            <a:off x="609600" y="258763"/>
+            <a:ext cx="8026400" cy="5872162"/>
+          </a:xfrm>
+        </p:spPr>
+        <p:txBody>
+          <a:bodyPr vert="eaVert"/>
+          <a:lstStyle/>
+          <a:p>
+            <a:pPr lvl="0"/>
+            <a:r>
+              <a:rPr lang="en-US"/>
+              <a:t>Click to edit Master text styles</a:t>
+            </a:r>
+          </a:p>
+          <a:p>
+            <a:pPr lvl="1"/>
+            <a:r>
+              <a:rPr lang="en-US"/>
+              <a:t>Second level</a:t>
+            </a:r>
+          </a:p>
+          <a:p>
+            <a:pPr lvl="2"/>
+            <a:r>
+              <a:rPr lang="en-US"/>
+              <a:t>Third level</a:t>
+            </a:r>
+          </a:p>
+          <a:p>
+            <a:pPr lvl="3"/>
+            <a:r>
+              <a:rPr lang="en-US"/>
+              <a:t>Fourth level</a:t>
+            </a:r>
+          </a:p>
+          <a:p>
+            <a:pPr lvl="4"/>
+            <a:r>
+              <a:rPr lang="en-US"/>
+              <a:t>Fifth level</a:t>
+            </a:r>
+          </a:p>
+        </p:txBody>
+      </p:sp>
+      <p:sp>
+        <p:nvSpPr>
+          <p:cNvPr id="4" name="Rectangle 5">
+            <a:extLst>
+              <a:ext uri="{FF2B5EF4-FFF2-40B4-BE49-F238E27FC236}">
+                <a16:creationId xmlns:a16="http://schemas.microsoft.com/office/drawing/2014/main" id="{F9B1BA2A-A593-4A6F-856A-6A4DF805BC18}"/>
+              </a:ext>
+            </a:extLst>
+          </p:cNvPr>
+          <p:cNvSpPr>
+            <a:spLocks noGrp="1" noChangeArrowheads="1"/>
+          </p:cNvSpPr>
+          <p:nvPr>
+            <p:ph type="dt" sz="half" idx="10"/>
+          </p:nvPr>
+        </p:nvSpPr>
+        <p:spPr>
+          <a:ln/>
+        </p:spPr>
+        <p:txBody>
+          <a:bodyPr/>
+          <a:lstStyle>
+            <a:lvl1pPr>
+              <a:defRPr/>
+            </a:lvl1pPr>
+          </a:lstStyle>
+          <a:p>
+            <a:pPr>
+              <a:defRPr/>
+            </a:pPr>
+            <a:endParaRPr lang="en-US" altLang="en-US"/>
+          </a:p>
+        </p:txBody>
+      </p:sp>
+      <p:sp>
+        <p:nvSpPr>
+          <p:cNvPr id="5" name="Rectangle 7">
+            <a:extLst>
+              <a:ext uri="{FF2B5EF4-FFF2-40B4-BE49-F238E27FC236}">
+                <a16:creationId xmlns:a16="http://schemas.microsoft.com/office/drawing/2014/main" id="{530A78FB-FB8F-46F8-9E33-20185F737707}"/>
+              </a:ext>
+            </a:extLst>
+          </p:cNvPr>
+          <p:cNvSpPr>
+            <a:spLocks noGrp="1" noChangeArrowheads="1"/>
+          </p:cNvSpPr>
+          <p:nvPr>
+            <p:ph type="sldNum" sz="quarter" idx="11"/>
+          </p:nvPr>
+        </p:nvSpPr>
+        <p:spPr>
+          <a:ln/>
+        </p:spPr>
+        <p:txBody>
+          <a:bodyPr/>
+          <a:lstStyle>
+            <a:lvl1pPr>
+              <a:defRPr/>
+            </a:lvl1pPr>
+          </a:lstStyle>
+          <a:p>
+            <a:pPr>
+              <a:defRPr/>
+            </a:pPr>
+            <a:fld id="{C8E5750F-FCEB-4C05-818D-099E50DA6AF2}" type="slidenum">
+              <a:rPr lang="en-US" altLang="en-US"/>
+              <a:pPr>
+                <a:defRPr/>
+              </a:pPr>
+              <a:t>‹#›</a:t>
+            </a:fld>
+            <a:endParaRPr lang="en-US" altLang="en-US"/>
+          </a:p>
+        </p:txBody>
+      </p:sp>
+    </p:spTree>
+    <p:extLst>
+      <p:ext uri="{BB962C8B-B14F-4D97-AF65-F5344CB8AC3E}">
+        <p14:creationId xmlns:p14="http://schemas.microsoft.com/office/powerpoint/2010/main" val="1609942934"/>
+      </p:ext>
+    </p:extLst>
+  </p:cSld>
+  <p:clrMapOvr>
+    <a:masterClrMapping/>
+  </p:clrMapOvr>
+</p:sldLayout>
+</file>
+
+<file path=ppt/slideLayouts/slideLayout2.xml><?xml version="1.0" encoding="utf-8"?>
 <p:sldLayout xmlns:a="http://schemas.openxmlformats.org/drawingml/2006/main" xmlns:r="http://schemas.openxmlformats.org/officeDocument/2006/relationships" xmlns:p="http://schemas.openxmlformats.org/presentationml/2006/main" type="title" preserve="1">
   <p:cSld name="Title Slide">
     <p:spTree>
@@ -1056,7 +1062,7 @@
 </p:sldLayout>
 </file>
 
-<file path=ppt/slideLayouts/slideLayout14.xml><?xml version="1.0" encoding="utf-8"?>
+<file path=ppt/slideLayouts/slideLayout3.xml><?xml version="1.0" encoding="utf-8"?>
 <p:sldLayout xmlns:a="http://schemas.openxmlformats.org/drawingml/2006/main" xmlns:r="http://schemas.openxmlformats.org/officeDocument/2006/relationships" xmlns:p="http://schemas.openxmlformats.org/presentationml/2006/main" type="obj" preserve="1">
   <p:cSld name="Title and Content">
     <p:spTree>
@@ -1234,7 +1240,7 @@
 </p:sldLayout>
 </file>
 
-<file path=ppt/slideLayouts/slideLayout15.xml><?xml version="1.0" encoding="utf-8"?>
+<file path=ppt/slideLayouts/slideLayout4.xml><?xml version="1.0" encoding="utf-8"?>
 <p:sldLayout xmlns:a="http://schemas.openxmlformats.org/drawingml/2006/main" xmlns:r="http://schemas.openxmlformats.org/officeDocument/2006/relationships" xmlns:p="http://schemas.openxmlformats.org/presentationml/2006/main" type="secHead" preserve="1">
   <p:cSld name="Section Header">
     <p:spTree>
@@ -1435,7 +1441,7 @@
 </p:sldLayout>
 </file>
 
-<file path=ppt/slideLayouts/slideLayout16.xml><?xml version="1.0" encoding="utf-8"?>
+<file path=ppt/slideLayouts/slideLayout5.xml><?xml version="1.0" encoding="utf-8"?>
 <p:sldLayout xmlns:a="http://schemas.openxmlformats.org/drawingml/2006/main" xmlns:r="http://schemas.openxmlformats.org/officeDocument/2006/relationships" xmlns:p="http://schemas.openxmlformats.org/presentationml/2006/main" type="twoObj" preserve="1">
   <p:cSld name="Two Content">
     <p:spTree>
@@ -1730,7 +1736,7 @@
 </p:sldLayout>
 </file>
 
-<file path=ppt/slideLayouts/slideLayout17.xml><?xml version="1.0" encoding="utf-8"?>
+<file path=ppt/slideLayouts/slideLayout6.xml><?xml version="1.0" encoding="utf-8"?>
 <p:sldLayout xmlns:a="http://schemas.openxmlformats.org/drawingml/2006/main" xmlns:r="http://schemas.openxmlformats.org/officeDocument/2006/relationships" xmlns:p="http://schemas.openxmlformats.org/presentationml/2006/main" type="twoTxTwoObj" preserve="1">
   <p:cSld name="Comparison">
     <p:spTree>
@@ -2164,7 +2170,7 @@
 </p:sldLayout>
 </file>
 
-<file path=ppt/slideLayouts/slideLayout18.xml><?xml version="1.0" encoding="utf-8"?>
+<file path=ppt/slideLayouts/slideLayout7.xml><?xml version="1.0" encoding="utf-8"?>
 <p:sldLayout xmlns:a="http://schemas.openxmlformats.org/drawingml/2006/main" xmlns:r="http://schemas.openxmlformats.org/officeDocument/2006/relationships" xmlns:p="http://schemas.openxmlformats.org/presentationml/2006/main" type="titleOnly" preserve="1">
   <p:cSld name="Title Only">
     <p:spTree>
@@ -2291,7 +2297,7 @@
 </p:sldLayout>
 </file>
 
-<file path=ppt/slideLayouts/slideLayout19.xml><?xml version="1.0" encoding="utf-8"?>
+<file path=ppt/slideLayouts/slideLayout8.xml><?xml version="1.0" encoding="utf-8"?>
 <p:sldLayout xmlns:a="http://schemas.openxmlformats.org/drawingml/2006/main" xmlns:r="http://schemas.openxmlformats.org/officeDocument/2006/relationships" xmlns:p="http://schemas.openxmlformats.org/presentationml/2006/main" type="blank" preserve="1">
   <p:cSld name="Blank">
     <p:spTree>
@@ -2396,205 +2402,7 @@
 </p:sldLayout>
 </file>
 
-<file path=ppt/slideLayouts/slideLayout2.xml><?xml version="1.0" encoding="utf-8"?>
-<p:sldLayout xmlns:a="http://schemas.openxmlformats.org/drawingml/2006/main" xmlns:r="http://schemas.openxmlformats.org/officeDocument/2006/relationships" xmlns:p="http://schemas.openxmlformats.org/presentationml/2006/main" type="obj" preserve="1">
-  <p:cSld name="Title and Content">
-    <p:spTree>
-      <p:nvGrpSpPr>
-        <p:cNvPr id="1" name=""/>
-        <p:cNvGrpSpPr/>
-        <p:nvPr/>
-      </p:nvGrpSpPr>
-      <p:grpSpPr>
-        <a:xfrm>
-          <a:off x="0" y="0"/>
-          <a:ext cx="0" cy="0"/>
-          <a:chOff x="0" y="0"/>
-          <a:chExt cx="0" cy="0"/>
-        </a:xfrm>
-      </p:grpSpPr>
-      <p:sp>
-        <p:nvSpPr>
-          <p:cNvPr id="2" name="Title 1">
-            <a:extLst>
-              <a:ext uri="{FF2B5EF4-FFF2-40B4-BE49-F238E27FC236}">
-                <a16:creationId xmlns:a16="http://schemas.microsoft.com/office/drawing/2014/main" id="{F23EE51D-32E7-455C-8775-84859BEFC288}"/>
-              </a:ext>
-            </a:extLst>
-          </p:cNvPr>
-          <p:cNvSpPr>
-            <a:spLocks noGrp="1"/>
-          </p:cNvSpPr>
-          <p:nvPr>
-            <p:ph type="title"/>
-          </p:nvPr>
-        </p:nvSpPr>
-        <p:spPr/>
-        <p:txBody>
-          <a:bodyPr/>
-          <a:lstStyle/>
-          <a:p>
-            <a:r>
-              <a:rPr lang="en-US"/>
-              <a:t>Click to edit Master title style</a:t>
-            </a:r>
-          </a:p>
-        </p:txBody>
-      </p:sp>
-      <p:sp>
-        <p:nvSpPr>
-          <p:cNvPr id="3" name="Content Placeholder 2">
-            <a:extLst>
-              <a:ext uri="{FF2B5EF4-FFF2-40B4-BE49-F238E27FC236}">
-                <a16:creationId xmlns:a16="http://schemas.microsoft.com/office/drawing/2014/main" id="{1944C5F8-26E4-4FF0-9A54-22459A5F703D}"/>
-              </a:ext>
-            </a:extLst>
-          </p:cNvPr>
-          <p:cNvSpPr>
-            <a:spLocks noGrp="1"/>
-          </p:cNvSpPr>
-          <p:nvPr>
-            <p:ph idx="1"/>
-          </p:nvPr>
-        </p:nvSpPr>
-        <p:spPr/>
-        <p:txBody>
-          <a:bodyPr/>
-          <a:lstStyle/>
-          <a:p>
-            <a:pPr lvl="0"/>
-            <a:r>
-              <a:rPr lang="en-US"/>
-              <a:t>Click to edit Master text styles</a:t>
-            </a:r>
-          </a:p>
-          <a:p>
-            <a:pPr lvl="1"/>
-            <a:r>
-              <a:rPr lang="en-US"/>
-              <a:t>Second level</a:t>
-            </a:r>
-          </a:p>
-          <a:p>
-            <a:pPr lvl="2"/>
-            <a:r>
-              <a:rPr lang="en-US"/>
-              <a:t>Third level</a:t>
-            </a:r>
-          </a:p>
-          <a:p>
-            <a:pPr lvl="3"/>
-            <a:r>
-              <a:rPr lang="en-US"/>
-              <a:t>Fourth level</a:t>
-            </a:r>
-          </a:p>
-          <a:p>
-            <a:pPr lvl="4"/>
-            <a:r>
-              <a:rPr lang="en-US"/>
-              <a:t>Fifth level</a:t>
-            </a:r>
-          </a:p>
-        </p:txBody>
-      </p:sp>
-      <p:sp>
-        <p:nvSpPr>
-          <p:cNvPr id="4" name="Date Placeholder 3">
-            <a:extLst>
-              <a:ext uri="{FF2B5EF4-FFF2-40B4-BE49-F238E27FC236}">
-                <a16:creationId xmlns:a16="http://schemas.microsoft.com/office/drawing/2014/main" id="{C44990F0-1764-4B7F-A3F9-C91B1B185007}"/>
-              </a:ext>
-            </a:extLst>
-          </p:cNvPr>
-          <p:cNvSpPr>
-            <a:spLocks noGrp="1"/>
-          </p:cNvSpPr>
-          <p:nvPr>
-            <p:ph type="dt" sz="half" idx="10"/>
-          </p:nvPr>
-        </p:nvSpPr>
-        <p:spPr/>
-        <p:txBody>
-          <a:bodyPr/>
-          <a:lstStyle/>
-          <a:p>
-            <a:fld id="{16E9F111-BE43-41A1-8F1F-F15EF01C26C9}" type="datetimeFigureOut">
-              <a:rPr lang="en-US" smtClean="0"/>
-              <a:t>8/31/2021</a:t>
-            </a:fld>
-            <a:endParaRPr lang="en-US"/>
-          </a:p>
-        </p:txBody>
-      </p:sp>
-      <p:sp>
-        <p:nvSpPr>
-          <p:cNvPr id="5" name="Footer Placeholder 4">
-            <a:extLst>
-              <a:ext uri="{FF2B5EF4-FFF2-40B4-BE49-F238E27FC236}">
-                <a16:creationId xmlns:a16="http://schemas.microsoft.com/office/drawing/2014/main" id="{F8E418C6-9137-42A6-A070-F8E07F69CE1C}"/>
-              </a:ext>
-            </a:extLst>
-          </p:cNvPr>
-          <p:cNvSpPr>
-            <a:spLocks noGrp="1"/>
-          </p:cNvSpPr>
-          <p:nvPr>
-            <p:ph type="ftr" sz="quarter" idx="11"/>
-          </p:nvPr>
-        </p:nvSpPr>
-        <p:spPr/>
-        <p:txBody>
-          <a:bodyPr/>
-          <a:lstStyle/>
-          <a:p>
-            <a:endParaRPr lang="en-US"/>
-          </a:p>
-        </p:txBody>
-      </p:sp>
-      <p:sp>
-        <p:nvSpPr>
-          <p:cNvPr id="6" name="Slide Number Placeholder 5">
-            <a:extLst>
-              <a:ext uri="{FF2B5EF4-FFF2-40B4-BE49-F238E27FC236}">
-                <a16:creationId xmlns:a16="http://schemas.microsoft.com/office/drawing/2014/main" id="{B8DE9692-6A72-4B29-84D4-2C50967DCEAC}"/>
-              </a:ext>
-            </a:extLst>
-          </p:cNvPr>
-          <p:cNvSpPr>
-            <a:spLocks noGrp="1"/>
-          </p:cNvSpPr>
-          <p:nvPr>
-            <p:ph type="sldNum" sz="quarter" idx="12"/>
-          </p:nvPr>
-        </p:nvSpPr>
-        <p:spPr/>
-        <p:txBody>
-          <a:bodyPr/>
-          <a:lstStyle/>
-          <a:p>
-            <a:fld id="{4260D868-C467-41FF-9153-78355E86D2DF}" type="slidenum">
-              <a:rPr lang="en-US" smtClean="0"/>
-              <a:t>‹#›</a:t>
-            </a:fld>
-            <a:endParaRPr lang="en-US"/>
-          </a:p>
-        </p:txBody>
-      </p:sp>
-    </p:spTree>
-    <p:extLst>
-      <p:ext uri="{BB962C8B-B14F-4D97-AF65-F5344CB8AC3E}">
-        <p14:creationId xmlns:p14="http://schemas.microsoft.com/office/powerpoint/2010/main" val="3890334973"/>
-      </p:ext>
-    </p:extLst>
-  </p:cSld>
-  <p:clrMapOvr>
-    <a:masterClrMapping/>
-  </p:clrMapOvr>
-</p:sldLayout>
-</file>
-
-<file path=ppt/slideLayouts/slideLayout20.xml><?xml version="1.0" encoding="utf-8"?>
+<file path=ppt/slideLayouts/slideLayout9.xml><?xml version="1.0" encoding="utf-8"?>
 <p:sldLayout xmlns:a="http://schemas.openxmlformats.org/drawingml/2006/main" xmlns:r="http://schemas.openxmlformats.org/officeDocument/2006/relationships" xmlns:p="http://schemas.openxmlformats.org/presentationml/2006/main" type="objTx" preserve="1">
   <p:cSld name="Content with Caption">
     <p:spTree>
@@ -2879,3009 +2687,7 @@
 </p:sldLayout>
 </file>
 
-<file path=ppt/slideLayouts/slideLayout21.xml><?xml version="1.0" encoding="utf-8"?>
-<p:sldLayout xmlns:a="http://schemas.openxmlformats.org/drawingml/2006/main" xmlns:r="http://schemas.openxmlformats.org/officeDocument/2006/relationships" xmlns:p="http://schemas.openxmlformats.org/presentationml/2006/main" type="picTx" preserve="1">
-  <p:cSld name="Picture with Caption">
-    <p:spTree>
-      <p:nvGrpSpPr>
-        <p:cNvPr id="1" name=""/>
-        <p:cNvGrpSpPr/>
-        <p:nvPr/>
-      </p:nvGrpSpPr>
-      <p:grpSpPr>
-        <a:xfrm>
-          <a:off x="0" y="0"/>
-          <a:ext cx="0" cy="0"/>
-          <a:chOff x="0" y="0"/>
-          <a:chExt cx="0" cy="0"/>
-        </a:xfrm>
-      </p:grpSpPr>
-      <p:sp>
-        <p:nvSpPr>
-          <p:cNvPr id="2" name="Title 1"/>
-          <p:cNvSpPr>
-            <a:spLocks noGrp="1"/>
-          </p:cNvSpPr>
-          <p:nvPr>
-            <p:ph type="title"/>
-          </p:nvPr>
-        </p:nvSpPr>
-        <p:spPr>
-          <a:xfrm>
-            <a:off x="2389717" y="4800600"/>
-            <a:ext cx="7315200" cy="566738"/>
-          </a:xfrm>
-        </p:spPr>
-        <p:txBody>
-          <a:bodyPr/>
-          <a:lstStyle>
-            <a:lvl1pPr algn="l">
-              <a:defRPr sz="2000" b="1"/>
-            </a:lvl1pPr>
-          </a:lstStyle>
-          <a:p>
-            <a:r>
-              <a:rPr lang="en-US"/>
-              <a:t>Click to edit Master title style</a:t>
-            </a:r>
-          </a:p>
-        </p:txBody>
-      </p:sp>
-      <p:sp>
-        <p:nvSpPr>
-          <p:cNvPr id="3" name="Picture Placeholder 2"/>
-          <p:cNvSpPr>
-            <a:spLocks noGrp="1"/>
-          </p:cNvSpPr>
-          <p:nvPr>
-            <p:ph type="pic" idx="1"/>
-          </p:nvPr>
-        </p:nvSpPr>
-        <p:spPr>
-          <a:xfrm>
-            <a:off x="2389717" y="612775"/>
-            <a:ext cx="7315200" cy="4114800"/>
-          </a:xfrm>
-        </p:spPr>
-        <p:txBody>
-          <a:bodyPr/>
-          <a:lstStyle>
-            <a:lvl1pPr marL="0" indent="0">
-              <a:buNone/>
-              <a:defRPr sz="3200"/>
-            </a:lvl1pPr>
-            <a:lvl2pPr marL="457200" indent="0">
-              <a:buNone/>
-              <a:defRPr sz="2800"/>
-            </a:lvl2pPr>
-            <a:lvl3pPr marL="914400" indent="0">
-              <a:buNone/>
-              <a:defRPr sz="2400"/>
-            </a:lvl3pPr>
-            <a:lvl4pPr marL="1371600" indent="0">
-              <a:buNone/>
-              <a:defRPr sz="2000"/>
-            </a:lvl4pPr>
-            <a:lvl5pPr marL="1828800" indent="0">
-              <a:buNone/>
-              <a:defRPr sz="2000"/>
-            </a:lvl5pPr>
-            <a:lvl6pPr marL="2286000" indent="0">
-              <a:buNone/>
-              <a:defRPr sz="2000"/>
-            </a:lvl6pPr>
-            <a:lvl7pPr marL="2743200" indent="0">
-              <a:buNone/>
-              <a:defRPr sz="2000"/>
-            </a:lvl7pPr>
-            <a:lvl8pPr marL="3200400" indent="0">
-              <a:buNone/>
-              <a:defRPr sz="2000"/>
-            </a:lvl8pPr>
-            <a:lvl9pPr marL="3657600" indent="0">
-              <a:buNone/>
-              <a:defRPr sz="2000"/>
-            </a:lvl9pPr>
-          </a:lstStyle>
-          <a:p>
-            <a:pPr lvl="0"/>
-            <a:endParaRPr lang="en-US" noProof="0"/>
-          </a:p>
-        </p:txBody>
-      </p:sp>
-      <p:sp>
-        <p:nvSpPr>
-          <p:cNvPr id="4" name="Text Placeholder 3"/>
-          <p:cNvSpPr>
-            <a:spLocks noGrp="1"/>
-          </p:cNvSpPr>
-          <p:nvPr>
-            <p:ph type="body" sz="half" idx="2"/>
-          </p:nvPr>
-        </p:nvSpPr>
-        <p:spPr>
-          <a:xfrm>
-            <a:off x="2389717" y="5367338"/>
-            <a:ext cx="7315200" cy="804862"/>
-          </a:xfrm>
-        </p:spPr>
-        <p:txBody>
-          <a:bodyPr/>
-          <a:lstStyle>
-            <a:lvl1pPr marL="0" indent="0">
-              <a:buNone/>
-              <a:defRPr sz="1400"/>
-            </a:lvl1pPr>
-            <a:lvl2pPr marL="457200" indent="0">
-              <a:buNone/>
-              <a:defRPr sz="1200"/>
-            </a:lvl2pPr>
-            <a:lvl3pPr marL="914400" indent="0">
-              <a:buNone/>
-              <a:defRPr sz="1000"/>
-            </a:lvl3pPr>
-            <a:lvl4pPr marL="1371600" indent="0">
-              <a:buNone/>
-              <a:defRPr sz="900"/>
-            </a:lvl4pPr>
-            <a:lvl5pPr marL="1828800" indent="0">
-              <a:buNone/>
-              <a:defRPr sz="900"/>
-            </a:lvl5pPr>
-            <a:lvl6pPr marL="2286000" indent="0">
-              <a:buNone/>
-              <a:defRPr sz="900"/>
-            </a:lvl6pPr>
-            <a:lvl7pPr marL="2743200" indent="0">
-              <a:buNone/>
-              <a:defRPr sz="900"/>
-            </a:lvl7pPr>
-            <a:lvl8pPr marL="3200400" indent="0">
-              <a:buNone/>
-              <a:defRPr sz="900"/>
-            </a:lvl8pPr>
-            <a:lvl9pPr marL="3657600" indent="0">
-              <a:buNone/>
-              <a:defRPr sz="900"/>
-            </a:lvl9pPr>
-          </a:lstStyle>
-          <a:p>
-            <a:pPr lvl="0"/>
-            <a:r>
-              <a:rPr lang="en-US"/>
-              <a:t>Click to edit Master text styles</a:t>
-            </a:r>
-          </a:p>
-        </p:txBody>
-      </p:sp>
-      <p:sp>
-        <p:nvSpPr>
-          <p:cNvPr id="5" name="Rectangle 5">
-            <a:extLst>
-              <a:ext uri="{FF2B5EF4-FFF2-40B4-BE49-F238E27FC236}">
-                <a16:creationId xmlns:a16="http://schemas.microsoft.com/office/drawing/2014/main" id="{9FF29DF2-272C-4DF5-B221-881A5195A6D4}"/>
-              </a:ext>
-            </a:extLst>
-          </p:cNvPr>
-          <p:cNvSpPr>
-            <a:spLocks noGrp="1" noChangeArrowheads="1"/>
-          </p:cNvSpPr>
-          <p:nvPr>
-            <p:ph type="dt" sz="half" idx="10"/>
-          </p:nvPr>
-        </p:nvSpPr>
-        <p:spPr>
-          <a:ln/>
-        </p:spPr>
-        <p:txBody>
-          <a:bodyPr/>
-          <a:lstStyle>
-            <a:lvl1pPr>
-              <a:defRPr/>
-            </a:lvl1pPr>
-          </a:lstStyle>
-          <a:p>
-            <a:pPr>
-              <a:defRPr/>
-            </a:pPr>
-            <a:endParaRPr lang="en-US" altLang="en-US"/>
-          </a:p>
-        </p:txBody>
-      </p:sp>
-      <p:sp>
-        <p:nvSpPr>
-          <p:cNvPr id="6" name="Rectangle 7">
-            <a:extLst>
-              <a:ext uri="{FF2B5EF4-FFF2-40B4-BE49-F238E27FC236}">
-                <a16:creationId xmlns:a16="http://schemas.microsoft.com/office/drawing/2014/main" id="{D09118A7-F379-40D4-9D97-8583589080EA}"/>
-              </a:ext>
-            </a:extLst>
-          </p:cNvPr>
-          <p:cNvSpPr>
-            <a:spLocks noGrp="1" noChangeArrowheads="1"/>
-          </p:cNvSpPr>
-          <p:nvPr>
-            <p:ph type="sldNum" sz="quarter" idx="11"/>
-          </p:nvPr>
-        </p:nvSpPr>
-        <p:spPr>
-          <a:ln/>
-        </p:spPr>
-        <p:txBody>
-          <a:bodyPr/>
-          <a:lstStyle>
-            <a:lvl1pPr>
-              <a:defRPr/>
-            </a:lvl1pPr>
-          </a:lstStyle>
-          <a:p>
-            <a:pPr>
-              <a:defRPr/>
-            </a:pPr>
-            <a:fld id="{CAF9C78E-A5C9-4AFB-8616-E10027409AA0}" type="slidenum">
-              <a:rPr lang="en-US" altLang="en-US"/>
-              <a:pPr>
-                <a:defRPr/>
-              </a:pPr>
-              <a:t>‹#›</a:t>
-            </a:fld>
-            <a:endParaRPr lang="en-US" altLang="en-US"/>
-          </a:p>
-        </p:txBody>
-      </p:sp>
-    </p:spTree>
-    <p:extLst>
-      <p:ext uri="{BB962C8B-B14F-4D97-AF65-F5344CB8AC3E}">
-        <p14:creationId xmlns:p14="http://schemas.microsoft.com/office/powerpoint/2010/main" val="531613983"/>
-      </p:ext>
-    </p:extLst>
-  </p:cSld>
-  <p:clrMapOvr>
-    <a:masterClrMapping/>
-  </p:clrMapOvr>
-</p:sldLayout>
-</file>
-
-<file path=ppt/slideLayouts/slideLayout22.xml><?xml version="1.0" encoding="utf-8"?>
-<p:sldLayout xmlns:a="http://schemas.openxmlformats.org/drawingml/2006/main" xmlns:r="http://schemas.openxmlformats.org/officeDocument/2006/relationships" xmlns:p="http://schemas.openxmlformats.org/presentationml/2006/main" type="vertTx" preserve="1">
-  <p:cSld name="Title and Vertical Text">
-    <p:spTree>
-      <p:nvGrpSpPr>
-        <p:cNvPr id="1" name=""/>
-        <p:cNvGrpSpPr/>
-        <p:nvPr/>
-      </p:nvGrpSpPr>
-      <p:grpSpPr>
-        <a:xfrm>
-          <a:off x="0" y="0"/>
-          <a:ext cx="0" cy="0"/>
-          <a:chOff x="0" y="0"/>
-          <a:chExt cx="0" cy="0"/>
-        </a:xfrm>
-      </p:grpSpPr>
-      <p:sp>
-        <p:nvSpPr>
-          <p:cNvPr id="2" name="Title 1"/>
-          <p:cNvSpPr>
-            <a:spLocks noGrp="1"/>
-          </p:cNvSpPr>
-          <p:nvPr>
-            <p:ph type="title"/>
-          </p:nvPr>
-        </p:nvSpPr>
-        <p:spPr/>
-        <p:txBody>
-          <a:bodyPr/>
-          <a:lstStyle/>
-          <a:p>
-            <a:r>
-              <a:rPr lang="en-US"/>
-              <a:t>Click to edit Master title style</a:t>
-            </a:r>
-          </a:p>
-        </p:txBody>
-      </p:sp>
-      <p:sp>
-        <p:nvSpPr>
-          <p:cNvPr id="3" name="Vertical Text Placeholder 2"/>
-          <p:cNvSpPr>
-            <a:spLocks noGrp="1"/>
-          </p:cNvSpPr>
-          <p:nvPr>
-            <p:ph type="body" orient="vert" idx="1"/>
-          </p:nvPr>
-        </p:nvSpPr>
-        <p:spPr/>
-        <p:txBody>
-          <a:bodyPr vert="eaVert"/>
-          <a:lstStyle/>
-          <a:p>
-            <a:pPr lvl="0"/>
-            <a:r>
-              <a:rPr lang="en-US"/>
-              <a:t>Click to edit Master text styles</a:t>
-            </a:r>
-          </a:p>
-          <a:p>
-            <a:pPr lvl="1"/>
-            <a:r>
-              <a:rPr lang="en-US"/>
-              <a:t>Second level</a:t>
-            </a:r>
-          </a:p>
-          <a:p>
-            <a:pPr lvl="2"/>
-            <a:r>
-              <a:rPr lang="en-US"/>
-              <a:t>Third level</a:t>
-            </a:r>
-          </a:p>
-          <a:p>
-            <a:pPr lvl="3"/>
-            <a:r>
-              <a:rPr lang="en-US"/>
-              <a:t>Fourth level</a:t>
-            </a:r>
-          </a:p>
-          <a:p>
-            <a:pPr lvl="4"/>
-            <a:r>
-              <a:rPr lang="en-US"/>
-              <a:t>Fifth level</a:t>
-            </a:r>
-          </a:p>
-        </p:txBody>
-      </p:sp>
-      <p:sp>
-        <p:nvSpPr>
-          <p:cNvPr id="4" name="Rectangle 5">
-            <a:extLst>
-              <a:ext uri="{FF2B5EF4-FFF2-40B4-BE49-F238E27FC236}">
-                <a16:creationId xmlns:a16="http://schemas.microsoft.com/office/drawing/2014/main" id="{03CE7503-63EE-4C4E-8094-F36FF8B4A27F}"/>
-              </a:ext>
-            </a:extLst>
-          </p:cNvPr>
-          <p:cNvSpPr>
-            <a:spLocks noGrp="1" noChangeArrowheads="1"/>
-          </p:cNvSpPr>
-          <p:nvPr>
-            <p:ph type="dt" sz="half" idx="10"/>
-          </p:nvPr>
-        </p:nvSpPr>
-        <p:spPr>
-          <a:ln/>
-        </p:spPr>
-        <p:txBody>
-          <a:bodyPr/>
-          <a:lstStyle>
-            <a:lvl1pPr>
-              <a:defRPr/>
-            </a:lvl1pPr>
-          </a:lstStyle>
-          <a:p>
-            <a:pPr>
-              <a:defRPr/>
-            </a:pPr>
-            <a:endParaRPr lang="en-US" altLang="en-US"/>
-          </a:p>
-        </p:txBody>
-      </p:sp>
-      <p:sp>
-        <p:nvSpPr>
-          <p:cNvPr id="5" name="Rectangle 7">
-            <a:extLst>
-              <a:ext uri="{FF2B5EF4-FFF2-40B4-BE49-F238E27FC236}">
-                <a16:creationId xmlns:a16="http://schemas.microsoft.com/office/drawing/2014/main" id="{1F6A88E6-22F7-4324-B512-7A0D4CC98240}"/>
-              </a:ext>
-            </a:extLst>
-          </p:cNvPr>
-          <p:cNvSpPr>
-            <a:spLocks noGrp="1" noChangeArrowheads="1"/>
-          </p:cNvSpPr>
-          <p:nvPr>
-            <p:ph type="sldNum" sz="quarter" idx="11"/>
-          </p:nvPr>
-        </p:nvSpPr>
-        <p:spPr>
-          <a:ln/>
-        </p:spPr>
-        <p:txBody>
-          <a:bodyPr/>
-          <a:lstStyle>
-            <a:lvl1pPr>
-              <a:defRPr/>
-            </a:lvl1pPr>
-          </a:lstStyle>
-          <a:p>
-            <a:pPr>
-              <a:defRPr/>
-            </a:pPr>
-            <a:fld id="{54886259-D9D7-4C1C-8916-165CECB78B7F}" type="slidenum">
-              <a:rPr lang="en-US" altLang="en-US"/>
-              <a:pPr>
-                <a:defRPr/>
-              </a:pPr>
-              <a:t>‹#›</a:t>
-            </a:fld>
-            <a:endParaRPr lang="en-US" altLang="en-US"/>
-          </a:p>
-        </p:txBody>
-      </p:sp>
-    </p:spTree>
-    <p:extLst>
-      <p:ext uri="{BB962C8B-B14F-4D97-AF65-F5344CB8AC3E}">
-        <p14:creationId xmlns:p14="http://schemas.microsoft.com/office/powerpoint/2010/main" val="3209616200"/>
-      </p:ext>
-    </p:extLst>
-  </p:cSld>
-  <p:clrMapOvr>
-    <a:masterClrMapping/>
-  </p:clrMapOvr>
-</p:sldLayout>
-</file>
-
-<file path=ppt/slideLayouts/slideLayout23.xml><?xml version="1.0" encoding="utf-8"?>
-<p:sldLayout xmlns:a="http://schemas.openxmlformats.org/drawingml/2006/main" xmlns:r="http://schemas.openxmlformats.org/officeDocument/2006/relationships" xmlns:p="http://schemas.openxmlformats.org/presentationml/2006/main" type="vertTitleAndTx" preserve="1">
-  <p:cSld name="Vertical Title and Text">
-    <p:spTree>
-      <p:nvGrpSpPr>
-        <p:cNvPr id="1" name=""/>
-        <p:cNvGrpSpPr/>
-        <p:nvPr/>
-      </p:nvGrpSpPr>
-      <p:grpSpPr>
-        <a:xfrm>
-          <a:off x="0" y="0"/>
-          <a:ext cx="0" cy="0"/>
-          <a:chOff x="0" y="0"/>
-          <a:chExt cx="0" cy="0"/>
-        </a:xfrm>
-      </p:grpSpPr>
-      <p:sp>
-        <p:nvSpPr>
-          <p:cNvPr id="2" name="Vertical Title 1"/>
-          <p:cNvSpPr>
-            <a:spLocks noGrp="1"/>
-          </p:cNvSpPr>
-          <p:nvPr>
-            <p:ph type="title" orient="vert"/>
-          </p:nvPr>
-        </p:nvSpPr>
-        <p:spPr>
-          <a:xfrm>
-            <a:off x="8839200" y="258763"/>
-            <a:ext cx="2743200" cy="5872162"/>
-          </a:xfrm>
-        </p:spPr>
-        <p:txBody>
-          <a:bodyPr vert="eaVert"/>
-          <a:lstStyle/>
-          <a:p>
-            <a:r>
-              <a:rPr lang="en-US"/>
-              <a:t>Click to edit Master title style</a:t>
-            </a:r>
-          </a:p>
-        </p:txBody>
-      </p:sp>
-      <p:sp>
-        <p:nvSpPr>
-          <p:cNvPr id="3" name="Vertical Text Placeholder 2"/>
-          <p:cNvSpPr>
-            <a:spLocks noGrp="1"/>
-          </p:cNvSpPr>
-          <p:nvPr>
-            <p:ph type="body" orient="vert" idx="1"/>
-          </p:nvPr>
-        </p:nvSpPr>
-        <p:spPr>
-          <a:xfrm>
-            <a:off x="609600" y="258763"/>
-            <a:ext cx="8026400" cy="5872162"/>
-          </a:xfrm>
-        </p:spPr>
-        <p:txBody>
-          <a:bodyPr vert="eaVert"/>
-          <a:lstStyle/>
-          <a:p>
-            <a:pPr lvl="0"/>
-            <a:r>
-              <a:rPr lang="en-US"/>
-              <a:t>Click to edit Master text styles</a:t>
-            </a:r>
-          </a:p>
-          <a:p>
-            <a:pPr lvl="1"/>
-            <a:r>
-              <a:rPr lang="en-US"/>
-              <a:t>Second level</a:t>
-            </a:r>
-          </a:p>
-          <a:p>
-            <a:pPr lvl="2"/>
-            <a:r>
-              <a:rPr lang="en-US"/>
-              <a:t>Third level</a:t>
-            </a:r>
-          </a:p>
-          <a:p>
-            <a:pPr lvl="3"/>
-            <a:r>
-              <a:rPr lang="en-US"/>
-              <a:t>Fourth level</a:t>
-            </a:r>
-          </a:p>
-          <a:p>
-            <a:pPr lvl="4"/>
-            <a:r>
-              <a:rPr lang="en-US"/>
-              <a:t>Fifth level</a:t>
-            </a:r>
-          </a:p>
-        </p:txBody>
-      </p:sp>
-      <p:sp>
-        <p:nvSpPr>
-          <p:cNvPr id="4" name="Rectangle 5">
-            <a:extLst>
-              <a:ext uri="{FF2B5EF4-FFF2-40B4-BE49-F238E27FC236}">
-                <a16:creationId xmlns:a16="http://schemas.microsoft.com/office/drawing/2014/main" id="{F9B1BA2A-A593-4A6F-856A-6A4DF805BC18}"/>
-              </a:ext>
-            </a:extLst>
-          </p:cNvPr>
-          <p:cNvSpPr>
-            <a:spLocks noGrp="1" noChangeArrowheads="1"/>
-          </p:cNvSpPr>
-          <p:nvPr>
-            <p:ph type="dt" sz="half" idx="10"/>
-          </p:nvPr>
-        </p:nvSpPr>
-        <p:spPr>
-          <a:ln/>
-        </p:spPr>
-        <p:txBody>
-          <a:bodyPr/>
-          <a:lstStyle>
-            <a:lvl1pPr>
-              <a:defRPr/>
-            </a:lvl1pPr>
-          </a:lstStyle>
-          <a:p>
-            <a:pPr>
-              <a:defRPr/>
-            </a:pPr>
-            <a:endParaRPr lang="en-US" altLang="en-US"/>
-          </a:p>
-        </p:txBody>
-      </p:sp>
-      <p:sp>
-        <p:nvSpPr>
-          <p:cNvPr id="5" name="Rectangle 7">
-            <a:extLst>
-              <a:ext uri="{FF2B5EF4-FFF2-40B4-BE49-F238E27FC236}">
-                <a16:creationId xmlns:a16="http://schemas.microsoft.com/office/drawing/2014/main" id="{530A78FB-FB8F-46F8-9E33-20185F737707}"/>
-              </a:ext>
-            </a:extLst>
-          </p:cNvPr>
-          <p:cNvSpPr>
-            <a:spLocks noGrp="1" noChangeArrowheads="1"/>
-          </p:cNvSpPr>
-          <p:nvPr>
-            <p:ph type="sldNum" sz="quarter" idx="11"/>
-          </p:nvPr>
-        </p:nvSpPr>
-        <p:spPr>
-          <a:ln/>
-        </p:spPr>
-        <p:txBody>
-          <a:bodyPr/>
-          <a:lstStyle>
-            <a:lvl1pPr>
-              <a:defRPr/>
-            </a:lvl1pPr>
-          </a:lstStyle>
-          <a:p>
-            <a:pPr>
-              <a:defRPr/>
-            </a:pPr>
-            <a:fld id="{C8E5750F-FCEB-4C05-818D-099E50DA6AF2}" type="slidenum">
-              <a:rPr lang="en-US" altLang="en-US"/>
-              <a:pPr>
-                <a:defRPr/>
-              </a:pPr>
-              <a:t>‹#›</a:t>
-            </a:fld>
-            <a:endParaRPr lang="en-US" altLang="en-US"/>
-          </a:p>
-        </p:txBody>
-      </p:sp>
-    </p:spTree>
-    <p:extLst>
-      <p:ext uri="{BB962C8B-B14F-4D97-AF65-F5344CB8AC3E}">
-        <p14:creationId xmlns:p14="http://schemas.microsoft.com/office/powerpoint/2010/main" val="1609942934"/>
-      </p:ext>
-    </p:extLst>
-  </p:cSld>
-  <p:clrMapOvr>
-    <a:masterClrMapping/>
-  </p:clrMapOvr>
-</p:sldLayout>
-</file>
-
-<file path=ppt/slideLayouts/slideLayout3.xml><?xml version="1.0" encoding="utf-8"?>
-<p:sldLayout xmlns:a="http://schemas.openxmlformats.org/drawingml/2006/main" xmlns:r="http://schemas.openxmlformats.org/officeDocument/2006/relationships" xmlns:p="http://schemas.openxmlformats.org/presentationml/2006/main" type="secHead" preserve="1">
-  <p:cSld name="Section Header">
-    <p:spTree>
-      <p:nvGrpSpPr>
-        <p:cNvPr id="1" name=""/>
-        <p:cNvGrpSpPr/>
-        <p:nvPr/>
-      </p:nvGrpSpPr>
-      <p:grpSpPr>
-        <a:xfrm>
-          <a:off x="0" y="0"/>
-          <a:ext cx="0" cy="0"/>
-          <a:chOff x="0" y="0"/>
-          <a:chExt cx="0" cy="0"/>
-        </a:xfrm>
-      </p:grpSpPr>
-      <p:sp>
-        <p:nvSpPr>
-          <p:cNvPr id="2" name="Title 1">
-            <a:extLst>
-              <a:ext uri="{FF2B5EF4-FFF2-40B4-BE49-F238E27FC236}">
-                <a16:creationId xmlns:a16="http://schemas.microsoft.com/office/drawing/2014/main" id="{E48425F8-E7D5-4A0E-AB88-2103D17EF628}"/>
-              </a:ext>
-            </a:extLst>
-          </p:cNvPr>
-          <p:cNvSpPr>
-            <a:spLocks noGrp="1"/>
-          </p:cNvSpPr>
-          <p:nvPr>
-            <p:ph type="title"/>
-          </p:nvPr>
-        </p:nvSpPr>
-        <p:spPr>
-          <a:xfrm>
-            <a:off x="831850" y="1709738"/>
-            <a:ext cx="10515600" cy="2852737"/>
-          </a:xfrm>
-        </p:spPr>
-        <p:txBody>
-          <a:bodyPr anchor="b"/>
-          <a:lstStyle>
-            <a:lvl1pPr>
-              <a:defRPr sz="6000"/>
-            </a:lvl1pPr>
-          </a:lstStyle>
-          <a:p>
-            <a:r>
-              <a:rPr lang="en-US"/>
-              <a:t>Click to edit Master title style</a:t>
-            </a:r>
-          </a:p>
-        </p:txBody>
-      </p:sp>
-      <p:sp>
-        <p:nvSpPr>
-          <p:cNvPr id="3" name="Text Placeholder 2">
-            <a:extLst>
-              <a:ext uri="{FF2B5EF4-FFF2-40B4-BE49-F238E27FC236}">
-                <a16:creationId xmlns:a16="http://schemas.microsoft.com/office/drawing/2014/main" id="{FBB79984-0AD8-40AE-84B2-041DD826E73D}"/>
-              </a:ext>
-            </a:extLst>
-          </p:cNvPr>
-          <p:cNvSpPr>
-            <a:spLocks noGrp="1"/>
-          </p:cNvSpPr>
-          <p:nvPr>
-            <p:ph type="body" idx="1"/>
-          </p:nvPr>
-        </p:nvSpPr>
-        <p:spPr>
-          <a:xfrm>
-            <a:off x="831850" y="4589463"/>
-            <a:ext cx="10515600" cy="1500187"/>
-          </a:xfrm>
-        </p:spPr>
-        <p:txBody>
-          <a:bodyPr/>
-          <a:lstStyle>
-            <a:lvl1pPr marL="0" indent="0">
-              <a:buNone/>
-              <a:defRPr sz="2400">
-                <a:solidFill>
-                  <a:schemeClr val="tx1">
-                    <a:tint val="75000"/>
-                  </a:schemeClr>
-                </a:solidFill>
-              </a:defRPr>
-            </a:lvl1pPr>
-            <a:lvl2pPr marL="457200" indent="0">
-              <a:buNone/>
-              <a:defRPr sz="2000">
-                <a:solidFill>
-                  <a:schemeClr val="tx1">
-                    <a:tint val="75000"/>
-                  </a:schemeClr>
-                </a:solidFill>
-              </a:defRPr>
-            </a:lvl2pPr>
-            <a:lvl3pPr marL="914400" indent="0">
-              <a:buNone/>
-              <a:defRPr sz="1800">
-                <a:solidFill>
-                  <a:schemeClr val="tx1">
-                    <a:tint val="75000"/>
-                  </a:schemeClr>
-                </a:solidFill>
-              </a:defRPr>
-            </a:lvl3pPr>
-            <a:lvl4pPr marL="1371600" indent="0">
-              <a:buNone/>
-              <a:defRPr sz="1600">
-                <a:solidFill>
-                  <a:schemeClr val="tx1">
-                    <a:tint val="75000"/>
-                  </a:schemeClr>
-                </a:solidFill>
-              </a:defRPr>
-            </a:lvl4pPr>
-            <a:lvl5pPr marL="1828800" indent="0">
-              <a:buNone/>
-              <a:defRPr sz="1600">
-                <a:solidFill>
-                  <a:schemeClr val="tx1">
-                    <a:tint val="75000"/>
-                  </a:schemeClr>
-                </a:solidFill>
-              </a:defRPr>
-            </a:lvl5pPr>
-            <a:lvl6pPr marL="2286000" indent="0">
-              <a:buNone/>
-              <a:defRPr sz="1600">
-                <a:solidFill>
-                  <a:schemeClr val="tx1">
-                    <a:tint val="75000"/>
-                  </a:schemeClr>
-                </a:solidFill>
-              </a:defRPr>
-            </a:lvl6pPr>
-            <a:lvl7pPr marL="2743200" indent="0">
-              <a:buNone/>
-              <a:defRPr sz="1600">
-                <a:solidFill>
-                  <a:schemeClr val="tx1">
-                    <a:tint val="75000"/>
-                  </a:schemeClr>
-                </a:solidFill>
-              </a:defRPr>
-            </a:lvl7pPr>
-            <a:lvl8pPr marL="3200400" indent="0">
-              <a:buNone/>
-              <a:defRPr sz="1600">
-                <a:solidFill>
-                  <a:schemeClr val="tx1">
-                    <a:tint val="75000"/>
-                  </a:schemeClr>
-                </a:solidFill>
-              </a:defRPr>
-            </a:lvl8pPr>
-            <a:lvl9pPr marL="3657600" indent="0">
-              <a:buNone/>
-              <a:defRPr sz="1600">
-                <a:solidFill>
-                  <a:schemeClr val="tx1">
-                    <a:tint val="75000"/>
-                  </a:schemeClr>
-                </a:solidFill>
-              </a:defRPr>
-            </a:lvl9pPr>
-          </a:lstStyle>
-          <a:p>
-            <a:pPr lvl="0"/>
-            <a:r>
-              <a:rPr lang="en-US"/>
-              <a:t>Click to edit Master text styles</a:t>
-            </a:r>
-          </a:p>
-        </p:txBody>
-      </p:sp>
-      <p:sp>
-        <p:nvSpPr>
-          <p:cNvPr id="4" name="Date Placeholder 3">
-            <a:extLst>
-              <a:ext uri="{FF2B5EF4-FFF2-40B4-BE49-F238E27FC236}">
-                <a16:creationId xmlns:a16="http://schemas.microsoft.com/office/drawing/2014/main" id="{59A40995-D37D-4B41-B5E8-19C0DACF0BDD}"/>
-              </a:ext>
-            </a:extLst>
-          </p:cNvPr>
-          <p:cNvSpPr>
-            <a:spLocks noGrp="1"/>
-          </p:cNvSpPr>
-          <p:nvPr>
-            <p:ph type="dt" sz="half" idx="10"/>
-          </p:nvPr>
-        </p:nvSpPr>
-        <p:spPr/>
-        <p:txBody>
-          <a:bodyPr/>
-          <a:lstStyle/>
-          <a:p>
-            <a:fld id="{16E9F111-BE43-41A1-8F1F-F15EF01C26C9}" type="datetimeFigureOut">
-              <a:rPr lang="en-US" smtClean="0"/>
-              <a:t>8/31/2021</a:t>
-            </a:fld>
-            <a:endParaRPr lang="en-US"/>
-          </a:p>
-        </p:txBody>
-      </p:sp>
-      <p:sp>
-        <p:nvSpPr>
-          <p:cNvPr id="5" name="Footer Placeholder 4">
-            <a:extLst>
-              <a:ext uri="{FF2B5EF4-FFF2-40B4-BE49-F238E27FC236}">
-                <a16:creationId xmlns:a16="http://schemas.microsoft.com/office/drawing/2014/main" id="{69A931BB-0D9A-4FF4-8900-31901C883667}"/>
-              </a:ext>
-            </a:extLst>
-          </p:cNvPr>
-          <p:cNvSpPr>
-            <a:spLocks noGrp="1"/>
-          </p:cNvSpPr>
-          <p:nvPr>
-            <p:ph type="ftr" sz="quarter" idx="11"/>
-          </p:nvPr>
-        </p:nvSpPr>
-        <p:spPr/>
-        <p:txBody>
-          <a:bodyPr/>
-          <a:lstStyle/>
-          <a:p>
-            <a:endParaRPr lang="en-US"/>
-          </a:p>
-        </p:txBody>
-      </p:sp>
-      <p:sp>
-        <p:nvSpPr>
-          <p:cNvPr id="6" name="Slide Number Placeholder 5">
-            <a:extLst>
-              <a:ext uri="{FF2B5EF4-FFF2-40B4-BE49-F238E27FC236}">
-                <a16:creationId xmlns:a16="http://schemas.microsoft.com/office/drawing/2014/main" id="{4DD4D967-0EF9-4297-9237-CF5D715481BC}"/>
-              </a:ext>
-            </a:extLst>
-          </p:cNvPr>
-          <p:cNvSpPr>
-            <a:spLocks noGrp="1"/>
-          </p:cNvSpPr>
-          <p:nvPr>
-            <p:ph type="sldNum" sz="quarter" idx="12"/>
-          </p:nvPr>
-        </p:nvSpPr>
-        <p:spPr/>
-        <p:txBody>
-          <a:bodyPr/>
-          <a:lstStyle/>
-          <a:p>
-            <a:fld id="{4260D868-C467-41FF-9153-78355E86D2DF}" type="slidenum">
-              <a:rPr lang="en-US" smtClean="0"/>
-              <a:t>‹#›</a:t>
-            </a:fld>
-            <a:endParaRPr lang="en-US"/>
-          </a:p>
-        </p:txBody>
-      </p:sp>
-    </p:spTree>
-    <p:extLst>
-      <p:ext uri="{BB962C8B-B14F-4D97-AF65-F5344CB8AC3E}">
-        <p14:creationId xmlns:p14="http://schemas.microsoft.com/office/powerpoint/2010/main" val="3463831151"/>
-      </p:ext>
-    </p:extLst>
-  </p:cSld>
-  <p:clrMapOvr>
-    <a:masterClrMapping/>
-  </p:clrMapOvr>
-</p:sldLayout>
-</file>
-
-<file path=ppt/slideLayouts/slideLayout4.xml><?xml version="1.0" encoding="utf-8"?>
-<p:sldLayout xmlns:a="http://schemas.openxmlformats.org/drawingml/2006/main" xmlns:r="http://schemas.openxmlformats.org/officeDocument/2006/relationships" xmlns:p="http://schemas.openxmlformats.org/presentationml/2006/main" type="twoObj" preserve="1">
-  <p:cSld name="Two Content">
-    <p:spTree>
-      <p:nvGrpSpPr>
-        <p:cNvPr id="1" name=""/>
-        <p:cNvGrpSpPr/>
-        <p:nvPr/>
-      </p:nvGrpSpPr>
-      <p:grpSpPr>
-        <a:xfrm>
-          <a:off x="0" y="0"/>
-          <a:ext cx="0" cy="0"/>
-          <a:chOff x="0" y="0"/>
-          <a:chExt cx="0" cy="0"/>
-        </a:xfrm>
-      </p:grpSpPr>
-      <p:sp>
-        <p:nvSpPr>
-          <p:cNvPr id="2" name="Title 1">
-            <a:extLst>
-              <a:ext uri="{FF2B5EF4-FFF2-40B4-BE49-F238E27FC236}">
-                <a16:creationId xmlns:a16="http://schemas.microsoft.com/office/drawing/2014/main" id="{C0CD2459-F961-49CF-86A7-DF70457020E5}"/>
-              </a:ext>
-            </a:extLst>
-          </p:cNvPr>
-          <p:cNvSpPr>
-            <a:spLocks noGrp="1"/>
-          </p:cNvSpPr>
-          <p:nvPr>
-            <p:ph type="title"/>
-          </p:nvPr>
-        </p:nvSpPr>
-        <p:spPr/>
-        <p:txBody>
-          <a:bodyPr/>
-          <a:lstStyle/>
-          <a:p>
-            <a:r>
-              <a:rPr lang="en-US"/>
-              <a:t>Click to edit Master title style</a:t>
-            </a:r>
-          </a:p>
-        </p:txBody>
-      </p:sp>
-      <p:sp>
-        <p:nvSpPr>
-          <p:cNvPr id="3" name="Content Placeholder 2">
-            <a:extLst>
-              <a:ext uri="{FF2B5EF4-FFF2-40B4-BE49-F238E27FC236}">
-                <a16:creationId xmlns:a16="http://schemas.microsoft.com/office/drawing/2014/main" id="{5E516BC2-85F2-4075-99FC-200881C8C54A}"/>
-              </a:ext>
-            </a:extLst>
-          </p:cNvPr>
-          <p:cNvSpPr>
-            <a:spLocks noGrp="1"/>
-          </p:cNvSpPr>
-          <p:nvPr>
-            <p:ph sz="half" idx="1"/>
-          </p:nvPr>
-        </p:nvSpPr>
-        <p:spPr>
-          <a:xfrm>
-            <a:off x="838200" y="1825625"/>
-            <a:ext cx="5181600" cy="4351338"/>
-          </a:xfrm>
-        </p:spPr>
-        <p:txBody>
-          <a:bodyPr/>
-          <a:lstStyle/>
-          <a:p>
-            <a:pPr lvl="0"/>
-            <a:r>
-              <a:rPr lang="en-US"/>
-              <a:t>Click to edit Master text styles</a:t>
-            </a:r>
-          </a:p>
-          <a:p>
-            <a:pPr lvl="1"/>
-            <a:r>
-              <a:rPr lang="en-US"/>
-              <a:t>Second level</a:t>
-            </a:r>
-          </a:p>
-          <a:p>
-            <a:pPr lvl="2"/>
-            <a:r>
-              <a:rPr lang="en-US"/>
-              <a:t>Third level</a:t>
-            </a:r>
-          </a:p>
-          <a:p>
-            <a:pPr lvl="3"/>
-            <a:r>
-              <a:rPr lang="en-US"/>
-              <a:t>Fourth level</a:t>
-            </a:r>
-          </a:p>
-          <a:p>
-            <a:pPr lvl="4"/>
-            <a:r>
-              <a:rPr lang="en-US"/>
-              <a:t>Fifth level</a:t>
-            </a:r>
-          </a:p>
-        </p:txBody>
-      </p:sp>
-      <p:sp>
-        <p:nvSpPr>
-          <p:cNvPr id="4" name="Content Placeholder 3">
-            <a:extLst>
-              <a:ext uri="{FF2B5EF4-FFF2-40B4-BE49-F238E27FC236}">
-                <a16:creationId xmlns:a16="http://schemas.microsoft.com/office/drawing/2014/main" id="{F6FC1E1F-9194-43E7-9DB7-7612BB06D87D}"/>
-              </a:ext>
-            </a:extLst>
-          </p:cNvPr>
-          <p:cNvSpPr>
-            <a:spLocks noGrp="1"/>
-          </p:cNvSpPr>
-          <p:nvPr>
-            <p:ph sz="half" idx="2"/>
-          </p:nvPr>
-        </p:nvSpPr>
-        <p:spPr>
-          <a:xfrm>
-            <a:off x="6172200" y="1825625"/>
-            <a:ext cx="5181600" cy="4351338"/>
-          </a:xfrm>
-        </p:spPr>
-        <p:txBody>
-          <a:bodyPr/>
-          <a:lstStyle/>
-          <a:p>
-            <a:pPr lvl="0"/>
-            <a:r>
-              <a:rPr lang="en-US"/>
-              <a:t>Click to edit Master text styles</a:t>
-            </a:r>
-          </a:p>
-          <a:p>
-            <a:pPr lvl="1"/>
-            <a:r>
-              <a:rPr lang="en-US"/>
-              <a:t>Second level</a:t>
-            </a:r>
-          </a:p>
-          <a:p>
-            <a:pPr lvl="2"/>
-            <a:r>
-              <a:rPr lang="en-US"/>
-              <a:t>Third level</a:t>
-            </a:r>
-          </a:p>
-          <a:p>
-            <a:pPr lvl="3"/>
-            <a:r>
-              <a:rPr lang="en-US"/>
-              <a:t>Fourth level</a:t>
-            </a:r>
-          </a:p>
-          <a:p>
-            <a:pPr lvl="4"/>
-            <a:r>
-              <a:rPr lang="en-US"/>
-              <a:t>Fifth level</a:t>
-            </a:r>
-          </a:p>
-        </p:txBody>
-      </p:sp>
-      <p:sp>
-        <p:nvSpPr>
-          <p:cNvPr id="5" name="Date Placeholder 4">
-            <a:extLst>
-              <a:ext uri="{FF2B5EF4-FFF2-40B4-BE49-F238E27FC236}">
-                <a16:creationId xmlns:a16="http://schemas.microsoft.com/office/drawing/2014/main" id="{F3775AB3-94E9-4E1C-94FB-222058BCF8C3}"/>
-              </a:ext>
-            </a:extLst>
-          </p:cNvPr>
-          <p:cNvSpPr>
-            <a:spLocks noGrp="1"/>
-          </p:cNvSpPr>
-          <p:nvPr>
-            <p:ph type="dt" sz="half" idx="10"/>
-          </p:nvPr>
-        </p:nvSpPr>
-        <p:spPr/>
-        <p:txBody>
-          <a:bodyPr/>
-          <a:lstStyle/>
-          <a:p>
-            <a:fld id="{16E9F111-BE43-41A1-8F1F-F15EF01C26C9}" type="datetimeFigureOut">
-              <a:rPr lang="en-US" smtClean="0"/>
-              <a:t>8/31/2021</a:t>
-            </a:fld>
-            <a:endParaRPr lang="en-US"/>
-          </a:p>
-        </p:txBody>
-      </p:sp>
-      <p:sp>
-        <p:nvSpPr>
-          <p:cNvPr id="6" name="Footer Placeholder 5">
-            <a:extLst>
-              <a:ext uri="{FF2B5EF4-FFF2-40B4-BE49-F238E27FC236}">
-                <a16:creationId xmlns:a16="http://schemas.microsoft.com/office/drawing/2014/main" id="{796AAE8B-864C-4DFF-901C-0B16184164E5}"/>
-              </a:ext>
-            </a:extLst>
-          </p:cNvPr>
-          <p:cNvSpPr>
-            <a:spLocks noGrp="1"/>
-          </p:cNvSpPr>
-          <p:nvPr>
-            <p:ph type="ftr" sz="quarter" idx="11"/>
-          </p:nvPr>
-        </p:nvSpPr>
-        <p:spPr/>
-        <p:txBody>
-          <a:bodyPr/>
-          <a:lstStyle/>
-          <a:p>
-            <a:endParaRPr lang="en-US"/>
-          </a:p>
-        </p:txBody>
-      </p:sp>
-      <p:sp>
-        <p:nvSpPr>
-          <p:cNvPr id="7" name="Slide Number Placeholder 6">
-            <a:extLst>
-              <a:ext uri="{FF2B5EF4-FFF2-40B4-BE49-F238E27FC236}">
-                <a16:creationId xmlns:a16="http://schemas.microsoft.com/office/drawing/2014/main" id="{F6D22AFF-87C4-471B-8CD3-DF6AB49B8AFE}"/>
-              </a:ext>
-            </a:extLst>
-          </p:cNvPr>
-          <p:cNvSpPr>
-            <a:spLocks noGrp="1"/>
-          </p:cNvSpPr>
-          <p:nvPr>
-            <p:ph type="sldNum" sz="quarter" idx="12"/>
-          </p:nvPr>
-        </p:nvSpPr>
-        <p:spPr/>
-        <p:txBody>
-          <a:bodyPr/>
-          <a:lstStyle/>
-          <a:p>
-            <a:fld id="{4260D868-C467-41FF-9153-78355E86D2DF}" type="slidenum">
-              <a:rPr lang="en-US" smtClean="0"/>
-              <a:t>‹#›</a:t>
-            </a:fld>
-            <a:endParaRPr lang="en-US"/>
-          </a:p>
-        </p:txBody>
-      </p:sp>
-    </p:spTree>
-    <p:extLst>
-      <p:ext uri="{BB962C8B-B14F-4D97-AF65-F5344CB8AC3E}">
-        <p14:creationId xmlns:p14="http://schemas.microsoft.com/office/powerpoint/2010/main" val="1260310265"/>
-      </p:ext>
-    </p:extLst>
-  </p:cSld>
-  <p:clrMapOvr>
-    <a:masterClrMapping/>
-  </p:clrMapOvr>
-</p:sldLayout>
-</file>
-
-<file path=ppt/slideLayouts/slideLayout5.xml><?xml version="1.0" encoding="utf-8"?>
-<p:sldLayout xmlns:a="http://schemas.openxmlformats.org/drawingml/2006/main" xmlns:r="http://schemas.openxmlformats.org/officeDocument/2006/relationships" xmlns:p="http://schemas.openxmlformats.org/presentationml/2006/main" type="twoTxTwoObj" preserve="1">
-  <p:cSld name="Comparison">
-    <p:spTree>
-      <p:nvGrpSpPr>
-        <p:cNvPr id="1" name=""/>
-        <p:cNvGrpSpPr/>
-        <p:nvPr/>
-      </p:nvGrpSpPr>
-      <p:grpSpPr>
-        <a:xfrm>
-          <a:off x="0" y="0"/>
-          <a:ext cx="0" cy="0"/>
-          <a:chOff x="0" y="0"/>
-          <a:chExt cx="0" cy="0"/>
-        </a:xfrm>
-      </p:grpSpPr>
-      <p:sp>
-        <p:nvSpPr>
-          <p:cNvPr id="2" name="Title 1">
-            <a:extLst>
-              <a:ext uri="{FF2B5EF4-FFF2-40B4-BE49-F238E27FC236}">
-                <a16:creationId xmlns:a16="http://schemas.microsoft.com/office/drawing/2014/main" id="{A4337827-C6AE-4B03-BF86-B0B82E79AAD5}"/>
-              </a:ext>
-            </a:extLst>
-          </p:cNvPr>
-          <p:cNvSpPr>
-            <a:spLocks noGrp="1"/>
-          </p:cNvSpPr>
-          <p:nvPr>
-            <p:ph type="title"/>
-          </p:nvPr>
-        </p:nvSpPr>
-        <p:spPr>
-          <a:xfrm>
-            <a:off x="839788" y="365125"/>
-            <a:ext cx="10515600" cy="1325563"/>
-          </a:xfrm>
-        </p:spPr>
-        <p:txBody>
-          <a:bodyPr/>
-          <a:lstStyle/>
-          <a:p>
-            <a:r>
-              <a:rPr lang="en-US"/>
-              <a:t>Click to edit Master title style</a:t>
-            </a:r>
-          </a:p>
-        </p:txBody>
-      </p:sp>
-      <p:sp>
-        <p:nvSpPr>
-          <p:cNvPr id="3" name="Text Placeholder 2">
-            <a:extLst>
-              <a:ext uri="{FF2B5EF4-FFF2-40B4-BE49-F238E27FC236}">
-                <a16:creationId xmlns:a16="http://schemas.microsoft.com/office/drawing/2014/main" id="{BD375046-350B-4B47-804E-F7B0D3149004}"/>
-              </a:ext>
-            </a:extLst>
-          </p:cNvPr>
-          <p:cNvSpPr>
-            <a:spLocks noGrp="1"/>
-          </p:cNvSpPr>
-          <p:nvPr>
-            <p:ph type="body" idx="1"/>
-          </p:nvPr>
-        </p:nvSpPr>
-        <p:spPr>
-          <a:xfrm>
-            <a:off x="839788" y="1681163"/>
-            <a:ext cx="5157787" cy="823912"/>
-          </a:xfrm>
-        </p:spPr>
-        <p:txBody>
-          <a:bodyPr anchor="b"/>
-          <a:lstStyle>
-            <a:lvl1pPr marL="0" indent="0">
-              <a:buNone/>
-              <a:defRPr sz="2400" b="1"/>
-            </a:lvl1pPr>
-            <a:lvl2pPr marL="457200" indent="0">
-              <a:buNone/>
-              <a:defRPr sz="2000" b="1"/>
-            </a:lvl2pPr>
-            <a:lvl3pPr marL="914400" indent="0">
-              <a:buNone/>
-              <a:defRPr sz="1800" b="1"/>
-            </a:lvl3pPr>
-            <a:lvl4pPr marL="1371600" indent="0">
-              <a:buNone/>
-              <a:defRPr sz="1600" b="1"/>
-            </a:lvl4pPr>
-            <a:lvl5pPr marL="1828800" indent="0">
-              <a:buNone/>
-              <a:defRPr sz="1600" b="1"/>
-            </a:lvl5pPr>
-            <a:lvl6pPr marL="2286000" indent="0">
-              <a:buNone/>
-              <a:defRPr sz="1600" b="1"/>
-            </a:lvl6pPr>
-            <a:lvl7pPr marL="2743200" indent="0">
-              <a:buNone/>
-              <a:defRPr sz="1600" b="1"/>
-            </a:lvl7pPr>
-            <a:lvl8pPr marL="3200400" indent="0">
-              <a:buNone/>
-              <a:defRPr sz="1600" b="1"/>
-            </a:lvl8pPr>
-            <a:lvl9pPr marL="3657600" indent="0">
-              <a:buNone/>
-              <a:defRPr sz="1600" b="1"/>
-            </a:lvl9pPr>
-          </a:lstStyle>
-          <a:p>
-            <a:pPr lvl="0"/>
-            <a:r>
-              <a:rPr lang="en-US"/>
-              <a:t>Click to edit Master text styles</a:t>
-            </a:r>
-          </a:p>
-        </p:txBody>
-      </p:sp>
-      <p:sp>
-        <p:nvSpPr>
-          <p:cNvPr id="4" name="Content Placeholder 3">
-            <a:extLst>
-              <a:ext uri="{FF2B5EF4-FFF2-40B4-BE49-F238E27FC236}">
-                <a16:creationId xmlns:a16="http://schemas.microsoft.com/office/drawing/2014/main" id="{5420646E-22C4-49B7-AEA0-A3FB370DAC73}"/>
-              </a:ext>
-            </a:extLst>
-          </p:cNvPr>
-          <p:cNvSpPr>
-            <a:spLocks noGrp="1"/>
-          </p:cNvSpPr>
-          <p:nvPr>
-            <p:ph sz="half" idx="2"/>
-          </p:nvPr>
-        </p:nvSpPr>
-        <p:spPr>
-          <a:xfrm>
-            <a:off x="839788" y="2505075"/>
-            <a:ext cx="5157787" cy="3684588"/>
-          </a:xfrm>
-        </p:spPr>
-        <p:txBody>
-          <a:bodyPr/>
-          <a:lstStyle/>
-          <a:p>
-            <a:pPr lvl="0"/>
-            <a:r>
-              <a:rPr lang="en-US"/>
-              <a:t>Click to edit Master text styles</a:t>
-            </a:r>
-          </a:p>
-          <a:p>
-            <a:pPr lvl="1"/>
-            <a:r>
-              <a:rPr lang="en-US"/>
-              <a:t>Second level</a:t>
-            </a:r>
-          </a:p>
-          <a:p>
-            <a:pPr lvl="2"/>
-            <a:r>
-              <a:rPr lang="en-US"/>
-              <a:t>Third level</a:t>
-            </a:r>
-          </a:p>
-          <a:p>
-            <a:pPr lvl="3"/>
-            <a:r>
-              <a:rPr lang="en-US"/>
-              <a:t>Fourth level</a:t>
-            </a:r>
-          </a:p>
-          <a:p>
-            <a:pPr lvl="4"/>
-            <a:r>
-              <a:rPr lang="en-US"/>
-              <a:t>Fifth level</a:t>
-            </a:r>
-          </a:p>
-        </p:txBody>
-      </p:sp>
-      <p:sp>
-        <p:nvSpPr>
-          <p:cNvPr id="5" name="Text Placeholder 4">
-            <a:extLst>
-              <a:ext uri="{FF2B5EF4-FFF2-40B4-BE49-F238E27FC236}">
-                <a16:creationId xmlns:a16="http://schemas.microsoft.com/office/drawing/2014/main" id="{65A795CA-5121-461E-BBF8-4FCF1886832A}"/>
-              </a:ext>
-            </a:extLst>
-          </p:cNvPr>
-          <p:cNvSpPr>
-            <a:spLocks noGrp="1"/>
-          </p:cNvSpPr>
-          <p:nvPr>
-            <p:ph type="body" sz="quarter" idx="3"/>
-          </p:nvPr>
-        </p:nvSpPr>
-        <p:spPr>
-          <a:xfrm>
-            <a:off x="6172200" y="1681163"/>
-            <a:ext cx="5183188" cy="823912"/>
-          </a:xfrm>
-        </p:spPr>
-        <p:txBody>
-          <a:bodyPr anchor="b"/>
-          <a:lstStyle>
-            <a:lvl1pPr marL="0" indent="0">
-              <a:buNone/>
-              <a:defRPr sz="2400" b="1"/>
-            </a:lvl1pPr>
-            <a:lvl2pPr marL="457200" indent="0">
-              <a:buNone/>
-              <a:defRPr sz="2000" b="1"/>
-            </a:lvl2pPr>
-            <a:lvl3pPr marL="914400" indent="0">
-              <a:buNone/>
-              <a:defRPr sz="1800" b="1"/>
-            </a:lvl3pPr>
-            <a:lvl4pPr marL="1371600" indent="0">
-              <a:buNone/>
-              <a:defRPr sz="1600" b="1"/>
-            </a:lvl4pPr>
-            <a:lvl5pPr marL="1828800" indent="0">
-              <a:buNone/>
-              <a:defRPr sz="1600" b="1"/>
-            </a:lvl5pPr>
-            <a:lvl6pPr marL="2286000" indent="0">
-              <a:buNone/>
-              <a:defRPr sz="1600" b="1"/>
-            </a:lvl6pPr>
-            <a:lvl7pPr marL="2743200" indent="0">
-              <a:buNone/>
-              <a:defRPr sz="1600" b="1"/>
-            </a:lvl7pPr>
-            <a:lvl8pPr marL="3200400" indent="0">
-              <a:buNone/>
-              <a:defRPr sz="1600" b="1"/>
-            </a:lvl8pPr>
-            <a:lvl9pPr marL="3657600" indent="0">
-              <a:buNone/>
-              <a:defRPr sz="1600" b="1"/>
-            </a:lvl9pPr>
-          </a:lstStyle>
-          <a:p>
-            <a:pPr lvl="0"/>
-            <a:r>
-              <a:rPr lang="en-US"/>
-              <a:t>Click to edit Master text styles</a:t>
-            </a:r>
-          </a:p>
-        </p:txBody>
-      </p:sp>
-      <p:sp>
-        <p:nvSpPr>
-          <p:cNvPr id="6" name="Content Placeholder 5">
-            <a:extLst>
-              <a:ext uri="{FF2B5EF4-FFF2-40B4-BE49-F238E27FC236}">
-                <a16:creationId xmlns:a16="http://schemas.microsoft.com/office/drawing/2014/main" id="{1A518D8C-9DF4-4620-B329-7287C24A9B32}"/>
-              </a:ext>
-            </a:extLst>
-          </p:cNvPr>
-          <p:cNvSpPr>
-            <a:spLocks noGrp="1"/>
-          </p:cNvSpPr>
-          <p:nvPr>
-            <p:ph sz="quarter" idx="4"/>
-          </p:nvPr>
-        </p:nvSpPr>
-        <p:spPr>
-          <a:xfrm>
-            <a:off x="6172200" y="2505075"/>
-            <a:ext cx="5183188" cy="3684588"/>
-          </a:xfrm>
-        </p:spPr>
-        <p:txBody>
-          <a:bodyPr/>
-          <a:lstStyle/>
-          <a:p>
-            <a:pPr lvl="0"/>
-            <a:r>
-              <a:rPr lang="en-US"/>
-              <a:t>Click to edit Master text styles</a:t>
-            </a:r>
-          </a:p>
-          <a:p>
-            <a:pPr lvl="1"/>
-            <a:r>
-              <a:rPr lang="en-US"/>
-              <a:t>Second level</a:t>
-            </a:r>
-          </a:p>
-          <a:p>
-            <a:pPr lvl="2"/>
-            <a:r>
-              <a:rPr lang="en-US"/>
-              <a:t>Third level</a:t>
-            </a:r>
-          </a:p>
-          <a:p>
-            <a:pPr lvl="3"/>
-            <a:r>
-              <a:rPr lang="en-US"/>
-              <a:t>Fourth level</a:t>
-            </a:r>
-          </a:p>
-          <a:p>
-            <a:pPr lvl="4"/>
-            <a:r>
-              <a:rPr lang="en-US"/>
-              <a:t>Fifth level</a:t>
-            </a:r>
-          </a:p>
-        </p:txBody>
-      </p:sp>
-      <p:sp>
-        <p:nvSpPr>
-          <p:cNvPr id="7" name="Date Placeholder 6">
-            <a:extLst>
-              <a:ext uri="{FF2B5EF4-FFF2-40B4-BE49-F238E27FC236}">
-                <a16:creationId xmlns:a16="http://schemas.microsoft.com/office/drawing/2014/main" id="{0FC0C6A1-B5FC-4E93-A491-1B10ADDD6CA9}"/>
-              </a:ext>
-            </a:extLst>
-          </p:cNvPr>
-          <p:cNvSpPr>
-            <a:spLocks noGrp="1"/>
-          </p:cNvSpPr>
-          <p:nvPr>
-            <p:ph type="dt" sz="half" idx="10"/>
-          </p:nvPr>
-        </p:nvSpPr>
-        <p:spPr/>
-        <p:txBody>
-          <a:bodyPr/>
-          <a:lstStyle/>
-          <a:p>
-            <a:fld id="{16E9F111-BE43-41A1-8F1F-F15EF01C26C9}" type="datetimeFigureOut">
-              <a:rPr lang="en-US" smtClean="0"/>
-              <a:t>8/31/2021</a:t>
-            </a:fld>
-            <a:endParaRPr lang="en-US"/>
-          </a:p>
-        </p:txBody>
-      </p:sp>
-      <p:sp>
-        <p:nvSpPr>
-          <p:cNvPr id="8" name="Footer Placeholder 7">
-            <a:extLst>
-              <a:ext uri="{FF2B5EF4-FFF2-40B4-BE49-F238E27FC236}">
-                <a16:creationId xmlns:a16="http://schemas.microsoft.com/office/drawing/2014/main" id="{C8DA630F-2CDB-4704-BB76-832D8991ED32}"/>
-              </a:ext>
-            </a:extLst>
-          </p:cNvPr>
-          <p:cNvSpPr>
-            <a:spLocks noGrp="1"/>
-          </p:cNvSpPr>
-          <p:nvPr>
-            <p:ph type="ftr" sz="quarter" idx="11"/>
-          </p:nvPr>
-        </p:nvSpPr>
-        <p:spPr/>
-        <p:txBody>
-          <a:bodyPr/>
-          <a:lstStyle/>
-          <a:p>
-            <a:endParaRPr lang="en-US"/>
-          </a:p>
-        </p:txBody>
-      </p:sp>
-      <p:sp>
-        <p:nvSpPr>
-          <p:cNvPr id="9" name="Slide Number Placeholder 8">
-            <a:extLst>
-              <a:ext uri="{FF2B5EF4-FFF2-40B4-BE49-F238E27FC236}">
-                <a16:creationId xmlns:a16="http://schemas.microsoft.com/office/drawing/2014/main" id="{3D3951E5-0170-4F34-98FA-0F8BC77F1D9F}"/>
-              </a:ext>
-            </a:extLst>
-          </p:cNvPr>
-          <p:cNvSpPr>
-            <a:spLocks noGrp="1"/>
-          </p:cNvSpPr>
-          <p:nvPr>
-            <p:ph type="sldNum" sz="quarter" idx="12"/>
-          </p:nvPr>
-        </p:nvSpPr>
-        <p:spPr/>
-        <p:txBody>
-          <a:bodyPr/>
-          <a:lstStyle/>
-          <a:p>
-            <a:fld id="{4260D868-C467-41FF-9153-78355E86D2DF}" type="slidenum">
-              <a:rPr lang="en-US" smtClean="0"/>
-              <a:t>‹#›</a:t>
-            </a:fld>
-            <a:endParaRPr lang="en-US"/>
-          </a:p>
-        </p:txBody>
-      </p:sp>
-    </p:spTree>
-    <p:extLst>
-      <p:ext uri="{BB962C8B-B14F-4D97-AF65-F5344CB8AC3E}">
-        <p14:creationId xmlns:p14="http://schemas.microsoft.com/office/powerpoint/2010/main" val="2995547699"/>
-      </p:ext>
-    </p:extLst>
-  </p:cSld>
-  <p:clrMapOvr>
-    <a:masterClrMapping/>
-  </p:clrMapOvr>
-</p:sldLayout>
-</file>
-
-<file path=ppt/slideLayouts/slideLayout6.xml><?xml version="1.0" encoding="utf-8"?>
-<p:sldLayout xmlns:a="http://schemas.openxmlformats.org/drawingml/2006/main" xmlns:r="http://schemas.openxmlformats.org/officeDocument/2006/relationships" xmlns:p="http://schemas.openxmlformats.org/presentationml/2006/main" type="titleOnly" preserve="1">
-  <p:cSld name="Title Only">
-    <p:spTree>
-      <p:nvGrpSpPr>
-        <p:cNvPr id="1" name=""/>
-        <p:cNvGrpSpPr/>
-        <p:nvPr/>
-      </p:nvGrpSpPr>
-      <p:grpSpPr>
-        <a:xfrm>
-          <a:off x="0" y="0"/>
-          <a:ext cx="0" cy="0"/>
-          <a:chOff x="0" y="0"/>
-          <a:chExt cx="0" cy="0"/>
-        </a:xfrm>
-      </p:grpSpPr>
-      <p:sp>
-        <p:nvSpPr>
-          <p:cNvPr id="2" name="Title 1">
-            <a:extLst>
-              <a:ext uri="{FF2B5EF4-FFF2-40B4-BE49-F238E27FC236}">
-                <a16:creationId xmlns:a16="http://schemas.microsoft.com/office/drawing/2014/main" id="{919C642A-A1E6-4337-9FC7-C7510073B41C}"/>
-              </a:ext>
-            </a:extLst>
-          </p:cNvPr>
-          <p:cNvSpPr>
-            <a:spLocks noGrp="1"/>
-          </p:cNvSpPr>
-          <p:nvPr>
-            <p:ph type="title"/>
-          </p:nvPr>
-        </p:nvSpPr>
-        <p:spPr/>
-        <p:txBody>
-          <a:bodyPr/>
-          <a:lstStyle/>
-          <a:p>
-            <a:r>
-              <a:rPr lang="en-US"/>
-              <a:t>Click to edit Master title style</a:t>
-            </a:r>
-          </a:p>
-        </p:txBody>
-      </p:sp>
-      <p:sp>
-        <p:nvSpPr>
-          <p:cNvPr id="3" name="Date Placeholder 2">
-            <a:extLst>
-              <a:ext uri="{FF2B5EF4-FFF2-40B4-BE49-F238E27FC236}">
-                <a16:creationId xmlns:a16="http://schemas.microsoft.com/office/drawing/2014/main" id="{8B2445EA-7545-43E7-8248-F39F37680746}"/>
-              </a:ext>
-            </a:extLst>
-          </p:cNvPr>
-          <p:cNvSpPr>
-            <a:spLocks noGrp="1"/>
-          </p:cNvSpPr>
-          <p:nvPr>
-            <p:ph type="dt" sz="half" idx="10"/>
-          </p:nvPr>
-        </p:nvSpPr>
-        <p:spPr/>
-        <p:txBody>
-          <a:bodyPr/>
-          <a:lstStyle/>
-          <a:p>
-            <a:fld id="{16E9F111-BE43-41A1-8F1F-F15EF01C26C9}" type="datetimeFigureOut">
-              <a:rPr lang="en-US" smtClean="0"/>
-              <a:t>8/31/2021</a:t>
-            </a:fld>
-            <a:endParaRPr lang="en-US"/>
-          </a:p>
-        </p:txBody>
-      </p:sp>
-      <p:sp>
-        <p:nvSpPr>
-          <p:cNvPr id="4" name="Footer Placeholder 3">
-            <a:extLst>
-              <a:ext uri="{FF2B5EF4-FFF2-40B4-BE49-F238E27FC236}">
-                <a16:creationId xmlns:a16="http://schemas.microsoft.com/office/drawing/2014/main" id="{6C9C8CEC-E423-4A86-8372-7B11F9A50C63}"/>
-              </a:ext>
-            </a:extLst>
-          </p:cNvPr>
-          <p:cNvSpPr>
-            <a:spLocks noGrp="1"/>
-          </p:cNvSpPr>
-          <p:nvPr>
-            <p:ph type="ftr" sz="quarter" idx="11"/>
-          </p:nvPr>
-        </p:nvSpPr>
-        <p:spPr/>
-        <p:txBody>
-          <a:bodyPr/>
-          <a:lstStyle/>
-          <a:p>
-            <a:endParaRPr lang="en-US"/>
-          </a:p>
-        </p:txBody>
-      </p:sp>
-      <p:sp>
-        <p:nvSpPr>
-          <p:cNvPr id="5" name="Slide Number Placeholder 4">
-            <a:extLst>
-              <a:ext uri="{FF2B5EF4-FFF2-40B4-BE49-F238E27FC236}">
-                <a16:creationId xmlns:a16="http://schemas.microsoft.com/office/drawing/2014/main" id="{2840E62D-86BE-4967-B713-142FB540BD99}"/>
-              </a:ext>
-            </a:extLst>
-          </p:cNvPr>
-          <p:cNvSpPr>
-            <a:spLocks noGrp="1"/>
-          </p:cNvSpPr>
-          <p:nvPr>
-            <p:ph type="sldNum" sz="quarter" idx="12"/>
-          </p:nvPr>
-        </p:nvSpPr>
-        <p:spPr/>
-        <p:txBody>
-          <a:bodyPr/>
-          <a:lstStyle/>
-          <a:p>
-            <a:fld id="{4260D868-C467-41FF-9153-78355E86D2DF}" type="slidenum">
-              <a:rPr lang="en-US" smtClean="0"/>
-              <a:t>‹#›</a:t>
-            </a:fld>
-            <a:endParaRPr lang="en-US"/>
-          </a:p>
-        </p:txBody>
-      </p:sp>
-    </p:spTree>
-    <p:extLst>
-      <p:ext uri="{BB962C8B-B14F-4D97-AF65-F5344CB8AC3E}">
-        <p14:creationId xmlns:p14="http://schemas.microsoft.com/office/powerpoint/2010/main" val="125474054"/>
-      </p:ext>
-    </p:extLst>
-  </p:cSld>
-  <p:clrMapOvr>
-    <a:masterClrMapping/>
-  </p:clrMapOvr>
-</p:sldLayout>
-</file>
-
-<file path=ppt/slideLayouts/slideLayout7.xml><?xml version="1.0" encoding="utf-8"?>
-<p:sldLayout xmlns:a="http://schemas.openxmlformats.org/drawingml/2006/main" xmlns:r="http://schemas.openxmlformats.org/officeDocument/2006/relationships" xmlns:p="http://schemas.openxmlformats.org/presentationml/2006/main" type="blank" preserve="1">
-  <p:cSld name="Blank">
-    <p:spTree>
-      <p:nvGrpSpPr>
-        <p:cNvPr id="1" name=""/>
-        <p:cNvGrpSpPr/>
-        <p:nvPr/>
-      </p:nvGrpSpPr>
-      <p:grpSpPr>
-        <a:xfrm>
-          <a:off x="0" y="0"/>
-          <a:ext cx="0" cy="0"/>
-          <a:chOff x="0" y="0"/>
-          <a:chExt cx="0" cy="0"/>
-        </a:xfrm>
-      </p:grpSpPr>
-      <p:sp>
-        <p:nvSpPr>
-          <p:cNvPr id="2" name="Date Placeholder 1">
-            <a:extLst>
-              <a:ext uri="{FF2B5EF4-FFF2-40B4-BE49-F238E27FC236}">
-                <a16:creationId xmlns:a16="http://schemas.microsoft.com/office/drawing/2014/main" id="{E6840912-D79B-4333-AB35-56657A3C0339}"/>
-              </a:ext>
-            </a:extLst>
-          </p:cNvPr>
-          <p:cNvSpPr>
-            <a:spLocks noGrp="1"/>
-          </p:cNvSpPr>
-          <p:nvPr>
-            <p:ph type="dt" sz="half" idx="10"/>
-          </p:nvPr>
-        </p:nvSpPr>
-        <p:spPr/>
-        <p:txBody>
-          <a:bodyPr/>
-          <a:lstStyle/>
-          <a:p>
-            <a:fld id="{16E9F111-BE43-41A1-8F1F-F15EF01C26C9}" type="datetimeFigureOut">
-              <a:rPr lang="en-US" smtClean="0"/>
-              <a:t>8/31/2021</a:t>
-            </a:fld>
-            <a:endParaRPr lang="en-US"/>
-          </a:p>
-        </p:txBody>
-      </p:sp>
-      <p:sp>
-        <p:nvSpPr>
-          <p:cNvPr id="3" name="Footer Placeholder 2">
-            <a:extLst>
-              <a:ext uri="{FF2B5EF4-FFF2-40B4-BE49-F238E27FC236}">
-                <a16:creationId xmlns:a16="http://schemas.microsoft.com/office/drawing/2014/main" id="{CB69C184-7B52-4467-84B5-2DEE0ADC4546}"/>
-              </a:ext>
-            </a:extLst>
-          </p:cNvPr>
-          <p:cNvSpPr>
-            <a:spLocks noGrp="1"/>
-          </p:cNvSpPr>
-          <p:nvPr>
-            <p:ph type="ftr" sz="quarter" idx="11"/>
-          </p:nvPr>
-        </p:nvSpPr>
-        <p:spPr/>
-        <p:txBody>
-          <a:bodyPr/>
-          <a:lstStyle/>
-          <a:p>
-            <a:endParaRPr lang="en-US"/>
-          </a:p>
-        </p:txBody>
-      </p:sp>
-      <p:sp>
-        <p:nvSpPr>
-          <p:cNvPr id="4" name="Slide Number Placeholder 3">
-            <a:extLst>
-              <a:ext uri="{FF2B5EF4-FFF2-40B4-BE49-F238E27FC236}">
-                <a16:creationId xmlns:a16="http://schemas.microsoft.com/office/drawing/2014/main" id="{22F8832A-94D2-41D5-B4F3-3F52CF05FF91}"/>
-              </a:ext>
-            </a:extLst>
-          </p:cNvPr>
-          <p:cNvSpPr>
-            <a:spLocks noGrp="1"/>
-          </p:cNvSpPr>
-          <p:nvPr>
-            <p:ph type="sldNum" sz="quarter" idx="12"/>
-          </p:nvPr>
-        </p:nvSpPr>
-        <p:spPr/>
-        <p:txBody>
-          <a:bodyPr/>
-          <a:lstStyle/>
-          <a:p>
-            <a:fld id="{4260D868-C467-41FF-9153-78355E86D2DF}" type="slidenum">
-              <a:rPr lang="en-US" smtClean="0"/>
-              <a:t>‹#›</a:t>
-            </a:fld>
-            <a:endParaRPr lang="en-US"/>
-          </a:p>
-        </p:txBody>
-      </p:sp>
-    </p:spTree>
-    <p:extLst>
-      <p:ext uri="{BB962C8B-B14F-4D97-AF65-F5344CB8AC3E}">
-        <p14:creationId xmlns:p14="http://schemas.microsoft.com/office/powerpoint/2010/main" val="2627262755"/>
-      </p:ext>
-    </p:extLst>
-  </p:cSld>
-  <p:clrMapOvr>
-    <a:masterClrMapping/>
-  </p:clrMapOvr>
-</p:sldLayout>
-</file>
-
-<file path=ppt/slideLayouts/slideLayout8.xml><?xml version="1.0" encoding="utf-8"?>
-<p:sldLayout xmlns:a="http://schemas.openxmlformats.org/drawingml/2006/main" xmlns:r="http://schemas.openxmlformats.org/officeDocument/2006/relationships" xmlns:p="http://schemas.openxmlformats.org/presentationml/2006/main" type="objTx" preserve="1">
-  <p:cSld name="Content with Caption">
-    <p:spTree>
-      <p:nvGrpSpPr>
-        <p:cNvPr id="1" name=""/>
-        <p:cNvGrpSpPr/>
-        <p:nvPr/>
-      </p:nvGrpSpPr>
-      <p:grpSpPr>
-        <a:xfrm>
-          <a:off x="0" y="0"/>
-          <a:ext cx="0" cy="0"/>
-          <a:chOff x="0" y="0"/>
-          <a:chExt cx="0" cy="0"/>
-        </a:xfrm>
-      </p:grpSpPr>
-      <p:sp>
-        <p:nvSpPr>
-          <p:cNvPr id="2" name="Title 1">
-            <a:extLst>
-              <a:ext uri="{FF2B5EF4-FFF2-40B4-BE49-F238E27FC236}">
-                <a16:creationId xmlns:a16="http://schemas.microsoft.com/office/drawing/2014/main" id="{F55361D1-2227-4380-94F9-7CE92EA2B517}"/>
-              </a:ext>
-            </a:extLst>
-          </p:cNvPr>
-          <p:cNvSpPr>
-            <a:spLocks noGrp="1"/>
-          </p:cNvSpPr>
-          <p:nvPr>
-            <p:ph type="title"/>
-          </p:nvPr>
-        </p:nvSpPr>
-        <p:spPr>
-          <a:xfrm>
-            <a:off x="839788" y="457200"/>
-            <a:ext cx="3932237" cy="1600200"/>
-          </a:xfrm>
-        </p:spPr>
-        <p:txBody>
-          <a:bodyPr anchor="b"/>
-          <a:lstStyle>
-            <a:lvl1pPr>
-              <a:defRPr sz="3200"/>
-            </a:lvl1pPr>
-          </a:lstStyle>
-          <a:p>
-            <a:r>
-              <a:rPr lang="en-US"/>
-              <a:t>Click to edit Master title style</a:t>
-            </a:r>
-          </a:p>
-        </p:txBody>
-      </p:sp>
-      <p:sp>
-        <p:nvSpPr>
-          <p:cNvPr id="3" name="Content Placeholder 2">
-            <a:extLst>
-              <a:ext uri="{FF2B5EF4-FFF2-40B4-BE49-F238E27FC236}">
-                <a16:creationId xmlns:a16="http://schemas.microsoft.com/office/drawing/2014/main" id="{9C34EC56-BFBF-4F7C-886E-09015E26FCE4}"/>
-              </a:ext>
-            </a:extLst>
-          </p:cNvPr>
-          <p:cNvSpPr>
-            <a:spLocks noGrp="1"/>
-          </p:cNvSpPr>
-          <p:nvPr>
-            <p:ph idx="1"/>
-          </p:nvPr>
-        </p:nvSpPr>
-        <p:spPr>
-          <a:xfrm>
-            <a:off x="5183188" y="987425"/>
-            <a:ext cx="6172200" cy="4873625"/>
-          </a:xfrm>
-        </p:spPr>
-        <p:txBody>
-          <a:bodyPr/>
-          <a:lstStyle>
-            <a:lvl1pPr>
-              <a:defRPr sz="3200"/>
-            </a:lvl1pPr>
-            <a:lvl2pPr>
-              <a:defRPr sz="2800"/>
-            </a:lvl2pPr>
-            <a:lvl3pPr>
-              <a:defRPr sz="2400"/>
-            </a:lvl3pPr>
-            <a:lvl4pPr>
-              <a:defRPr sz="2000"/>
-            </a:lvl4pPr>
-            <a:lvl5pPr>
-              <a:defRPr sz="2000"/>
-            </a:lvl5pPr>
-            <a:lvl6pPr>
-              <a:defRPr sz="2000"/>
-            </a:lvl6pPr>
-            <a:lvl7pPr>
-              <a:defRPr sz="2000"/>
-            </a:lvl7pPr>
-            <a:lvl8pPr>
-              <a:defRPr sz="2000"/>
-            </a:lvl8pPr>
-            <a:lvl9pPr>
-              <a:defRPr sz="2000"/>
-            </a:lvl9pPr>
-          </a:lstStyle>
-          <a:p>
-            <a:pPr lvl="0"/>
-            <a:r>
-              <a:rPr lang="en-US"/>
-              <a:t>Click to edit Master text styles</a:t>
-            </a:r>
-          </a:p>
-          <a:p>
-            <a:pPr lvl="1"/>
-            <a:r>
-              <a:rPr lang="en-US"/>
-              <a:t>Second level</a:t>
-            </a:r>
-          </a:p>
-          <a:p>
-            <a:pPr lvl="2"/>
-            <a:r>
-              <a:rPr lang="en-US"/>
-              <a:t>Third level</a:t>
-            </a:r>
-          </a:p>
-          <a:p>
-            <a:pPr lvl="3"/>
-            <a:r>
-              <a:rPr lang="en-US"/>
-              <a:t>Fourth level</a:t>
-            </a:r>
-          </a:p>
-          <a:p>
-            <a:pPr lvl="4"/>
-            <a:r>
-              <a:rPr lang="en-US"/>
-              <a:t>Fifth level</a:t>
-            </a:r>
-          </a:p>
-        </p:txBody>
-      </p:sp>
-      <p:sp>
-        <p:nvSpPr>
-          <p:cNvPr id="4" name="Text Placeholder 3">
-            <a:extLst>
-              <a:ext uri="{FF2B5EF4-FFF2-40B4-BE49-F238E27FC236}">
-                <a16:creationId xmlns:a16="http://schemas.microsoft.com/office/drawing/2014/main" id="{4A5A9FF0-CE99-48A4-B9AF-0F4CF4F01967}"/>
-              </a:ext>
-            </a:extLst>
-          </p:cNvPr>
-          <p:cNvSpPr>
-            <a:spLocks noGrp="1"/>
-          </p:cNvSpPr>
-          <p:nvPr>
-            <p:ph type="body" sz="half" idx="2"/>
-          </p:nvPr>
-        </p:nvSpPr>
-        <p:spPr>
-          <a:xfrm>
-            <a:off x="839788" y="2057400"/>
-            <a:ext cx="3932237" cy="3811588"/>
-          </a:xfrm>
-        </p:spPr>
-        <p:txBody>
-          <a:bodyPr/>
-          <a:lstStyle>
-            <a:lvl1pPr marL="0" indent="0">
-              <a:buNone/>
-              <a:defRPr sz="1600"/>
-            </a:lvl1pPr>
-            <a:lvl2pPr marL="457200" indent="0">
-              <a:buNone/>
-              <a:defRPr sz="1400"/>
-            </a:lvl2pPr>
-            <a:lvl3pPr marL="914400" indent="0">
-              <a:buNone/>
-              <a:defRPr sz="1200"/>
-            </a:lvl3pPr>
-            <a:lvl4pPr marL="1371600" indent="0">
-              <a:buNone/>
-              <a:defRPr sz="1000"/>
-            </a:lvl4pPr>
-            <a:lvl5pPr marL="1828800" indent="0">
-              <a:buNone/>
-              <a:defRPr sz="1000"/>
-            </a:lvl5pPr>
-            <a:lvl6pPr marL="2286000" indent="0">
-              <a:buNone/>
-              <a:defRPr sz="1000"/>
-            </a:lvl6pPr>
-            <a:lvl7pPr marL="2743200" indent="0">
-              <a:buNone/>
-              <a:defRPr sz="1000"/>
-            </a:lvl7pPr>
-            <a:lvl8pPr marL="3200400" indent="0">
-              <a:buNone/>
-              <a:defRPr sz="1000"/>
-            </a:lvl8pPr>
-            <a:lvl9pPr marL="3657600" indent="0">
-              <a:buNone/>
-              <a:defRPr sz="1000"/>
-            </a:lvl9pPr>
-          </a:lstStyle>
-          <a:p>
-            <a:pPr lvl="0"/>
-            <a:r>
-              <a:rPr lang="en-US"/>
-              <a:t>Click to edit Master text styles</a:t>
-            </a:r>
-          </a:p>
-        </p:txBody>
-      </p:sp>
-      <p:sp>
-        <p:nvSpPr>
-          <p:cNvPr id="5" name="Date Placeholder 4">
-            <a:extLst>
-              <a:ext uri="{FF2B5EF4-FFF2-40B4-BE49-F238E27FC236}">
-                <a16:creationId xmlns:a16="http://schemas.microsoft.com/office/drawing/2014/main" id="{739A792A-D83D-4FBB-BD27-5AD999E1109B}"/>
-              </a:ext>
-            </a:extLst>
-          </p:cNvPr>
-          <p:cNvSpPr>
-            <a:spLocks noGrp="1"/>
-          </p:cNvSpPr>
-          <p:nvPr>
-            <p:ph type="dt" sz="half" idx="10"/>
-          </p:nvPr>
-        </p:nvSpPr>
-        <p:spPr/>
-        <p:txBody>
-          <a:bodyPr/>
-          <a:lstStyle/>
-          <a:p>
-            <a:fld id="{16E9F111-BE43-41A1-8F1F-F15EF01C26C9}" type="datetimeFigureOut">
-              <a:rPr lang="en-US" smtClean="0"/>
-              <a:t>8/31/2021</a:t>
-            </a:fld>
-            <a:endParaRPr lang="en-US"/>
-          </a:p>
-        </p:txBody>
-      </p:sp>
-      <p:sp>
-        <p:nvSpPr>
-          <p:cNvPr id="6" name="Footer Placeholder 5">
-            <a:extLst>
-              <a:ext uri="{FF2B5EF4-FFF2-40B4-BE49-F238E27FC236}">
-                <a16:creationId xmlns:a16="http://schemas.microsoft.com/office/drawing/2014/main" id="{F0843D78-81EC-4057-BFE2-6B06AE04A3C6}"/>
-              </a:ext>
-            </a:extLst>
-          </p:cNvPr>
-          <p:cNvSpPr>
-            <a:spLocks noGrp="1"/>
-          </p:cNvSpPr>
-          <p:nvPr>
-            <p:ph type="ftr" sz="quarter" idx="11"/>
-          </p:nvPr>
-        </p:nvSpPr>
-        <p:spPr/>
-        <p:txBody>
-          <a:bodyPr/>
-          <a:lstStyle/>
-          <a:p>
-            <a:endParaRPr lang="en-US"/>
-          </a:p>
-        </p:txBody>
-      </p:sp>
-      <p:sp>
-        <p:nvSpPr>
-          <p:cNvPr id="7" name="Slide Number Placeholder 6">
-            <a:extLst>
-              <a:ext uri="{FF2B5EF4-FFF2-40B4-BE49-F238E27FC236}">
-                <a16:creationId xmlns:a16="http://schemas.microsoft.com/office/drawing/2014/main" id="{5E130F41-2C4F-4BCD-8746-542CA5CC4CB7}"/>
-              </a:ext>
-            </a:extLst>
-          </p:cNvPr>
-          <p:cNvSpPr>
-            <a:spLocks noGrp="1"/>
-          </p:cNvSpPr>
-          <p:nvPr>
-            <p:ph type="sldNum" sz="quarter" idx="12"/>
-          </p:nvPr>
-        </p:nvSpPr>
-        <p:spPr/>
-        <p:txBody>
-          <a:bodyPr/>
-          <a:lstStyle/>
-          <a:p>
-            <a:fld id="{4260D868-C467-41FF-9153-78355E86D2DF}" type="slidenum">
-              <a:rPr lang="en-US" smtClean="0"/>
-              <a:t>‹#›</a:t>
-            </a:fld>
-            <a:endParaRPr lang="en-US"/>
-          </a:p>
-        </p:txBody>
-      </p:sp>
-    </p:spTree>
-    <p:extLst>
-      <p:ext uri="{BB962C8B-B14F-4D97-AF65-F5344CB8AC3E}">
-        <p14:creationId xmlns:p14="http://schemas.microsoft.com/office/powerpoint/2010/main" val="1865737760"/>
-      </p:ext>
-    </p:extLst>
-  </p:cSld>
-  <p:clrMapOvr>
-    <a:masterClrMapping/>
-  </p:clrMapOvr>
-</p:sldLayout>
-</file>
-
-<file path=ppt/slideLayouts/slideLayout9.xml><?xml version="1.0" encoding="utf-8"?>
-<p:sldLayout xmlns:a="http://schemas.openxmlformats.org/drawingml/2006/main" xmlns:r="http://schemas.openxmlformats.org/officeDocument/2006/relationships" xmlns:p="http://schemas.openxmlformats.org/presentationml/2006/main" type="picTx" preserve="1">
-  <p:cSld name="Picture with Caption">
-    <p:spTree>
-      <p:nvGrpSpPr>
-        <p:cNvPr id="1" name=""/>
-        <p:cNvGrpSpPr/>
-        <p:nvPr/>
-      </p:nvGrpSpPr>
-      <p:grpSpPr>
-        <a:xfrm>
-          <a:off x="0" y="0"/>
-          <a:ext cx="0" cy="0"/>
-          <a:chOff x="0" y="0"/>
-          <a:chExt cx="0" cy="0"/>
-        </a:xfrm>
-      </p:grpSpPr>
-      <p:sp>
-        <p:nvSpPr>
-          <p:cNvPr id="2" name="Title 1">
-            <a:extLst>
-              <a:ext uri="{FF2B5EF4-FFF2-40B4-BE49-F238E27FC236}">
-                <a16:creationId xmlns:a16="http://schemas.microsoft.com/office/drawing/2014/main" id="{BD4B7730-039D-4BE2-A883-275E4C83E5C4}"/>
-              </a:ext>
-            </a:extLst>
-          </p:cNvPr>
-          <p:cNvSpPr>
-            <a:spLocks noGrp="1"/>
-          </p:cNvSpPr>
-          <p:nvPr>
-            <p:ph type="title"/>
-          </p:nvPr>
-        </p:nvSpPr>
-        <p:spPr>
-          <a:xfrm>
-            <a:off x="839788" y="457200"/>
-            <a:ext cx="3932237" cy="1600200"/>
-          </a:xfrm>
-        </p:spPr>
-        <p:txBody>
-          <a:bodyPr anchor="b"/>
-          <a:lstStyle>
-            <a:lvl1pPr>
-              <a:defRPr sz="3200"/>
-            </a:lvl1pPr>
-          </a:lstStyle>
-          <a:p>
-            <a:r>
-              <a:rPr lang="en-US"/>
-              <a:t>Click to edit Master title style</a:t>
-            </a:r>
-          </a:p>
-        </p:txBody>
-      </p:sp>
-      <p:sp>
-        <p:nvSpPr>
-          <p:cNvPr id="3" name="Picture Placeholder 2">
-            <a:extLst>
-              <a:ext uri="{FF2B5EF4-FFF2-40B4-BE49-F238E27FC236}">
-                <a16:creationId xmlns:a16="http://schemas.microsoft.com/office/drawing/2014/main" id="{3F2A6621-EE92-43B6-8242-C6DD46C34B72}"/>
-              </a:ext>
-            </a:extLst>
-          </p:cNvPr>
-          <p:cNvSpPr>
-            <a:spLocks noGrp="1"/>
-          </p:cNvSpPr>
-          <p:nvPr>
-            <p:ph type="pic" idx="1"/>
-          </p:nvPr>
-        </p:nvSpPr>
-        <p:spPr>
-          <a:xfrm>
-            <a:off x="5183188" y="987425"/>
-            <a:ext cx="6172200" cy="4873625"/>
-          </a:xfrm>
-        </p:spPr>
-        <p:txBody>
-          <a:bodyPr/>
-          <a:lstStyle>
-            <a:lvl1pPr marL="0" indent="0">
-              <a:buNone/>
-              <a:defRPr sz="3200"/>
-            </a:lvl1pPr>
-            <a:lvl2pPr marL="457200" indent="0">
-              <a:buNone/>
-              <a:defRPr sz="2800"/>
-            </a:lvl2pPr>
-            <a:lvl3pPr marL="914400" indent="0">
-              <a:buNone/>
-              <a:defRPr sz="2400"/>
-            </a:lvl3pPr>
-            <a:lvl4pPr marL="1371600" indent="0">
-              <a:buNone/>
-              <a:defRPr sz="2000"/>
-            </a:lvl4pPr>
-            <a:lvl5pPr marL="1828800" indent="0">
-              <a:buNone/>
-              <a:defRPr sz="2000"/>
-            </a:lvl5pPr>
-            <a:lvl6pPr marL="2286000" indent="0">
-              <a:buNone/>
-              <a:defRPr sz="2000"/>
-            </a:lvl6pPr>
-            <a:lvl7pPr marL="2743200" indent="0">
-              <a:buNone/>
-              <a:defRPr sz="2000"/>
-            </a:lvl7pPr>
-            <a:lvl8pPr marL="3200400" indent="0">
-              <a:buNone/>
-              <a:defRPr sz="2000"/>
-            </a:lvl8pPr>
-            <a:lvl9pPr marL="3657600" indent="0">
-              <a:buNone/>
-              <a:defRPr sz="2000"/>
-            </a:lvl9pPr>
-          </a:lstStyle>
-          <a:p>
-            <a:endParaRPr lang="en-US"/>
-          </a:p>
-        </p:txBody>
-      </p:sp>
-      <p:sp>
-        <p:nvSpPr>
-          <p:cNvPr id="4" name="Text Placeholder 3">
-            <a:extLst>
-              <a:ext uri="{FF2B5EF4-FFF2-40B4-BE49-F238E27FC236}">
-                <a16:creationId xmlns:a16="http://schemas.microsoft.com/office/drawing/2014/main" id="{40201B60-0415-4806-8B3F-6A2CB4D08649}"/>
-              </a:ext>
-            </a:extLst>
-          </p:cNvPr>
-          <p:cNvSpPr>
-            <a:spLocks noGrp="1"/>
-          </p:cNvSpPr>
-          <p:nvPr>
-            <p:ph type="body" sz="half" idx="2"/>
-          </p:nvPr>
-        </p:nvSpPr>
-        <p:spPr>
-          <a:xfrm>
-            <a:off x="839788" y="2057400"/>
-            <a:ext cx="3932237" cy="3811588"/>
-          </a:xfrm>
-        </p:spPr>
-        <p:txBody>
-          <a:bodyPr/>
-          <a:lstStyle>
-            <a:lvl1pPr marL="0" indent="0">
-              <a:buNone/>
-              <a:defRPr sz="1600"/>
-            </a:lvl1pPr>
-            <a:lvl2pPr marL="457200" indent="0">
-              <a:buNone/>
-              <a:defRPr sz="1400"/>
-            </a:lvl2pPr>
-            <a:lvl3pPr marL="914400" indent="0">
-              <a:buNone/>
-              <a:defRPr sz="1200"/>
-            </a:lvl3pPr>
-            <a:lvl4pPr marL="1371600" indent="0">
-              <a:buNone/>
-              <a:defRPr sz="1000"/>
-            </a:lvl4pPr>
-            <a:lvl5pPr marL="1828800" indent="0">
-              <a:buNone/>
-              <a:defRPr sz="1000"/>
-            </a:lvl5pPr>
-            <a:lvl6pPr marL="2286000" indent="0">
-              <a:buNone/>
-              <a:defRPr sz="1000"/>
-            </a:lvl6pPr>
-            <a:lvl7pPr marL="2743200" indent="0">
-              <a:buNone/>
-              <a:defRPr sz="1000"/>
-            </a:lvl7pPr>
-            <a:lvl8pPr marL="3200400" indent="0">
-              <a:buNone/>
-              <a:defRPr sz="1000"/>
-            </a:lvl8pPr>
-            <a:lvl9pPr marL="3657600" indent="0">
-              <a:buNone/>
-              <a:defRPr sz="1000"/>
-            </a:lvl9pPr>
-          </a:lstStyle>
-          <a:p>
-            <a:pPr lvl="0"/>
-            <a:r>
-              <a:rPr lang="en-US"/>
-              <a:t>Click to edit Master text styles</a:t>
-            </a:r>
-          </a:p>
-        </p:txBody>
-      </p:sp>
-      <p:sp>
-        <p:nvSpPr>
-          <p:cNvPr id="5" name="Date Placeholder 4">
-            <a:extLst>
-              <a:ext uri="{FF2B5EF4-FFF2-40B4-BE49-F238E27FC236}">
-                <a16:creationId xmlns:a16="http://schemas.microsoft.com/office/drawing/2014/main" id="{0CD15EB9-9563-4110-8494-91BE9078F14D}"/>
-              </a:ext>
-            </a:extLst>
-          </p:cNvPr>
-          <p:cNvSpPr>
-            <a:spLocks noGrp="1"/>
-          </p:cNvSpPr>
-          <p:nvPr>
-            <p:ph type="dt" sz="half" idx="10"/>
-          </p:nvPr>
-        </p:nvSpPr>
-        <p:spPr/>
-        <p:txBody>
-          <a:bodyPr/>
-          <a:lstStyle/>
-          <a:p>
-            <a:fld id="{16E9F111-BE43-41A1-8F1F-F15EF01C26C9}" type="datetimeFigureOut">
-              <a:rPr lang="en-US" smtClean="0"/>
-              <a:t>8/31/2021</a:t>
-            </a:fld>
-            <a:endParaRPr lang="en-US"/>
-          </a:p>
-        </p:txBody>
-      </p:sp>
-      <p:sp>
-        <p:nvSpPr>
-          <p:cNvPr id="6" name="Footer Placeholder 5">
-            <a:extLst>
-              <a:ext uri="{FF2B5EF4-FFF2-40B4-BE49-F238E27FC236}">
-                <a16:creationId xmlns:a16="http://schemas.microsoft.com/office/drawing/2014/main" id="{7D9558B1-31AF-432B-A615-D174B2C18E89}"/>
-              </a:ext>
-            </a:extLst>
-          </p:cNvPr>
-          <p:cNvSpPr>
-            <a:spLocks noGrp="1"/>
-          </p:cNvSpPr>
-          <p:nvPr>
-            <p:ph type="ftr" sz="quarter" idx="11"/>
-          </p:nvPr>
-        </p:nvSpPr>
-        <p:spPr/>
-        <p:txBody>
-          <a:bodyPr/>
-          <a:lstStyle/>
-          <a:p>
-            <a:endParaRPr lang="en-US"/>
-          </a:p>
-        </p:txBody>
-      </p:sp>
-      <p:sp>
-        <p:nvSpPr>
-          <p:cNvPr id="7" name="Slide Number Placeholder 6">
-            <a:extLst>
-              <a:ext uri="{FF2B5EF4-FFF2-40B4-BE49-F238E27FC236}">
-                <a16:creationId xmlns:a16="http://schemas.microsoft.com/office/drawing/2014/main" id="{1E93F062-8070-4729-8427-E615F1C79DC9}"/>
-              </a:ext>
-            </a:extLst>
-          </p:cNvPr>
-          <p:cNvSpPr>
-            <a:spLocks noGrp="1"/>
-          </p:cNvSpPr>
-          <p:nvPr>
-            <p:ph type="sldNum" sz="quarter" idx="12"/>
-          </p:nvPr>
-        </p:nvSpPr>
-        <p:spPr/>
-        <p:txBody>
-          <a:bodyPr/>
-          <a:lstStyle/>
-          <a:p>
-            <a:fld id="{4260D868-C467-41FF-9153-78355E86D2DF}" type="slidenum">
-              <a:rPr lang="en-US" smtClean="0"/>
-              <a:t>‹#›</a:t>
-            </a:fld>
-            <a:endParaRPr lang="en-US"/>
-          </a:p>
-        </p:txBody>
-      </p:sp>
-    </p:spTree>
-    <p:extLst>
-      <p:ext uri="{BB962C8B-B14F-4D97-AF65-F5344CB8AC3E}">
-        <p14:creationId xmlns:p14="http://schemas.microsoft.com/office/powerpoint/2010/main" val="1492873740"/>
-      </p:ext>
-    </p:extLst>
-  </p:cSld>
-  <p:clrMapOvr>
-    <a:masterClrMapping/>
-  </p:clrMapOvr>
-</p:sldLayout>
-</file>
-
 <file path=ppt/slideMasters/slideMaster1.xml><?xml version="1.0" encoding="utf-8"?>
-<p:sldMaster xmlns:a="http://schemas.openxmlformats.org/drawingml/2006/main" xmlns:r="http://schemas.openxmlformats.org/officeDocument/2006/relationships" xmlns:p="http://schemas.openxmlformats.org/presentationml/2006/main">
-  <p:cSld>
-    <p:bg>
-      <p:bgRef idx="1001">
-        <a:schemeClr val="bg1"/>
-      </p:bgRef>
-    </p:bg>
-    <p:spTree>
-      <p:nvGrpSpPr>
-        <p:cNvPr id="1" name=""/>
-        <p:cNvGrpSpPr/>
-        <p:nvPr/>
-      </p:nvGrpSpPr>
-      <p:grpSpPr>
-        <a:xfrm>
-          <a:off x="0" y="0"/>
-          <a:ext cx="0" cy="0"/>
-          <a:chOff x="0" y="0"/>
-          <a:chExt cx="0" cy="0"/>
-        </a:xfrm>
-      </p:grpSpPr>
-      <p:sp>
-        <p:nvSpPr>
-          <p:cNvPr id="2" name="Title Placeholder 1">
-            <a:extLst>
-              <a:ext uri="{FF2B5EF4-FFF2-40B4-BE49-F238E27FC236}">
-                <a16:creationId xmlns:a16="http://schemas.microsoft.com/office/drawing/2014/main" id="{B9157CC4-AA02-481C-96F0-1C020E686130}"/>
-              </a:ext>
-            </a:extLst>
-          </p:cNvPr>
-          <p:cNvSpPr>
-            <a:spLocks noGrp="1"/>
-          </p:cNvSpPr>
-          <p:nvPr>
-            <p:ph type="title"/>
-          </p:nvPr>
-        </p:nvSpPr>
-        <p:spPr>
-          <a:xfrm>
-            <a:off x="838200" y="365125"/>
-            <a:ext cx="10515600" cy="1325563"/>
-          </a:xfrm>
-          <a:prstGeom prst="rect">
-            <a:avLst/>
-          </a:prstGeom>
-        </p:spPr>
-        <p:txBody>
-          <a:bodyPr vert="horz" lIns="91440" tIns="45720" rIns="91440" bIns="45720" rtlCol="0" anchor="ctr">
-            <a:normAutofit/>
-          </a:bodyPr>
-          <a:lstStyle/>
-          <a:p>
-            <a:r>
-              <a:rPr lang="en-US"/>
-              <a:t>Click to edit Master title style</a:t>
-            </a:r>
-          </a:p>
-        </p:txBody>
-      </p:sp>
-      <p:sp>
-        <p:nvSpPr>
-          <p:cNvPr id="3" name="Text Placeholder 2">
-            <a:extLst>
-              <a:ext uri="{FF2B5EF4-FFF2-40B4-BE49-F238E27FC236}">
-                <a16:creationId xmlns:a16="http://schemas.microsoft.com/office/drawing/2014/main" id="{C07D2A39-875D-4B7E-8E36-960834041E07}"/>
-              </a:ext>
-            </a:extLst>
-          </p:cNvPr>
-          <p:cNvSpPr>
-            <a:spLocks noGrp="1"/>
-          </p:cNvSpPr>
-          <p:nvPr>
-            <p:ph type="body" idx="1"/>
-          </p:nvPr>
-        </p:nvSpPr>
-        <p:spPr>
-          <a:xfrm>
-            <a:off x="838200" y="1825625"/>
-            <a:ext cx="10515600" cy="4351338"/>
-          </a:xfrm>
-          <a:prstGeom prst="rect">
-            <a:avLst/>
-          </a:prstGeom>
-        </p:spPr>
-        <p:txBody>
-          <a:bodyPr vert="horz" lIns="91440" tIns="45720" rIns="91440" bIns="45720" rtlCol="0">
-            <a:normAutofit/>
-          </a:bodyPr>
-          <a:lstStyle/>
-          <a:p>
-            <a:pPr lvl="0"/>
-            <a:r>
-              <a:rPr lang="en-US"/>
-              <a:t>Click to edit Master text styles</a:t>
-            </a:r>
-          </a:p>
-          <a:p>
-            <a:pPr lvl="1"/>
-            <a:r>
-              <a:rPr lang="en-US"/>
-              <a:t>Second level</a:t>
-            </a:r>
-          </a:p>
-          <a:p>
-            <a:pPr lvl="2"/>
-            <a:r>
-              <a:rPr lang="en-US"/>
-              <a:t>Third level</a:t>
-            </a:r>
-          </a:p>
-          <a:p>
-            <a:pPr lvl="3"/>
-            <a:r>
-              <a:rPr lang="en-US"/>
-              <a:t>Fourth level</a:t>
-            </a:r>
-          </a:p>
-          <a:p>
-            <a:pPr lvl="4"/>
-            <a:r>
-              <a:rPr lang="en-US"/>
-              <a:t>Fifth level</a:t>
-            </a:r>
-          </a:p>
-        </p:txBody>
-      </p:sp>
-      <p:sp>
-        <p:nvSpPr>
-          <p:cNvPr id="4" name="Date Placeholder 3">
-            <a:extLst>
-              <a:ext uri="{FF2B5EF4-FFF2-40B4-BE49-F238E27FC236}">
-                <a16:creationId xmlns:a16="http://schemas.microsoft.com/office/drawing/2014/main" id="{6F9937CC-A685-4180-A30D-ADFDF2494792}"/>
-              </a:ext>
-            </a:extLst>
-          </p:cNvPr>
-          <p:cNvSpPr>
-            <a:spLocks noGrp="1"/>
-          </p:cNvSpPr>
-          <p:nvPr>
-            <p:ph type="dt" sz="half" idx="2"/>
-          </p:nvPr>
-        </p:nvSpPr>
-        <p:spPr>
-          <a:xfrm>
-            <a:off x="838200" y="6356350"/>
-            <a:ext cx="2743200" cy="365125"/>
-          </a:xfrm>
-          <a:prstGeom prst="rect">
-            <a:avLst/>
-          </a:prstGeom>
-        </p:spPr>
-        <p:txBody>
-          <a:bodyPr vert="horz" lIns="91440" tIns="45720" rIns="91440" bIns="45720" rtlCol="0" anchor="ctr"/>
-          <a:lstStyle>
-            <a:lvl1pPr algn="l">
-              <a:defRPr sz="1200">
-                <a:solidFill>
-                  <a:schemeClr val="tx1">
-                    <a:tint val="75000"/>
-                  </a:schemeClr>
-                </a:solidFill>
-              </a:defRPr>
-            </a:lvl1pPr>
-          </a:lstStyle>
-          <a:p>
-            <a:fld id="{16E9F111-BE43-41A1-8F1F-F15EF01C26C9}" type="datetimeFigureOut">
-              <a:rPr lang="en-US" smtClean="0"/>
-              <a:t>8/31/2021</a:t>
-            </a:fld>
-            <a:endParaRPr lang="en-US"/>
-          </a:p>
-        </p:txBody>
-      </p:sp>
-      <p:sp>
-        <p:nvSpPr>
-          <p:cNvPr id="5" name="Footer Placeholder 4">
-            <a:extLst>
-              <a:ext uri="{FF2B5EF4-FFF2-40B4-BE49-F238E27FC236}">
-                <a16:creationId xmlns:a16="http://schemas.microsoft.com/office/drawing/2014/main" id="{237BAAB1-5C05-4039-A731-BBEDF463ED23}"/>
-              </a:ext>
-            </a:extLst>
-          </p:cNvPr>
-          <p:cNvSpPr>
-            <a:spLocks noGrp="1"/>
-          </p:cNvSpPr>
-          <p:nvPr>
-            <p:ph type="ftr" sz="quarter" idx="3"/>
-          </p:nvPr>
-        </p:nvSpPr>
-        <p:spPr>
-          <a:xfrm>
-            <a:off x="4038600" y="6356350"/>
-            <a:ext cx="4114800" cy="365125"/>
-          </a:xfrm>
-          <a:prstGeom prst="rect">
-            <a:avLst/>
-          </a:prstGeom>
-        </p:spPr>
-        <p:txBody>
-          <a:bodyPr vert="horz" lIns="91440" tIns="45720" rIns="91440" bIns="45720" rtlCol="0" anchor="ctr"/>
-          <a:lstStyle>
-            <a:lvl1pPr algn="ctr">
-              <a:defRPr sz="1200">
-                <a:solidFill>
-                  <a:schemeClr val="tx1">
-                    <a:tint val="75000"/>
-                  </a:schemeClr>
-                </a:solidFill>
-              </a:defRPr>
-            </a:lvl1pPr>
-          </a:lstStyle>
-          <a:p>
-            <a:endParaRPr lang="en-US"/>
-          </a:p>
-        </p:txBody>
-      </p:sp>
-      <p:sp>
-        <p:nvSpPr>
-          <p:cNvPr id="6" name="Slide Number Placeholder 5">
-            <a:extLst>
-              <a:ext uri="{FF2B5EF4-FFF2-40B4-BE49-F238E27FC236}">
-                <a16:creationId xmlns:a16="http://schemas.microsoft.com/office/drawing/2014/main" id="{2E2220DE-D961-4517-9215-6A8D06E65ABA}"/>
-              </a:ext>
-            </a:extLst>
-          </p:cNvPr>
-          <p:cNvSpPr>
-            <a:spLocks noGrp="1"/>
-          </p:cNvSpPr>
-          <p:nvPr>
-            <p:ph type="sldNum" sz="quarter" idx="4"/>
-          </p:nvPr>
-        </p:nvSpPr>
-        <p:spPr>
-          <a:xfrm>
-            <a:off x="8610600" y="6356350"/>
-            <a:ext cx="2743200" cy="365125"/>
-          </a:xfrm>
-          <a:prstGeom prst="rect">
-            <a:avLst/>
-          </a:prstGeom>
-        </p:spPr>
-        <p:txBody>
-          <a:bodyPr vert="horz" lIns="91440" tIns="45720" rIns="91440" bIns="45720" rtlCol="0" anchor="ctr"/>
-          <a:lstStyle>
-            <a:lvl1pPr algn="r">
-              <a:defRPr sz="1200">
-                <a:solidFill>
-                  <a:schemeClr val="tx1">
-                    <a:tint val="75000"/>
-                  </a:schemeClr>
-                </a:solidFill>
-              </a:defRPr>
-            </a:lvl1pPr>
-          </a:lstStyle>
-          <a:p>
-            <a:fld id="{4260D868-C467-41FF-9153-78355E86D2DF}" type="slidenum">
-              <a:rPr lang="en-US" smtClean="0"/>
-              <a:t>‹#›</a:t>
-            </a:fld>
-            <a:endParaRPr lang="en-US"/>
-          </a:p>
-        </p:txBody>
-      </p:sp>
-    </p:spTree>
-    <p:extLst>
-      <p:ext uri="{BB962C8B-B14F-4D97-AF65-F5344CB8AC3E}">
-        <p14:creationId xmlns:p14="http://schemas.microsoft.com/office/powerpoint/2010/main" val="875697412"/>
-      </p:ext>
-    </p:extLst>
-  </p:cSld>
-  <p:clrMap bg1="lt1" tx1="dk1" bg2="lt2" tx2="dk2" accent1="accent1" accent2="accent2" accent3="accent3" accent4="accent4" accent5="accent5" accent6="accent6" hlink="hlink" folHlink="folHlink"/>
-  <p:sldLayoutIdLst>
-    <p:sldLayoutId id="2147483649" r:id="rId1"/>
-    <p:sldLayoutId id="2147483650" r:id="rId2"/>
-    <p:sldLayoutId id="2147483651" r:id="rId3"/>
-    <p:sldLayoutId id="2147483652" r:id="rId4"/>
-    <p:sldLayoutId id="2147483653" r:id="rId5"/>
-    <p:sldLayoutId id="2147483654" r:id="rId6"/>
-    <p:sldLayoutId id="2147483655" r:id="rId7"/>
-    <p:sldLayoutId id="2147483656" r:id="rId8"/>
-    <p:sldLayoutId id="2147483657" r:id="rId9"/>
-    <p:sldLayoutId id="2147483658" r:id="rId10"/>
-    <p:sldLayoutId id="2147483659" r:id="rId11"/>
-  </p:sldLayoutIdLst>
-  <p:txStyles>
-    <p:titleStyle>
-      <a:lvl1pPr algn="l" defTabSz="914400" rtl="0" eaLnBrk="1" latinLnBrk="0" hangingPunct="1">
-        <a:lnSpc>
-          <a:spcPct val="90000"/>
-        </a:lnSpc>
-        <a:spcBef>
-          <a:spcPct val="0"/>
-        </a:spcBef>
-        <a:buNone/>
-        <a:defRPr sz="4400" kern="1200">
-          <a:solidFill>
-            <a:schemeClr val="tx1"/>
-          </a:solidFill>
-          <a:latin typeface="+mj-lt"/>
-          <a:ea typeface="+mj-ea"/>
-          <a:cs typeface="+mj-cs"/>
-        </a:defRPr>
-      </a:lvl1pPr>
-    </p:titleStyle>
-    <p:bodyStyle>
-      <a:lvl1pPr marL="228600" indent="-228600" algn="l" defTabSz="914400" rtl="0" eaLnBrk="1" latinLnBrk="0" hangingPunct="1">
-        <a:lnSpc>
-          <a:spcPct val="90000"/>
-        </a:lnSpc>
-        <a:spcBef>
-          <a:spcPts val="1000"/>
-        </a:spcBef>
-        <a:buFont typeface="Arial" panose="020B0604020202020204" pitchFamily="34" charset="0"/>
-        <a:buChar char="•"/>
-        <a:defRPr sz="2800" kern="1200">
-          <a:solidFill>
-            <a:schemeClr val="tx1"/>
-          </a:solidFill>
-          <a:latin typeface="+mn-lt"/>
-          <a:ea typeface="+mn-ea"/>
-          <a:cs typeface="+mn-cs"/>
-        </a:defRPr>
-      </a:lvl1pPr>
-      <a:lvl2pPr marL="685800" indent="-228600" algn="l" defTabSz="914400" rtl="0" eaLnBrk="1" latinLnBrk="0" hangingPunct="1">
-        <a:lnSpc>
-          <a:spcPct val="90000"/>
-        </a:lnSpc>
-        <a:spcBef>
-          <a:spcPts val="500"/>
-        </a:spcBef>
-        <a:buFont typeface="Arial" panose="020B0604020202020204" pitchFamily="34" charset="0"/>
-        <a:buChar char="•"/>
-        <a:defRPr sz="2400" kern="1200">
-          <a:solidFill>
-            <a:schemeClr val="tx1"/>
-          </a:solidFill>
-          <a:latin typeface="+mn-lt"/>
-          <a:ea typeface="+mn-ea"/>
-          <a:cs typeface="+mn-cs"/>
-        </a:defRPr>
-      </a:lvl2pPr>
-      <a:lvl3pPr marL="1143000" indent="-228600" algn="l" defTabSz="914400" rtl="0" eaLnBrk="1" latinLnBrk="0" hangingPunct="1">
-        <a:lnSpc>
-          <a:spcPct val="90000"/>
-        </a:lnSpc>
-        <a:spcBef>
-          <a:spcPts val="500"/>
-        </a:spcBef>
-        <a:buFont typeface="Arial" panose="020B0604020202020204" pitchFamily="34" charset="0"/>
-        <a:buChar char="•"/>
-        <a:defRPr sz="2000" kern="1200">
-          <a:solidFill>
-            <a:schemeClr val="tx1"/>
-          </a:solidFill>
-          <a:latin typeface="+mn-lt"/>
-          <a:ea typeface="+mn-ea"/>
-          <a:cs typeface="+mn-cs"/>
-        </a:defRPr>
-      </a:lvl3pPr>
-      <a:lvl4pPr marL="1600200" indent="-228600" algn="l" defTabSz="914400" rtl="0" eaLnBrk="1" latinLnBrk="0" hangingPunct="1">
-        <a:lnSpc>
-          <a:spcPct val="90000"/>
-        </a:lnSpc>
-        <a:spcBef>
-          <a:spcPts val="500"/>
-        </a:spcBef>
-        <a:buFont typeface="Arial" panose="020B0604020202020204" pitchFamily="34" charset="0"/>
-        <a:buChar char="•"/>
-        <a:defRPr sz="1800" kern="1200">
-          <a:solidFill>
-            <a:schemeClr val="tx1"/>
-          </a:solidFill>
-          <a:latin typeface="+mn-lt"/>
-          <a:ea typeface="+mn-ea"/>
-          <a:cs typeface="+mn-cs"/>
-        </a:defRPr>
-      </a:lvl4pPr>
-      <a:lvl5pPr marL="2057400" indent="-228600" algn="l" defTabSz="914400" rtl="0" eaLnBrk="1" latinLnBrk="0" hangingPunct="1">
-        <a:lnSpc>
-          <a:spcPct val="90000"/>
-        </a:lnSpc>
-        <a:spcBef>
-          <a:spcPts val="500"/>
-        </a:spcBef>
-        <a:buFont typeface="Arial" panose="020B0604020202020204" pitchFamily="34" charset="0"/>
-        <a:buChar char="•"/>
-        <a:defRPr sz="1800" kern="1200">
-          <a:solidFill>
-            <a:schemeClr val="tx1"/>
-          </a:solidFill>
-          <a:latin typeface="+mn-lt"/>
-          <a:ea typeface="+mn-ea"/>
-          <a:cs typeface="+mn-cs"/>
-        </a:defRPr>
-      </a:lvl5pPr>
-      <a:lvl6pPr marL="2514600" indent="-228600" algn="l" defTabSz="914400" rtl="0" eaLnBrk="1" latinLnBrk="0" hangingPunct="1">
-        <a:lnSpc>
-          <a:spcPct val="90000"/>
-        </a:lnSpc>
-        <a:spcBef>
-          <a:spcPts val="500"/>
-        </a:spcBef>
-        <a:buFont typeface="Arial" panose="020B0604020202020204" pitchFamily="34" charset="0"/>
-        <a:buChar char="•"/>
-        <a:defRPr sz="1800" kern="1200">
-          <a:solidFill>
-            <a:schemeClr val="tx1"/>
-          </a:solidFill>
-          <a:latin typeface="+mn-lt"/>
-          <a:ea typeface="+mn-ea"/>
-          <a:cs typeface="+mn-cs"/>
-        </a:defRPr>
-      </a:lvl6pPr>
-      <a:lvl7pPr marL="2971800" indent="-228600" algn="l" defTabSz="914400" rtl="0" eaLnBrk="1" latinLnBrk="0" hangingPunct="1">
-        <a:lnSpc>
-          <a:spcPct val="90000"/>
-        </a:lnSpc>
-        <a:spcBef>
-          <a:spcPts val="500"/>
-        </a:spcBef>
-        <a:buFont typeface="Arial" panose="020B0604020202020204" pitchFamily="34" charset="0"/>
-        <a:buChar char="•"/>
-        <a:defRPr sz="1800" kern="1200">
-          <a:solidFill>
-            <a:schemeClr val="tx1"/>
-          </a:solidFill>
-          <a:latin typeface="+mn-lt"/>
-          <a:ea typeface="+mn-ea"/>
-          <a:cs typeface="+mn-cs"/>
-        </a:defRPr>
-      </a:lvl7pPr>
-      <a:lvl8pPr marL="3429000" indent="-228600" algn="l" defTabSz="914400" rtl="0" eaLnBrk="1" latinLnBrk="0" hangingPunct="1">
-        <a:lnSpc>
-          <a:spcPct val="90000"/>
-        </a:lnSpc>
-        <a:spcBef>
-          <a:spcPts val="500"/>
-        </a:spcBef>
-        <a:buFont typeface="Arial" panose="020B0604020202020204" pitchFamily="34" charset="0"/>
-        <a:buChar char="•"/>
-        <a:defRPr sz="1800" kern="1200">
-          <a:solidFill>
-            <a:schemeClr val="tx1"/>
-          </a:solidFill>
-          <a:latin typeface="+mn-lt"/>
-          <a:ea typeface="+mn-ea"/>
-          <a:cs typeface="+mn-cs"/>
-        </a:defRPr>
-      </a:lvl8pPr>
-      <a:lvl9pPr marL="3886200" indent="-228600" algn="l" defTabSz="914400" rtl="0" eaLnBrk="1" latinLnBrk="0" hangingPunct="1">
-        <a:lnSpc>
-          <a:spcPct val="90000"/>
-        </a:lnSpc>
-        <a:spcBef>
-          <a:spcPts val="500"/>
-        </a:spcBef>
-        <a:buFont typeface="Arial" panose="020B0604020202020204" pitchFamily="34" charset="0"/>
-        <a:buChar char="•"/>
-        <a:defRPr sz="1800" kern="1200">
-          <a:solidFill>
-            <a:schemeClr val="tx1"/>
-          </a:solidFill>
-          <a:latin typeface="+mn-lt"/>
-          <a:ea typeface="+mn-ea"/>
-          <a:cs typeface="+mn-cs"/>
-        </a:defRPr>
-      </a:lvl9pPr>
-    </p:bodyStyle>
-    <p:otherStyle>
-      <a:defPPr>
-        <a:defRPr lang="en-US"/>
-      </a:defPPr>
-      <a:lvl1pPr marL="0" algn="l" defTabSz="914400" rtl="0" eaLnBrk="1" latinLnBrk="0" hangingPunct="1">
-        <a:defRPr sz="1800" kern="1200">
-          <a:solidFill>
-            <a:schemeClr val="tx1"/>
-          </a:solidFill>
-          <a:latin typeface="+mn-lt"/>
-          <a:ea typeface="+mn-ea"/>
-          <a:cs typeface="+mn-cs"/>
-        </a:defRPr>
-      </a:lvl1pPr>
-      <a:lvl2pPr marL="457200" algn="l" defTabSz="914400" rtl="0" eaLnBrk="1" latinLnBrk="0" hangingPunct="1">
-        <a:defRPr sz="1800" kern="1200">
-          <a:solidFill>
-            <a:schemeClr val="tx1"/>
-          </a:solidFill>
-          <a:latin typeface="+mn-lt"/>
-          <a:ea typeface="+mn-ea"/>
-          <a:cs typeface="+mn-cs"/>
-        </a:defRPr>
-      </a:lvl2pPr>
-      <a:lvl3pPr marL="914400" algn="l" defTabSz="914400" rtl="0" eaLnBrk="1" latinLnBrk="0" hangingPunct="1">
-        <a:defRPr sz="1800" kern="1200">
-          <a:solidFill>
-            <a:schemeClr val="tx1"/>
-          </a:solidFill>
-          <a:latin typeface="+mn-lt"/>
-          <a:ea typeface="+mn-ea"/>
-          <a:cs typeface="+mn-cs"/>
-        </a:defRPr>
-      </a:lvl3pPr>
-      <a:lvl4pPr marL="1371600" algn="l" defTabSz="914400" rtl="0" eaLnBrk="1" latinLnBrk="0" hangingPunct="1">
-        <a:defRPr sz="1800" kern="1200">
-          <a:solidFill>
-            <a:schemeClr val="tx1"/>
-          </a:solidFill>
-          <a:latin typeface="+mn-lt"/>
-          <a:ea typeface="+mn-ea"/>
-          <a:cs typeface="+mn-cs"/>
-        </a:defRPr>
-      </a:lvl4pPr>
-      <a:lvl5pPr marL="1828800" algn="l" defTabSz="914400" rtl="0" eaLnBrk="1" latinLnBrk="0" hangingPunct="1">
-        <a:defRPr sz="1800" kern="1200">
-          <a:solidFill>
-            <a:schemeClr val="tx1"/>
-          </a:solidFill>
-          <a:latin typeface="+mn-lt"/>
-          <a:ea typeface="+mn-ea"/>
-          <a:cs typeface="+mn-cs"/>
-        </a:defRPr>
-      </a:lvl5pPr>
-      <a:lvl6pPr marL="2286000" algn="l" defTabSz="914400" rtl="0" eaLnBrk="1" latinLnBrk="0" hangingPunct="1">
-        <a:defRPr sz="1800" kern="1200">
-          <a:solidFill>
-            <a:schemeClr val="tx1"/>
-          </a:solidFill>
-          <a:latin typeface="+mn-lt"/>
-          <a:ea typeface="+mn-ea"/>
-          <a:cs typeface="+mn-cs"/>
-        </a:defRPr>
-      </a:lvl6pPr>
-      <a:lvl7pPr marL="2743200" algn="l" defTabSz="914400" rtl="0" eaLnBrk="1" latinLnBrk="0" hangingPunct="1">
-        <a:defRPr sz="1800" kern="1200">
-          <a:solidFill>
-            <a:schemeClr val="tx1"/>
-          </a:solidFill>
-          <a:latin typeface="+mn-lt"/>
-          <a:ea typeface="+mn-ea"/>
-          <a:cs typeface="+mn-cs"/>
-        </a:defRPr>
-      </a:lvl7pPr>
-      <a:lvl8pPr marL="3200400" algn="l" defTabSz="914400" rtl="0" eaLnBrk="1" latinLnBrk="0" hangingPunct="1">
-        <a:defRPr sz="1800" kern="1200">
-          <a:solidFill>
-            <a:schemeClr val="tx1"/>
-          </a:solidFill>
-          <a:latin typeface="+mn-lt"/>
-          <a:ea typeface="+mn-ea"/>
-          <a:cs typeface="+mn-cs"/>
-        </a:defRPr>
-      </a:lvl8pPr>
-      <a:lvl9pPr marL="3657600" algn="l" defTabSz="914400" rtl="0" eaLnBrk="1" latinLnBrk="0" hangingPunct="1">
-        <a:defRPr sz="1800" kern="1200">
-          <a:solidFill>
-            <a:schemeClr val="tx1"/>
-          </a:solidFill>
-          <a:latin typeface="+mn-lt"/>
-          <a:ea typeface="+mn-ea"/>
-          <a:cs typeface="+mn-cs"/>
-        </a:defRPr>
-      </a:lvl9pPr>
-    </p:otherStyle>
-  </p:txStyles>
-</p:sldMaster>
-</file>
-
-<file path=ppt/slideMasters/slideMaster2.xml><?xml version="1.0" encoding="utf-8"?>
 <p:sldMaster xmlns:a="http://schemas.openxmlformats.org/drawingml/2006/main" xmlns:r="http://schemas.openxmlformats.org/officeDocument/2006/relationships" xmlns:p="http://schemas.openxmlformats.org/presentationml/2006/main" preserve="1">
   <p:cSld>
     <p:bg>
@@ -11233,7 +8039,7 @@
 </p:sldMaster>
 </file>
 
-<file path=ppt/slideMasters/slideMaster3.xml><?xml version="1.0" encoding="utf-8"?>
+<file path=ppt/slideMasters/slideMaster2.xml><?xml version="1.0" encoding="utf-8"?>
 <p:sldMaster xmlns:a="http://schemas.openxmlformats.org/drawingml/2006/main" xmlns:r="http://schemas.openxmlformats.org/officeDocument/2006/relationships" xmlns:p="http://schemas.openxmlformats.org/presentationml/2006/main" preserve="1">
   <p:cSld>
     <p:bg>
@@ -16578,1516 +13384,6 @@
       </p:grpSpPr>
       <p:sp>
         <p:nvSpPr>
-          <p:cNvPr id="2" name="Title 1">
-            <a:extLst>
-              <a:ext uri="{FF2B5EF4-FFF2-40B4-BE49-F238E27FC236}">
-                <a16:creationId xmlns:a16="http://schemas.microsoft.com/office/drawing/2014/main" id="{E19F32F4-D90C-4624-81A4-DF8941A40DE1}"/>
-              </a:ext>
-            </a:extLst>
-          </p:cNvPr>
-          <p:cNvSpPr>
-            <a:spLocks noGrp="1"/>
-          </p:cNvSpPr>
-          <p:nvPr>
-            <p:ph type="ctrTitle"/>
-          </p:nvPr>
-        </p:nvSpPr>
-        <p:spPr/>
-        <p:txBody>
-          <a:bodyPr/>
-          <a:lstStyle/>
-          <a:p>
-            <a:endParaRPr lang="en-US"/>
-          </a:p>
-        </p:txBody>
-      </p:sp>
-      <p:sp>
-        <p:nvSpPr>
-          <p:cNvPr id="3" name="Subtitle 2">
-            <a:extLst>
-              <a:ext uri="{FF2B5EF4-FFF2-40B4-BE49-F238E27FC236}">
-                <a16:creationId xmlns:a16="http://schemas.microsoft.com/office/drawing/2014/main" id="{282CAAAD-BE00-49AB-AC78-FA141EF42D8F}"/>
-              </a:ext>
-            </a:extLst>
-          </p:cNvPr>
-          <p:cNvSpPr>
-            <a:spLocks noGrp="1"/>
-          </p:cNvSpPr>
-          <p:nvPr>
-            <p:ph type="subTitle" idx="1"/>
-          </p:nvPr>
-        </p:nvSpPr>
-        <p:spPr/>
-        <p:txBody>
-          <a:bodyPr/>
-          <a:lstStyle/>
-          <a:p>
-            <a:endParaRPr lang="en-US"/>
-          </a:p>
-        </p:txBody>
-      </p:sp>
-    </p:spTree>
-    <p:extLst>
-      <p:ext uri="{BB962C8B-B14F-4D97-AF65-F5344CB8AC3E}">
-        <p14:creationId xmlns:p14="http://schemas.microsoft.com/office/powerpoint/2010/main" val="3938915755"/>
-      </p:ext>
-    </p:extLst>
-  </p:cSld>
-  <p:clrMapOvr>
-    <a:masterClrMapping/>
-  </p:clrMapOvr>
-</p:sld>
-</file>
-
-<file path=ppt/slides/slide10.xml><?xml version="1.0" encoding="utf-8"?>
-<p:sld xmlns:a="http://schemas.openxmlformats.org/drawingml/2006/main" xmlns:r="http://schemas.openxmlformats.org/officeDocument/2006/relationships" xmlns:p="http://schemas.openxmlformats.org/presentationml/2006/main">
-  <p:cSld>
-    <p:spTree>
-      <p:nvGrpSpPr>
-        <p:cNvPr id="1" name=""/>
-        <p:cNvGrpSpPr/>
-        <p:nvPr/>
-      </p:nvGrpSpPr>
-      <p:grpSpPr>
-        <a:xfrm>
-          <a:off x="0" y="0"/>
-          <a:ext cx="0" cy="0"/>
-          <a:chOff x="0" y="0"/>
-          <a:chExt cx="0" cy="0"/>
-        </a:xfrm>
-      </p:grpSpPr>
-      <p:sp>
-        <p:nvSpPr>
-          <p:cNvPr id="2" name="Title 1">
-            <a:extLst>
-              <a:ext uri="{FF2B5EF4-FFF2-40B4-BE49-F238E27FC236}">
-                <a16:creationId xmlns:a16="http://schemas.microsoft.com/office/drawing/2014/main" id="{847AD627-04DE-41CA-BE15-6EA7644A1EF7}"/>
-              </a:ext>
-            </a:extLst>
-          </p:cNvPr>
-          <p:cNvSpPr>
-            <a:spLocks noGrp="1"/>
-          </p:cNvSpPr>
-          <p:nvPr>
-            <p:ph type="title"/>
-          </p:nvPr>
-        </p:nvSpPr>
-        <p:spPr/>
-        <p:txBody>
-          <a:bodyPr/>
-          <a:lstStyle/>
-          <a:p>
-            <a:r>
-              <a:rPr lang="en-US" dirty="0"/>
-              <a:t>Input Capture</a:t>
-            </a:r>
-          </a:p>
-        </p:txBody>
-      </p:sp>
-      <p:sp>
-        <p:nvSpPr>
-          <p:cNvPr id="3" name="Content Placeholder 2">
-            <a:extLst>
-              <a:ext uri="{FF2B5EF4-FFF2-40B4-BE49-F238E27FC236}">
-                <a16:creationId xmlns:a16="http://schemas.microsoft.com/office/drawing/2014/main" id="{35F581DB-80FA-41F7-99BB-98A12141CC98}"/>
-              </a:ext>
-            </a:extLst>
-          </p:cNvPr>
-          <p:cNvSpPr>
-            <a:spLocks noGrp="1"/>
-          </p:cNvSpPr>
-          <p:nvPr>
-            <p:ph idx="1"/>
-          </p:nvPr>
-        </p:nvSpPr>
-        <p:spPr>
-          <a:xfrm>
-            <a:off x="609600" y="1719263"/>
-            <a:ext cx="10972800" cy="1795724"/>
-          </a:xfrm>
-        </p:spPr>
-        <p:txBody>
-          <a:bodyPr/>
-          <a:lstStyle/>
-          <a:p>
-            <a:r>
-              <a:rPr lang="en-US" dirty="0"/>
-              <a:t>Measures input pulse lengths</a:t>
-            </a:r>
-          </a:p>
-          <a:p>
-            <a:r>
-              <a:rPr lang="en-US" dirty="0"/>
-              <a:t>Applications: decoding remote control signals, distance measurement</a:t>
-            </a:r>
-          </a:p>
-        </p:txBody>
-      </p:sp>
-      <p:pic>
-        <p:nvPicPr>
-          <p:cNvPr id="5" name="Picture 4">
-            <a:extLst>
-              <a:ext uri="{FF2B5EF4-FFF2-40B4-BE49-F238E27FC236}">
-                <a16:creationId xmlns:a16="http://schemas.microsoft.com/office/drawing/2014/main" id="{762CA6E7-87D7-468E-9A66-640B026E6624}"/>
-              </a:ext>
-            </a:extLst>
-          </p:cNvPr>
-          <p:cNvPicPr>
-            <a:picLocks noChangeAspect="1"/>
-          </p:cNvPicPr>
-          <p:nvPr/>
-        </p:nvPicPr>
-        <p:blipFill>
-          <a:blip r:embed="rId2"/>
-          <a:stretch>
-            <a:fillRect/>
-          </a:stretch>
-        </p:blipFill>
-        <p:spPr>
-          <a:xfrm>
-            <a:off x="2309566" y="3301908"/>
-            <a:ext cx="7287642" cy="2972215"/>
-          </a:xfrm>
-          <a:prstGeom prst="rect">
-            <a:avLst/>
-          </a:prstGeom>
-        </p:spPr>
-      </p:pic>
-    </p:spTree>
-    <p:extLst>
-      <p:ext uri="{BB962C8B-B14F-4D97-AF65-F5344CB8AC3E}">
-        <p14:creationId xmlns:p14="http://schemas.microsoft.com/office/powerpoint/2010/main" val="4035833233"/>
-      </p:ext>
-    </p:extLst>
-  </p:cSld>
-  <p:clrMapOvr>
-    <a:masterClrMapping/>
-  </p:clrMapOvr>
-</p:sld>
-</file>
-
-<file path=ppt/slides/slide11.xml><?xml version="1.0" encoding="utf-8"?>
-<p:sld xmlns:a="http://schemas.openxmlformats.org/drawingml/2006/main" xmlns:r="http://schemas.openxmlformats.org/officeDocument/2006/relationships" xmlns:p="http://schemas.openxmlformats.org/presentationml/2006/main">
-  <p:cSld>
-    <p:spTree>
-      <p:nvGrpSpPr>
-        <p:cNvPr id="1" name=""/>
-        <p:cNvGrpSpPr/>
-        <p:nvPr/>
-      </p:nvGrpSpPr>
-      <p:grpSpPr>
-        <a:xfrm>
-          <a:off x="0" y="0"/>
-          <a:ext cx="0" cy="0"/>
-          <a:chOff x="0" y="0"/>
-          <a:chExt cx="0" cy="0"/>
-        </a:xfrm>
-      </p:grpSpPr>
-      <p:sp>
-        <p:nvSpPr>
-          <p:cNvPr id="2" name="Title 1">
-            <a:extLst>
-              <a:ext uri="{FF2B5EF4-FFF2-40B4-BE49-F238E27FC236}">
-                <a16:creationId xmlns:a16="http://schemas.microsoft.com/office/drawing/2014/main" id="{2E81A41F-3BBE-4C9E-AFA9-4DC6CB905D5D}"/>
-              </a:ext>
-            </a:extLst>
-          </p:cNvPr>
-          <p:cNvSpPr>
-            <a:spLocks noGrp="1"/>
-          </p:cNvSpPr>
-          <p:nvPr>
-            <p:ph type="title"/>
-          </p:nvPr>
-        </p:nvSpPr>
-        <p:spPr/>
-        <p:txBody>
-          <a:bodyPr/>
-          <a:lstStyle/>
-          <a:p>
-            <a:r>
-              <a:rPr lang="en-US" dirty="0"/>
-              <a:t>Output Compare</a:t>
-            </a:r>
-          </a:p>
-        </p:txBody>
-      </p:sp>
-      <p:sp>
-        <p:nvSpPr>
-          <p:cNvPr id="3" name="Content Placeholder 2">
-            <a:extLst>
-              <a:ext uri="{FF2B5EF4-FFF2-40B4-BE49-F238E27FC236}">
-                <a16:creationId xmlns:a16="http://schemas.microsoft.com/office/drawing/2014/main" id="{40DF47B7-0E31-416D-AE14-48E4A58551DC}"/>
-              </a:ext>
-            </a:extLst>
-          </p:cNvPr>
-          <p:cNvSpPr>
-            <a:spLocks noGrp="1"/>
-          </p:cNvSpPr>
-          <p:nvPr>
-            <p:ph idx="1"/>
-          </p:nvPr>
-        </p:nvSpPr>
-        <p:spPr>
-          <a:xfrm>
-            <a:off x="609600" y="1719263"/>
-            <a:ext cx="10972800" cy="4958374"/>
-          </a:xfrm>
-        </p:spPr>
-        <p:txBody>
-          <a:bodyPr/>
-          <a:lstStyle/>
-          <a:p>
-            <a:r>
-              <a:rPr lang="en-US" dirty="0"/>
-              <a:t>Generates an event when counter matches a certain value</a:t>
-            </a:r>
-          </a:p>
-          <a:p>
-            <a:pPr marL="0" indent="0">
-              <a:buNone/>
-            </a:pPr>
-            <a:endParaRPr lang="en-US" dirty="0"/>
-          </a:p>
-          <a:p>
-            <a:pPr marL="0" indent="0">
-              <a:buNone/>
-            </a:pPr>
-            <a:endParaRPr lang="en-US" dirty="0"/>
-          </a:p>
-          <a:p>
-            <a:pPr marL="0" indent="0">
-              <a:buNone/>
-            </a:pPr>
-            <a:endParaRPr lang="en-US" dirty="0"/>
-          </a:p>
-          <a:p>
-            <a:pPr marL="0" indent="0">
-              <a:buNone/>
-            </a:pPr>
-            <a:endParaRPr lang="en-US" dirty="0"/>
-          </a:p>
-          <a:p>
-            <a:r>
-              <a:rPr lang="en-US" dirty="0"/>
-              <a:t>Possible MCU’s behavior when receiving a compare event:</a:t>
-            </a:r>
-          </a:p>
-          <a:p>
-            <a:pPr lvl="1"/>
-            <a:r>
-              <a:rPr lang="en-US" dirty="0"/>
-              <a:t>Sets a flag</a:t>
-            </a:r>
-          </a:p>
-          <a:p>
-            <a:pPr lvl="1"/>
-            <a:r>
-              <a:rPr lang="en-US" dirty="0"/>
-              <a:t>Generates an interrupt</a:t>
-            </a:r>
-          </a:p>
-          <a:p>
-            <a:pPr lvl="1"/>
-            <a:r>
-              <a:rPr lang="en-US" dirty="0"/>
-              <a:t>Sets, resets, or toggles output pin</a:t>
-            </a:r>
-          </a:p>
-        </p:txBody>
-      </p:sp>
-      <p:pic>
-        <p:nvPicPr>
-          <p:cNvPr id="5" name="Picture 4">
-            <a:extLst>
-              <a:ext uri="{FF2B5EF4-FFF2-40B4-BE49-F238E27FC236}">
-                <a16:creationId xmlns:a16="http://schemas.microsoft.com/office/drawing/2014/main" id="{6D94FECF-D452-44BC-9825-322497D02D10}"/>
-              </a:ext>
-            </a:extLst>
-          </p:cNvPr>
-          <p:cNvPicPr>
-            <a:picLocks noChangeAspect="1"/>
-          </p:cNvPicPr>
-          <p:nvPr/>
-        </p:nvPicPr>
-        <p:blipFill>
-          <a:blip r:embed="rId2"/>
-          <a:stretch>
-            <a:fillRect/>
-          </a:stretch>
-        </p:blipFill>
-        <p:spPr>
-          <a:xfrm>
-            <a:off x="2523626" y="2395393"/>
-            <a:ext cx="7144747" cy="2067213"/>
-          </a:xfrm>
-          <a:prstGeom prst="rect">
-            <a:avLst/>
-          </a:prstGeom>
-        </p:spPr>
-      </p:pic>
-    </p:spTree>
-    <p:extLst>
-      <p:ext uri="{BB962C8B-B14F-4D97-AF65-F5344CB8AC3E}">
-        <p14:creationId xmlns:p14="http://schemas.microsoft.com/office/powerpoint/2010/main" val="3590546706"/>
-      </p:ext>
-    </p:extLst>
-  </p:cSld>
-  <p:clrMapOvr>
-    <a:masterClrMapping/>
-  </p:clrMapOvr>
-</p:sld>
-</file>
-
-<file path=ppt/slides/slide12.xml><?xml version="1.0" encoding="utf-8"?>
-<p:sld xmlns:a="http://schemas.openxmlformats.org/drawingml/2006/main" xmlns:r="http://schemas.openxmlformats.org/officeDocument/2006/relationships" xmlns:p="http://schemas.openxmlformats.org/presentationml/2006/main">
-  <p:cSld>
-    <p:spTree>
-      <p:nvGrpSpPr>
-        <p:cNvPr id="1" name=""/>
-        <p:cNvGrpSpPr/>
-        <p:nvPr/>
-      </p:nvGrpSpPr>
-      <p:grpSpPr>
-        <a:xfrm>
-          <a:off x="0" y="0"/>
-          <a:ext cx="0" cy="0"/>
-          <a:chOff x="0" y="0"/>
-          <a:chExt cx="0" cy="0"/>
-        </a:xfrm>
-      </p:grpSpPr>
-      <p:sp>
-        <p:nvSpPr>
-          <p:cNvPr id="2" name="Title 1">
-            <a:extLst>
-              <a:ext uri="{FF2B5EF4-FFF2-40B4-BE49-F238E27FC236}">
-                <a16:creationId xmlns:a16="http://schemas.microsoft.com/office/drawing/2014/main" id="{1E0ACC41-CD81-4DFB-84F6-7C62A771BADC}"/>
-              </a:ext>
-            </a:extLst>
-          </p:cNvPr>
-          <p:cNvSpPr>
-            <a:spLocks noGrp="1"/>
-          </p:cNvSpPr>
-          <p:nvPr>
-            <p:ph type="title"/>
-          </p:nvPr>
-        </p:nvSpPr>
-        <p:spPr/>
-        <p:txBody>
-          <a:bodyPr/>
-          <a:lstStyle/>
-          <a:p>
-            <a:r>
-              <a:rPr lang="en-US" dirty="0"/>
-              <a:t>Pulse-Width Modulation (PWM)</a:t>
-            </a:r>
-          </a:p>
-        </p:txBody>
-      </p:sp>
-      <p:sp>
-        <p:nvSpPr>
-          <p:cNvPr id="3" name="Content Placeholder 2">
-            <a:extLst>
-              <a:ext uri="{FF2B5EF4-FFF2-40B4-BE49-F238E27FC236}">
-                <a16:creationId xmlns:a16="http://schemas.microsoft.com/office/drawing/2014/main" id="{FD4A224C-69C7-4367-A9D4-BB7F0AE61B20}"/>
-              </a:ext>
-            </a:extLst>
-          </p:cNvPr>
-          <p:cNvSpPr>
-            <a:spLocks noGrp="1"/>
-          </p:cNvSpPr>
-          <p:nvPr>
-            <p:ph idx="1"/>
-          </p:nvPr>
-        </p:nvSpPr>
-        <p:spPr>
-          <a:xfrm>
-            <a:off x="609600" y="1719263"/>
-            <a:ext cx="10972800" cy="1812502"/>
-          </a:xfrm>
-        </p:spPr>
-        <p:txBody>
-          <a:bodyPr/>
-          <a:lstStyle/>
-          <a:p>
-            <a:r>
-              <a:rPr lang="en-US" dirty="0"/>
-              <a:t>PWM utilizes duty cycle control to simulate analog output</a:t>
-            </a:r>
-          </a:p>
-          <a:p>
-            <a:r>
-              <a:rPr lang="en-US" dirty="0"/>
-              <a:t>Applications: motor speed control, servo position control, LED brightness control</a:t>
-            </a:r>
-          </a:p>
-        </p:txBody>
-      </p:sp>
-      <p:pic>
-        <p:nvPicPr>
-          <p:cNvPr id="5" name="Picture 4">
-            <a:extLst>
-              <a:ext uri="{FF2B5EF4-FFF2-40B4-BE49-F238E27FC236}">
-                <a16:creationId xmlns:a16="http://schemas.microsoft.com/office/drawing/2014/main" id="{7F0656D8-7934-4437-AF9A-F273392A3E5D}"/>
-              </a:ext>
-            </a:extLst>
-          </p:cNvPr>
-          <p:cNvPicPr>
-            <a:picLocks noChangeAspect="1"/>
-          </p:cNvPicPr>
-          <p:nvPr/>
-        </p:nvPicPr>
-        <p:blipFill>
-          <a:blip r:embed="rId2"/>
-          <a:stretch>
-            <a:fillRect/>
-          </a:stretch>
-        </p:blipFill>
-        <p:spPr>
-          <a:xfrm>
-            <a:off x="2452179" y="3429000"/>
-            <a:ext cx="7287642" cy="3115110"/>
-          </a:xfrm>
-          <a:prstGeom prst="rect">
-            <a:avLst/>
-          </a:prstGeom>
-        </p:spPr>
-      </p:pic>
-    </p:spTree>
-    <p:extLst>
-      <p:ext uri="{BB962C8B-B14F-4D97-AF65-F5344CB8AC3E}">
-        <p14:creationId xmlns:p14="http://schemas.microsoft.com/office/powerpoint/2010/main" val="874379986"/>
-      </p:ext>
-    </p:extLst>
-  </p:cSld>
-  <p:clrMapOvr>
-    <a:masterClrMapping/>
-  </p:clrMapOvr>
-</p:sld>
-</file>
-
-<file path=ppt/slides/slide13.xml><?xml version="1.0" encoding="utf-8"?>
-<p:sld xmlns:a="http://schemas.openxmlformats.org/drawingml/2006/main" xmlns:r="http://schemas.openxmlformats.org/officeDocument/2006/relationships" xmlns:p="http://schemas.openxmlformats.org/presentationml/2006/main">
-  <p:cSld>
-    <p:spTree>
-      <p:nvGrpSpPr>
-        <p:cNvPr id="1" name=""/>
-        <p:cNvGrpSpPr/>
-        <p:nvPr/>
-      </p:nvGrpSpPr>
-      <p:grpSpPr>
-        <a:xfrm>
-          <a:off x="0" y="0"/>
-          <a:ext cx="0" cy="0"/>
-          <a:chOff x="0" y="0"/>
-          <a:chExt cx="0" cy="0"/>
-        </a:xfrm>
-      </p:grpSpPr>
-      <p:sp>
-        <p:nvSpPr>
-          <p:cNvPr id="2" name="Title 1">
-            <a:extLst>
-              <a:ext uri="{FF2B5EF4-FFF2-40B4-BE49-F238E27FC236}">
-                <a16:creationId xmlns:a16="http://schemas.microsoft.com/office/drawing/2014/main" id="{5A880417-1613-4B8E-8C13-80898FB0AB96}"/>
-              </a:ext>
-            </a:extLst>
-          </p:cNvPr>
-          <p:cNvSpPr>
-            <a:spLocks noGrp="1"/>
-          </p:cNvSpPr>
-          <p:nvPr>
-            <p:ph type="title"/>
-          </p:nvPr>
-        </p:nvSpPr>
-        <p:spPr/>
-        <p:txBody>
-          <a:bodyPr/>
-          <a:lstStyle/>
-          <a:p>
-            <a:r>
-              <a:rPr lang="en-US" dirty="0"/>
-              <a:t>PWM Waveform Generation</a:t>
-            </a:r>
-          </a:p>
-        </p:txBody>
-      </p:sp>
-      <p:sp>
-        <p:nvSpPr>
-          <p:cNvPr id="3" name="Content Placeholder 2">
-            <a:extLst>
-              <a:ext uri="{FF2B5EF4-FFF2-40B4-BE49-F238E27FC236}">
-                <a16:creationId xmlns:a16="http://schemas.microsoft.com/office/drawing/2014/main" id="{21664452-15E7-4DDE-9F01-5E75B4DE3435}"/>
-              </a:ext>
-            </a:extLst>
-          </p:cNvPr>
-          <p:cNvSpPr>
-            <a:spLocks noGrp="1"/>
-          </p:cNvSpPr>
-          <p:nvPr>
-            <p:ph idx="1"/>
-          </p:nvPr>
-        </p:nvSpPr>
-        <p:spPr/>
-        <p:txBody>
-          <a:bodyPr/>
-          <a:lstStyle/>
-          <a:p>
-            <a:r>
-              <a:rPr lang="en-US" dirty="0"/>
-              <a:t>Typical MCU behavior</a:t>
-            </a:r>
-          </a:p>
-          <a:p>
-            <a:pPr lvl="1"/>
-            <a:r>
-              <a:rPr lang="en-US" dirty="0"/>
-              <a:t>Auto-reload event sets output pin high</a:t>
-            </a:r>
-          </a:p>
-          <a:p>
-            <a:pPr lvl="1"/>
-            <a:r>
-              <a:rPr lang="en-US" dirty="0"/>
-              <a:t> Output-compare event sets output pin low</a:t>
-            </a:r>
-          </a:p>
-          <a:p>
-            <a:pPr marL="344487" lvl="1" indent="0">
-              <a:buNone/>
-            </a:pPr>
-            <a:endParaRPr lang="en-US" dirty="0"/>
-          </a:p>
-          <a:p>
-            <a:pPr marL="344487" lvl="1" indent="0">
-              <a:buNone/>
-            </a:pPr>
-            <a:endParaRPr lang="en-US" dirty="0"/>
-          </a:p>
-          <a:p>
-            <a:pPr marL="344487" lvl="1" indent="0">
-              <a:buNone/>
-            </a:pPr>
-            <a:endParaRPr lang="en-US" dirty="0"/>
-          </a:p>
-          <a:p>
-            <a:pPr marL="344487" lvl="1" indent="0">
-              <a:buNone/>
-            </a:pPr>
-            <a:endParaRPr lang="en-US" dirty="0"/>
-          </a:p>
-          <a:p>
-            <a:pPr marL="344487" lvl="1" indent="0">
-              <a:buNone/>
-            </a:pPr>
-            <a:endParaRPr lang="en-US" dirty="0"/>
-          </a:p>
-          <a:p>
-            <a:pPr marL="344487" lvl="1" indent="0">
-              <a:buNone/>
-            </a:pPr>
-            <a:endParaRPr lang="en-US" dirty="0"/>
-          </a:p>
-          <a:p>
-            <a:r>
-              <a:rPr lang="en-US" dirty="0"/>
-              <a:t>Output compare value determines PWM duty</a:t>
-            </a:r>
-          </a:p>
-        </p:txBody>
-      </p:sp>
-      <p:pic>
-        <p:nvPicPr>
-          <p:cNvPr id="5" name="Picture 4">
-            <a:extLst>
-              <a:ext uri="{FF2B5EF4-FFF2-40B4-BE49-F238E27FC236}">
-                <a16:creationId xmlns:a16="http://schemas.microsoft.com/office/drawing/2014/main" id="{1AB1F3AC-091F-441B-8B66-87213C6DF8DD}"/>
-              </a:ext>
-            </a:extLst>
-          </p:cNvPr>
-          <p:cNvPicPr>
-            <a:picLocks noChangeAspect="1"/>
-          </p:cNvPicPr>
-          <p:nvPr/>
-        </p:nvPicPr>
-        <p:blipFill>
-          <a:blip r:embed="rId2"/>
-          <a:stretch>
-            <a:fillRect/>
-          </a:stretch>
-        </p:blipFill>
-        <p:spPr>
-          <a:xfrm>
-            <a:off x="2071189" y="3429000"/>
-            <a:ext cx="7135221" cy="2333951"/>
-          </a:xfrm>
-          <a:prstGeom prst="rect">
-            <a:avLst/>
-          </a:prstGeom>
-        </p:spPr>
-      </p:pic>
-    </p:spTree>
-    <p:extLst>
-      <p:ext uri="{BB962C8B-B14F-4D97-AF65-F5344CB8AC3E}">
-        <p14:creationId xmlns:p14="http://schemas.microsoft.com/office/powerpoint/2010/main" val="103288737"/>
-      </p:ext>
-    </p:extLst>
-  </p:cSld>
-  <p:clrMapOvr>
-    <a:masterClrMapping/>
-  </p:clrMapOvr>
-</p:sld>
-</file>
-
-<file path=ppt/slides/slide14.xml><?xml version="1.0" encoding="utf-8"?>
-<p:sld xmlns:a="http://schemas.openxmlformats.org/drawingml/2006/main" xmlns:r="http://schemas.openxmlformats.org/officeDocument/2006/relationships" xmlns:p="http://schemas.openxmlformats.org/presentationml/2006/main">
-  <p:cSld>
-    <p:spTree>
-      <p:nvGrpSpPr>
-        <p:cNvPr id="1" name=""/>
-        <p:cNvGrpSpPr/>
-        <p:nvPr/>
-      </p:nvGrpSpPr>
-      <p:grpSpPr>
-        <a:xfrm>
-          <a:off x="0" y="0"/>
-          <a:ext cx="0" cy="0"/>
-          <a:chOff x="0" y="0"/>
-          <a:chExt cx="0" cy="0"/>
-        </a:xfrm>
-      </p:grpSpPr>
-      <p:sp>
-        <p:nvSpPr>
-          <p:cNvPr id="2" name="Title 1">
-            <a:extLst>
-              <a:ext uri="{FF2B5EF4-FFF2-40B4-BE49-F238E27FC236}">
-                <a16:creationId xmlns:a16="http://schemas.microsoft.com/office/drawing/2014/main" id="{2007CDE5-6450-469F-B324-ED0C3C7CA15A}"/>
-              </a:ext>
-            </a:extLst>
-          </p:cNvPr>
-          <p:cNvSpPr>
-            <a:spLocks noGrp="1"/>
-          </p:cNvSpPr>
-          <p:nvPr>
-            <p:ph type="title"/>
-          </p:nvPr>
-        </p:nvSpPr>
-        <p:spPr/>
-        <p:txBody>
-          <a:bodyPr/>
-          <a:lstStyle/>
-          <a:p>
-            <a:r>
-              <a:rPr lang="en-US" dirty="0"/>
-              <a:t>STM32L4xx’s Timers</a:t>
-            </a:r>
-          </a:p>
-        </p:txBody>
-      </p:sp>
-      <p:sp>
-        <p:nvSpPr>
-          <p:cNvPr id="3" name="Content Placeholder 2">
-            <a:extLst>
-              <a:ext uri="{FF2B5EF4-FFF2-40B4-BE49-F238E27FC236}">
-                <a16:creationId xmlns:a16="http://schemas.microsoft.com/office/drawing/2014/main" id="{EA0FA256-2BE3-4987-92E1-B4B576CBFDBA}"/>
-              </a:ext>
-            </a:extLst>
-          </p:cNvPr>
-          <p:cNvSpPr>
-            <a:spLocks noGrp="1"/>
-          </p:cNvSpPr>
-          <p:nvPr>
-            <p:ph idx="1"/>
-          </p:nvPr>
-        </p:nvSpPr>
-        <p:spPr/>
-        <p:txBody>
-          <a:bodyPr/>
-          <a:lstStyle/>
-          <a:p>
-            <a:r>
-              <a:rPr lang="en-US" dirty="0"/>
-              <a:t>Basic timers: TIM6/TIM7</a:t>
-            </a:r>
-          </a:p>
-          <a:p>
-            <a:r>
-              <a:rPr lang="en-US" dirty="0"/>
-              <a:t>General-purpose timers: TIM2/TIM3 and TIM15/TIM16</a:t>
-            </a:r>
-          </a:p>
-          <a:p>
-            <a:r>
-              <a:rPr lang="en-US" dirty="0"/>
-              <a:t>Advanced timers: TIM1</a:t>
-            </a:r>
-          </a:p>
-          <a:p>
-            <a:r>
-              <a:rPr lang="en-US" dirty="0"/>
-              <a:t>Low-power timers: LPTIM</a:t>
-            </a:r>
-          </a:p>
-        </p:txBody>
-      </p:sp>
-    </p:spTree>
-    <p:extLst>
-      <p:ext uri="{BB962C8B-B14F-4D97-AF65-F5344CB8AC3E}">
-        <p14:creationId xmlns:p14="http://schemas.microsoft.com/office/powerpoint/2010/main" val="1669126429"/>
-      </p:ext>
-    </p:extLst>
-  </p:cSld>
-  <p:clrMapOvr>
-    <a:masterClrMapping/>
-  </p:clrMapOvr>
-</p:sld>
-</file>
-
-<file path=ppt/slides/slide15.xml><?xml version="1.0" encoding="utf-8"?>
-<p:sld xmlns:a="http://schemas.openxmlformats.org/drawingml/2006/main" xmlns:r="http://schemas.openxmlformats.org/officeDocument/2006/relationships" xmlns:p="http://schemas.openxmlformats.org/presentationml/2006/main">
-  <p:cSld>
-    <p:spTree>
-      <p:nvGrpSpPr>
-        <p:cNvPr id="1" name=""/>
-        <p:cNvGrpSpPr/>
-        <p:nvPr/>
-      </p:nvGrpSpPr>
-      <p:grpSpPr>
-        <a:xfrm>
-          <a:off x="0" y="0"/>
-          <a:ext cx="0" cy="0"/>
-          <a:chOff x="0" y="0"/>
-          <a:chExt cx="0" cy="0"/>
-        </a:xfrm>
-      </p:grpSpPr>
-      <p:sp>
-        <p:nvSpPr>
-          <p:cNvPr id="2" name="Title 1">
-            <a:extLst>
-              <a:ext uri="{FF2B5EF4-FFF2-40B4-BE49-F238E27FC236}">
-                <a16:creationId xmlns:a16="http://schemas.microsoft.com/office/drawing/2014/main" id="{27F612ED-C222-4D83-B39D-C79318A5BF63}"/>
-              </a:ext>
-            </a:extLst>
-          </p:cNvPr>
-          <p:cNvSpPr>
-            <a:spLocks noGrp="1"/>
-          </p:cNvSpPr>
-          <p:nvPr>
-            <p:ph type="title"/>
-          </p:nvPr>
-        </p:nvSpPr>
-        <p:spPr/>
-        <p:txBody>
-          <a:bodyPr/>
-          <a:lstStyle/>
-          <a:p>
-            <a:r>
-              <a:rPr lang="en-US" dirty="0"/>
-              <a:t>STM32L4xx’s General-Purpose Timers</a:t>
-            </a:r>
-          </a:p>
-        </p:txBody>
-      </p:sp>
-      <p:pic>
-        <p:nvPicPr>
-          <p:cNvPr id="5" name="Content Placeholder 4">
-            <a:extLst>
-              <a:ext uri="{FF2B5EF4-FFF2-40B4-BE49-F238E27FC236}">
-                <a16:creationId xmlns:a16="http://schemas.microsoft.com/office/drawing/2014/main" id="{FFC82429-F677-41F0-9890-861FC768FE36}"/>
-              </a:ext>
-            </a:extLst>
-          </p:cNvPr>
-          <p:cNvPicPr>
-            <a:picLocks noGrp="1" noChangeAspect="1"/>
-          </p:cNvPicPr>
-          <p:nvPr>
-            <p:ph idx="1"/>
-          </p:nvPr>
-        </p:nvPicPr>
-        <p:blipFill>
-          <a:blip r:embed="rId2"/>
-          <a:stretch>
-            <a:fillRect/>
-          </a:stretch>
-        </p:blipFill>
-        <p:spPr>
-          <a:xfrm>
-            <a:off x="2434535" y="1377860"/>
-            <a:ext cx="6927577" cy="5058586"/>
-          </a:xfrm>
-        </p:spPr>
-      </p:pic>
-    </p:spTree>
-    <p:extLst>
-      <p:ext uri="{BB962C8B-B14F-4D97-AF65-F5344CB8AC3E}">
-        <p14:creationId xmlns:p14="http://schemas.microsoft.com/office/powerpoint/2010/main" val="2645582674"/>
-      </p:ext>
-    </p:extLst>
-  </p:cSld>
-  <p:clrMapOvr>
-    <a:masterClrMapping/>
-  </p:clrMapOvr>
-</p:sld>
-</file>
-
-<file path=ppt/slides/slide16.xml><?xml version="1.0" encoding="utf-8"?>
-<p:sld xmlns:a="http://schemas.openxmlformats.org/drawingml/2006/main" xmlns:r="http://schemas.openxmlformats.org/officeDocument/2006/relationships" xmlns:p="http://schemas.openxmlformats.org/presentationml/2006/main">
-  <p:cSld>
-    <p:spTree>
-      <p:nvGrpSpPr>
-        <p:cNvPr id="1" name=""/>
-        <p:cNvGrpSpPr/>
-        <p:nvPr/>
-      </p:nvGrpSpPr>
-      <p:grpSpPr>
-        <a:xfrm>
-          <a:off x="0" y="0"/>
-          <a:ext cx="0" cy="0"/>
-          <a:chOff x="0" y="0"/>
-          <a:chExt cx="0" cy="0"/>
-        </a:xfrm>
-      </p:grpSpPr>
-      <p:sp>
-        <p:nvSpPr>
-          <p:cNvPr id="2" name="Title 1">
-            <a:extLst>
-              <a:ext uri="{FF2B5EF4-FFF2-40B4-BE49-F238E27FC236}">
-                <a16:creationId xmlns:a16="http://schemas.microsoft.com/office/drawing/2014/main" id="{2A52A4BB-2FB6-42AD-A590-E4DB0B311CFF}"/>
-              </a:ext>
-            </a:extLst>
-          </p:cNvPr>
-          <p:cNvSpPr>
-            <a:spLocks noGrp="1"/>
-          </p:cNvSpPr>
-          <p:nvPr>
-            <p:ph type="title"/>
-          </p:nvPr>
-        </p:nvSpPr>
-        <p:spPr/>
-        <p:txBody>
-          <a:bodyPr/>
-          <a:lstStyle/>
-          <a:p>
-            <a:r>
-              <a:rPr lang="en-US" dirty="0"/>
-              <a:t>Important Timer-Related Registers</a:t>
-            </a:r>
-          </a:p>
-        </p:txBody>
-      </p:sp>
-      <p:sp>
-        <p:nvSpPr>
-          <p:cNvPr id="3" name="Content Placeholder 2">
-            <a:extLst>
-              <a:ext uri="{FF2B5EF4-FFF2-40B4-BE49-F238E27FC236}">
-                <a16:creationId xmlns:a16="http://schemas.microsoft.com/office/drawing/2014/main" id="{BE4213A3-4F0F-443E-8B63-9A5F929AA6B6}"/>
-              </a:ext>
-            </a:extLst>
-          </p:cNvPr>
-          <p:cNvSpPr>
-            <a:spLocks noGrp="1"/>
-          </p:cNvSpPr>
-          <p:nvPr>
-            <p:ph idx="1"/>
-          </p:nvPr>
-        </p:nvSpPr>
-        <p:spPr>
-          <a:xfrm>
-            <a:off x="609600" y="1719263"/>
-            <a:ext cx="10972800" cy="4991930"/>
-          </a:xfrm>
-        </p:spPr>
-        <p:txBody>
-          <a:bodyPr/>
-          <a:lstStyle/>
-          <a:p>
-            <a:r>
-              <a:rPr lang="en-US" dirty="0" err="1"/>
-              <a:t>TIMx</a:t>
-            </a:r>
-            <a:r>
-              <a:rPr lang="en-US" dirty="0"/>
-              <a:t>-&gt;PSC (16 bits)</a:t>
-            </a:r>
-          </a:p>
-          <a:p>
-            <a:pPr lvl="1"/>
-            <a:r>
-              <a:rPr lang="en-US" dirty="0" err="1"/>
-              <a:t>Prescaler</a:t>
-            </a:r>
-            <a:r>
-              <a:rPr lang="en-US" dirty="0"/>
-              <a:t> for </a:t>
-            </a:r>
-            <a:r>
-              <a:rPr lang="en-US" dirty="0" err="1"/>
-              <a:t>TIMx</a:t>
-            </a:r>
-            <a:endParaRPr lang="en-US" dirty="0"/>
-          </a:p>
-          <a:p>
-            <a:pPr lvl="1"/>
-            <a:r>
-              <a:rPr lang="en-US" dirty="0"/>
-              <a:t>PSC = 0 </a:t>
-            </a:r>
-            <a:r>
-              <a:rPr lang="en-US" dirty="0">
-                <a:sym typeface="Wingdings" panose="05000000000000000000" pitchFamily="2" charset="2"/>
-              </a:rPr>
-              <a:t></a:t>
-            </a:r>
-            <a:r>
-              <a:rPr lang="en-US" dirty="0"/>
-              <a:t> no </a:t>
-            </a:r>
-            <a:r>
-              <a:rPr lang="en-US" dirty="0" err="1"/>
-              <a:t>prescaler</a:t>
-            </a:r>
-            <a:r>
-              <a:rPr lang="en-US" dirty="0"/>
-              <a:t> (</a:t>
-            </a:r>
-            <a:r>
-              <a:rPr lang="en-US" dirty="0" err="1"/>
-              <a:t>prescaler</a:t>
-            </a:r>
-            <a:r>
-              <a:rPr lang="en-US" dirty="0"/>
-              <a:t> = 1)</a:t>
-            </a:r>
-          </a:p>
-          <a:p>
-            <a:pPr lvl="1"/>
-            <a:r>
-              <a:rPr lang="pt-BR" dirty="0"/>
-              <a:t>PSC = n </a:t>
-            </a:r>
-            <a:r>
-              <a:rPr lang="pt-BR" dirty="0">
-                <a:sym typeface="Wingdings" panose="05000000000000000000" pitchFamily="2" charset="2"/>
-              </a:rPr>
-              <a:t></a:t>
-            </a:r>
-            <a:r>
-              <a:rPr lang="pt-BR" dirty="0"/>
-              <a:t> prescaler = n+1</a:t>
-            </a:r>
-            <a:endParaRPr lang="en-US" dirty="0"/>
-          </a:p>
-          <a:p>
-            <a:r>
-              <a:rPr lang="en-US" dirty="0" err="1"/>
-              <a:t>TIMx</a:t>
-            </a:r>
-            <a:r>
-              <a:rPr lang="en-US" dirty="0"/>
-              <a:t>-&gt;ARR (32 bits)</a:t>
-            </a:r>
-          </a:p>
-          <a:p>
-            <a:pPr lvl="1"/>
-            <a:r>
-              <a:rPr lang="en-US" dirty="0"/>
-              <a:t>Auto-reload register for </a:t>
-            </a:r>
-            <a:r>
-              <a:rPr lang="en-US" dirty="0" err="1"/>
-              <a:t>TIMx</a:t>
-            </a:r>
-            <a:endParaRPr lang="en-US" dirty="0"/>
-          </a:p>
-          <a:p>
-            <a:pPr lvl="1"/>
-            <a:r>
-              <a:rPr lang="en-US" dirty="0"/>
-              <a:t>Counter counts up to and including ARR</a:t>
-            </a:r>
-          </a:p>
-          <a:p>
-            <a:pPr lvl="1"/>
-            <a:r>
-              <a:rPr lang="en-US" dirty="0"/>
-              <a:t>Therefore, reload occurs every ARR+1 clock ticks</a:t>
-            </a:r>
-          </a:p>
-          <a:p>
-            <a:r>
-              <a:rPr lang="en-US" dirty="0" err="1"/>
-              <a:t>TIMx</a:t>
-            </a:r>
-            <a:r>
-              <a:rPr lang="en-US" dirty="0"/>
-              <a:t>-&gt;</a:t>
-            </a:r>
-            <a:r>
-              <a:rPr lang="en-US" dirty="0" err="1"/>
-              <a:t>CCRy</a:t>
-            </a:r>
-            <a:r>
-              <a:rPr lang="en-US" dirty="0"/>
-              <a:t> (32 bits)</a:t>
-            </a:r>
-          </a:p>
-          <a:p>
-            <a:pPr lvl="1"/>
-            <a:r>
-              <a:rPr lang="en-US" dirty="0"/>
-              <a:t> Capture/compare register for </a:t>
-            </a:r>
-            <a:r>
-              <a:rPr lang="en-US" dirty="0" err="1"/>
-              <a:t>TIMx</a:t>
-            </a:r>
-            <a:r>
-              <a:rPr lang="en-US" dirty="0"/>
-              <a:t>, channel y</a:t>
-            </a:r>
-          </a:p>
-        </p:txBody>
-      </p:sp>
-    </p:spTree>
-    <p:extLst>
-      <p:ext uri="{BB962C8B-B14F-4D97-AF65-F5344CB8AC3E}">
-        <p14:creationId xmlns:p14="http://schemas.microsoft.com/office/powerpoint/2010/main" val="3976906717"/>
-      </p:ext>
-    </p:extLst>
-  </p:cSld>
-  <p:clrMapOvr>
-    <a:masterClrMapping/>
-  </p:clrMapOvr>
-</p:sld>
-</file>
-
-<file path=ppt/slides/slide17.xml><?xml version="1.0" encoding="utf-8"?>
-<p:sld xmlns:a="http://schemas.openxmlformats.org/drawingml/2006/main" xmlns:r="http://schemas.openxmlformats.org/officeDocument/2006/relationships" xmlns:p="http://schemas.openxmlformats.org/presentationml/2006/main">
-  <p:cSld>
-    <p:spTree>
-      <p:nvGrpSpPr>
-        <p:cNvPr id="1" name=""/>
-        <p:cNvGrpSpPr/>
-        <p:nvPr/>
-      </p:nvGrpSpPr>
-      <p:grpSpPr>
-        <a:xfrm>
-          <a:off x="0" y="0"/>
-          <a:ext cx="0" cy="0"/>
-          <a:chOff x="0" y="0"/>
-          <a:chExt cx="0" cy="0"/>
-        </a:xfrm>
-      </p:grpSpPr>
-      <p:sp>
-        <p:nvSpPr>
-          <p:cNvPr id="2" name="Title 1">
-            <a:extLst>
-              <a:ext uri="{FF2B5EF4-FFF2-40B4-BE49-F238E27FC236}">
-                <a16:creationId xmlns:a16="http://schemas.microsoft.com/office/drawing/2014/main" id="{3361DBC3-C412-4A75-9EA3-676F29C17065}"/>
-              </a:ext>
-            </a:extLst>
-          </p:cNvPr>
-          <p:cNvSpPr>
-            <a:spLocks noGrp="1"/>
-          </p:cNvSpPr>
-          <p:nvPr>
-            <p:ph type="title"/>
-          </p:nvPr>
-        </p:nvSpPr>
-        <p:spPr/>
-        <p:txBody>
-          <a:bodyPr/>
-          <a:lstStyle/>
-          <a:p>
-            <a:r>
-              <a:rPr lang="en-US" dirty="0"/>
-              <a:t>Calculating Timer Period/Frequency</a:t>
-            </a:r>
-          </a:p>
-        </p:txBody>
-      </p:sp>
-      <p:sp>
-        <p:nvSpPr>
-          <p:cNvPr id="3" name="Content Placeholder 2">
-            <a:extLst>
-              <a:ext uri="{FF2B5EF4-FFF2-40B4-BE49-F238E27FC236}">
-                <a16:creationId xmlns:a16="http://schemas.microsoft.com/office/drawing/2014/main" id="{E2B043DF-B8F8-44C2-9559-EB07A60F813C}"/>
-              </a:ext>
-            </a:extLst>
-          </p:cNvPr>
-          <p:cNvSpPr>
-            <a:spLocks noGrp="1"/>
-          </p:cNvSpPr>
-          <p:nvPr>
-            <p:ph idx="1"/>
-          </p:nvPr>
-        </p:nvSpPr>
-        <p:spPr/>
-        <p:txBody>
-          <a:bodyPr/>
-          <a:lstStyle/>
-          <a:p>
-            <a:r>
-              <a:rPr lang="en-US" dirty="0"/>
-              <a:t>Let</a:t>
-            </a:r>
-          </a:p>
-          <a:p>
-            <a:pPr lvl="1"/>
-            <a:r>
-              <a:rPr lang="en-US" dirty="0"/>
-              <a:t>PSC = </a:t>
-            </a:r>
-            <a:r>
-              <a:rPr lang="en-US" dirty="0" err="1"/>
-              <a:t>Prescaler</a:t>
-            </a:r>
-            <a:r>
-              <a:rPr lang="en-US" dirty="0"/>
-              <a:t> (</a:t>
-            </a:r>
-            <a:r>
-              <a:rPr lang="en-US" dirty="0" err="1"/>
-              <a:t>TIMx</a:t>
-            </a:r>
-            <a:r>
-              <a:rPr lang="en-US" dirty="0"/>
-              <a:t>-&gt;PSC)</a:t>
-            </a:r>
-          </a:p>
-          <a:p>
-            <a:pPr lvl="1"/>
-            <a:r>
-              <a:rPr lang="en-US" dirty="0"/>
-              <a:t>ARR = Auto-Reload Register (</a:t>
-            </a:r>
-            <a:r>
-              <a:rPr lang="en-US" dirty="0" err="1"/>
-              <a:t>TIMx</a:t>
-            </a:r>
-            <a:r>
-              <a:rPr lang="en-US" dirty="0"/>
-              <a:t>-&gt;ARR)</a:t>
-            </a:r>
-          </a:p>
-          <a:p>
-            <a:r>
-              <a:rPr lang="en-US" dirty="0"/>
-              <a:t>Then</a:t>
-            </a:r>
-          </a:p>
-          <a:p>
-            <a:endParaRPr lang="en-US" dirty="0"/>
-          </a:p>
-          <a:p>
-            <a:endParaRPr lang="en-US" dirty="0"/>
-          </a:p>
-          <a:p>
-            <a:pPr marL="0" indent="0">
-              <a:buNone/>
-            </a:pPr>
-            <a:r>
-              <a:rPr lang="en-US" dirty="0"/>
-              <a:t>or</a:t>
-            </a:r>
-          </a:p>
-        </p:txBody>
-      </p:sp>
-      <p:pic>
-        <p:nvPicPr>
-          <p:cNvPr id="5" name="Picture 4">
-            <a:extLst>
-              <a:ext uri="{FF2B5EF4-FFF2-40B4-BE49-F238E27FC236}">
-                <a16:creationId xmlns:a16="http://schemas.microsoft.com/office/drawing/2014/main" id="{F78C6FBB-E4AC-4CEE-96FA-372BEA11748C}"/>
-              </a:ext>
-            </a:extLst>
-          </p:cNvPr>
-          <p:cNvPicPr>
-            <a:picLocks noChangeAspect="1"/>
-          </p:cNvPicPr>
-          <p:nvPr/>
-        </p:nvPicPr>
-        <p:blipFill>
-          <a:blip r:embed="rId2"/>
-          <a:stretch>
-            <a:fillRect/>
-          </a:stretch>
-        </p:blipFill>
-        <p:spPr>
-          <a:xfrm>
-            <a:off x="2519060" y="3956553"/>
-            <a:ext cx="4972744" cy="704948"/>
-          </a:xfrm>
-          <a:prstGeom prst="rect">
-            <a:avLst/>
-          </a:prstGeom>
-        </p:spPr>
-      </p:pic>
-      <p:pic>
-        <p:nvPicPr>
-          <p:cNvPr id="7" name="Picture 6">
-            <a:extLst>
-              <a:ext uri="{FF2B5EF4-FFF2-40B4-BE49-F238E27FC236}">
-                <a16:creationId xmlns:a16="http://schemas.microsoft.com/office/drawing/2014/main" id="{EF54605A-6394-4359-8C7A-969016AD3E63}"/>
-              </a:ext>
-            </a:extLst>
-          </p:cNvPr>
-          <p:cNvPicPr>
-            <a:picLocks noChangeAspect="1"/>
-          </p:cNvPicPr>
-          <p:nvPr/>
-        </p:nvPicPr>
-        <p:blipFill>
-          <a:blip r:embed="rId3"/>
-          <a:stretch>
-            <a:fillRect/>
-          </a:stretch>
-        </p:blipFill>
-        <p:spPr>
-          <a:xfrm>
-            <a:off x="2395936" y="5150385"/>
-            <a:ext cx="6192114" cy="885949"/>
-          </a:xfrm>
-          <a:prstGeom prst="rect">
-            <a:avLst/>
-          </a:prstGeom>
-        </p:spPr>
-      </p:pic>
-    </p:spTree>
-    <p:extLst>
-      <p:ext uri="{BB962C8B-B14F-4D97-AF65-F5344CB8AC3E}">
-        <p14:creationId xmlns:p14="http://schemas.microsoft.com/office/powerpoint/2010/main" val="3881133858"/>
-      </p:ext>
-    </p:extLst>
-  </p:cSld>
-  <p:clrMapOvr>
-    <a:masterClrMapping/>
-  </p:clrMapOvr>
-</p:sld>
-</file>
-
-<file path=ppt/slides/slide18.xml><?xml version="1.0" encoding="utf-8"?>
-<p:sld xmlns:a="http://schemas.openxmlformats.org/drawingml/2006/main" xmlns:r="http://schemas.openxmlformats.org/officeDocument/2006/relationships" xmlns:p="http://schemas.openxmlformats.org/presentationml/2006/main">
-  <p:cSld>
-    <p:spTree>
-      <p:nvGrpSpPr>
-        <p:cNvPr id="1" name=""/>
-        <p:cNvGrpSpPr/>
-        <p:nvPr/>
-      </p:nvGrpSpPr>
-      <p:grpSpPr>
-        <a:xfrm>
-          <a:off x="0" y="0"/>
-          <a:ext cx="0" cy="0"/>
-          <a:chOff x="0" y="0"/>
-          <a:chExt cx="0" cy="0"/>
-        </a:xfrm>
-      </p:grpSpPr>
-      <p:sp>
-        <p:nvSpPr>
-          <p:cNvPr id="2" name="Title 1">
-            <a:extLst>
-              <a:ext uri="{FF2B5EF4-FFF2-40B4-BE49-F238E27FC236}">
-                <a16:creationId xmlns:a16="http://schemas.microsoft.com/office/drawing/2014/main" id="{457BDDFB-E2F9-4208-B7BE-488B0F583B8F}"/>
-              </a:ext>
-            </a:extLst>
-          </p:cNvPr>
-          <p:cNvSpPr>
-            <a:spLocks noGrp="1"/>
-          </p:cNvSpPr>
-          <p:nvPr>
-            <p:ph type="title"/>
-          </p:nvPr>
-        </p:nvSpPr>
-        <p:spPr/>
-        <p:txBody>
-          <a:bodyPr/>
-          <a:lstStyle/>
-          <a:p>
-            <a:r>
-              <a:rPr lang="en-US" dirty="0"/>
-              <a:t>Example: Timer Period</a:t>
-            </a:r>
-          </a:p>
-        </p:txBody>
-      </p:sp>
-      <p:sp>
-        <p:nvSpPr>
-          <p:cNvPr id="3" name="Content Placeholder 2">
-            <a:extLst>
-              <a:ext uri="{FF2B5EF4-FFF2-40B4-BE49-F238E27FC236}">
-                <a16:creationId xmlns:a16="http://schemas.microsoft.com/office/drawing/2014/main" id="{902A6AB8-D1E9-4D48-A4E1-F0B7CF5E56BA}"/>
-              </a:ext>
-            </a:extLst>
-          </p:cNvPr>
-          <p:cNvSpPr>
-            <a:spLocks noGrp="1"/>
-          </p:cNvSpPr>
-          <p:nvPr>
-            <p:ph idx="1"/>
-          </p:nvPr>
-        </p:nvSpPr>
-        <p:spPr/>
-        <p:txBody>
-          <a:bodyPr/>
-          <a:lstStyle/>
-          <a:p>
-            <a:r>
-              <a:rPr lang="en-US" dirty="0"/>
-              <a:t>What is the timer’s period in milliseconds with the following configuration?</a:t>
-            </a:r>
-          </a:p>
-          <a:p>
-            <a:pPr lvl="1"/>
-            <a:r>
-              <a:rPr lang="en-US" dirty="0"/>
-              <a:t>Up-counting configuration</a:t>
-            </a:r>
-          </a:p>
-          <a:p>
-            <a:pPr lvl="1"/>
-            <a:r>
-              <a:rPr lang="en-US" dirty="0"/>
-              <a:t>Input clock: 80 MHz</a:t>
-            </a:r>
-          </a:p>
-          <a:p>
-            <a:pPr lvl="1"/>
-            <a:r>
-              <a:rPr lang="en-US" dirty="0" err="1"/>
-              <a:t>Prescaler</a:t>
-            </a:r>
-            <a:r>
-              <a:rPr lang="en-US" dirty="0"/>
-              <a:t> (PSC): 999</a:t>
-            </a:r>
-          </a:p>
-          <a:p>
-            <a:pPr lvl="1"/>
-            <a:r>
-              <a:rPr lang="en-US" dirty="0"/>
-              <a:t> Auto-reload register (ARR): 4999</a:t>
-            </a:r>
-          </a:p>
-        </p:txBody>
-      </p:sp>
-    </p:spTree>
-    <p:extLst>
-      <p:ext uri="{BB962C8B-B14F-4D97-AF65-F5344CB8AC3E}">
-        <p14:creationId xmlns:p14="http://schemas.microsoft.com/office/powerpoint/2010/main" val="2284529807"/>
-      </p:ext>
-    </p:extLst>
-  </p:cSld>
-  <p:clrMapOvr>
-    <a:masterClrMapping/>
-  </p:clrMapOvr>
-</p:sld>
-</file>
-
-<file path=ppt/slides/slide19.xml><?xml version="1.0" encoding="utf-8"?>
-<p:sld xmlns:a="http://schemas.openxmlformats.org/drawingml/2006/main" xmlns:r="http://schemas.openxmlformats.org/officeDocument/2006/relationships" xmlns:p="http://schemas.openxmlformats.org/presentationml/2006/main">
-  <p:cSld>
-    <p:spTree>
-      <p:nvGrpSpPr>
-        <p:cNvPr id="1" name=""/>
-        <p:cNvGrpSpPr/>
-        <p:nvPr/>
-      </p:nvGrpSpPr>
-      <p:grpSpPr>
-        <a:xfrm>
-          <a:off x="0" y="0"/>
-          <a:ext cx="0" cy="0"/>
-          <a:chOff x="0" y="0"/>
-          <a:chExt cx="0" cy="0"/>
-        </a:xfrm>
-      </p:grpSpPr>
-      <p:sp>
-        <p:nvSpPr>
-          <p:cNvPr id="2" name="Title 1">
-            <a:extLst>
-              <a:ext uri="{FF2B5EF4-FFF2-40B4-BE49-F238E27FC236}">
-                <a16:creationId xmlns:a16="http://schemas.microsoft.com/office/drawing/2014/main" id="{390C5D83-871B-459A-9B87-1E124C6E821D}"/>
-              </a:ext>
-            </a:extLst>
-          </p:cNvPr>
-          <p:cNvSpPr>
-            <a:spLocks noGrp="1"/>
-          </p:cNvSpPr>
-          <p:nvPr>
-            <p:ph type="title"/>
-          </p:nvPr>
-        </p:nvSpPr>
-        <p:spPr/>
-        <p:txBody>
-          <a:bodyPr/>
-          <a:lstStyle/>
-          <a:p>
-            <a:r>
-              <a:rPr lang="en-US" dirty="0"/>
-              <a:t>PWM Modes 1 vs 2</a:t>
-            </a:r>
-          </a:p>
-        </p:txBody>
-      </p:sp>
-      <p:pic>
-        <p:nvPicPr>
-          <p:cNvPr id="5" name="Content Placeholder 4">
-            <a:extLst>
-              <a:ext uri="{FF2B5EF4-FFF2-40B4-BE49-F238E27FC236}">
-                <a16:creationId xmlns:a16="http://schemas.microsoft.com/office/drawing/2014/main" id="{9516488B-1DE8-4739-B1C7-B87EB5639F17}"/>
-              </a:ext>
-            </a:extLst>
-          </p:cNvPr>
-          <p:cNvPicPr>
-            <a:picLocks noGrp="1" noChangeAspect="1"/>
-          </p:cNvPicPr>
-          <p:nvPr>
-            <p:ph idx="1"/>
-          </p:nvPr>
-        </p:nvPicPr>
-        <p:blipFill>
-          <a:blip r:embed="rId2"/>
-          <a:stretch>
-            <a:fillRect/>
-          </a:stretch>
-        </p:blipFill>
-        <p:spPr>
-          <a:xfrm>
-            <a:off x="2035859" y="1909550"/>
-            <a:ext cx="7516274" cy="3038899"/>
-          </a:xfrm>
-        </p:spPr>
-      </p:pic>
-    </p:spTree>
-    <p:extLst>
-      <p:ext uri="{BB962C8B-B14F-4D97-AF65-F5344CB8AC3E}">
-        <p14:creationId xmlns:p14="http://schemas.microsoft.com/office/powerpoint/2010/main" val="3756924218"/>
-      </p:ext>
-    </p:extLst>
-  </p:cSld>
-  <p:clrMapOvr>
-    <a:masterClrMapping/>
-  </p:clrMapOvr>
-</p:sld>
-</file>
-
-<file path=ppt/slides/slide2.xml><?xml version="1.0" encoding="utf-8"?>
-<p:sld xmlns:a="http://schemas.openxmlformats.org/drawingml/2006/main" xmlns:r="http://schemas.openxmlformats.org/officeDocument/2006/relationships" xmlns:p="http://schemas.openxmlformats.org/presentationml/2006/main">
-  <p:cSld>
-    <p:spTree>
-      <p:nvGrpSpPr>
-        <p:cNvPr id="1" name=""/>
-        <p:cNvGrpSpPr/>
-        <p:nvPr/>
-      </p:nvGrpSpPr>
-      <p:grpSpPr>
-        <a:xfrm>
-          <a:off x="0" y="0"/>
-          <a:ext cx="0" cy="0"/>
-          <a:chOff x="0" y="0"/>
-          <a:chExt cx="0" cy="0"/>
-        </a:xfrm>
-      </p:grpSpPr>
-      <p:sp>
-        <p:nvSpPr>
           <p:cNvPr id="5122" name="Rectangle 3">
             <a:extLst>
               <a:ext uri="{FF2B5EF4-FFF2-40B4-BE49-F238E27FC236}">
@@ -18379,7 +13675,1315 @@
 </p:sld>
 </file>
 
-<file path=ppt/slides/slide20.xml><?xml version="1.0" encoding="utf-8"?>
+<file path=ppt/slides/slide10.xml><?xml version="1.0" encoding="utf-8"?>
+<p:sld xmlns:a="http://schemas.openxmlformats.org/drawingml/2006/main" xmlns:r="http://schemas.openxmlformats.org/officeDocument/2006/relationships" xmlns:p="http://schemas.openxmlformats.org/presentationml/2006/main">
+  <p:cSld>
+    <p:spTree>
+      <p:nvGrpSpPr>
+        <p:cNvPr id="1" name=""/>
+        <p:cNvGrpSpPr/>
+        <p:nvPr/>
+      </p:nvGrpSpPr>
+      <p:grpSpPr>
+        <a:xfrm>
+          <a:off x="0" y="0"/>
+          <a:ext cx="0" cy="0"/>
+          <a:chOff x="0" y="0"/>
+          <a:chExt cx="0" cy="0"/>
+        </a:xfrm>
+      </p:grpSpPr>
+      <p:sp>
+        <p:nvSpPr>
+          <p:cNvPr id="2" name="Title 1">
+            <a:extLst>
+              <a:ext uri="{FF2B5EF4-FFF2-40B4-BE49-F238E27FC236}">
+                <a16:creationId xmlns:a16="http://schemas.microsoft.com/office/drawing/2014/main" id="{2E81A41F-3BBE-4C9E-AFA9-4DC6CB905D5D}"/>
+              </a:ext>
+            </a:extLst>
+          </p:cNvPr>
+          <p:cNvSpPr>
+            <a:spLocks noGrp="1"/>
+          </p:cNvSpPr>
+          <p:nvPr>
+            <p:ph type="title"/>
+          </p:nvPr>
+        </p:nvSpPr>
+        <p:spPr/>
+        <p:txBody>
+          <a:bodyPr/>
+          <a:lstStyle/>
+          <a:p>
+            <a:r>
+              <a:rPr lang="en-US" dirty="0"/>
+              <a:t>Output Compare</a:t>
+            </a:r>
+          </a:p>
+        </p:txBody>
+      </p:sp>
+      <p:sp>
+        <p:nvSpPr>
+          <p:cNvPr id="3" name="Content Placeholder 2">
+            <a:extLst>
+              <a:ext uri="{FF2B5EF4-FFF2-40B4-BE49-F238E27FC236}">
+                <a16:creationId xmlns:a16="http://schemas.microsoft.com/office/drawing/2014/main" id="{40DF47B7-0E31-416D-AE14-48E4A58551DC}"/>
+              </a:ext>
+            </a:extLst>
+          </p:cNvPr>
+          <p:cNvSpPr>
+            <a:spLocks noGrp="1"/>
+          </p:cNvSpPr>
+          <p:nvPr>
+            <p:ph idx="1"/>
+          </p:nvPr>
+        </p:nvSpPr>
+        <p:spPr>
+          <a:xfrm>
+            <a:off x="609600" y="1719263"/>
+            <a:ext cx="10972800" cy="4958374"/>
+          </a:xfrm>
+        </p:spPr>
+        <p:txBody>
+          <a:bodyPr/>
+          <a:lstStyle/>
+          <a:p>
+            <a:r>
+              <a:rPr lang="en-US" dirty="0"/>
+              <a:t>Generates an event when counter matches a certain value</a:t>
+            </a:r>
+          </a:p>
+          <a:p>
+            <a:pPr marL="0" indent="0">
+              <a:buNone/>
+            </a:pPr>
+            <a:endParaRPr lang="en-US" dirty="0"/>
+          </a:p>
+          <a:p>
+            <a:pPr marL="0" indent="0">
+              <a:buNone/>
+            </a:pPr>
+            <a:endParaRPr lang="en-US" dirty="0"/>
+          </a:p>
+          <a:p>
+            <a:pPr marL="0" indent="0">
+              <a:buNone/>
+            </a:pPr>
+            <a:endParaRPr lang="en-US" dirty="0"/>
+          </a:p>
+          <a:p>
+            <a:pPr marL="0" indent="0">
+              <a:buNone/>
+            </a:pPr>
+            <a:endParaRPr lang="en-US" dirty="0"/>
+          </a:p>
+          <a:p>
+            <a:r>
+              <a:rPr lang="en-US" dirty="0"/>
+              <a:t>Possible MCU’s behavior when receiving a compare event:</a:t>
+            </a:r>
+          </a:p>
+          <a:p>
+            <a:pPr lvl="1"/>
+            <a:r>
+              <a:rPr lang="en-US" dirty="0"/>
+              <a:t>Sets a flag</a:t>
+            </a:r>
+          </a:p>
+          <a:p>
+            <a:pPr lvl="1"/>
+            <a:r>
+              <a:rPr lang="en-US" dirty="0"/>
+              <a:t>Generates an interrupt</a:t>
+            </a:r>
+          </a:p>
+          <a:p>
+            <a:pPr lvl="1"/>
+            <a:r>
+              <a:rPr lang="en-US" dirty="0"/>
+              <a:t>Sets, resets, or toggles output pin</a:t>
+            </a:r>
+          </a:p>
+        </p:txBody>
+      </p:sp>
+      <p:pic>
+        <p:nvPicPr>
+          <p:cNvPr id="5" name="Picture 4">
+            <a:extLst>
+              <a:ext uri="{FF2B5EF4-FFF2-40B4-BE49-F238E27FC236}">
+                <a16:creationId xmlns:a16="http://schemas.microsoft.com/office/drawing/2014/main" id="{6D94FECF-D452-44BC-9825-322497D02D10}"/>
+              </a:ext>
+            </a:extLst>
+          </p:cNvPr>
+          <p:cNvPicPr>
+            <a:picLocks noChangeAspect="1"/>
+          </p:cNvPicPr>
+          <p:nvPr/>
+        </p:nvPicPr>
+        <p:blipFill>
+          <a:blip r:embed="rId2"/>
+          <a:stretch>
+            <a:fillRect/>
+          </a:stretch>
+        </p:blipFill>
+        <p:spPr>
+          <a:xfrm>
+            <a:off x="2523626" y="2395393"/>
+            <a:ext cx="7144747" cy="2067213"/>
+          </a:xfrm>
+          <a:prstGeom prst="rect">
+            <a:avLst/>
+          </a:prstGeom>
+        </p:spPr>
+      </p:pic>
+    </p:spTree>
+    <p:extLst>
+      <p:ext uri="{BB962C8B-B14F-4D97-AF65-F5344CB8AC3E}">
+        <p14:creationId xmlns:p14="http://schemas.microsoft.com/office/powerpoint/2010/main" val="3590546706"/>
+      </p:ext>
+    </p:extLst>
+  </p:cSld>
+  <p:clrMapOvr>
+    <a:masterClrMapping/>
+  </p:clrMapOvr>
+</p:sld>
+</file>
+
+<file path=ppt/slides/slide11.xml><?xml version="1.0" encoding="utf-8"?>
+<p:sld xmlns:a="http://schemas.openxmlformats.org/drawingml/2006/main" xmlns:r="http://schemas.openxmlformats.org/officeDocument/2006/relationships" xmlns:p="http://schemas.openxmlformats.org/presentationml/2006/main">
+  <p:cSld>
+    <p:spTree>
+      <p:nvGrpSpPr>
+        <p:cNvPr id="1" name=""/>
+        <p:cNvGrpSpPr/>
+        <p:nvPr/>
+      </p:nvGrpSpPr>
+      <p:grpSpPr>
+        <a:xfrm>
+          <a:off x="0" y="0"/>
+          <a:ext cx="0" cy="0"/>
+          <a:chOff x="0" y="0"/>
+          <a:chExt cx="0" cy="0"/>
+        </a:xfrm>
+      </p:grpSpPr>
+      <p:sp>
+        <p:nvSpPr>
+          <p:cNvPr id="2" name="Title 1">
+            <a:extLst>
+              <a:ext uri="{FF2B5EF4-FFF2-40B4-BE49-F238E27FC236}">
+                <a16:creationId xmlns:a16="http://schemas.microsoft.com/office/drawing/2014/main" id="{1E0ACC41-CD81-4DFB-84F6-7C62A771BADC}"/>
+              </a:ext>
+            </a:extLst>
+          </p:cNvPr>
+          <p:cNvSpPr>
+            <a:spLocks noGrp="1"/>
+          </p:cNvSpPr>
+          <p:nvPr>
+            <p:ph type="title"/>
+          </p:nvPr>
+        </p:nvSpPr>
+        <p:spPr/>
+        <p:txBody>
+          <a:bodyPr/>
+          <a:lstStyle/>
+          <a:p>
+            <a:r>
+              <a:rPr lang="en-US" dirty="0"/>
+              <a:t>Pulse-Width Modulation (PWM)</a:t>
+            </a:r>
+          </a:p>
+        </p:txBody>
+      </p:sp>
+      <p:sp>
+        <p:nvSpPr>
+          <p:cNvPr id="3" name="Content Placeholder 2">
+            <a:extLst>
+              <a:ext uri="{FF2B5EF4-FFF2-40B4-BE49-F238E27FC236}">
+                <a16:creationId xmlns:a16="http://schemas.microsoft.com/office/drawing/2014/main" id="{FD4A224C-69C7-4367-A9D4-BB7F0AE61B20}"/>
+              </a:ext>
+            </a:extLst>
+          </p:cNvPr>
+          <p:cNvSpPr>
+            <a:spLocks noGrp="1"/>
+          </p:cNvSpPr>
+          <p:nvPr>
+            <p:ph idx="1"/>
+          </p:nvPr>
+        </p:nvSpPr>
+        <p:spPr>
+          <a:xfrm>
+            <a:off x="609600" y="1719263"/>
+            <a:ext cx="10972800" cy="1812502"/>
+          </a:xfrm>
+        </p:spPr>
+        <p:txBody>
+          <a:bodyPr/>
+          <a:lstStyle/>
+          <a:p>
+            <a:r>
+              <a:rPr lang="en-US" sz="2600" dirty="0"/>
+              <a:t>PWM utilizes duty cycle control to simulate analog output</a:t>
+            </a:r>
+          </a:p>
+          <a:p>
+            <a:r>
+              <a:rPr lang="en-US" sz="2600" dirty="0"/>
+              <a:t>Applications: motor speed control, servo position control, LED brightness control</a:t>
+            </a:r>
+          </a:p>
+        </p:txBody>
+      </p:sp>
+      <p:pic>
+        <p:nvPicPr>
+          <p:cNvPr id="5" name="Picture 4">
+            <a:extLst>
+              <a:ext uri="{FF2B5EF4-FFF2-40B4-BE49-F238E27FC236}">
+                <a16:creationId xmlns:a16="http://schemas.microsoft.com/office/drawing/2014/main" id="{7F0656D8-7934-4437-AF9A-F273392A3E5D}"/>
+              </a:ext>
+            </a:extLst>
+          </p:cNvPr>
+          <p:cNvPicPr>
+            <a:picLocks noChangeAspect="1"/>
+          </p:cNvPicPr>
+          <p:nvPr/>
+        </p:nvPicPr>
+        <p:blipFill>
+          <a:blip r:embed="rId2"/>
+          <a:stretch>
+            <a:fillRect/>
+          </a:stretch>
+        </p:blipFill>
+        <p:spPr>
+          <a:xfrm>
+            <a:off x="2452179" y="3361888"/>
+            <a:ext cx="7287642" cy="3115110"/>
+          </a:xfrm>
+          <a:prstGeom prst="rect">
+            <a:avLst/>
+          </a:prstGeom>
+        </p:spPr>
+      </p:pic>
+    </p:spTree>
+    <p:extLst>
+      <p:ext uri="{BB962C8B-B14F-4D97-AF65-F5344CB8AC3E}">
+        <p14:creationId xmlns:p14="http://schemas.microsoft.com/office/powerpoint/2010/main" val="874379986"/>
+      </p:ext>
+    </p:extLst>
+  </p:cSld>
+  <p:clrMapOvr>
+    <a:masterClrMapping/>
+  </p:clrMapOvr>
+</p:sld>
+</file>
+
+<file path=ppt/slides/slide12.xml><?xml version="1.0" encoding="utf-8"?>
+<p:sld xmlns:a="http://schemas.openxmlformats.org/drawingml/2006/main" xmlns:r="http://schemas.openxmlformats.org/officeDocument/2006/relationships" xmlns:p="http://schemas.openxmlformats.org/presentationml/2006/main">
+  <p:cSld>
+    <p:spTree>
+      <p:nvGrpSpPr>
+        <p:cNvPr id="1" name=""/>
+        <p:cNvGrpSpPr/>
+        <p:nvPr/>
+      </p:nvGrpSpPr>
+      <p:grpSpPr>
+        <a:xfrm>
+          <a:off x="0" y="0"/>
+          <a:ext cx="0" cy="0"/>
+          <a:chOff x="0" y="0"/>
+          <a:chExt cx="0" cy="0"/>
+        </a:xfrm>
+      </p:grpSpPr>
+      <p:sp>
+        <p:nvSpPr>
+          <p:cNvPr id="2" name="Title 1">
+            <a:extLst>
+              <a:ext uri="{FF2B5EF4-FFF2-40B4-BE49-F238E27FC236}">
+                <a16:creationId xmlns:a16="http://schemas.microsoft.com/office/drawing/2014/main" id="{5A880417-1613-4B8E-8C13-80898FB0AB96}"/>
+              </a:ext>
+            </a:extLst>
+          </p:cNvPr>
+          <p:cNvSpPr>
+            <a:spLocks noGrp="1"/>
+          </p:cNvSpPr>
+          <p:nvPr>
+            <p:ph type="title"/>
+          </p:nvPr>
+        </p:nvSpPr>
+        <p:spPr/>
+        <p:txBody>
+          <a:bodyPr/>
+          <a:lstStyle/>
+          <a:p>
+            <a:r>
+              <a:rPr lang="en-US" dirty="0"/>
+              <a:t>PWM Waveform Generation</a:t>
+            </a:r>
+          </a:p>
+        </p:txBody>
+      </p:sp>
+      <p:sp>
+        <p:nvSpPr>
+          <p:cNvPr id="3" name="Content Placeholder 2">
+            <a:extLst>
+              <a:ext uri="{FF2B5EF4-FFF2-40B4-BE49-F238E27FC236}">
+                <a16:creationId xmlns:a16="http://schemas.microsoft.com/office/drawing/2014/main" id="{21664452-15E7-4DDE-9F01-5E75B4DE3435}"/>
+              </a:ext>
+            </a:extLst>
+          </p:cNvPr>
+          <p:cNvSpPr>
+            <a:spLocks noGrp="1"/>
+          </p:cNvSpPr>
+          <p:nvPr>
+            <p:ph idx="1"/>
+          </p:nvPr>
+        </p:nvSpPr>
+        <p:spPr/>
+        <p:txBody>
+          <a:bodyPr/>
+          <a:lstStyle/>
+          <a:p>
+            <a:r>
+              <a:rPr lang="en-US" sz="2600" dirty="0"/>
+              <a:t>Typical MCU behavior</a:t>
+            </a:r>
+          </a:p>
+          <a:p>
+            <a:pPr lvl="1"/>
+            <a:r>
+              <a:rPr lang="en-US" dirty="0"/>
+              <a:t>Auto-reload event sets output pin high</a:t>
+            </a:r>
+          </a:p>
+          <a:p>
+            <a:pPr lvl="1"/>
+            <a:r>
+              <a:rPr lang="en-US" dirty="0"/>
+              <a:t> Output-compare event sets output pin low</a:t>
+            </a:r>
+          </a:p>
+          <a:p>
+            <a:pPr marL="344487" lvl="1" indent="0">
+              <a:buNone/>
+            </a:pPr>
+            <a:endParaRPr lang="en-US" dirty="0"/>
+          </a:p>
+          <a:p>
+            <a:pPr marL="344487" lvl="1" indent="0">
+              <a:buNone/>
+            </a:pPr>
+            <a:endParaRPr lang="en-US" dirty="0"/>
+          </a:p>
+          <a:p>
+            <a:pPr marL="344487" lvl="1" indent="0">
+              <a:buNone/>
+            </a:pPr>
+            <a:endParaRPr lang="en-US" dirty="0"/>
+          </a:p>
+          <a:p>
+            <a:pPr marL="344487" lvl="1" indent="0">
+              <a:buNone/>
+            </a:pPr>
+            <a:endParaRPr lang="en-US" dirty="0"/>
+          </a:p>
+          <a:p>
+            <a:pPr marL="344487" lvl="1" indent="0">
+              <a:buNone/>
+            </a:pPr>
+            <a:endParaRPr lang="en-US" dirty="0"/>
+          </a:p>
+          <a:p>
+            <a:pPr marL="344487" lvl="1" indent="0">
+              <a:buNone/>
+            </a:pPr>
+            <a:endParaRPr lang="en-US" dirty="0"/>
+          </a:p>
+          <a:p>
+            <a:r>
+              <a:rPr lang="en-US" sz="2600" dirty="0"/>
+              <a:t>Output compare value determines PWM duty</a:t>
+            </a:r>
+          </a:p>
+        </p:txBody>
+      </p:sp>
+      <p:pic>
+        <p:nvPicPr>
+          <p:cNvPr id="5" name="Picture 4">
+            <a:extLst>
+              <a:ext uri="{FF2B5EF4-FFF2-40B4-BE49-F238E27FC236}">
+                <a16:creationId xmlns:a16="http://schemas.microsoft.com/office/drawing/2014/main" id="{1AB1F3AC-091F-441B-8B66-87213C6DF8DD}"/>
+              </a:ext>
+            </a:extLst>
+          </p:cNvPr>
+          <p:cNvPicPr>
+            <a:picLocks noChangeAspect="1"/>
+          </p:cNvPicPr>
+          <p:nvPr/>
+        </p:nvPicPr>
+        <p:blipFill>
+          <a:blip r:embed="rId2"/>
+          <a:stretch>
+            <a:fillRect/>
+          </a:stretch>
+        </p:blipFill>
+        <p:spPr>
+          <a:xfrm>
+            <a:off x="2012466" y="3345110"/>
+            <a:ext cx="7135221" cy="2333951"/>
+          </a:xfrm>
+          <a:prstGeom prst="rect">
+            <a:avLst/>
+          </a:prstGeom>
+        </p:spPr>
+      </p:pic>
+    </p:spTree>
+    <p:extLst>
+      <p:ext uri="{BB962C8B-B14F-4D97-AF65-F5344CB8AC3E}">
+        <p14:creationId xmlns:p14="http://schemas.microsoft.com/office/powerpoint/2010/main" val="103288737"/>
+      </p:ext>
+    </p:extLst>
+  </p:cSld>
+  <p:clrMapOvr>
+    <a:masterClrMapping/>
+  </p:clrMapOvr>
+</p:sld>
+</file>
+
+<file path=ppt/slides/slide13.xml><?xml version="1.0" encoding="utf-8"?>
+<p:sld xmlns:a="http://schemas.openxmlformats.org/drawingml/2006/main" xmlns:r="http://schemas.openxmlformats.org/officeDocument/2006/relationships" xmlns:p="http://schemas.openxmlformats.org/presentationml/2006/main">
+  <p:cSld>
+    <p:spTree>
+      <p:nvGrpSpPr>
+        <p:cNvPr id="1" name=""/>
+        <p:cNvGrpSpPr/>
+        <p:nvPr/>
+      </p:nvGrpSpPr>
+      <p:grpSpPr>
+        <a:xfrm>
+          <a:off x="0" y="0"/>
+          <a:ext cx="0" cy="0"/>
+          <a:chOff x="0" y="0"/>
+          <a:chExt cx="0" cy="0"/>
+        </a:xfrm>
+      </p:grpSpPr>
+      <p:sp>
+        <p:nvSpPr>
+          <p:cNvPr id="2" name="Title 1">
+            <a:extLst>
+              <a:ext uri="{FF2B5EF4-FFF2-40B4-BE49-F238E27FC236}">
+                <a16:creationId xmlns:a16="http://schemas.microsoft.com/office/drawing/2014/main" id="{2007CDE5-6450-469F-B324-ED0C3C7CA15A}"/>
+              </a:ext>
+            </a:extLst>
+          </p:cNvPr>
+          <p:cNvSpPr>
+            <a:spLocks noGrp="1"/>
+          </p:cNvSpPr>
+          <p:nvPr>
+            <p:ph type="title"/>
+          </p:nvPr>
+        </p:nvSpPr>
+        <p:spPr/>
+        <p:txBody>
+          <a:bodyPr/>
+          <a:lstStyle/>
+          <a:p>
+            <a:r>
+              <a:rPr lang="en-US" dirty="0"/>
+              <a:t>STM32F4xx’s Timers</a:t>
+            </a:r>
+          </a:p>
+        </p:txBody>
+      </p:sp>
+      <p:sp>
+        <p:nvSpPr>
+          <p:cNvPr id="3" name="Content Placeholder 2">
+            <a:extLst>
+              <a:ext uri="{FF2B5EF4-FFF2-40B4-BE49-F238E27FC236}">
+                <a16:creationId xmlns:a16="http://schemas.microsoft.com/office/drawing/2014/main" id="{EA0FA256-2BE3-4987-92E1-B4B576CBFDBA}"/>
+              </a:ext>
+            </a:extLst>
+          </p:cNvPr>
+          <p:cNvSpPr>
+            <a:spLocks noGrp="1"/>
+          </p:cNvSpPr>
+          <p:nvPr>
+            <p:ph idx="1"/>
+          </p:nvPr>
+        </p:nvSpPr>
+        <p:spPr>
+          <a:xfrm>
+            <a:off x="609600" y="1719263"/>
+            <a:ext cx="10972800" cy="4371144"/>
+          </a:xfrm>
+        </p:spPr>
+        <p:txBody>
+          <a:bodyPr/>
+          <a:lstStyle/>
+          <a:p>
+            <a:r>
+              <a:rPr lang="en-US" dirty="0"/>
+              <a:t>Basic timers: TIM6/TIM7</a:t>
+            </a:r>
+          </a:p>
+          <a:p>
+            <a:r>
+              <a:rPr lang="en-US" dirty="0"/>
+              <a:t>General-purpose timers: TIM2/TIM3 and TIM15/TIM16</a:t>
+            </a:r>
+          </a:p>
+          <a:p>
+            <a:r>
+              <a:rPr lang="en-US" dirty="0"/>
+              <a:t>Advanced timers: TIM1</a:t>
+            </a:r>
+          </a:p>
+          <a:p>
+            <a:r>
+              <a:rPr lang="en-US" dirty="0"/>
+              <a:t>Low-power timers: LPTIM</a:t>
+            </a:r>
+          </a:p>
+        </p:txBody>
+      </p:sp>
+    </p:spTree>
+    <p:extLst>
+      <p:ext uri="{BB962C8B-B14F-4D97-AF65-F5344CB8AC3E}">
+        <p14:creationId xmlns:p14="http://schemas.microsoft.com/office/powerpoint/2010/main" val="1669126429"/>
+      </p:ext>
+    </p:extLst>
+  </p:cSld>
+  <p:clrMapOvr>
+    <a:masterClrMapping/>
+  </p:clrMapOvr>
+</p:sld>
+</file>
+
+<file path=ppt/slides/slide14.xml><?xml version="1.0" encoding="utf-8"?>
+<p:sld xmlns:a="http://schemas.openxmlformats.org/drawingml/2006/main" xmlns:r="http://schemas.openxmlformats.org/officeDocument/2006/relationships" xmlns:p="http://schemas.openxmlformats.org/presentationml/2006/main">
+  <p:cSld>
+    <p:spTree>
+      <p:nvGrpSpPr>
+        <p:cNvPr id="1" name=""/>
+        <p:cNvGrpSpPr/>
+        <p:nvPr/>
+      </p:nvGrpSpPr>
+      <p:grpSpPr>
+        <a:xfrm>
+          <a:off x="0" y="0"/>
+          <a:ext cx="0" cy="0"/>
+          <a:chOff x="0" y="0"/>
+          <a:chExt cx="0" cy="0"/>
+        </a:xfrm>
+      </p:grpSpPr>
+      <p:sp>
+        <p:nvSpPr>
+          <p:cNvPr id="2" name="Title 1">
+            <a:extLst>
+              <a:ext uri="{FF2B5EF4-FFF2-40B4-BE49-F238E27FC236}">
+                <a16:creationId xmlns:a16="http://schemas.microsoft.com/office/drawing/2014/main" id="{27F612ED-C222-4D83-B39D-C79318A5BF63}"/>
+              </a:ext>
+            </a:extLst>
+          </p:cNvPr>
+          <p:cNvSpPr>
+            <a:spLocks noGrp="1"/>
+          </p:cNvSpPr>
+          <p:nvPr>
+            <p:ph type="title"/>
+          </p:nvPr>
+        </p:nvSpPr>
+        <p:spPr/>
+        <p:txBody>
+          <a:bodyPr/>
+          <a:lstStyle/>
+          <a:p>
+            <a:r>
+              <a:rPr lang="en-US" dirty="0"/>
+              <a:t>STM32F4xx’s General-Purpose Timers</a:t>
+            </a:r>
+          </a:p>
+        </p:txBody>
+      </p:sp>
+      <p:pic>
+        <p:nvPicPr>
+          <p:cNvPr id="5" name="Content Placeholder 4">
+            <a:extLst>
+              <a:ext uri="{FF2B5EF4-FFF2-40B4-BE49-F238E27FC236}">
+                <a16:creationId xmlns:a16="http://schemas.microsoft.com/office/drawing/2014/main" id="{FFC82429-F677-41F0-9890-861FC768FE36}"/>
+              </a:ext>
+            </a:extLst>
+          </p:cNvPr>
+          <p:cNvPicPr>
+            <a:picLocks noGrp="1" noChangeAspect="1"/>
+          </p:cNvPicPr>
+          <p:nvPr>
+            <p:ph idx="1"/>
+          </p:nvPr>
+        </p:nvPicPr>
+        <p:blipFill>
+          <a:blip r:embed="rId2"/>
+          <a:stretch>
+            <a:fillRect/>
+          </a:stretch>
+        </p:blipFill>
+        <p:spPr>
+          <a:xfrm>
+            <a:off x="2224810" y="1344304"/>
+            <a:ext cx="7388973" cy="5395502"/>
+          </a:xfrm>
+        </p:spPr>
+      </p:pic>
+    </p:spTree>
+    <p:extLst>
+      <p:ext uri="{BB962C8B-B14F-4D97-AF65-F5344CB8AC3E}">
+        <p14:creationId xmlns:p14="http://schemas.microsoft.com/office/powerpoint/2010/main" val="2645582674"/>
+      </p:ext>
+    </p:extLst>
+  </p:cSld>
+  <p:clrMapOvr>
+    <a:masterClrMapping/>
+  </p:clrMapOvr>
+</p:sld>
+</file>
+
+<file path=ppt/slides/slide15.xml><?xml version="1.0" encoding="utf-8"?>
+<p:sld xmlns:a="http://schemas.openxmlformats.org/drawingml/2006/main" xmlns:r="http://schemas.openxmlformats.org/officeDocument/2006/relationships" xmlns:p="http://schemas.openxmlformats.org/presentationml/2006/main">
+  <p:cSld>
+    <p:spTree>
+      <p:nvGrpSpPr>
+        <p:cNvPr id="1" name=""/>
+        <p:cNvGrpSpPr/>
+        <p:nvPr/>
+      </p:nvGrpSpPr>
+      <p:grpSpPr>
+        <a:xfrm>
+          <a:off x="0" y="0"/>
+          <a:ext cx="0" cy="0"/>
+          <a:chOff x="0" y="0"/>
+          <a:chExt cx="0" cy="0"/>
+        </a:xfrm>
+      </p:grpSpPr>
+      <p:sp>
+        <p:nvSpPr>
+          <p:cNvPr id="2" name="Title 1">
+            <a:extLst>
+              <a:ext uri="{FF2B5EF4-FFF2-40B4-BE49-F238E27FC236}">
+                <a16:creationId xmlns:a16="http://schemas.microsoft.com/office/drawing/2014/main" id="{2A52A4BB-2FB6-42AD-A590-E4DB0B311CFF}"/>
+              </a:ext>
+            </a:extLst>
+          </p:cNvPr>
+          <p:cNvSpPr>
+            <a:spLocks noGrp="1"/>
+          </p:cNvSpPr>
+          <p:nvPr>
+            <p:ph type="title"/>
+          </p:nvPr>
+        </p:nvSpPr>
+        <p:spPr/>
+        <p:txBody>
+          <a:bodyPr/>
+          <a:lstStyle/>
+          <a:p>
+            <a:r>
+              <a:rPr lang="en-US" dirty="0"/>
+              <a:t>Important Timer-Related Registers</a:t>
+            </a:r>
+          </a:p>
+        </p:txBody>
+      </p:sp>
+      <p:sp>
+        <p:nvSpPr>
+          <p:cNvPr id="3" name="Content Placeholder 2">
+            <a:extLst>
+              <a:ext uri="{FF2B5EF4-FFF2-40B4-BE49-F238E27FC236}">
+                <a16:creationId xmlns:a16="http://schemas.microsoft.com/office/drawing/2014/main" id="{BE4213A3-4F0F-443E-8B63-9A5F929AA6B6}"/>
+              </a:ext>
+            </a:extLst>
+          </p:cNvPr>
+          <p:cNvSpPr>
+            <a:spLocks noGrp="1"/>
+          </p:cNvSpPr>
+          <p:nvPr>
+            <p:ph idx="1"/>
+          </p:nvPr>
+        </p:nvSpPr>
+        <p:spPr>
+          <a:xfrm>
+            <a:off x="609599" y="1560352"/>
+            <a:ext cx="11051097" cy="5150841"/>
+          </a:xfrm>
+        </p:spPr>
+        <p:txBody>
+          <a:bodyPr/>
+          <a:lstStyle/>
+          <a:p>
+            <a:r>
+              <a:rPr lang="en-US" dirty="0" err="1"/>
+              <a:t>TIMx</a:t>
+            </a:r>
+            <a:r>
+              <a:rPr lang="en-US" dirty="0"/>
+              <a:t>-&gt;PSC (16 bits)</a:t>
+            </a:r>
+          </a:p>
+          <a:p>
+            <a:pPr lvl="1"/>
+            <a:r>
+              <a:rPr lang="en-US" dirty="0" err="1"/>
+              <a:t>Prescaler</a:t>
+            </a:r>
+            <a:r>
+              <a:rPr lang="en-US" dirty="0"/>
+              <a:t> for </a:t>
+            </a:r>
+            <a:r>
+              <a:rPr lang="en-US" dirty="0" err="1"/>
+              <a:t>TIMx</a:t>
+            </a:r>
+            <a:endParaRPr lang="en-US" dirty="0"/>
+          </a:p>
+          <a:p>
+            <a:pPr lvl="1"/>
+            <a:r>
+              <a:rPr lang="en-US" dirty="0"/>
+              <a:t>PSC = 0 </a:t>
+            </a:r>
+            <a:r>
+              <a:rPr lang="en-US" dirty="0">
+                <a:sym typeface="Wingdings" panose="05000000000000000000" pitchFamily="2" charset="2"/>
+              </a:rPr>
+              <a:t></a:t>
+            </a:r>
+            <a:r>
+              <a:rPr lang="en-US" dirty="0"/>
+              <a:t> no </a:t>
+            </a:r>
+            <a:r>
+              <a:rPr lang="en-US" dirty="0" err="1"/>
+              <a:t>prescaler</a:t>
+            </a:r>
+            <a:r>
+              <a:rPr lang="en-US" dirty="0"/>
+              <a:t> (</a:t>
+            </a:r>
+            <a:r>
+              <a:rPr lang="en-US" dirty="0" err="1"/>
+              <a:t>prescaler</a:t>
+            </a:r>
+            <a:r>
+              <a:rPr lang="en-US" dirty="0"/>
+              <a:t> = 1)</a:t>
+            </a:r>
+          </a:p>
+          <a:p>
+            <a:pPr lvl="1"/>
+            <a:r>
+              <a:rPr lang="pt-BR" dirty="0"/>
+              <a:t>PSC = n </a:t>
+            </a:r>
+            <a:r>
+              <a:rPr lang="pt-BR" dirty="0">
+                <a:sym typeface="Wingdings" panose="05000000000000000000" pitchFamily="2" charset="2"/>
+              </a:rPr>
+              <a:t></a:t>
+            </a:r>
+            <a:r>
+              <a:rPr lang="pt-BR" dirty="0"/>
+              <a:t> prescaler = n+1</a:t>
+            </a:r>
+            <a:endParaRPr lang="en-US" dirty="0"/>
+          </a:p>
+          <a:p>
+            <a:r>
+              <a:rPr lang="en-US" dirty="0" err="1"/>
+              <a:t>TIMx</a:t>
+            </a:r>
+            <a:r>
+              <a:rPr lang="en-US" dirty="0"/>
+              <a:t>-&gt;ARR (32 bits)</a:t>
+            </a:r>
+          </a:p>
+          <a:p>
+            <a:pPr lvl="1"/>
+            <a:r>
+              <a:rPr lang="en-US" dirty="0"/>
+              <a:t>Auto-reload register for </a:t>
+            </a:r>
+            <a:r>
+              <a:rPr lang="en-US" dirty="0" err="1"/>
+              <a:t>TIMx</a:t>
+            </a:r>
+            <a:endParaRPr lang="en-US" dirty="0"/>
+          </a:p>
+          <a:p>
+            <a:pPr lvl="1"/>
+            <a:r>
+              <a:rPr lang="en-US" dirty="0"/>
+              <a:t>Counter counts up to and including ARR</a:t>
+            </a:r>
+          </a:p>
+          <a:p>
+            <a:pPr lvl="1"/>
+            <a:r>
+              <a:rPr lang="en-US" dirty="0"/>
+              <a:t>Therefore, reload occurs every ARR+1 clock ticks</a:t>
+            </a:r>
+          </a:p>
+          <a:p>
+            <a:r>
+              <a:rPr lang="en-US" dirty="0" err="1"/>
+              <a:t>TIMx</a:t>
+            </a:r>
+            <a:r>
+              <a:rPr lang="en-US" dirty="0"/>
+              <a:t>-&gt;</a:t>
+            </a:r>
+            <a:r>
+              <a:rPr lang="en-US" dirty="0" err="1"/>
+              <a:t>CCRy</a:t>
+            </a:r>
+            <a:r>
+              <a:rPr lang="en-US" dirty="0"/>
+              <a:t> (32 bits)</a:t>
+            </a:r>
+          </a:p>
+          <a:p>
+            <a:pPr lvl="1"/>
+            <a:r>
+              <a:rPr lang="en-US" dirty="0"/>
+              <a:t> Capture/compare register for </a:t>
+            </a:r>
+            <a:r>
+              <a:rPr lang="en-US" dirty="0" err="1"/>
+              <a:t>TIMx</a:t>
+            </a:r>
+            <a:r>
+              <a:rPr lang="en-US" dirty="0"/>
+              <a:t>, channel y</a:t>
+            </a:r>
+          </a:p>
+        </p:txBody>
+      </p:sp>
+    </p:spTree>
+    <p:extLst>
+      <p:ext uri="{BB962C8B-B14F-4D97-AF65-F5344CB8AC3E}">
+        <p14:creationId xmlns:p14="http://schemas.microsoft.com/office/powerpoint/2010/main" val="3976906717"/>
+      </p:ext>
+    </p:extLst>
+  </p:cSld>
+  <p:clrMapOvr>
+    <a:masterClrMapping/>
+  </p:clrMapOvr>
+</p:sld>
+</file>
+
+<file path=ppt/slides/slide16.xml><?xml version="1.0" encoding="utf-8"?>
+<p:sld xmlns:a="http://schemas.openxmlformats.org/drawingml/2006/main" xmlns:r="http://schemas.openxmlformats.org/officeDocument/2006/relationships" xmlns:p="http://schemas.openxmlformats.org/presentationml/2006/main">
+  <p:cSld>
+    <p:spTree>
+      <p:nvGrpSpPr>
+        <p:cNvPr id="1" name=""/>
+        <p:cNvGrpSpPr/>
+        <p:nvPr/>
+      </p:nvGrpSpPr>
+      <p:grpSpPr>
+        <a:xfrm>
+          <a:off x="0" y="0"/>
+          <a:ext cx="0" cy="0"/>
+          <a:chOff x="0" y="0"/>
+          <a:chExt cx="0" cy="0"/>
+        </a:xfrm>
+      </p:grpSpPr>
+      <p:sp>
+        <p:nvSpPr>
+          <p:cNvPr id="2" name="Title 1">
+            <a:extLst>
+              <a:ext uri="{FF2B5EF4-FFF2-40B4-BE49-F238E27FC236}">
+                <a16:creationId xmlns:a16="http://schemas.microsoft.com/office/drawing/2014/main" id="{3361DBC3-C412-4A75-9EA3-676F29C17065}"/>
+              </a:ext>
+            </a:extLst>
+          </p:cNvPr>
+          <p:cNvSpPr>
+            <a:spLocks noGrp="1"/>
+          </p:cNvSpPr>
+          <p:nvPr>
+            <p:ph type="title"/>
+          </p:nvPr>
+        </p:nvSpPr>
+        <p:spPr/>
+        <p:txBody>
+          <a:bodyPr/>
+          <a:lstStyle/>
+          <a:p>
+            <a:r>
+              <a:rPr lang="en-US" dirty="0"/>
+              <a:t>Calculating Timer Period/Frequency</a:t>
+            </a:r>
+          </a:p>
+        </p:txBody>
+      </p:sp>
+      <p:sp>
+        <p:nvSpPr>
+          <p:cNvPr id="3" name="Content Placeholder 2">
+            <a:extLst>
+              <a:ext uri="{FF2B5EF4-FFF2-40B4-BE49-F238E27FC236}">
+                <a16:creationId xmlns:a16="http://schemas.microsoft.com/office/drawing/2014/main" id="{E2B043DF-B8F8-44C2-9559-EB07A60F813C}"/>
+              </a:ext>
+            </a:extLst>
+          </p:cNvPr>
+          <p:cNvSpPr>
+            <a:spLocks noGrp="1"/>
+          </p:cNvSpPr>
+          <p:nvPr>
+            <p:ph idx="1"/>
+          </p:nvPr>
+        </p:nvSpPr>
+        <p:spPr/>
+        <p:txBody>
+          <a:bodyPr/>
+          <a:lstStyle/>
+          <a:p>
+            <a:r>
+              <a:rPr lang="en-US" dirty="0"/>
+              <a:t>Let</a:t>
+            </a:r>
+          </a:p>
+          <a:p>
+            <a:pPr lvl="1"/>
+            <a:r>
+              <a:rPr lang="en-US" dirty="0"/>
+              <a:t>PSC = </a:t>
+            </a:r>
+            <a:r>
+              <a:rPr lang="en-US" dirty="0" err="1"/>
+              <a:t>Prescaler</a:t>
+            </a:r>
+            <a:r>
+              <a:rPr lang="en-US" dirty="0"/>
+              <a:t> (</a:t>
+            </a:r>
+            <a:r>
+              <a:rPr lang="en-US" dirty="0" err="1"/>
+              <a:t>TIMx</a:t>
+            </a:r>
+            <a:r>
+              <a:rPr lang="en-US" dirty="0"/>
+              <a:t>-&gt;PSC)</a:t>
+            </a:r>
+          </a:p>
+          <a:p>
+            <a:pPr lvl="1"/>
+            <a:r>
+              <a:rPr lang="en-US" dirty="0"/>
+              <a:t>ARR = Auto-Reload Register (</a:t>
+            </a:r>
+            <a:r>
+              <a:rPr lang="en-US" dirty="0" err="1"/>
+              <a:t>TIMx</a:t>
+            </a:r>
+            <a:r>
+              <a:rPr lang="en-US" dirty="0"/>
+              <a:t>-&gt;ARR)</a:t>
+            </a:r>
+          </a:p>
+          <a:p>
+            <a:r>
+              <a:rPr lang="en-US" dirty="0"/>
+              <a:t>Then</a:t>
+            </a:r>
+          </a:p>
+          <a:p>
+            <a:endParaRPr lang="en-US" dirty="0"/>
+          </a:p>
+          <a:p>
+            <a:endParaRPr lang="en-US" dirty="0"/>
+          </a:p>
+          <a:p>
+            <a:pPr marL="0" indent="0">
+              <a:buNone/>
+            </a:pPr>
+            <a:r>
+              <a:rPr lang="en-US" dirty="0"/>
+              <a:t>or</a:t>
+            </a:r>
+          </a:p>
+        </p:txBody>
+      </p:sp>
+      <p:pic>
+        <p:nvPicPr>
+          <p:cNvPr id="5" name="Picture 4">
+            <a:extLst>
+              <a:ext uri="{FF2B5EF4-FFF2-40B4-BE49-F238E27FC236}">
+                <a16:creationId xmlns:a16="http://schemas.microsoft.com/office/drawing/2014/main" id="{F78C6FBB-E4AC-4CEE-96FA-372BEA11748C}"/>
+              </a:ext>
+            </a:extLst>
+          </p:cNvPr>
+          <p:cNvPicPr>
+            <a:picLocks noChangeAspect="1"/>
+          </p:cNvPicPr>
+          <p:nvPr/>
+        </p:nvPicPr>
+        <p:blipFill>
+          <a:blip r:embed="rId2"/>
+          <a:stretch>
+            <a:fillRect/>
+          </a:stretch>
+        </p:blipFill>
+        <p:spPr>
+          <a:xfrm>
+            <a:off x="2519060" y="3956553"/>
+            <a:ext cx="4972744" cy="704948"/>
+          </a:xfrm>
+          <a:prstGeom prst="rect">
+            <a:avLst/>
+          </a:prstGeom>
+        </p:spPr>
+      </p:pic>
+      <p:pic>
+        <p:nvPicPr>
+          <p:cNvPr id="7" name="Picture 6">
+            <a:extLst>
+              <a:ext uri="{FF2B5EF4-FFF2-40B4-BE49-F238E27FC236}">
+                <a16:creationId xmlns:a16="http://schemas.microsoft.com/office/drawing/2014/main" id="{EF54605A-6394-4359-8C7A-969016AD3E63}"/>
+              </a:ext>
+            </a:extLst>
+          </p:cNvPr>
+          <p:cNvPicPr>
+            <a:picLocks noChangeAspect="1"/>
+          </p:cNvPicPr>
+          <p:nvPr/>
+        </p:nvPicPr>
+        <p:blipFill>
+          <a:blip r:embed="rId3"/>
+          <a:stretch>
+            <a:fillRect/>
+          </a:stretch>
+        </p:blipFill>
+        <p:spPr>
+          <a:xfrm>
+            <a:off x="2395936" y="5150385"/>
+            <a:ext cx="6192114" cy="885949"/>
+          </a:xfrm>
+          <a:prstGeom prst="rect">
+            <a:avLst/>
+          </a:prstGeom>
+        </p:spPr>
+      </p:pic>
+    </p:spTree>
+    <p:extLst>
+      <p:ext uri="{BB962C8B-B14F-4D97-AF65-F5344CB8AC3E}">
+        <p14:creationId xmlns:p14="http://schemas.microsoft.com/office/powerpoint/2010/main" val="3881133858"/>
+      </p:ext>
+    </p:extLst>
+  </p:cSld>
+  <p:clrMapOvr>
+    <a:masterClrMapping/>
+  </p:clrMapOvr>
+</p:sld>
+</file>
+
+<file path=ppt/slides/slide17.xml><?xml version="1.0" encoding="utf-8"?>
+<p:sld xmlns:a="http://schemas.openxmlformats.org/drawingml/2006/main" xmlns:r="http://schemas.openxmlformats.org/officeDocument/2006/relationships" xmlns:p="http://schemas.openxmlformats.org/presentationml/2006/main">
+  <p:cSld>
+    <p:spTree>
+      <p:nvGrpSpPr>
+        <p:cNvPr id="1" name=""/>
+        <p:cNvGrpSpPr/>
+        <p:nvPr/>
+      </p:nvGrpSpPr>
+      <p:grpSpPr>
+        <a:xfrm>
+          <a:off x="0" y="0"/>
+          <a:ext cx="0" cy="0"/>
+          <a:chOff x="0" y="0"/>
+          <a:chExt cx="0" cy="0"/>
+        </a:xfrm>
+      </p:grpSpPr>
+      <p:sp>
+        <p:nvSpPr>
+          <p:cNvPr id="2" name="Title 1">
+            <a:extLst>
+              <a:ext uri="{FF2B5EF4-FFF2-40B4-BE49-F238E27FC236}">
+                <a16:creationId xmlns:a16="http://schemas.microsoft.com/office/drawing/2014/main" id="{457BDDFB-E2F9-4208-B7BE-488B0F583B8F}"/>
+              </a:ext>
+            </a:extLst>
+          </p:cNvPr>
+          <p:cNvSpPr>
+            <a:spLocks noGrp="1"/>
+          </p:cNvSpPr>
+          <p:nvPr>
+            <p:ph type="title"/>
+          </p:nvPr>
+        </p:nvSpPr>
+        <p:spPr/>
+        <p:txBody>
+          <a:bodyPr/>
+          <a:lstStyle/>
+          <a:p>
+            <a:r>
+              <a:rPr lang="en-US" dirty="0"/>
+              <a:t>Example: Timer Period</a:t>
+            </a:r>
+          </a:p>
+        </p:txBody>
+      </p:sp>
+      <p:sp>
+        <p:nvSpPr>
+          <p:cNvPr id="3" name="Content Placeholder 2">
+            <a:extLst>
+              <a:ext uri="{FF2B5EF4-FFF2-40B4-BE49-F238E27FC236}">
+                <a16:creationId xmlns:a16="http://schemas.microsoft.com/office/drawing/2014/main" id="{902A6AB8-D1E9-4D48-A4E1-F0B7CF5E56BA}"/>
+              </a:ext>
+            </a:extLst>
+          </p:cNvPr>
+          <p:cNvSpPr>
+            <a:spLocks noGrp="1"/>
+          </p:cNvSpPr>
+          <p:nvPr>
+            <p:ph idx="1"/>
+          </p:nvPr>
+        </p:nvSpPr>
+        <p:spPr/>
+        <p:txBody>
+          <a:bodyPr/>
+          <a:lstStyle/>
+          <a:p>
+            <a:r>
+              <a:rPr lang="en-US" dirty="0"/>
+              <a:t>What is the timer’s period in milliseconds with the following configuration?</a:t>
+            </a:r>
+          </a:p>
+          <a:p>
+            <a:pPr lvl="1"/>
+            <a:r>
+              <a:rPr lang="en-US" dirty="0"/>
+              <a:t>Up-counting configuration</a:t>
+            </a:r>
+          </a:p>
+          <a:p>
+            <a:pPr lvl="1"/>
+            <a:r>
+              <a:rPr lang="en-US" dirty="0"/>
+              <a:t>Input clock: 80 MHz</a:t>
+            </a:r>
+          </a:p>
+          <a:p>
+            <a:pPr lvl="1"/>
+            <a:r>
+              <a:rPr lang="en-US" dirty="0" err="1"/>
+              <a:t>Prescaler</a:t>
+            </a:r>
+            <a:r>
+              <a:rPr lang="en-US" dirty="0"/>
+              <a:t> (PSC): 999</a:t>
+            </a:r>
+          </a:p>
+          <a:p>
+            <a:pPr lvl="1"/>
+            <a:r>
+              <a:rPr lang="en-US" dirty="0"/>
+              <a:t> Auto-reload register (ARR): 4999</a:t>
+            </a:r>
+          </a:p>
+        </p:txBody>
+      </p:sp>
+    </p:spTree>
+    <p:extLst>
+      <p:ext uri="{BB962C8B-B14F-4D97-AF65-F5344CB8AC3E}">
+        <p14:creationId xmlns:p14="http://schemas.microsoft.com/office/powerpoint/2010/main" val="2284529807"/>
+      </p:ext>
+    </p:extLst>
+  </p:cSld>
+  <p:clrMapOvr>
+    <a:masterClrMapping/>
+  </p:clrMapOvr>
+</p:sld>
+</file>
+
+<file path=ppt/slides/slide18.xml><?xml version="1.0" encoding="utf-8"?>
+<p:sld xmlns:a="http://schemas.openxmlformats.org/drawingml/2006/main" xmlns:r="http://schemas.openxmlformats.org/officeDocument/2006/relationships" xmlns:p="http://schemas.openxmlformats.org/presentationml/2006/main">
+  <p:cSld>
+    <p:spTree>
+      <p:nvGrpSpPr>
+        <p:cNvPr id="1" name=""/>
+        <p:cNvGrpSpPr/>
+        <p:nvPr/>
+      </p:nvGrpSpPr>
+      <p:grpSpPr>
+        <a:xfrm>
+          <a:off x="0" y="0"/>
+          <a:ext cx="0" cy="0"/>
+          <a:chOff x="0" y="0"/>
+          <a:chExt cx="0" cy="0"/>
+        </a:xfrm>
+      </p:grpSpPr>
+      <p:sp>
+        <p:nvSpPr>
+          <p:cNvPr id="2" name="Title 1">
+            <a:extLst>
+              <a:ext uri="{FF2B5EF4-FFF2-40B4-BE49-F238E27FC236}">
+                <a16:creationId xmlns:a16="http://schemas.microsoft.com/office/drawing/2014/main" id="{390C5D83-871B-459A-9B87-1E124C6E821D}"/>
+              </a:ext>
+            </a:extLst>
+          </p:cNvPr>
+          <p:cNvSpPr>
+            <a:spLocks noGrp="1"/>
+          </p:cNvSpPr>
+          <p:nvPr>
+            <p:ph type="title"/>
+          </p:nvPr>
+        </p:nvSpPr>
+        <p:spPr/>
+        <p:txBody>
+          <a:bodyPr/>
+          <a:lstStyle/>
+          <a:p>
+            <a:r>
+              <a:rPr lang="en-US" dirty="0"/>
+              <a:t>PWM Modes 1 vs 2</a:t>
+            </a:r>
+          </a:p>
+        </p:txBody>
+      </p:sp>
+      <p:pic>
+        <p:nvPicPr>
+          <p:cNvPr id="5" name="Content Placeholder 4">
+            <a:extLst>
+              <a:ext uri="{FF2B5EF4-FFF2-40B4-BE49-F238E27FC236}">
+                <a16:creationId xmlns:a16="http://schemas.microsoft.com/office/drawing/2014/main" id="{9516488B-1DE8-4739-B1C7-B87EB5639F17}"/>
+              </a:ext>
+            </a:extLst>
+          </p:cNvPr>
+          <p:cNvPicPr>
+            <a:picLocks noGrp="1" noChangeAspect="1"/>
+          </p:cNvPicPr>
+          <p:nvPr>
+            <p:ph idx="1"/>
+          </p:nvPr>
+        </p:nvPicPr>
+        <p:blipFill>
+          <a:blip r:embed="rId2"/>
+          <a:stretch>
+            <a:fillRect/>
+          </a:stretch>
+        </p:blipFill>
+        <p:spPr>
+          <a:xfrm>
+            <a:off x="1138236" y="1892772"/>
+            <a:ext cx="9178801" cy="3711074"/>
+          </a:xfrm>
+        </p:spPr>
+      </p:pic>
+    </p:spTree>
+    <p:extLst>
+      <p:ext uri="{BB962C8B-B14F-4D97-AF65-F5344CB8AC3E}">
+        <p14:creationId xmlns:p14="http://schemas.microsoft.com/office/powerpoint/2010/main" val="3756924218"/>
+      </p:ext>
+    </p:extLst>
+  </p:cSld>
+  <p:clrMapOvr>
+    <a:masterClrMapping/>
+  </p:clrMapOvr>
+</p:sld>
+</file>
+
+<file path=ppt/slides/slide19.xml><?xml version="1.0" encoding="utf-8"?>
 <p:sld xmlns:a="http://schemas.openxmlformats.org/drawingml/2006/main" xmlns:r="http://schemas.openxmlformats.org/officeDocument/2006/relationships" xmlns:p="http://schemas.openxmlformats.org/presentationml/2006/main">
   <p:cSld>
     <p:spTree>
@@ -18446,7 +15050,7 @@
           <a:lstStyle/>
           <a:p>
             <a:r>
-              <a:rPr lang="en-US" dirty="0"/>
+              <a:rPr lang="en-US" sz="2600" dirty="0"/>
               <a:t>Assume up-counting configuration and PWM mode 1</a:t>
             </a:r>
           </a:p>
@@ -18455,21 +15059,21 @@
               <a:buNone/>
             </a:pPr>
             <a:r>
+              <a:rPr lang="en-US" sz="2600" dirty="0"/>
+              <a:t>   (output is clear when compare match)</a:t>
+            </a:r>
+          </a:p>
+          <a:p>
+            <a:r>
+              <a:rPr lang="en-US" sz="2600" dirty="0"/>
+              <a:t>Let</a:t>
+            </a:r>
+          </a:p>
+          <a:p>
+            <a:pPr lvl="1"/>
+            <a:r>
               <a:rPr lang="en-US" dirty="0"/>
-              <a:t>(output is clear when compare match)</a:t>
-            </a:r>
-          </a:p>
-          <a:p>
-            <a:r>
-              <a:rPr lang="en-US" dirty="0"/>
-              <a:t>Let</a:t>
-            </a:r>
-          </a:p>
-          <a:p>
-            <a:pPr lvl="1"/>
-            <a:r>
-              <a:rPr lang="en-US" dirty="0"/>
-              <a:t>ARR = Auto-Reload Register (</a:t>
+              <a:t> ARR = Auto-Reload Register (</a:t>
             </a:r>
             <a:r>
               <a:rPr lang="en-US" dirty="0" err="1"/>
@@ -18527,7 +15131,7 @@
         </p:blipFill>
         <p:spPr>
           <a:xfrm>
-            <a:off x="2950746" y="4541050"/>
+            <a:off x="2950746" y="4566216"/>
             <a:ext cx="6173061" cy="1467055"/>
           </a:xfrm>
           <a:prstGeom prst="rect">
@@ -18548,7 +15152,118 @@
 </p:sld>
 </file>
 
-<file path=ppt/slides/slide21.xml><?xml version="1.0" encoding="utf-8"?>
+<file path=ppt/slides/slide2.xml><?xml version="1.0" encoding="utf-8"?>
+<p:sld xmlns:a="http://schemas.openxmlformats.org/drawingml/2006/main" xmlns:r="http://schemas.openxmlformats.org/officeDocument/2006/relationships" xmlns:p="http://schemas.openxmlformats.org/presentationml/2006/main">
+  <p:cSld>
+    <p:spTree>
+      <p:nvGrpSpPr>
+        <p:cNvPr id="1" name=""/>
+        <p:cNvGrpSpPr/>
+        <p:nvPr/>
+      </p:nvGrpSpPr>
+      <p:grpSpPr>
+        <a:xfrm>
+          <a:off x="0" y="0"/>
+          <a:ext cx="0" cy="0"/>
+          <a:chOff x="0" y="0"/>
+          <a:chExt cx="0" cy="0"/>
+        </a:xfrm>
+      </p:grpSpPr>
+      <p:sp>
+        <p:nvSpPr>
+          <p:cNvPr id="8194" name="Rectangle 2">
+            <a:extLst>
+              <a:ext uri="{FF2B5EF4-FFF2-40B4-BE49-F238E27FC236}">
+                <a16:creationId xmlns:a16="http://schemas.microsoft.com/office/drawing/2014/main" id="{DA5D2A22-4C4D-4048-93C6-F66F19CD3AD9}"/>
+              </a:ext>
+            </a:extLst>
+          </p:cNvPr>
+          <p:cNvSpPr>
+            <a:spLocks noGrp="1" noChangeArrowheads="1"/>
+          </p:cNvSpPr>
+          <p:nvPr>
+            <p:ph type="title"/>
+          </p:nvPr>
+        </p:nvSpPr>
+        <p:spPr/>
+        <p:txBody>
+          <a:bodyPr/>
+          <a:lstStyle/>
+          <a:p>
+            <a:r>
+              <a:rPr lang="en-US" altLang="en-US"/>
+              <a:t>Agenda</a:t>
+            </a:r>
+          </a:p>
+        </p:txBody>
+      </p:sp>
+      <p:sp>
+        <p:nvSpPr>
+          <p:cNvPr id="8195" name="Rectangle 3">
+            <a:extLst>
+              <a:ext uri="{FF2B5EF4-FFF2-40B4-BE49-F238E27FC236}">
+                <a16:creationId xmlns:a16="http://schemas.microsoft.com/office/drawing/2014/main" id="{32C86834-99CE-4CE7-8B9A-F116348E404B}"/>
+              </a:ext>
+            </a:extLst>
+          </p:cNvPr>
+          <p:cNvSpPr>
+            <a:spLocks noGrp="1" noChangeArrowheads="1"/>
+          </p:cNvSpPr>
+          <p:nvPr>
+            <p:ph type="body" idx="1"/>
+          </p:nvPr>
+        </p:nvSpPr>
+        <p:spPr>
+          <a:xfrm>
+            <a:off x="857076" y="1811324"/>
+            <a:ext cx="9234880" cy="4411663"/>
+          </a:xfrm>
+        </p:spPr>
+        <p:txBody>
+          <a:bodyPr/>
+          <a:lstStyle/>
+          <a:p>
+            <a:r>
+              <a:rPr lang="en-US" altLang="en-US" dirty="0"/>
+              <a:t>Clock sources</a:t>
+            </a:r>
+          </a:p>
+          <a:p>
+            <a:r>
+              <a:rPr lang="en-US" dirty="0"/>
+              <a:t>Basics of counters and timers</a:t>
+            </a:r>
+          </a:p>
+          <a:p>
+            <a:r>
+              <a:rPr lang="en-US" dirty="0"/>
+              <a:t>Clocks, counters, and timers in ARM Cortex-M chips</a:t>
+            </a:r>
+          </a:p>
+          <a:p>
+            <a:r>
+              <a:rPr lang="en-US" dirty="0"/>
+              <a:t>Labs</a:t>
+            </a:r>
+            <a:br>
+              <a:rPr lang="en-US" dirty="0"/>
+            </a:br>
+            <a:endParaRPr lang="en-US" altLang="en-US" dirty="0"/>
+          </a:p>
+          <a:p>
+            <a:endParaRPr lang="en-US" altLang="en-US" dirty="0"/>
+          </a:p>
+        </p:txBody>
+      </p:sp>
+    </p:spTree>
+  </p:cSld>
+  <p:clrMapOvr>
+    <a:masterClrMapping/>
+  </p:clrMapOvr>
+</p:sld>
+</file>
+
+<file path=ppt/slides/slide20.xml><?xml version="1.0" encoding="utf-8"?>
 <p:sld xmlns:a="http://schemas.openxmlformats.org/drawingml/2006/main" xmlns:r="http://schemas.openxmlformats.org/officeDocument/2006/relationships" xmlns:p="http://schemas.openxmlformats.org/presentationml/2006/main">
   <p:cSld>
     <p:spTree>
@@ -18609,13 +15324,18 @@
             <p:ph idx="1"/>
           </p:nvPr>
         </p:nvSpPr>
-        <p:spPr/>
+        <p:spPr>
+          <a:xfrm>
+            <a:off x="609599" y="1719263"/>
+            <a:ext cx="11235655" cy="4411662"/>
+          </a:xfrm>
+        </p:spPr>
         <p:txBody>
           <a:bodyPr/>
           <a:lstStyle/>
           <a:p>
             <a:r>
-              <a:rPr lang="en-US" dirty="0"/>
+              <a:rPr lang="en-US" sz="2600" dirty="0"/>
               <a:t>What is the PWM’s frequency and duty cycle with the following configuration?</a:t>
             </a:r>
           </a:p>
@@ -18719,111 +15439,6 @@
           <a:lstStyle/>
           <a:p>
             <a:r>
-              <a:rPr lang="en-US" altLang="en-US"/>
-              <a:t>Agenda</a:t>
-            </a:r>
-          </a:p>
-        </p:txBody>
-      </p:sp>
-      <p:sp>
-        <p:nvSpPr>
-          <p:cNvPr id="8195" name="Rectangle 3">
-            <a:extLst>
-              <a:ext uri="{FF2B5EF4-FFF2-40B4-BE49-F238E27FC236}">
-                <a16:creationId xmlns:a16="http://schemas.microsoft.com/office/drawing/2014/main" id="{32C86834-99CE-4CE7-8B9A-F116348E404B}"/>
-              </a:ext>
-            </a:extLst>
-          </p:cNvPr>
-          <p:cNvSpPr>
-            <a:spLocks noGrp="1" noChangeArrowheads="1"/>
-          </p:cNvSpPr>
-          <p:nvPr>
-            <p:ph type="body" idx="1"/>
-          </p:nvPr>
-        </p:nvSpPr>
-        <p:spPr>
-          <a:xfrm>
-            <a:off x="857076" y="1811324"/>
-            <a:ext cx="9234880" cy="4411663"/>
-          </a:xfrm>
-        </p:spPr>
-        <p:txBody>
-          <a:bodyPr/>
-          <a:lstStyle/>
-          <a:p>
-            <a:r>
-              <a:rPr lang="en-US" altLang="en-US" dirty="0"/>
-              <a:t>Clock sources</a:t>
-            </a:r>
-          </a:p>
-          <a:p>
-            <a:r>
-              <a:rPr lang="en-US" dirty="0"/>
-              <a:t>Basics of counters and timers</a:t>
-            </a:r>
-          </a:p>
-          <a:p>
-            <a:r>
-              <a:rPr lang="en-US" dirty="0"/>
-              <a:t>Clocks, counters, and timers in ARM Cortex-M chips</a:t>
-            </a:r>
-            <a:br>
-              <a:rPr lang="en-US" dirty="0"/>
-            </a:br>
-            <a:endParaRPr lang="en-US" altLang="en-US" dirty="0"/>
-          </a:p>
-          <a:p>
-            <a:endParaRPr lang="en-US" altLang="en-US" dirty="0"/>
-          </a:p>
-        </p:txBody>
-      </p:sp>
-    </p:spTree>
-  </p:cSld>
-  <p:clrMapOvr>
-    <a:masterClrMapping/>
-  </p:clrMapOvr>
-</p:sld>
-</file>
-
-<file path=ppt/slides/slide4.xml><?xml version="1.0" encoding="utf-8"?>
-<p:sld xmlns:a="http://schemas.openxmlformats.org/drawingml/2006/main" xmlns:r="http://schemas.openxmlformats.org/officeDocument/2006/relationships" xmlns:p="http://schemas.openxmlformats.org/presentationml/2006/main">
-  <p:cSld>
-    <p:spTree>
-      <p:nvGrpSpPr>
-        <p:cNvPr id="1" name=""/>
-        <p:cNvGrpSpPr/>
-        <p:nvPr/>
-      </p:nvGrpSpPr>
-      <p:grpSpPr>
-        <a:xfrm>
-          <a:off x="0" y="0"/>
-          <a:ext cx="0" cy="0"/>
-          <a:chOff x="0" y="0"/>
-          <a:chExt cx="0" cy="0"/>
-        </a:xfrm>
-      </p:grpSpPr>
-      <p:sp>
-        <p:nvSpPr>
-          <p:cNvPr id="8194" name="Rectangle 2">
-            <a:extLst>
-              <a:ext uri="{FF2B5EF4-FFF2-40B4-BE49-F238E27FC236}">
-                <a16:creationId xmlns:a16="http://schemas.microsoft.com/office/drawing/2014/main" id="{DA5D2A22-4C4D-4048-93C6-F66F19CD3AD9}"/>
-              </a:ext>
-            </a:extLst>
-          </p:cNvPr>
-          <p:cNvSpPr>
-            <a:spLocks noGrp="1" noChangeArrowheads="1"/>
-          </p:cNvSpPr>
-          <p:nvPr>
-            <p:ph type="title"/>
-          </p:nvPr>
-        </p:nvSpPr>
-        <p:spPr/>
-        <p:txBody>
-          <a:bodyPr/>
-          <a:lstStyle/>
-          <a:p>
-            <a:r>
               <a:rPr lang="en-US" altLang="en-US" dirty="0"/>
               <a:t>Clock Signals</a:t>
             </a:r>
@@ -18848,13 +15463,13 @@
         </p:nvSpPr>
         <p:spPr>
           <a:xfrm>
-            <a:off x="530708" y="1585519"/>
-            <a:ext cx="10450481" cy="3036816"/>
+            <a:off x="609600" y="1325461"/>
+            <a:ext cx="9242465" cy="3271706"/>
           </a:xfrm>
         </p:spPr>
         <p:txBody>
           <a:bodyPr>
-            <a:normAutofit fontScale="70000" lnSpcReduction="20000"/>
+            <a:normAutofit fontScale="77500" lnSpcReduction="20000"/>
           </a:bodyPr>
           <a:lstStyle/>
           <a:p>
@@ -18945,7 +15560,7 @@
         </p:blipFill>
         <p:spPr>
           <a:xfrm>
-            <a:off x="4705902" y="2864727"/>
+            <a:off x="1818987" y="3275787"/>
             <a:ext cx="7125694" cy="3515216"/>
           </a:xfrm>
           <a:prstGeom prst="rect">
@@ -19290,7 +15905,7 @@
 </p:sld>
 </file>
 
-<file path=ppt/slides/slide5.xml><?xml version="1.0" encoding="utf-8"?>
+<file path=ppt/slides/slide4.xml><?xml version="1.0" encoding="utf-8"?>
 <p:sld xmlns:a="http://schemas.openxmlformats.org/drawingml/2006/main" xmlns:r="http://schemas.openxmlformats.org/officeDocument/2006/relationships" xmlns:p="http://schemas.openxmlformats.org/presentationml/2006/main">
   <p:cSld>
     <p:spTree>
@@ -19353,8 +15968,8 @@
         </p:nvSpPr>
         <p:spPr>
           <a:xfrm>
-            <a:off x="609600" y="1719263"/>
-            <a:ext cx="5486400" cy="4161420"/>
+            <a:off x="354539" y="1721600"/>
+            <a:ext cx="7740838" cy="3414799"/>
           </a:xfrm>
         </p:spPr>
         <p:txBody>
@@ -19362,62 +15977,26 @@
           <a:lstStyle/>
           <a:p>
             <a:r>
-              <a:rPr lang="en-US" sz="2400" dirty="0"/>
-              <a:t>Counters and timers are ones of the</a:t>
-            </a:r>
-          </a:p>
-          <a:p>
-            <a:pPr marL="0" indent="0">
-              <a:buNone/>
-            </a:pPr>
-            <a:r>
-              <a:rPr lang="en-US" sz="2400" dirty="0"/>
-              <a:t>most important components of MCUs</a:t>
-            </a:r>
-          </a:p>
-          <a:p>
-            <a:r>
-              <a:rPr lang="en-US" sz="2400" dirty="0"/>
-              <a:t>A counter keeps track of how many</a:t>
-            </a:r>
-          </a:p>
-          <a:p>
-            <a:pPr marL="0" indent="0">
-              <a:buNone/>
-            </a:pPr>
-            <a:r>
-              <a:rPr lang="en-US" sz="2400" dirty="0"/>
-              <a:t>event ticks have occurred</a:t>
-            </a:r>
-          </a:p>
-          <a:p>
-            <a:r>
-              <a:rPr lang="en-US" sz="2400" dirty="0"/>
-              <a:t>A timer is a counter that counts</a:t>
-            </a:r>
-          </a:p>
-          <a:p>
-            <a:pPr marL="0" indent="0">
-              <a:buNone/>
-            </a:pPr>
-            <a:r>
-              <a:rPr lang="en-US" sz="2400" dirty="0"/>
-              <a:t>deterministic clock cycles</a:t>
-            </a:r>
-          </a:p>
-          <a:p>
-            <a:r>
-              <a:rPr lang="en-US" sz="2400" dirty="0"/>
-              <a:t>Two terms are often used</a:t>
-            </a:r>
-          </a:p>
-          <a:p>
-            <a:pPr marL="0" indent="0">
-              <a:buNone/>
-            </a:pPr>
-            <a:r>
-              <a:rPr lang="en-US" sz="2400" dirty="0"/>
-              <a:t>interchangeably</a:t>
+              <a:rPr lang="en-US" sz="2200" dirty="0"/>
+              <a:t>Counters and timers are ones of the most important components of MCUs</a:t>
+            </a:r>
+          </a:p>
+          <a:p>
+            <a:r>
+              <a:rPr lang="en-US" sz="2200" dirty="0"/>
+              <a:t>A counter keeps track of how many event ticks have occurred</a:t>
+            </a:r>
+          </a:p>
+          <a:p>
+            <a:r>
+              <a:rPr lang="en-US" sz="2200" dirty="0"/>
+              <a:t>A timer is a counter that counts deterministic clock cycles</a:t>
+            </a:r>
+          </a:p>
+          <a:p>
+            <a:r>
+              <a:rPr lang="en-US" sz="2200" dirty="0"/>
+              <a:t>Two terms are often used interchangeably</a:t>
             </a:r>
           </a:p>
         </p:txBody>
@@ -19444,8 +16023,8 @@
         </p:blipFill>
         <p:spPr>
           <a:xfrm>
-            <a:off x="6954473" y="1562100"/>
-            <a:ext cx="4467531" cy="5292167"/>
+            <a:off x="8095377" y="1838484"/>
+            <a:ext cx="4018922" cy="4760752"/>
           </a:xfrm>
           <a:prstGeom prst="rect">
             <a:avLst/>
@@ -19465,7 +16044,7 @@
 </p:sld>
 </file>
 
-<file path=ppt/slides/slide6.xml><?xml version="1.0" encoding="utf-8"?>
+<file path=ppt/slides/slide5.xml><?xml version="1.0" encoding="utf-8"?>
 <p:sld xmlns:a="http://schemas.openxmlformats.org/drawingml/2006/main" xmlns:r="http://schemas.openxmlformats.org/officeDocument/2006/relationships" xmlns:p="http://schemas.openxmlformats.org/presentationml/2006/main">
   <p:cSld>
     <p:spTree>
@@ -19529,7 +16108,7 @@
         <p:spPr>
           <a:xfrm>
             <a:off x="609600" y="1719263"/>
-            <a:ext cx="5103303" cy="4010418"/>
+            <a:ext cx="7393497" cy="4010418"/>
           </a:xfrm>
         </p:spPr>
         <p:txBody>
@@ -19619,7 +16198,7 @@
         </p:blipFill>
         <p:spPr>
           <a:xfrm>
-            <a:off x="6879041" y="3597439"/>
+            <a:off x="8699452" y="2204866"/>
             <a:ext cx="2762636" cy="2448267"/>
           </a:xfrm>
           <a:prstGeom prst="rect">
@@ -19640,7 +16219,7 @@
 </p:sld>
 </file>
 
-<file path=ppt/slides/slide7.xml><?xml version="1.0" encoding="utf-8"?>
+<file path=ppt/slides/slide6.xml><?xml version="1.0" encoding="utf-8"?>
 <p:sld xmlns:a="http://schemas.openxmlformats.org/drawingml/2006/main" xmlns:r="http://schemas.openxmlformats.org/officeDocument/2006/relationships" xmlns:p="http://schemas.openxmlformats.org/presentationml/2006/main">
   <p:cSld>
     <p:spTree>
@@ -19709,8 +16288,8 @@
         </p:blipFill>
         <p:spPr>
           <a:xfrm>
-            <a:off x="1653597" y="1618595"/>
-            <a:ext cx="8482134" cy="4411662"/>
+            <a:off x="1255120" y="1643762"/>
+            <a:ext cx="8937504" cy="4648506"/>
           </a:xfrm>
         </p:spPr>
       </p:pic>
@@ -19727,7 +16306,7 @@
 </p:sld>
 </file>
 
-<file path=ppt/slides/slide8.xml><?xml version="1.0" encoding="utf-8"?>
+<file path=ppt/slides/slide7.xml><?xml version="1.0" encoding="utf-8"?>
 <p:sld xmlns:a="http://schemas.openxmlformats.org/drawingml/2006/main" xmlns:r="http://schemas.openxmlformats.org/officeDocument/2006/relationships" xmlns:p="http://schemas.openxmlformats.org/presentationml/2006/main">
   <p:cSld>
     <p:spTree>
@@ -19791,7 +16370,7 @@
         <p:spPr>
           <a:xfrm>
             <a:off x="609600" y="1719263"/>
-            <a:ext cx="4465739" cy="3800693"/>
+            <a:ext cx="5069747" cy="2684957"/>
           </a:xfrm>
         </p:spPr>
         <p:txBody>
@@ -19839,7 +16418,7 @@
         </p:blipFill>
         <p:spPr>
           <a:xfrm>
-            <a:off x="6545057" y="1566685"/>
+            <a:off x="6666942" y="1994524"/>
             <a:ext cx="4001058" cy="4105848"/>
           </a:xfrm>
           <a:prstGeom prst="rect">
@@ -19860,7 +16439,7 @@
 </p:sld>
 </file>
 
-<file path=ppt/slides/slide9.xml><?xml version="1.0" encoding="utf-8"?>
+<file path=ppt/slides/slide8.xml><?xml version="1.0" encoding="utf-8"?>
 <p:sld xmlns:a="http://schemas.openxmlformats.org/drawingml/2006/main" xmlns:r="http://schemas.openxmlformats.org/officeDocument/2006/relationships" xmlns:p="http://schemas.openxmlformats.org/presentationml/2006/main">
   <p:cSld>
     <p:spTree>
@@ -19961,7 +16540,7 @@
         </p:blipFill>
         <p:spPr>
           <a:xfrm>
-            <a:off x="2423600" y="2283506"/>
+            <a:off x="2155152" y="2415634"/>
             <a:ext cx="7344800" cy="3801005"/>
           </a:xfrm>
           <a:prstGeom prst="rect">
@@ -19982,302 +16561,134 @@
 </p:sld>
 </file>
 
-<file path=ppt/theme/theme1.xml><?xml version="1.0" encoding="utf-8"?>
-<a:theme xmlns:a="http://schemas.openxmlformats.org/drawingml/2006/main" name="Office Theme">
-  <a:themeElements>
-    <a:clrScheme name="Office">
-      <a:dk1>
-        <a:sysClr val="windowText" lastClr="000000"/>
-      </a:dk1>
-      <a:lt1>
-        <a:sysClr val="window" lastClr="FFFFFF"/>
-      </a:lt1>
-      <a:dk2>
-        <a:srgbClr val="44546A"/>
-      </a:dk2>
-      <a:lt2>
-        <a:srgbClr val="E7E6E6"/>
-      </a:lt2>
-      <a:accent1>
-        <a:srgbClr val="4472C4"/>
-      </a:accent1>
-      <a:accent2>
-        <a:srgbClr val="ED7D31"/>
-      </a:accent2>
-      <a:accent3>
-        <a:srgbClr val="A5A5A5"/>
-      </a:accent3>
-      <a:accent4>
-        <a:srgbClr val="FFC000"/>
-      </a:accent4>
-      <a:accent5>
-        <a:srgbClr val="5B9BD5"/>
-      </a:accent5>
-      <a:accent6>
-        <a:srgbClr val="70AD47"/>
-      </a:accent6>
-      <a:hlink>
-        <a:srgbClr val="0563C1"/>
-      </a:hlink>
-      <a:folHlink>
-        <a:srgbClr val="954F72"/>
-      </a:folHlink>
-    </a:clrScheme>
-    <a:fontScheme name="Office">
-      <a:majorFont>
-        <a:latin typeface="Calibri Light" panose="020F0302020204030204"/>
-        <a:ea typeface=""/>
-        <a:cs typeface=""/>
-        <a:font script="Jpan" typeface="游ゴシック Light"/>
-        <a:font script="Hang" typeface="맑은 고딕"/>
-        <a:font script="Hans" typeface="等线 Light"/>
-        <a:font script="Hant" typeface="新細明體"/>
-        <a:font script="Arab" typeface="Times New Roman"/>
-        <a:font script="Hebr" typeface="Times New Roman"/>
-        <a:font script="Thai" typeface="Angsana New"/>
-        <a:font script="Ethi" typeface="Nyala"/>
-        <a:font script="Beng" typeface="Vrinda"/>
-        <a:font script="Gujr" typeface="Shruti"/>
-        <a:font script="Khmr" typeface="MoolBoran"/>
-        <a:font script="Knda" typeface="Tunga"/>
-        <a:font script="Guru" typeface="Raavi"/>
-        <a:font script="Cans" typeface="Euphemia"/>
-        <a:font script="Cher" typeface="Plantagenet Cherokee"/>
-        <a:font script="Yiii" typeface="Microsoft Yi Baiti"/>
-        <a:font script="Tibt" typeface="Microsoft Himalaya"/>
-        <a:font script="Thaa" typeface="MV Boli"/>
-        <a:font script="Deva" typeface="Mangal"/>
-        <a:font script="Telu" typeface="Gautami"/>
-        <a:font script="Taml" typeface="Latha"/>
-        <a:font script="Syrc" typeface="Estrangelo Edessa"/>
-        <a:font script="Orya" typeface="Kalinga"/>
-        <a:font script="Mlym" typeface="Kartika"/>
-        <a:font script="Laoo" typeface="DokChampa"/>
-        <a:font script="Sinh" typeface="Iskoola Pota"/>
-        <a:font script="Mong" typeface="Mongolian Baiti"/>
-        <a:font script="Viet" typeface="Times New Roman"/>
-        <a:font script="Uigh" typeface="Microsoft Uighur"/>
-        <a:font script="Geor" typeface="Sylfaen"/>
-        <a:font script="Armn" typeface="Arial"/>
-        <a:font script="Bugi" typeface="Leelawadee UI"/>
-        <a:font script="Bopo" typeface="Microsoft JhengHei"/>
-        <a:font script="Java" typeface="Javanese Text"/>
-        <a:font script="Lisu" typeface="Segoe UI"/>
-        <a:font script="Mymr" typeface="Myanmar Text"/>
-        <a:font script="Nkoo" typeface="Ebrima"/>
-        <a:font script="Olck" typeface="Nirmala UI"/>
-        <a:font script="Osma" typeface="Ebrima"/>
-        <a:font script="Phag" typeface="Phagspa"/>
-        <a:font script="Syrn" typeface="Estrangelo Edessa"/>
-        <a:font script="Syrj" typeface="Estrangelo Edessa"/>
-        <a:font script="Syre" typeface="Estrangelo Edessa"/>
-        <a:font script="Sora" typeface="Nirmala UI"/>
-        <a:font script="Tale" typeface="Microsoft Tai Le"/>
-        <a:font script="Talu" typeface="Microsoft New Tai Lue"/>
-        <a:font script="Tfng" typeface="Ebrima"/>
-      </a:majorFont>
-      <a:minorFont>
-        <a:latin typeface="Calibri" panose="020F0502020204030204"/>
-        <a:ea typeface=""/>
-        <a:cs typeface=""/>
-        <a:font script="Jpan" typeface="游ゴシック"/>
-        <a:font script="Hang" typeface="맑은 고딕"/>
-        <a:font script="Hans" typeface="等线"/>
-        <a:font script="Hant" typeface="新細明體"/>
-        <a:font script="Arab" typeface="Arial"/>
-        <a:font script="Hebr" typeface="Arial"/>
-        <a:font script="Thai" typeface="Cordia New"/>
-        <a:font script="Ethi" typeface="Nyala"/>
-        <a:font script="Beng" typeface="Vrinda"/>
-        <a:font script="Gujr" typeface="Shruti"/>
-        <a:font script="Khmr" typeface="DaunPenh"/>
-        <a:font script="Knda" typeface="Tunga"/>
-        <a:font script="Guru" typeface="Raavi"/>
-        <a:font script="Cans" typeface="Euphemia"/>
-        <a:font script="Cher" typeface="Plantagenet Cherokee"/>
-        <a:font script="Yiii" typeface="Microsoft Yi Baiti"/>
-        <a:font script="Tibt" typeface="Microsoft Himalaya"/>
-        <a:font script="Thaa" typeface="MV Boli"/>
-        <a:font script="Deva" typeface="Mangal"/>
-        <a:font script="Telu" typeface="Gautami"/>
-        <a:font script="Taml" typeface="Latha"/>
-        <a:font script="Syrc" typeface="Estrangelo Edessa"/>
-        <a:font script="Orya" typeface="Kalinga"/>
-        <a:font script="Mlym" typeface="Kartika"/>
-        <a:font script="Laoo" typeface="DokChampa"/>
-        <a:font script="Sinh" typeface="Iskoola Pota"/>
-        <a:font script="Mong" typeface="Mongolian Baiti"/>
-        <a:font script="Viet" typeface="Arial"/>
-        <a:font script="Uigh" typeface="Microsoft Uighur"/>
-        <a:font script="Geor" typeface="Sylfaen"/>
-        <a:font script="Armn" typeface="Arial"/>
-        <a:font script="Bugi" typeface="Leelawadee UI"/>
-        <a:font script="Bopo" typeface="Microsoft JhengHei"/>
-        <a:font script="Java" typeface="Javanese Text"/>
-        <a:font script="Lisu" typeface="Segoe UI"/>
-        <a:font script="Mymr" typeface="Myanmar Text"/>
-        <a:font script="Nkoo" typeface="Ebrima"/>
-        <a:font script="Olck" typeface="Nirmala UI"/>
-        <a:font script="Osma" typeface="Ebrima"/>
-        <a:font script="Phag" typeface="Phagspa"/>
-        <a:font script="Syrn" typeface="Estrangelo Edessa"/>
-        <a:font script="Syrj" typeface="Estrangelo Edessa"/>
-        <a:font script="Syre" typeface="Estrangelo Edessa"/>
-        <a:font script="Sora" typeface="Nirmala UI"/>
-        <a:font script="Tale" typeface="Microsoft Tai Le"/>
-        <a:font script="Talu" typeface="Microsoft New Tai Lue"/>
-        <a:font script="Tfng" typeface="Ebrima"/>
-      </a:minorFont>
-    </a:fontScheme>
-    <a:fmtScheme name="Office">
-      <a:fillStyleLst>
-        <a:solidFill>
-          <a:schemeClr val="phClr"/>
-        </a:solidFill>
-        <a:gradFill rotWithShape="1">
-          <a:gsLst>
-            <a:gs pos="0">
-              <a:schemeClr val="phClr">
-                <a:lumMod val="110000"/>
-                <a:satMod val="105000"/>
-                <a:tint val="67000"/>
-              </a:schemeClr>
-            </a:gs>
-            <a:gs pos="50000">
-              <a:schemeClr val="phClr">
-                <a:lumMod val="105000"/>
-                <a:satMod val="103000"/>
-                <a:tint val="73000"/>
-              </a:schemeClr>
-            </a:gs>
-            <a:gs pos="100000">
-              <a:schemeClr val="phClr">
-                <a:lumMod val="105000"/>
-                <a:satMod val="109000"/>
-                <a:tint val="81000"/>
-              </a:schemeClr>
-            </a:gs>
-          </a:gsLst>
-          <a:lin ang="5400000" scaled="0"/>
-        </a:gradFill>
-        <a:gradFill rotWithShape="1">
-          <a:gsLst>
-            <a:gs pos="0">
-              <a:schemeClr val="phClr">
-                <a:satMod val="103000"/>
-                <a:lumMod val="102000"/>
-                <a:tint val="94000"/>
-              </a:schemeClr>
-            </a:gs>
-            <a:gs pos="50000">
-              <a:schemeClr val="phClr">
-                <a:satMod val="110000"/>
-                <a:lumMod val="100000"/>
-                <a:shade val="100000"/>
-              </a:schemeClr>
-            </a:gs>
-            <a:gs pos="100000">
-              <a:schemeClr val="phClr">
-                <a:lumMod val="99000"/>
-                <a:satMod val="120000"/>
-                <a:shade val="78000"/>
-              </a:schemeClr>
-            </a:gs>
-          </a:gsLst>
-          <a:lin ang="5400000" scaled="0"/>
-        </a:gradFill>
-      </a:fillStyleLst>
-      <a:lnStyleLst>
-        <a:ln w="6350" cap="flat" cmpd="sng" algn="ctr">
-          <a:solidFill>
-            <a:schemeClr val="phClr"/>
-          </a:solidFill>
-          <a:prstDash val="solid"/>
-          <a:miter lim="800000"/>
-        </a:ln>
-        <a:ln w="12700" cap="flat" cmpd="sng" algn="ctr">
-          <a:solidFill>
-            <a:schemeClr val="phClr"/>
-          </a:solidFill>
-          <a:prstDash val="solid"/>
-          <a:miter lim="800000"/>
-        </a:ln>
-        <a:ln w="19050" cap="flat" cmpd="sng" algn="ctr">
-          <a:solidFill>
-            <a:schemeClr val="phClr"/>
-          </a:solidFill>
-          <a:prstDash val="solid"/>
-          <a:miter lim="800000"/>
-        </a:ln>
-      </a:lnStyleLst>
-      <a:effectStyleLst>
-        <a:effectStyle>
-          <a:effectLst/>
-        </a:effectStyle>
-        <a:effectStyle>
-          <a:effectLst/>
-        </a:effectStyle>
-        <a:effectStyle>
-          <a:effectLst>
-            <a:outerShdw blurRad="57150" dist="19050" dir="5400000" algn="ctr" rotWithShape="0">
-              <a:srgbClr val="000000">
-                <a:alpha val="63000"/>
-              </a:srgbClr>
-            </a:outerShdw>
-          </a:effectLst>
-        </a:effectStyle>
-      </a:effectStyleLst>
-      <a:bgFillStyleLst>
-        <a:solidFill>
-          <a:schemeClr val="phClr"/>
-        </a:solidFill>
-        <a:solidFill>
-          <a:schemeClr val="phClr">
-            <a:tint val="95000"/>
-            <a:satMod val="170000"/>
-          </a:schemeClr>
-        </a:solidFill>
-        <a:gradFill rotWithShape="1">
-          <a:gsLst>
-            <a:gs pos="0">
-              <a:schemeClr val="phClr">
-                <a:tint val="93000"/>
-                <a:satMod val="150000"/>
-                <a:shade val="98000"/>
-                <a:lumMod val="102000"/>
-              </a:schemeClr>
-            </a:gs>
-            <a:gs pos="50000">
-              <a:schemeClr val="phClr">
-                <a:tint val="98000"/>
-                <a:satMod val="130000"/>
-                <a:shade val="90000"/>
-                <a:lumMod val="103000"/>
-              </a:schemeClr>
-            </a:gs>
-            <a:gs pos="100000">
-              <a:schemeClr val="phClr">
-                <a:shade val="63000"/>
-                <a:satMod val="120000"/>
-              </a:schemeClr>
-            </a:gs>
-          </a:gsLst>
-          <a:lin ang="5400000" scaled="0"/>
-        </a:gradFill>
-      </a:bgFillStyleLst>
-    </a:fmtScheme>
-  </a:themeElements>
-  <a:objectDefaults/>
-  <a:extraClrSchemeLst/>
-  <a:extLst>
-    <a:ext uri="{05A4C25C-085E-4340-85A3-A5531E510DB2}">
-      <thm15:themeFamily xmlns:thm15="http://schemas.microsoft.com/office/thememl/2012/main" name="Office Theme" id="{62F939B6-93AF-4DB8-9C6B-D6C7DFDC589F}" vid="{4A3C46E8-61CC-4603-A589-7422A47A8E4A}"/>
-    </a:ext>
-  </a:extLst>
-</a:theme>
+<file path=ppt/slides/slide9.xml><?xml version="1.0" encoding="utf-8"?>
+<p:sld xmlns:a="http://schemas.openxmlformats.org/drawingml/2006/main" xmlns:r="http://schemas.openxmlformats.org/officeDocument/2006/relationships" xmlns:p="http://schemas.openxmlformats.org/presentationml/2006/main">
+  <p:cSld>
+    <p:spTree>
+      <p:nvGrpSpPr>
+        <p:cNvPr id="1" name=""/>
+        <p:cNvGrpSpPr/>
+        <p:nvPr/>
+      </p:nvGrpSpPr>
+      <p:grpSpPr>
+        <a:xfrm>
+          <a:off x="0" y="0"/>
+          <a:ext cx="0" cy="0"/>
+          <a:chOff x="0" y="0"/>
+          <a:chExt cx="0" cy="0"/>
+        </a:xfrm>
+      </p:grpSpPr>
+      <p:sp>
+        <p:nvSpPr>
+          <p:cNvPr id="2" name="Title 1">
+            <a:extLst>
+              <a:ext uri="{FF2B5EF4-FFF2-40B4-BE49-F238E27FC236}">
+                <a16:creationId xmlns:a16="http://schemas.microsoft.com/office/drawing/2014/main" id="{847AD627-04DE-41CA-BE15-6EA7644A1EF7}"/>
+              </a:ext>
+            </a:extLst>
+          </p:cNvPr>
+          <p:cNvSpPr>
+            <a:spLocks noGrp="1"/>
+          </p:cNvSpPr>
+          <p:nvPr>
+            <p:ph type="title"/>
+          </p:nvPr>
+        </p:nvSpPr>
+        <p:spPr/>
+        <p:txBody>
+          <a:bodyPr/>
+          <a:lstStyle/>
+          <a:p>
+            <a:r>
+              <a:rPr lang="en-US" dirty="0"/>
+              <a:t>Input Capture</a:t>
+            </a:r>
+          </a:p>
+        </p:txBody>
+      </p:sp>
+      <p:sp>
+        <p:nvSpPr>
+          <p:cNvPr id="3" name="Content Placeholder 2">
+            <a:extLst>
+              <a:ext uri="{FF2B5EF4-FFF2-40B4-BE49-F238E27FC236}">
+                <a16:creationId xmlns:a16="http://schemas.microsoft.com/office/drawing/2014/main" id="{35F581DB-80FA-41F7-99BB-98A12141CC98}"/>
+              </a:ext>
+            </a:extLst>
+          </p:cNvPr>
+          <p:cNvSpPr>
+            <a:spLocks noGrp="1"/>
+          </p:cNvSpPr>
+          <p:nvPr>
+            <p:ph idx="1"/>
+          </p:nvPr>
+        </p:nvSpPr>
+        <p:spPr>
+          <a:xfrm>
+            <a:off x="609600" y="1719263"/>
+            <a:ext cx="10972800" cy="1795724"/>
+          </a:xfrm>
+        </p:spPr>
+        <p:txBody>
+          <a:bodyPr/>
+          <a:lstStyle/>
+          <a:p>
+            <a:r>
+              <a:rPr lang="en-US" sz="2600" dirty="0"/>
+              <a:t>Measures input pulse lengths</a:t>
+            </a:r>
+          </a:p>
+          <a:p>
+            <a:r>
+              <a:rPr lang="en-US" sz="2600" dirty="0"/>
+              <a:t>Applications: decoding remote control signals, distance measurement</a:t>
+            </a:r>
+          </a:p>
+        </p:txBody>
+      </p:sp>
+      <p:pic>
+        <p:nvPicPr>
+          <p:cNvPr id="5" name="Picture 4">
+            <a:extLst>
+              <a:ext uri="{FF2B5EF4-FFF2-40B4-BE49-F238E27FC236}">
+                <a16:creationId xmlns:a16="http://schemas.microsoft.com/office/drawing/2014/main" id="{762CA6E7-87D7-468E-9A66-640B026E6624}"/>
+              </a:ext>
+            </a:extLst>
+          </p:cNvPr>
+          <p:cNvPicPr>
+            <a:picLocks noChangeAspect="1"/>
+          </p:cNvPicPr>
+          <p:nvPr/>
+        </p:nvPicPr>
+        <p:blipFill>
+          <a:blip r:embed="rId2"/>
+          <a:stretch>
+            <a:fillRect/>
+          </a:stretch>
+        </p:blipFill>
+        <p:spPr>
+          <a:xfrm>
+            <a:off x="2276010" y="3234796"/>
+            <a:ext cx="7287642" cy="2972215"/>
+          </a:xfrm>
+          <a:prstGeom prst="rect">
+            <a:avLst/>
+          </a:prstGeom>
+        </p:spPr>
+      </p:pic>
+    </p:spTree>
+    <p:extLst>
+      <p:ext uri="{BB962C8B-B14F-4D97-AF65-F5344CB8AC3E}">
+        <p14:creationId xmlns:p14="http://schemas.microsoft.com/office/powerpoint/2010/main" val="4035833233"/>
+      </p:ext>
+    </p:extLst>
+  </p:cSld>
+  <p:clrMapOvr>
+    <a:masterClrMapping/>
+  </p:clrMapOvr>
+</p:sld>
 </file>
 
-<file path=ppt/theme/theme2.xml><?xml version="1.0" encoding="utf-8"?>
+<file path=ppt/theme/theme1.xml><?xml version="1.0" encoding="utf-8"?>
 <a:theme xmlns:a="http://schemas.openxmlformats.org/drawingml/2006/main" name="1_Network">
   <a:themeElements>
     <a:clrScheme name="1_Network 10">
@@ -20913,7 +17324,7 @@
 </a:theme>
 </file>
 
-<file path=ppt/theme/theme3.xml><?xml version="1.0" encoding="utf-8"?>
+<file path=ppt/theme/theme2.xml><?xml version="1.0" encoding="utf-8"?>
 <a:theme xmlns:a="http://schemas.openxmlformats.org/drawingml/2006/main" name="Network">
   <a:themeElements>
     <a:clrScheme name="Network 10">

--- a/04. Slides/04. TIMER/Timer.pptx
+++ b/04. Slides/04. TIMER/Timer.pptx
@@ -13,19 +13,26 @@
     <p:sldId id="412" r:id="rId7"/>
     <p:sldId id="413" r:id="rId8"/>
     <p:sldId id="414" r:id="rId9"/>
-    <p:sldId id="415" r:id="rId10"/>
-    <p:sldId id="416" r:id="rId11"/>
-    <p:sldId id="417" r:id="rId12"/>
-    <p:sldId id="418" r:id="rId13"/>
-    <p:sldId id="419" r:id="rId14"/>
-    <p:sldId id="420" r:id="rId15"/>
-    <p:sldId id="421" r:id="rId16"/>
-    <p:sldId id="422" r:id="rId17"/>
-    <p:sldId id="423" r:id="rId18"/>
-    <p:sldId id="424" r:id="rId19"/>
-    <p:sldId id="425" r:id="rId20"/>
-    <p:sldId id="426" r:id="rId21"/>
-    <p:sldId id="427" r:id="rId22"/>
+    <p:sldId id="428" r:id="rId10"/>
+    <p:sldId id="415" r:id="rId11"/>
+    <p:sldId id="416" r:id="rId12"/>
+    <p:sldId id="417" r:id="rId13"/>
+    <p:sldId id="418" r:id="rId14"/>
+    <p:sldId id="419" r:id="rId15"/>
+    <p:sldId id="420" r:id="rId16"/>
+    <p:sldId id="421" r:id="rId17"/>
+    <p:sldId id="422" r:id="rId18"/>
+    <p:sldId id="423" r:id="rId19"/>
+    <p:sldId id="424" r:id="rId20"/>
+    <p:sldId id="425" r:id="rId21"/>
+    <p:sldId id="431" r:id="rId22"/>
+    <p:sldId id="433" r:id="rId23"/>
+    <p:sldId id="432" r:id="rId24"/>
+    <p:sldId id="434" r:id="rId25"/>
+    <p:sldId id="429" r:id="rId26"/>
+    <p:sldId id="430" r:id="rId27"/>
+    <p:sldId id="426" r:id="rId28"/>
+    <p:sldId id="427" r:id="rId29"/>
   </p:sldIdLst>
   <p:sldSz cx="12192000" cy="6858000"/>
   <p:notesSz cx="6858000" cy="9144000"/>
@@ -13697,6 +13704,133 @@
           <p:cNvPr id="2" name="Title 1">
             <a:extLst>
               <a:ext uri="{FF2B5EF4-FFF2-40B4-BE49-F238E27FC236}">
+                <a16:creationId xmlns:a16="http://schemas.microsoft.com/office/drawing/2014/main" id="{847AD627-04DE-41CA-BE15-6EA7644A1EF7}"/>
+              </a:ext>
+            </a:extLst>
+          </p:cNvPr>
+          <p:cNvSpPr>
+            <a:spLocks noGrp="1"/>
+          </p:cNvSpPr>
+          <p:nvPr>
+            <p:ph type="title"/>
+          </p:nvPr>
+        </p:nvSpPr>
+        <p:spPr/>
+        <p:txBody>
+          <a:bodyPr/>
+          <a:lstStyle/>
+          <a:p>
+            <a:r>
+              <a:rPr lang="en-US" dirty="0"/>
+              <a:t>Input Capture</a:t>
+            </a:r>
+          </a:p>
+        </p:txBody>
+      </p:sp>
+      <p:sp>
+        <p:nvSpPr>
+          <p:cNvPr id="3" name="Content Placeholder 2">
+            <a:extLst>
+              <a:ext uri="{FF2B5EF4-FFF2-40B4-BE49-F238E27FC236}">
+                <a16:creationId xmlns:a16="http://schemas.microsoft.com/office/drawing/2014/main" id="{35F581DB-80FA-41F7-99BB-98A12141CC98}"/>
+              </a:ext>
+            </a:extLst>
+          </p:cNvPr>
+          <p:cNvSpPr>
+            <a:spLocks noGrp="1"/>
+          </p:cNvSpPr>
+          <p:nvPr>
+            <p:ph idx="1"/>
+          </p:nvPr>
+        </p:nvSpPr>
+        <p:spPr>
+          <a:xfrm>
+            <a:off x="609600" y="1338263"/>
+            <a:ext cx="10972800" cy="1795724"/>
+          </a:xfrm>
+        </p:spPr>
+        <p:txBody>
+          <a:bodyPr/>
+          <a:lstStyle/>
+          <a:p>
+            <a:r>
+              <a:rPr lang="en-US" sz="2600" dirty="0"/>
+              <a:t>Measures input pulse lengths</a:t>
+            </a:r>
+          </a:p>
+          <a:p>
+            <a:r>
+              <a:rPr lang="en-US" sz="2600" dirty="0"/>
+              <a:t>Applications: decoding remote control signals, distance measurement</a:t>
+            </a:r>
+          </a:p>
+        </p:txBody>
+      </p:sp>
+      <p:pic>
+        <p:nvPicPr>
+          <p:cNvPr id="5" name="Picture 4">
+            <a:extLst>
+              <a:ext uri="{FF2B5EF4-FFF2-40B4-BE49-F238E27FC236}">
+                <a16:creationId xmlns:a16="http://schemas.microsoft.com/office/drawing/2014/main" id="{762CA6E7-87D7-468E-9A66-640B026E6624}"/>
+              </a:ext>
+            </a:extLst>
+          </p:cNvPr>
+          <p:cNvPicPr>
+            <a:picLocks noChangeAspect="1"/>
+          </p:cNvPicPr>
+          <p:nvPr/>
+        </p:nvPicPr>
+        <p:blipFill>
+          <a:blip r:embed="rId2"/>
+          <a:stretch>
+            <a:fillRect/>
+          </a:stretch>
+        </p:blipFill>
+        <p:spPr>
+          <a:xfrm>
+            <a:off x="927990" y="2383761"/>
+            <a:ext cx="10336019" cy="4215475"/>
+          </a:xfrm>
+          <a:prstGeom prst="rect">
+            <a:avLst/>
+          </a:prstGeom>
+        </p:spPr>
+      </p:pic>
+    </p:spTree>
+    <p:extLst>
+      <p:ext uri="{BB962C8B-B14F-4D97-AF65-F5344CB8AC3E}">
+        <p14:creationId xmlns:p14="http://schemas.microsoft.com/office/powerpoint/2010/main" val="4035833233"/>
+      </p:ext>
+    </p:extLst>
+  </p:cSld>
+  <p:clrMapOvr>
+    <a:masterClrMapping/>
+  </p:clrMapOvr>
+</p:sld>
+</file>
+
+<file path=ppt/slides/slide11.xml><?xml version="1.0" encoding="utf-8"?>
+<p:sld xmlns:a="http://schemas.openxmlformats.org/drawingml/2006/main" xmlns:r="http://schemas.openxmlformats.org/officeDocument/2006/relationships" xmlns:p="http://schemas.openxmlformats.org/presentationml/2006/main">
+  <p:cSld>
+    <p:spTree>
+      <p:nvGrpSpPr>
+        <p:cNvPr id="1" name=""/>
+        <p:cNvGrpSpPr/>
+        <p:nvPr/>
+      </p:nvGrpSpPr>
+      <p:grpSpPr>
+        <a:xfrm>
+          <a:off x="0" y="0"/>
+          <a:ext cx="0" cy="0"/>
+          <a:chOff x="0" y="0"/>
+          <a:chExt cx="0" cy="0"/>
+        </a:xfrm>
+      </p:grpSpPr>
+      <p:sp>
+        <p:nvSpPr>
+          <p:cNvPr id="2" name="Title 1">
+            <a:extLst>
+              <a:ext uri="{FF2B5EF4-FFF2-40B4-BE49-F238E27FC236}">
                 <a16:creationId xmlns:a16="http://schemas.microsoft.com/office/drawing/2014/main" id="{2E81A41F-3BBE-4C9E-AFA9-4DC6CB905D5D}"/>
               </a:ext>
             </a:extLst>
@@ -13738,8 +13872,8 @@
         </p:nvSpPr>
         <p:spPr>
           <a:xfrm>
-            <a:off x="609600" y="1719263"/>
-            <a:ext cx="10972800" cy="4958374"/>
+            <a:off x="609600" y="1371600"/>
+            <a:ext cx="10972800" cy="5306037"/>
           </a:xfrm>
         </p:spPr>
         <p:txBody>
@@ -13748,7 +13882,27 @@
           <a:p>
             <a:r>
               <a:rPr lang="en-US" dirty="0"/>
-              <a:t>Generates an event when counter matches a certain value</a:t>
+              <a:t>Generates an event when counter </a:t>
+            </a:r>
+            <a:r>
+              <a:rPr lang="en-US" dirty="0">
+                <a:solidFill>
+                  <a:srgbClr val="FF0000"/>
+                </a:solidFill>
+              </a:rPr>
+              <a:t>matches</a:t>
+            </a:r>
+            <a:r>
+              <a:rPr lang="en-US" dirty="0"/>
+              <a:t> a </a:t>
+            </a:r>
+            <a:r>
+              <a:rPr lang="en-US" dirty="0">
+                <a:solidFill>
+                  <a:srgbClr val="FF0000"/>
+                </a:solidFill>
+              </a:rPr>
+              <a:t>certain value</a:t>
             </a:r>
           </a:p>
           <a:p>
@@ -13776,6 +13930,12 @@
             <a:endParaRPr lang="en-US" dirty="0"/>
           </a:p>
           <a:p>
+            <a:pPr marL="0" indent="0">
+              <a:buNone/>
+            </a:pPr>
+            <a:endParaRPr lang="en-US" dirty="0"/>
+          </a:p>
+          <a:p>
             <a:r>
               <a:rPr lang="en-US" dirty="0"/>
               <a:t>Possible MCU’s behavior when receiving a compare event:</a:t>
@@ -13785,7 +13945,7 @@
             <a:pPr lvl="1"/>
             <a:r>
               <a:rPr lang="en-US" dirty="0"/>
-              <a:t>Sets a flag</a:t>
+              <a:t>Sets a flag (Cleared by CPU)</a:t>
             </a:r>
           </a:p>
           <a:p>
@@ -13798,8 +13958,12 @@
           <a:p>
             <a:pPr lvl="1"/>
             <a:r>
-              <a:rPr lang="en-US" dirty="0"/>
-              <a:t>Sets, resets, or toggles output pin</a:t>
+              <a:rPr lang="en-US" i="1" dirty="0">
+                <a:solidFill>
+                  <a:srgbClr val="FF0000"/>
+                </a:solidFill>
+              </a:rPr>
+              <a:t>Sets, resets, or toggles output pin (real-time)</a:t>
             </a:r>
           </a:p>
         </p:txBody>
@@ -13826,8 +13990,8 @@
         </p:blipFill>
         <p:spPr>
           <a:xfrm>
-            <a:off x="2523626" y="2395393"/>
-            <a:ext cx="7144747" cy="2067213"/>
+            <a:off x="1363413" y="1892647"/>
+            <a:ext cx="9465174" cy="2738589"/>
           </a:xfrm>
           <a:prstGeom prst="rect">
             <a:avLst/>
@@ -13847,7 +14011,7 @@
 </p:sld>
 </file>
 
-<file path=ppt/slides/slide11.xml><?xml version="1.0" encoding="utf-8"?>
+<file path=ppt/slides/slide12.xml><?xml version="1.0" encoding="utf-8"?>
 <p:sld xmlns:a="http://schemas.openxmlformats.org/drawingml/2006/main" xmlns:r="http://schemas.openxmlformats.org/officeDocument/2006/relationships" xmlns:p="http://schemas.openxmlformats.org/presentationml/2006/main">
   <p:cSld>
     <p:spTree>
@@ -13920,7 +14084,19 @@
           <a:p>
             <a:r>
               <a:rPr lang="en-US" sz="2600" dirty="0"/>
-              <a:t>PWM utilizes duty cycle control to simulate analog output</a:t>
+              <a:t>PWM utilizes duty cycle control to </a:t>
+            </a:r>
+            <a:r>
+              <a:rPr lang="en-US" sz="2600" dirty="0">
+                <a:solidFill>
+                  <a:srgbClr val="FF0000"/>
+                </a:solidFill>
+              </a:rPr>
+              <a:t>simulate analog </a:t>
+            </a:r>
+            <a:r>
+              <a:rPr lang="en-US" sz="2600" dirty="0"/>
+              <a:t>output</a:t>
             </a:r>
           </a:p>
           <a:p>
@@ -13953,8 +14129,8 @@
         </p:blipFill>
         <p:spPr>
           <a:xfrm>
-            <a:off x="2452179" y="3361888"/>
-            <a:ext cx="7287642" cy="3115110"/>
+            <a:off x="2116072" y="3196788"/>
+            <a:ext cx="7959855" cy="3402448"/>
           </a:xfrm>
           <a:prstGeom prst="rect">
             <a:avLst/>
@@ -13974,7 +14150,7 @@
 </p:sld>
 </file>
 
-<file path=ppt/slides/slide12.xml><?xml version="1.0" encoding="utf-8"?>
+<file path=ppt/slides/slide13.xml><?xml version="1.0" encoding="utf-8"?>
 <p:sld xmlns:a="http://schemas.openxmlformats.org/drawingml/2006/main" xmlns:r="http://schemas.openxmlformats.org/officeDocument/2006/relationships" xmlns:p="http://schemas.openxmlformats.org/presentationml/2006/main">
   <p:cSld>
     <p:spTree>
@@ -14035,7 +14211,12 @@
             <p:ph idx="1"/>
           </p:nvPr>
         </p:nvSpPr>
-        <p:spPr/>
+        <p:spPr>
+          <a:xfrm>
+            <a:off x="609600" y="1719262"/>
+            <a:ext cx="10972800" cy="4879973"/>
+          </a:xfrm>
+        </p:spPr>
         <p:txBody>
           <a:bodyPr/>
           <a:lstStyle/>
@@ -14049,7 +14230,7 @@
             <a:pPr lvl="1"/>
             <a:r>
               <a:rPr lang="en-US" dirty="0"/>
-              <a:t>Auto-reload event sets output pin high</a:t>
+              <a:t> Auto-reload event sets output pin high</a:t>
             </a:r>
           </a:p>
           <a:p>
@@ -14146,7 +14327,7 @@
 </p:sld>
 </file>
 
-<file path=ppt/slides/slide13.xml><?xml version="1.0" encoding="utf-8"?>
+<file path=ppt/slides/slide14.xml><?xml version="1.0" encoding="utf-8"?>
 <p:sld xmlns:a="http://schemas.openxmlformats.org/drawingml/2006/main" xmlns:r="http://schemas.openxmlformats.org/officeDocument/2006/relationships" xmlns:p="http://schemas.openxmlformats.org/presentationml/2006/main">
   <p:cSld>
     <p:spTree>
@@ -14234,12 +14415,6 @@
               <a:t>Advanced timers: TIM1</a:t>
             </a:r>
           </a:p>
-          <a:p>
-            <a:r>
-              <a:rPr lang="en-US" dirty="0"/>
-              <a:t>Low-power timers: LPTIM</a:t>
-            </a:r>
-          </a:p>
         </p:txBody>
       </p:sp>
     </p:spTree>
@@ -14255,7 +14430,7 @@
 </p:sld>
 </file>
 
-<file path=ppt/slides/slide14.xml><?xml version="1.0" encoding="utf-8"?>
+<file path=ppt/slides/slide15.xml><?xml version="1.0" encoding="utf-8"?>
 <p:sld xmlns:a="http://schemas.openxmlformats.org/drawingml/2006/main" xmlns:r="http://schemas.openxmlformats.org/officeDocument/2006/relationships" xmlns:p="http://schemas.openxmlformats.org/presentationml/2006/main">
   <p:cSld>
     <p:spTree>
@@ -14342,7 +14517,7 @@
 </p:sld>
 </file>
 
-<file path=ppt/slides/slide15.xml><?xml version="1.0" encoding="utf-8"?>
+<file path=ppt/slides/slide16.xml><?xml version="1.0" encoding="utf-8"?>
 <p:sld xmlns:a="http://schemas.openxmlformats.org/drawingml/2006/main" xmlns:r="http://schemas.openxmlformats.org/officeDocument/2006/relationships" xmlns:p="http://schemas.openxmlformats.org/presentationml/2006/main">
   <p:cSld>
     <p:spTree>
@@ -14485,9 +14660,21 @@
             </a:r>
             <a:r>
               <a:rPr lang="pt-BR" dirty="0"/>
-              <a:t> prescaler = n+1</a:t>
-            </a:r>
-            <a:endParaRPr lang="en-US" dirty="0"/>
+              <a:t> </a:t>
+            </a:r>
+            <a:r>
+              <a:rPr lang="pt-BR" dirty="0">
+                <a:solidFill>
+                  <a:srgbClr val="FF0000"/>
+                </a:solidFill>
+              </a:rPr>
+              <a:t>prescaler = n+1</a:t>
+            </a:r>
+            <a:endParaRPr lang="en-US" dirty="0">
+              <a:solidFill>
+                <a:srgbClr val="FF0000"/>
+              </a:solidFill>
+            </a:endParaRPr>
           </a:p>
           <a:p>
             <a:r>
@@ -14496,7 +14683,7 @@
             </a:r>
             <a:r>
               <a:rPr lang="en-US" dirty="0"/>
-              <a:t>-&gt;ARR (32 bits)</a:t>
+              <a:t>-&gt;ARR (16/32 bits) – Counter Period</a:t>
             </a:r>
           </a:p>
           <a:p>
@@ -14522,7 +14709,19 @@
             <a:pPr lvl="1"/>
             <a:r>
               <a:rPr lang="en-US" dirty="0"/>
-              <a:t>Therefore, reload occurs every ARR+1 clock ticks</a:t>
+              <a:t>Therefore, reload occurs every </a:t>
+            </a:r>
+            <a:r>
+              <a:rPr lang="en-US" dirty="0">
+                <a:solidFill>
+                  <a:srgbClr val="FF0000"/>
+                </a:solidFill>
+              </a:rPr>
+              <a:t>ARR+1 </a:t>
+            </a:r>
+            <a:r>
+              <a:rPr lang="en-US" dirty="0"/>
+              <a:t>clock ticks</a:t>
             </a:r>
           </a:p>
           <a:p>
@@ -14573,7 +14772,7 @@
 </p:sld>
 </file>
 
-<file path=ppt/slides/slide16.xml><?xml version="1.0" encoding="utf-8"?>
+<file path=ppt/slides/slide17.xml><?xml version="1.0" encoding="utf-8"?>
 <p:sld xmlns:a="http://schemas.openxmlformats.org/drawingml/2006/main" xmlns:r="http://schemas.openxmlformats.org/officeDocument/2006/relationships" xmlns:p="http://schemas.openxmlformats.org/presentationml/2006/main">
   <p:cSld>
     <p:spTree>
@@ -14634,7 +14833,12 @@
             <p:ph idx="1"/>
           </p:nvPr>
         </p:nvSpPr>
-        <p:spPr/>
+        <p:spPr>
+          <a:xfrm>
+            <a:off x="609600" y="1719262"/>
+            <a:ext cx="10972800" cy="4668837"/>
+          </a:xfrm>
+        </p:spPr>
         <p:txBody>
           <a:bodyPr/>
           <a:lstStyle/>
@@ -14757,7 +14961,7 @@
         </p:blipFill>
         <p:spPr>
           <a:xfrm>
-            <a:off x="2395936" y="5150385"/>
+            <a:off x="2392060" y="5326662"/>
             <a:ext cx="6192114" cy="885949"/>
           </a:xfrm>
           <a:prstGeom prst="rect">
@@ -14765,6 +14969,48 @@
           </a:prstGeom>
         </p:spPr>
       </p:pic>
+      <p:sp>
+        <p:nvSpPr>
+          <p:cNvPr id="4" name="TextBox 3">
+            <a:extLst>
+              <a:ext uri="{FF2B5EF4-FFF2-40B4-BE49-F238E27FC236}">
+                <a16:creationId xmlns:a16="http://schemas.microsoft.com/office/drawing/2014/main" id="{7870B1F1-3AA2-4B57-9896-AF050DF13FEF}"/>
+              </a:ext>
+            </a:extLst>
+          </p:cNvPr>
+          <p:cNvSpPr txBox="1"/>
+          <p:nvPr/>
+        </p:nvSpPr>
+        <p:spPr>
+          <a:xfrm>
+            <a:off x="7353300" y="6047511"/>
+            <a:ext cx="3149600" cy="646331"/>
+          </a:xfrm>
+          <a:prstGeom prst="rect">
+            <a:avLst/>
+          </a:prstGeom>
+          <a:noFill/>
+        </p:spPr>
+        <p:txBody>
+          <a:bodyPr wrap="square" rtlCol="0">
+            <a:spAutoFit/>
+          </a:bodyPr>
+          <a:lstStyle/>
+          <a:p>
+            <a:r>
+              <a:rPr lang="en-US" dirty="0" err="1"/>
+              <a:t>Period_clock</a:t>
+            </a:r>
+            <a:r>
+              <a:rPr lang="en-US" dirty="0"/>
+              <a:t> = APB clock</a:t>
+            </a:r>
+          </a:p>
+          <a:p>
+            <a:endParaRPr lang="en-US" dirty="0"/>
+          </a:p>
+        </p:txBody>
+      </p:sp>
     </p:spTree>
     <p:extLst>
       <p:ext uri="{BB962C8B-B14F-4D97-AF65-F5344CB8AC3E}">
@@ -14778,7 +15024,7 @@
 </p:sld>
 </file>
 
-<file path=ppt/slides/slide17.xml><?xml version="1.0" encoding="utf-8"?>
+<file path=ppt/slides/slide18.xml><?xml version="1.0" encoding="utf-8"?>
 <p:sld xmlns:a="http://schemas.openxmlformats.org/drawingml/2006/main" xmlns:r="http://schemas.openxmlformats.org/officeDocument/2006/relationships" xmlns:p="http://schemas.openxmlformats.org/presentationml/2006/main">
   <p:cSld>
     <p:spTree>
@@ -14896,7 +15142,7 @@
 </p:sld>
 </file>
 
-<file path=ppt/slides/slide18.xml><?xml version="1.0" encoding="utf-8"?>
+<file path=ppt/slides/slide19.xml><?xml version="1.0" encoding="utf-8"?>
 <p:sld xmlns:a="http://schemas.openxmlformats.org/drawingml/2006/main" xmlns:r="http://schemas.openxmlformats.org/officeDocument/2006/relationships" xmlns:p="http://schemas.openxmlformats.org/presentationml/2006/main">
   <p:cSld>
     <p:spTree>
@@ -14974,175 +15220,6 @@
     <p:extLst>
       <p:ext uri="{BB962C8B-B14F-4D97-AF65-F5344CB8AC3E}">
         <p14:creationId xmlns:p14="http://schemas.microsoft.com/office/powerpoint/2010/main" val="3756924218"/>
-      </p:ext>
-    </p:extLst>
-  </p:cSld>
-  <p:clrMapOvr>
-    <a:masterClrMapping/>
-  </p:clrMapOvr>
-</p:sld>
-</file>
-
-<file path=ppt/slides/slide19.xml><?xml version="1.0" encoding="utf-8"?>
-<p:sld xmlns:a="http://schemas.openxmlformats.org/drawingml/2006/main" xmlns:r="http://schemas.openxmlformats.org/officeDocument/2006/relationships" xmlns:p="http://schemas.openxmlformats.org/presentationml/2006/main">
-  <p:cSld>
-    <p:spTree>
-      <p:nvGrpSpPr>
-        <p:cNvPr id="1" name=""/>
-        <p:cNvGrpSpPr/>
-        <p:nvPr/>
-      </p:nvGrpSpPr>
-      <p:grpSpPr>
-        <a:xfrm>
-          <a:off x="0" y="0"/>
-          <a:ext cx="0" cy="0"/>
-          <a:chOff x="0" y="0"/>
-          <a:chExt cx="0" cy="0"/>
-        </a:xfrm>
-      </p:grpSpPr>
-      <p:sp>
-        <p:nvSpPr>
-          <p:cNvPr id="2" name="Title 1">
-            <a:extLst>
-              <a:ext uri="{FF2B5EF4-FFF2-40B4-BE49-F238E27FC236}">
-                <a16:creationId xmlns:a16="http://schemas.microsoft.com/office/drawing/2014/main" id="{4A3B0751-9DF4-4E15-BF8B-996586E54D5A}"/>
-              </a:ext>
-            </a:extLst>
-          </p:cNvPr>
-          <p:cNvSpPr>
-            <a:spLocks noGrp="1"/>
-          </p:cNvSpPr>
-          <p:nvPr>
-            <p:ph type="title"/>
-          </p:nvPr>
-        </p:nvSpPr>
-        <p:spPr/>
-        <p:txBody>
-          <a:bodyPr/>
-          <a:lstStyle/>
-          <a:p>
-            <a:r>
-              <a:rPr lang="en-US" dirty="0"/>
-              <a:t>Calculating PWM Duty Cycle</a:t>
-            </a:r>
-          </a:p>
-        </p:txBody>
-      </p:sp>
-      <p:sp>
-        <p:nvSpPr>
-          <p:cNvPr id="3" name="Content Placeholder 2">
-            <a:extLst>
-              <a:ext uri="{FF2B5EF4-FFF2-40B4-BE49-F238E27FC236}">
-                <a16:creationId xmlns:a16="http://schemas.microsoft.com/office/drawing/2014/main" id="{D222AB20-EB1D-4632-BCB8-978971DC787D}"/>
-              </a:ext>
-            </a:extLst>
-          </p:cNvPr>
-          <p:cNvSpPr>
-            <a:spLocks noGrp="1"/>
-          </p:cNvSpPr>
-          <p:nvPr>
-            <p:ph idx="1"/>
-          </p:nvPr>
-        </p:nvSpPr>
-        <p:spPr/>
-        <p:txBody>
-          <a:bodyPr/>
-          <a:lstStyle/>
-          <a:p>
-            <a:r>
-              <a:rPr lang="en-US" sz="2600" dirty="0"/>
-              <a:t>Assume up-counting configuration and PWM mode 1</a:t>
-            </a:r>
-          </a:p>
-          <a:p>
-            <a:pPr marL="0" indent="0">
-              <a:buNone/>
-            </a:pPr>
-            <a:r>
-              <a:rPr lang="en-US" sz="2600" dirty="0"/>
-              <a:t>   (output is clear when compare match)</a:t>
-            </a:r>
-          </a:p>
-          <a:p>
-            <a:r>
-              <a:rPr lang="en-US" sz="2600" dirty="0"/>
-              <a:t>Let</a:t>
-            </a:r>
-          </a:p>
-          <a:p>
-            <a:pPr lvl="1"/>
-            <a:r>
-              <a:rPr lang="en-US" dirty="0"/>
-              <a:t> ARR = Auto-Reload Register (</a:t>
-            </a:r>
-            <a:r>
-              <a:rPr lang="en-US" dirty="0" err="1"/>
-              <a:t>TIMx</a:t>
-            </a:r>
-            <a:r>
-              <a:rPr lang="en-US" dirty="0"/>
-              <a:t>-&gt;ARR)</a:t>
-            </a:r>
-          </a:p>
-          <a:p>
-            <a:pPr lvl="1"/>
-            <a:r>
-              <a:rPr lang="en-US" dirty="0"/>
-              <a:t> CCR = Capture/Compare Register (</a:t>
-            </a:r>
-            <a:r>
-              <a:rPr lang="en-US" dirty="0" err="1"/>
-              <a:t>TIMx</a:t>
-            </a:r>
-            <a:r>
-              <a:rPr lang="en-US" dirty="0"/>
-              <a:t>-&gt;</a:t>
-            </a:r>
-            <a:r>
-              <a:rPr lang="en-US" dirty="0" err="1"/>
-              <a:t>CCRy</a:t>
-            </a:r>
-            <a:r>
-              <a:rPr lang="en-US" dirty="0"/>
-              <a:t>)</a:t>
-            </a:r>
-          </a:p>
-        </p:txBody>
-      </p:sp>
-      <p:pic>
-        <p:nvPicPr>
-          <p:cNvPr id="5" name="Picture 4">
-            <a:extLst>
-              <a:ext uri="{FF2B5EF4-FFF2-40B4-BE49-F238E27FC236}">
-                <a16:creationId xmlns:a16="http://schemas.microsoft.com/office/drawing/2014/main" id="{C0979252-B2C5-4ABC-9F29-55071F0AFFF5}"/>
-              </a:ext>
-            </a:extLst>
-          </p:cNvPr>
-          <p:cNvPicPr>
-            <a:picLocks noChangeAspect="1"/>
-          </p:cNvPicPr>
-          <p:nvPr/>
-        </p:nvPicPr>
-        <p:blipFill>
-          <a:blip r:embed="rId2"/>
-          <a:stretch>
-            <a:fillRect/>
-          </a:stretch>
-        </p:blipFill>
-        <p:spPr>
-          <a:xfrm>
-            <a:off x="2950746" y="4566216"/>
-            <a:ext cx="6173061" cy="1467055"/>
-          </a:xfrm>
-          <a:prstGeom prst="rect">
-            <a:avLst/>
-          </a:prstGeom>
-        </p:spPr>
-      </p:pic>
-    </p:spTree>
-    <p:extLst>
-      <p:ext uri="{BB962C8B-B14F-4D97-AF65-F5344CB8AC3E}">
-        <p14:creationId xmlns:p14="http://schemas.microsoft.com/office/powerpoint/2010/main" val="2070342249"/>
       </p:ext>
     </p:extLst>
   </p:cSld>
@@ -15215,8 +15292,8 @@
         </p:nvSpPr>
         <p:spPr>
           <a:xfrm>
-            <a:off x="857076" y="1811324"/>
-            <a:ext cx="9234880" cy="4411663"/>
+            <a:off x="857075" y="1811324"/>
+            <a:ext cx="9718159" cy="4411663"/>
           </a:xfrm>
         </p:spPr>
         <p:txBody>
@@ -15264,6 +15341,1039 @@
 </file>
 
 <file path=ppt/slides/slide20.xml><?xml version="1.0" encoding="utf-8"?>
+<p:sld xmlns:a="http://schemas.openxmlformats.org/drawingml/2006/main" xmlns:r="http://schemas.openxmlformats.org/officeDocument/2006/relationships" xmlns:p="http://schemas.openxmlformats.org/presentationml/2006/main">
+  <p:cSld>
+    <p:spTree>
+      <p:nvGrpSpPr>
+        <p:cNvPr id="1" name=""/>
+        <p:cNvGrpSpPr/>
+        <p:nvPr/>
+      </p:nvGrpSpPr>
+      <p:grpSpPr>
+        <a:xfrm>
+          <a:off x="0" y="0"/>
+          <a:ext cx="0" cy="0"/>
+          <a:chOff x="0" y="0"/>
+          <a:chExt cx="0" cy="0"/>
+        </a:xfrm>
+      </p:grpSpPr>
+      <p:sp>
+        <p:nvSpPr>
+          <p:cNvPr id="2" name="Title 1">
+            <a:extLst>
+              <a:ext uri="{FF2B5EF4-FFF2-40B4-BE49-F238E27FC236}">
+                <a16:creationId xmlns:a16="http://schemas.microsoft.com/office/drawing/2014/main" id="{2CDE43F4-FE08-4544-91A5-C75D9326E192}"/>
+              </a:ext>
+            </a:extLst>
+          </p:cNvPr>
+          <p:cNvSpPr>
+            <a:spLocks noGrp="1"/>
+          </p:cNvSpPr>
+          <p:nvPr>
+            <p:ph type="title"/>
+          </p:nvPr>
+        </p:nvSpPr>
+        <p:spPr/>
+        <p:txBody>
+          <a:bodyPr/>
+          <a:lstStyle/>
+          <a:p>
+            <a:endParaRPr lang="en-US"/>
+          </a:p>
+        </p:txBody>
+      </p:sp>
+      <p:pic>
+        <p:nvPicPr>
+          <p:cNvPr id="5" name="Content Placeholder 4">
+            <a:extLst>
+              <a:ext uri="{FF2B5EF4-FFF2-40B4-BE49-F238E27FC236}">
+                <a16:creationId xmlns:a16="http://schemas.microsoft.com/office/drawing/2014/main" id="{B7669C3C-2CBC-4698-9EBB-E2A115D401B7}"/>
+              </a:ext>
+            </a:extLst>
+          </p:cNvPr>
+          <p:cNvPicPr>
+            <a:picLocks noGrp="1" noChangeAspect="1"/>
+          </p:cNvPicPr>
+          <p:nvPr>
+            <p:ph idx="1"/>
+          </p:nvPr>
+        </p:nvPicPr>
+        <p:blipFill>
+          <a:blip r:embed="rId2"/>
+          <a:stretch>
+            <a:fillRect/>
+          </a:stretch>
+        </p:blipFill>
+        <p:spPr>
+          <a:xfrm>
+            <a:off x="81844" y="1443830"/>
+            <a:ext cx="6318955" cy="3636170"/>
+          </a:xfrm>
+        </p:spPr>
+      </p:pic>
+      <p:pic>
+        <p:nvPicPr>
+          <p:cNvPr id="7" name="Picture 6">
+            <a:extLst>
+              <a:ext uri="{FF2B5EF4-FFF2-40B4-BE49-F238E27FC236}">
+                <a16:creationId xmlns:a16="http://schemas.microsoft.com/office/drawing/2014/main" id="{E95528DA-93FB-4239-9C05-39A0DE23A4F0}"/>
+              </a:ext>
+            </a:extLst>
+          </p:cNvPr>
+          <p:cNvPicPr>
+            <a:picLocks noChangeAspect="1"/>
+          </p:cNvPicPr>
+          <p:nvPr/>
+        </p:nvPicPr>
+        <p:blipFill>
+          <a:blip r:embed="rId3"/>
+          <a:stretch>
+            <a:fillRect/>
+          </a:stretch>
+        </p:blipFill>
+        <p:spPr>
+          <a:xfrm>
+            <a:off x="6339698" y="1926658"/>
+            <a:ext cx="5770458" cy="3004681"/>
+          </a:xfrm>
+          <a:prstGeom prst="rect">
+            <a:avLst/>
+          </a:prstGeom>
+        </p:spPr>
+      </p:pic>
+      <p:cxnSp>
+        <p:nvCxnSpPr>
+          <p:cNvPr id="9" name="Straight Arrow Connector 8">
+            <a:extLst>
+              <a:ext uri="{FF2B5EF4-FFF2-40B4-BE49-F238E27FC236}">
+                <a16:creationId xmlns:a16="http://schemas.microsoft.com/office/drawing/2014/main" id="{8AFEF7A7-B318-4A79-9541-C5AC504D2475}"/>
+              </a:ext>
+            </a:extLst>
+          </p:cNvPr>
+          <p:cNvCxnSpPr/>
+          <p:nvPr/>
+        </p:nvCxnSpPr>
+        <p:spPr>
+          <a:xfrm flipV="1">
+            <a:off x="3556000" y="3428999"/>
+            <a:ext cx="3759200" cy="1270001"/>
+          </a:xfrm>
+          <a:prstGeom prst="straightConnector1">
+            <a:avLst/>
+          </a:prstGeom>
+          <a:ln w="28575">
+            <a:solidFill>
+              <a:srgbClr val="FF0000"/>
+            </a:solidFill>
+            <a:tailEnd type="triangle"/>
+          </a:ln>
+        </p:spPr>
+        <p:style>
+          <a:lnRef idx="1">
+            <a:schemeClr val="accent1"/>
+          </a:lnRef>
+          <a:fillRef idx="0">
+            <a:schemeClr val="accent1"/>
+          </a:fillRef>
+          <a:effectRef idx="0">
+            <a:schemeClr val="accent1"/>
+          </a:effectRef>
+          <a:fontRef idx="minor">
+            <a:schemeClr val="tx1"/>
+          </a:fontRef>
+        </p:style>
+      </p:cxnSp>
+      <p:sp>
+        <p:nvSpPr>
+          <p:cNvPr id="10" name="TextBox 9">
+            <a:extLst>
+              <a:ext uri="{FF2B5EF4-FFF2-40B4-BE49-F238E27FC236}">
+                <a16:creationId xmlns:a16="http://schemas.microsoft.com/office/drawing/2014/main" id="{00B2A673-1DE2-4F05-B9F6-938E4E77941D}"/>
+              </a:ext>
+            </a:extLst>
+          </p:cNvPr>
+          <p:cNvSpPr txBox="1"/>
+          <p:nvPr/>
+        </p:nvSpPr>
+        <p:spPr>
+          <a:xfrm>
+            <a:off x="4076700" y="5587086"/>
+            <a:ext cx="3467100" cy="369332"/>
+          </a:xfrm>
+          <a:prstGeom prst="rect">
+            <a:avLst/>
+          </a:prstGeom>
+          <a:noFill/>
+        </p:spPr>
+        <p:txBody>
+          <a:bodyPr wrap="square" rtlCol="0">
+            <a:spAutoFit/>
+          </a:bodyPr>
+          <a:lstStyle/>
+          <a:p>
+            <a:r>
+              <a:rPr lang="en-US" dirty="0"/>
+              <a:t>Check &amp; Clear Update Flag</a:t>
+            </a:r>
+          </a:p>
+        </p:txBody>
+      </p:sp>
+    </p:spTree>
+    <p:extLst>
+      <p:ext uri="{BB962C8B-B14F-4D97-AF65-F5344CB8AC3E}">
+        <p14:creationId xmlns:p14="http://schemas.microsoft.com/office/powerpoint/2010/main" val="2937746497"/>
+      </p:ext>
+    </p:extLst>
+  </p:cSld>
+  <p:clrMapOvr>
+    <a:masterClrMapping/>
+  </p:clrMapOvr>
+</p:sld>
+</file>
+
+<file path=ppt/slides/slide21.xml><?xml version="1.0" encoding="utf-8"?>
+<p:sld xmlns:a="http://schemas.openxmlformats.org/drawingml/2006/main" xmlns:r="http://schemas.openxmlformats.org/officeDocument/2006/relationships" xmlns:p="http://schemas.openxmlformats.org/presentationml/2006/main">
+  <p:cSld>
+    <p:spTree>
+      <p:nvGrpSpPr>
+        <p:cNvPr id="1" name=""/>
+        <p:cNvGrpSpPr/>
+        <p:nvPr/>
+      </p:nvGrpSpPr>
+      <p:grpSpPr>
+        <a:xfrm>
+          <a:off x="0" y="0"/>
+          <a:ext cx="0" cy="0"/>
+          <a:chOff x="0" y="0"/>
+          <a:chExt cx="0" cy="0"/>
+        </a:xfrm>
+      </p:grpSpPr>
+      <p:sp>
+        <p:nvSpPr>
+          <p:cNvPr id="2" name="Title 1">
+            <a:extLst>
+              <a:ext uri="{FF2B5EF4-FFF2-40B4-BE49-F238E27FC236}">
+                <a16:creationId xmlns:a16="http://schemas.microsoft.com/office/drawing/2014/main" id="{322808DB-2742-4187-A078-943171093F1B}"/>
+              </a:ext>
+            </a:extLst>
+          </p:cNvPr>
+          <p:cNvSpPr>
+            <a:spLocks noGrp="1"/>
+          </p:cNvSpPr>
+          <p:nvPr>
+            <p:ph type="title"/>
+          </p:nvPr>
+        </p:nvSpPr>
+        <p:spPr/>
+        <p:txBody>
+          <a:bodyPr/>
+          <a:lstStyle/>
+          <a:p>
+            <a:endParaRPr lang="en-US"/>
+          </a:p>
+        </p:txBody>
+      </p:sp>
+      <p:pic>
+        <p:nvPicPr>
+          <p:cNvPr id="5" name="Content Placeholder 4">
+            <a:extLst>
+              <a:ext uri="{FF2B5EF4-FFF2-40B4-BE49-F238E27FC236}">
+                <a16:creationId xmlns:a16="http://schemas.microsoft.com/office/drawing/2014/main" id="{03F1E91A-D63A-4640-BEF5-91E9C0B5B962}"/>
+              </a:ext>
+            </a:extLst>
+          </p:cNvPr>
+          <p:cNvPicPr>
+            <a:picLocks noGrp="1" noChangeAspect="1"/>
+          </p:cNvPicPr>
+          <p:nvPr>
+            <p:ph idx="1"/>
+          </p:nvPr>
+        </p:nvPicPr>
+        <p:blipFill>
+          <a:blip r:embed="rId2"/>
+          <a:stretch>
+            <a:fillRect/>
+          </a:stretch>
+        </p:blipFill>
+        <p:spPr>
+          <a:xfrm>
+            <a:off x="2305050" y="2072481"/>
+            <a:ext cx="7581900" cy="3629025"/>
+          </a:xfrm>
+        </p:spPr>
+      </p:pic>
+    </p:spTree>
+    <p:extLst>
+      <p:ext uri="{BB962C8B-B14F-4D97-AF65-F5344CB8AC3E}">
+        <p14:creationId xmlns:p14="http://schemas.microsoft.com/office/powerpoint/2010/main" val="97630938"/>
+      </p:ext>
+    </p:extLst>
+  </p:cSld>
+  <p:clrMapOvr>
+    <a:masterClrMapping/>
+  </p:clrMapOvr>
+</p:sld>
+</file>
+
+<file path=ppt/slides/slide22.xml><?xml version="1.0" encoding="utf-8"?>
+<p:sld xmlns:a="http://schemas.openxmlformats.org/drawingml/2006/main" xmlns:r="http://schemas.openxmlformats.org/officeDocument/2006/relationships" xmlns:p="http://schemas.openxmlformats.org/presentationml/2006/main">
+  <p:cSld>
+    <p:spTree>
+      <p:nvGrpSpPr>
+        <p:cNvPr id="1" name=""/>
+        <p:cNvGrpSpPr/>
+        <p:nvPr/>
+      </p:nvGrpSpPr>
+      <p:grpSpPr>
+        <a:xfrm>
+          <a:off x="0" y="0"/>
+          <a:ext cx="0" cy="0"/>
+          <a:chOff x="0" y="0"/>
+          <a:chExt cx="0" cy="0"/>
+        </a:xfrm>
+      </p:grpSpPr>
+      <p:sp>
+        <p:nvSpPr>
+          <p:cNvPr id="2" name="Title 1">
+            <a:extLst>
+              <a:ext uri="{FF2B5EF4-FFF2-40B4-BE49-F238E27FC236}">
+                <a16:creationId xmlns:a16="http://schemas.microsoft.com/office/drawing/2014/main" id="{D40BDD40-1D32-42FC-BED7-E03F5B2E7500}"/>
+              </a:ext>
+            </a:extLst>
+          </p:cNvPr>
+          <p:cNvSpPr>
+            <a:spLocks noGrp="1"/>
+          </p:cNvSpPr>
+          <p:nvPr>
+            <p:ph type="title"/>
+          </p:nvPr>
+        </p:nvSpPr>
+        <p:spPr/>
+        <p:txBody>
+          <a:bodyPr/>
+          <a:lstStyle/>
+          <a:p>
+            <a:endParaRPr lang="en-US"/>
+          </a:p>
+        </p:txBody>
+      </p:sp>
+      <p:pic>
+        <p:nvPicPr>
+          <p:cNvPr id="5" name="Content Placeholder 4">
+            <a:extLst>
+              <a:ext uri="{FF2B5EF4-FFF2-40B4-BE49-F238E27FC236}">
+                <a16:creationId xmlns:a16="http://schemas.microsoft.com/office/drawing/2014/main" id="{7A3B45FA-BB17-46D9-AF17-6052D5CB26CC}"/>
+              </a:ext>
+            </a:extLst>
+          </p:cNvPr>
+          <p:cNvPicPr>
+            <a:picLocks noGrp="1" noChangeAspect="1"/>
+          </p:cNvPicPr>
+          <p:nvPr>
+            <p:ph idx="1"/>
+          </p:nvPr>
+        </p:nvPicPr>
+        <p:blipFill>
+          <a:blip r:embed="rId2"/>
+          <a:stretch>
+            <a:fillRect/>
+          </a:stretch>
+        </p:blipFill>
+        <p:spPr>
+          <a:xfrm>
+            <a:off x="1755774" y="1958181"/>
+            <a:ext cx="8480425" cy="4199539"/>
+          </a:xfrm>
+        </p:spPr>
+      </p:pic>
+    </p:spTree>
+    <p:extLst>
+      <p:ext uri="{BB962C8B-B14F-4D97-AF65-F5344CB8AC3E}">
+        <p14:creationId xmlns:p14="http://schemas.microsoft.com/office/powerpoint/2010/main" val="2129871720"/>
+      </p:ext>
+    </p:extLst>
+  </p:cSld>
+  <p:clrMapOvr>
+    <a:masterClrMapping/>
+  </p:clrMapOvr>
+</p:sld>
+</file>
+
+<file path=ppt/slides/slide23.xml><?xml version="1.0" encoding="utf-8"?>
+<p:sld xmlns:a="http://schemas.openxmlformats.org/drawingml/2006/main" xmlns:r="http://schemas.openxmlformats.org/officeDocument/2006/relationships" xmlns:p="http://schemas.openxmlformats.org/presentationml/2006/main">
+  <p:cSld>
+    <p:spTree>
+      <p:nvGrpSpPr>
+        <p:cNvPr id="1" name=""/>
+        <p:cNvGrpSpPr/>
+        <p:nvPr/>
+      </p:nvGrpSpPr>
+      <p:grpSpPr>
+        <a:xfrm>
+          <a:off x="0" y="0"/>
+          <a:ext cx="0" cy="0"/>
+          <a:chOff x="0" y="0"/>
+          <a:chExt cx="0" cy="0"/>
+        </a:xfrm>
+      </p:grpSpPr>
+      <p:sp>
+        <p:nvSpPr>
+          <p:cNvPr id="2" name="Title 1">
+            <a:extLst>
+              <a:ext uri="{FF2B5EF4-FFF2-40B4-BE49-F238E27FC236}">
+                <a16:creationId xmlns:a16="http://schemas.microsoft.com/office/drawing/2014/main" id="{9E7A4DA1-3B3D-42FB-B562-20A4DF0F061D}"/>
+              </a:ext>
+            </a:extLst>
+          </p:cNvPr>
+          <p:cNvSpPr>
+            <a:spLocks noGrp="1"/>
+          </p:cNvSpPr>
+          <p:nvPr>
+            <p:ph type="title"/>
+          </p:nvPr>
+        </p:nvSpPr>
+        <p:spPr/>
+        <p:txBody>
+          <a:bodyPr/>
+          <a:lstStyle/>
+          <a:p>
+            <a:endParaRPr lang="en-US"/>
+          </a:p>
+        </p:txBody>
+      </p:sp>
+      <p:pic>
+        <p:nvPicPr>
+          <p:cNvPr id="5" name="Content Placeholder 4">
+            <a:extLst>
+              <a:ext uri="{FF2B5EF4-FFF2-40B4-BE49-F238E27FC236}">
+                <a16:creationId xmlns:a16="http://schemas.microsoft.com/office/drawing/2014/main" id="{E17ED409-0723-49CC-83C9-535A0BA162F4}"/>
+              </a:ext>
+            </a:extLst>
+          </p:cNvPr>
+          <p:cNvPicPr>
+            <a:picLocks noGrp="1" noChangeAspect="1"/>
+          </p:cNvPicPr>
+          <p:nvPr>
+            <p:ph idx="1"/>
+          </p:nvPr>
+        </p:nvPicPr>
+        <p:blipFill>
+          <a:blip r:embed="rId2"/>
+          <a:stretch>
+            <a:fillRect/>
+          </a:stretch>
+        </p:blipFill>
+        <p:spPr>
+          <a:xfrm>
+            <a:off x="2560305" y="1943894"/>
+            <a:ext cx="7071389" cy="4202906"/>
+          </a:xfrm>
+        </p:spPr>
+      </p:pic>
+    </p:spTree>
+    <p:extLst>
+      <p:ext uri="{BB962C8B-B14F-4D97-AF65-F5344CB8AC3E}">
+        <p14:creationId xmlns:p14="http://schemas.microsoft.com/office/powerpoint/2010/main" val="731308952"/>
+      </p:ext>
+    </p:extLst>
+  </p:cSld>
+  <p:clrMapOvr>
+    <a:masterClrMapping/>
+  </p:clrMapOvr>
+</p:sld>
+</file>
+
+<file path=ppt/slides/slide24.xml><?xml version="1.0" encoding="utf-8"?>
+<p:sld xmlns:a="http://schemas.openxmlformats.org/drawingml/2006/main" xmlns:r="http://schemas.openxmlformats.org/officeDocument/2006/relationships" xmlns:p="http://schemas.openxmlformats.org/presentationml/2006/main">
+  <p:cSld>
+    <p:spTree>
+      <p:nvGrpSpPr>
+        <p:cNvPr id="1" name=""/>
+        <p:cNvGrpSpPr/>
+        <p:nvPr/>
+      </p:nvGrpSpPr>
+      <p:grpSpPr>
+        <a:xfrm>
+          <a:off x="0" y="0"/>
+          <a:ext cx="0" cy="0"/>
+          <a:chOff x="0" y="0"/>
+          <a:chExt cx="0" cy="0"/>
+        </a:xfrm>
+      </p:grpSpPr>
+      <p:sp>
+        <p:nvSpPr>
+          <p:cNvPr id="2" name="Title 1">
+            <a:extLst>
+              <a:ext uri="{FF2B5EF4-FFF2-40B4-BE49-F238E27FC236}">
+                <a16:creationId xmlns:a16="http://schemas.microsoft.com/office/drawing/2014/main" id="{485EF7F1-7A01-46B4-BA80-599B00A22357}"/>
+              </a:ext>
+            </a:extLst>
+          </p:cNvPr>
+          <p:cNvSpPr>
+            <a:spLocks noGrp="1"/>
+          </p:cNvSpPr>
+          <p:nvPr>
+            <p:ph type="title"/>
+          </p:nvPr>
+        </p:nvSpPr>
+        <p:spPr/>
+        <p:txBody>
+          <a:bodyPr/>
+          <a:lstStyle/>
+          <a:p>
+            <a:r>
+              <a:rPr lang="en-US" dirty="0"/>
+              <a:t>Timer Period Calculation</a:t>
+            </a:r>
+          </a:p>
+        </p:txBody>
+      </p:sp>
+      <p:pic>
+        <p:nvPicPr>
+          <p:cNvPr id="5" name="Content Placeholder 4">
+            <a:extLst>
+              <a:ext uri="{FF2B5EF4-FFF2-40B4-BE49-F238E27FC236}">
+                <a16:creationId xmlns:a16="http://schemas.microsoft.com/office/drawing/2014/main" id="{BD1005C9-8F34-4B7B-8A3E-4D34D17AB4AD}"/>
+              </a:ext>
+            </a:extLst>
+          </p:cNvPr>
+          <p:cNvPicPr>
+            <a:picLocks noGrp="1" noChangeAspect="1"/>
+          </p:cNvPicPr>
+          <p:nvPr>
+            <p:ph idx="1"/>
+          </p:nvPr>
+        </p:nvPicPr>
+        <p:blipFill>
+          <a:blip r:embed="rId2"/>
+          <a:stretch>
+            <a:fillRect/>
+          </a:stretch>
+        </p:blipFill>
+        <p:spPr>
+          <a:xfrm>
+            <a:off x="6405224" y="2716140"/>
+            <a:ext cx="4867954" cy="2181529"/>
+          </a:xfrm>
+        </p:spPr>
+      </p:pic>
+      <p:pic>
+        <p:nvPicPr>
+          <p:cNvPr id="7" name="Picture 6">
+            <a:extLst>
+              <a:ext uri="{FF2B5EF4-FFF2-40B4-BE49-F238E27FC236}">
+                <a16:creationId xmlns:a16="http://schemas.microsoft.com/office/drawing/2014/main" id="{A2A5A821-DA94-4090-8B55-05CE3090E9F5}"/>
+              </a:ext>
+            </a:extLst>
+          </p:cNvPr>
+          <p:cNvPicPr>
+            <a:picLocks noChangeAspect="1"/>
+          </p:cNvPicPr>
+          <p:nvPr/>
+        </p:nvPicPr>
+        <p:blipFill>
+          <a:blip r:embed="rId3"/>
+          <a:stretch>
+            <a:fillRect/>
+          </a:stretch>
+        </p:blipFill>
+        <p:spPr>
+          <a:xfrm>
+            <a:off x="746125" y="1470025"/>
+            <a:ext cx="5040653" cy="3427644"/>
+          </a:xfrm>
+          <a:prstGeom prst="rect">
+            <a:avLst/>
+          </a:prstGeom>
+        </p:spPr>
+      </p:pic>
+      <p:sp>
+        <p:nvSpPr>
+          <p:cNvPr id="8" name="TextBox 7">
+            <a:extLst>
+              <a:ext uri="{FF2B5EF4-FFF2-40B4-BE49-F238E27FC236}">
+                <a16:creationId xmlns:a16="http://schemas.microsoft.com/office/drawing/2014/main" id="{7182BD8C-0438-429F-B8D8-6F25FA95EDEE}"/>
+              </a:ext>
+            </a:extLst>
+          </p:cNvPr>
+          <p:cNvSpPr txBox="1"/>
+          <p:nvPr/>
+        </p:nvSpPr>
+        <p:spPr>
+          <a:xfrm>
+            <a:off x="609600" y="5181600"/>
+            <a:ext cx="6870700" cy="1477328"/>
+          </a:xfrm>
+          <a:prstGeom prst="rect">
+            <a:avLst/>
+          </a:prstGeom>
+          <a:noFill/>
+        </p:spPr>
+        <p:txBody>
+          <a:bodyPr wrap="square" rtlCol="0">
+            <a:spAutoFit/>
+          </a:bodyPr>
+          <a:lstStyle/>
+          <a:p>
+            <a:r>
+              <a:rPr lang="en-US" dirty="0"/>
+              <a:t>Timer Period = (</a:t>
+            </a:r>
+            <a:r>
+              <a:rPr lang="en-US" dirty="0" err="1"/>
+              <a:t>AutoReload</a:t>
+            </a:r>
+            <a:r>
+              <a:rPr lang="en-US" dirty="0"/>
+              <a:t>  + 1) * </a:t>
+            </a:r>
+            <a:r>
+              <a:rPr lang="en-US" dirty="0" err="1"/>
+              <a:t>Clock_Period</a:t>
+            </a:r>
+            <a:r>
+              <a:rPr lang="en-US" dirty="0"/>
+              <a:t> </a:t>
+            </a:r>
+          </a:p>
+          <a:p>
+            <a:r>
+              <a:rPr lang="en-US" dirty="0"/>
+              <a:t>                      = (9 + 1) * (1/(16^6/15+1))</a:t>
+            </a:r>
+          </a:p>
+          <a:p>
+            <a:r>
+              <a:rPr lang="en-US" dirty="0"/>
+              <a:t>                      = 10 * 16/16^6</a:t>
+            </a:r>
+          </a:p>
+          <a:p>
+            <a:r>
+              <a:rPr lang="en-US" dirty="0"/>
+              <a:t>                      = 10 * 1^6 </a:t>
+            </a:r>
+          </a:p>
+          <a:p>
+            <a:r>
+              <a:rPr lang="en-US" dirty="0"/>
+              <a:t>                       = 10 </a:t>
+            </a:r>
+            <a:r>
+              <a:rPr lang="en-US" dirty="0" err="1"/>
+              <a:t>uS</a:t>
+            </a:r>
+            <a:endParaRPr lang="en-US" dirty="0"/>
+          </a:p>
+        </p:txBody>
+      </p:sp>
+    </p:spTree>
+    <p:extLst>
+      <p:ext uri="{BB962C8B-B14F-4D97-AF65-F5344CB8AC3E}">
+        <p14:creationId xmlns:p14="http://schemas.microsoft.com/office/powerpoint/2010/main" val="446630389"/>
+      </p:ext>
+    </p:extLst>
+  </p:cSld>
+  <p:clrMapOvr>
+    <a:masterClrMapping/>
+  </p:clrMapOvr>
+</p:sld>
+</file>
+
+<file path=ppt/slides/slide25.xml><?xml version="1.0" encoding="utf-8"?>
+<p:sld xmlns:a="http://schemas.openxmlformats.org/drawingml/2006/main" xmlns:r="http://schemas.openxmlformats.org/officeDocument/2006/relationships" xmlns:p="http://schemas.openxmlformats.org/presentationml/2006/main">
+  <p:cSld>
+    <p:spTree>
+      <p:nvGrpSpPr>
+        <p:cNvPr id="1" name=""/>
+        <p:cNvGrpSpPr/>
+        <p:nvPr/>
+      </p:nvGrpSpPr>
+      <p:grpSpPr>
+        <a:xfrm>
+          <a:off x="0" y="0"/>
+          <a:ext cx="0" cy="0"/>
+          <a:chOff x="0" y="0"/>
+          <a:chExt cx="0" cy="0"/>
+        </a:xfrm>
+      </p:grpSpPr>
+      <p:sp>
+        <p:nvSpPr>
+          <p:cNvPr id="2" name="Title 1">
+            <a:extLst>
+              <a:ext uri="{FF2B5EF4-FFF2-40B4-BE49-F238E27FC236}">
+                <a16:creationId xmlns:a16="http://schemas.microsoft.com/office/drawing/2014/main" id="{C57112F1-16A4-473C-9C04-A59F542A212C}"/>
+              </a:ext>
+            </a:extLst>
+          </p:cNvPr>
+          <p:cNvSpPr>
+            <a:spLocks noGrp="1"/>
+          </p:cNvSpPr>
+          <p:nvPr>
+            <p:ph type="title"/>
+          </p:nvPr>
+        </p:nvSpPr>
+        <p:spPr/>
+        <p:txBody>
+          <a:bodyPr/>
+          <a:lstStyle/>
+          <a:p>
+            <a:r>
+              <a:rPr lang="en-US" dirty="0"/>
+              <a:t>Find Register Setting</a:t>
+            </a:r>
+          </a:p>
+        </p:txBody>
+      </p:sp>
+      <p:sp>
+        <p:nvSpPr>
+          <p:cNvPr id="3" name="Content Placeholder 2">
+            <a:extLst>
+              <a:ext uri="{FF2B5EF4-FFF2-40B4-BE49-F238E27FC236}">
+                <a16:creationId xmlns:a16="http://schemas.microsoft.com/office/drawing/2014/main" id="{A1B93ABE-C9F6-4252-A595-28A95EE1C373}"/>
+              </a:ext>
+            </a:extLst>
+          </p:cNvPr>
+          <p:cNvSpPr>
+            <a:spLocks noGrp="1"/>
+          </p:cNvSpPr>
+          <p:nvPr>
+            <p:ph idx="1"/>
+          </p:nvPr>
+        </p:nvSpPr>
+        <p:spPr>
+          <a:xfrm>
+            <a:off x="609600" y="1617662"/>
+            <a:ext cx="11252200" cy="5557838"/>
+          </a:xfrm>
+        </p:spPr>
+        <p:txBody>
+          <a:bodyPr/>
+          <a:lstStyle/>
+          <a:p>
+            <a:r>
+              <a:rPr lang="en-US" sz="2800" dirty="0" err="1"/>
+              <a:t>Tạo</a:t>
+            </a:r>
+            <a:r>
+              <a:rPr lang="en-US" sz="2800" dirty="0"/>
+              <a:t> ra event timer 100 us  với APB1 clock = 16 MHz </a:t>
+            </a:r>
+            <a:r>
+              <a:rPr lang="en-US" sz="2800" dirty="0" err="1"/>
+              <a:t>sử</a:t>
+            </a:r>
+            <a:r>
+              <a:rPr lang="en-US" sz="2800" dirty="0"/>
+              <a:t> </a:t>
+            </a:r>
+            <a:r>
+              <a:rPr lang="en-US" sz="2800" dirty="0" err="1"/>
+              <a:t>dụng</a:t>
+            </a:r>
+            <a:r>
+              <a:rPr lang="en-US" sz="2800" dirty="0"/>
+              <a:t> TIM6</a:t>
+            </a:r>
+          </a:p>
+          <a:p>
+            <a:pPr marL="0" indent="0">
+              <a:buNone/>
+            </a:pPr>
+            <a:r>
+              <a:rPr lang="en-US" sz="2800" dirty="0"/>
+              <a:t> Analyzing step:</a:t>
+            </a:r>
+          </a:p>
+          <a:p>
+            <a:r>
+              <a:rPr lang="en-US" sz="2800" dirty="0"/>
+              <a:t> 100 us </a:t>
+            </a:r>
+            <a:r>
+              <a:rPr lang="en-US" sz="2800" dirty="0">
+                <a:sym typeface="Wingdings" panose="05000000000000000000" pitchFamily="2" charset="2"/>
+              </a:rPr>
+              <a:t> 0.1s  Freq = 10 kHz</a:t>
+            </a:r>
+          </a:p>
+          <a:p>
+            <a:r>
+              <a:rPr lang="en-US" sz="2800" dirty="0">
+                <a:sym typeface="Wingdings" panose="05000000000000000000" pitchFamily="2" charset="2"/>
+              </a:rPr>
+              <a:t> Clock Ratio = APB1_CLK / </a:t>
+            </a:r>
+            <a:r>
+              <a:rPr lang="en-US" sz="2800" dirty="0" err="1">
+                <a:sym typeface="Wingdings" panose="05000000000000000000" pitchFamily="2" charset="2"/>
+              </a:rPr>
+              <a:t>Tmr_Freq</a:t>
+            </a:r>
+            <a:r>
+              <a:rPr lang="en-US" sz="2800" dirty="0">
+                <a:sym typeface="Wingdings" panose="05000000000000000000" pitchFamily="2" charset="2"/>
+              </a:rPr>
+              <a:t> </a:t>
+            </a:r>
+          </a:p>
+          <a:p>
+            <a:pPr marL="0" indent="0">
+              <a:buNone/>
+            </a:pPr>
+            <a:r>
+              <a:rPr lang="en-US" sz="2800" dirty="0">
+                <a:sym typeface="Wingdings" panose="05000000000000000000" pitchFamily="2" charset="2"/>
+              </a:rPr>
+              <a:t>                      = 16 MHz / 10 kHz </a:t>
+            </a:r>
+          </a:p>
+          <a:p>
+            <a:pPr marL="0" indent="0">
+              <a:buNone/>
+            </a:pPr>
+            <a:r>
+              <a:rPr lang="en-US" sz="2800" dirty="0">
+                <a:sym typeface="Wingdings" panose="05000000000000000000" pitchFamily="2" charset="2"/>
+              </a:rPr>
+              <a:t>                      = 1.6 * 10^3</a:t>
+            </a:r>
+          </a:p>
+          <a:p>
+            <a:pPr marL="0" indent="0">
+              <a:buNone/>
+            </a:pPr>
+            <a:r>
+              <a:rPr lang="en-US" sz="2800" dirty="0">
+                <a:sym typeface="Wingdings" panose="05000000000000000000" pitchFamily="2" charset="2"/>
+              </a:rPr>
+              <a:t>                      = 1600</a:t>
+            </a:r>
+          </a:p>
+          <a:p>
+            <a:pPr>
+              <a:buFont typeface="Symbol" panose="05050102010706020507" pitchFamily="18" charset="2"/>
+              <a:buChar char="Þ"/>
+            </a:pPr>
+            <a:r>
+              <a:rPr lang="en-US" sz="2800" dirty="0" err="1">
+                <a:solidFill>
+                  <a:srgbClr val="FF0000"/>
+                </a:solidFill>
+                <a:sym typeface="Wingdings" panose="05000000000000000000" pitchFamily="2" charset="2"/>
+              </a:rPr>
+              <a:t>Prescale</a:t>
+            </a:r>
+            <a:r>
+              <a:rPr lang="en-US" sz="2800" dirty="0">
+                <a:solidFill>
+                  <a:srgbClr val="FF0000"/>
+                </a:solidFill>
+                <a:sym typeface="Wingdings" panose="05000000000000000000" pitchFamily="2" charset="2"/>
+              </a:rPr>
+              <a:t> = 16 &amp; Auto-reload = 100</a:t>
+            </a:r>
+          </a:p>
+          <a:p>
+            <a:pPr>
+              <a:buFont typeface="Symbol" panose="05050102010706020507" pitchFamily="18" charset="2"/>
+              <a:buChar char="Þ"/>
+            </a:pPr>
+            <a:r>
+              <a:rPr lang="en-US" sz="2800" dirty="0">
+                <a:solidFill>
+                  <a:srgbClr val="FF0000"/>
+                </a:solidFill>
+                <a:sym typeface="Wingdings" panose="05000000000000000000" pitchFamily="2" charset="2"/>
+              </a:rPr>
+              <a:t>PSC Reg = 15 &amp; ARR = 99</a:t>
+            </a:r>
+          </a:p>
+        </p:txBody>
+      </p:sp>
+    </p:spTree>
+    <p:extLst>
+      <p:ext uri="{BB962C8B-B14F-4D97-AF65-F5344CB8AC3E}">
+        <p14:creationId xmlns:p14="http://schemas.microsoft.com/office/powerpoint/2010/main" val="1312610694"/>
+      </p:ext>
+    </p:extLst>
+  </p:cSld>
+  <p:clrMapOvr>
+    <a:masterClrMapping/>
+  </p:clrMapOvr>
+</p:sld>
+</file>
+
+<file path=ppt/slides/slide26.xml><?xml version="1.0" encoding="utf-8"?>
+<p:sld xmlns:a="http://schemas.openxmlformats.org/drawingml/2006/main" xmlns:r="http://schemas.openxmlformats.org/officeDocument/2006/relationships" xmlns:p="http://schemas.openxmlformats.org/presentationml/2006/main">
+  <p:cSld>
+    <p:spTree>
+      <p:nvGrpSpPr>
+        <p:cNvPr id="1" name=""/>
+        <p:cNvGrpSpPr/>
+        <p:nvPr/>
+      </p:nvGrpSpPr>
+      <p:grpSpPr>
+        <a:xfrm>
+          <a:off x="0" y="0"/>
+          <a:ext cx="0" cy="0"/>
+          <a:chOff x="0" y="0"/>
+          <a:chExt cx="0" cy="0"/>
+        </a:xfrm>
+      </p:grpSpPr>
+      <p:sp>
+        <p:nvSpPr>
+          <p:cNvPr id="2" name="Title 1">
+            <a:extLst>
+              <a:ext uri="{FF2B5EF4-FFF2-40B4-BE49-F238E27FC236}">
+                <a16:creationId xmlns:a16="http://schemas.microsoft.com/office/drawing/2014/main" id="{4A3B0751-9DF4-4E15-BF8B-996586E54D5A}"/>
+              </a:ext>
+            </a:extLst>
+          </p:cNvPr>
+          <p:cNvSpPr>
+            <a:spLocks noGrp="1"/>
+          </p:cNvSpPr>
+          <p:nvPr>
+            <p:ph type="title"/>
+          </p:nvPr>
+        </p:nvSpPr>
+        <p:spPr/>
+        <p:txBody>
+          <a:bodyPr/>
+          <a:lstStyle/>
+          <a:p>
+            <a:r>
+              <a:rPr lang="en-US" dirty="0"/>
+              <a:t>Calculating PWM Duty Cycle</a:t>
+            </a:r>
+          </a:p>
+        </p:txBody>
+      </p:sp>
+      <p:sp>
+        <p:nvSpPr>
+          <p:cNvPr id="3" name="Content Placeholder 2">
+            <a:extLst>
+              <a:ext uri="{FF2B5EF4-FFF2-40B4-BE49-F238E27FC236}">
+                <a16:creationId xmlns:a16="http://schemas.microsoft.com/office/drawing/2014/main" id="{D222AB20-EB1D-4632-BCB8-978971DC787D}"/>
+              </a:ext>
+            </a:extLst>
+          </p:cNvPr>
+          <p:cNvSpPr>
+            <a:spLocks noGrp="1"/>
+          </p:cNvSpPr>
+          <p:nvPr>
+            <p:ph idx="1"/>
+          </p:nvPr>
+        </p:nvSpPr>
+        <p:spPr/>
+        <p:txBody>
+          <a:bodyPr/>
+          <a:lstStyle/>
+          <a:p>
+            <a:r>
+              <a:rPr lang="en-US" sz="2600" dirty="0"/>
+              <a:t>Assume up-counting configuration and PWM mode 1</a:t>
+            </a:r>
+          </a:p>
+          <a:p>
+            <a:pPr marL="0" indent="0">
+              <a:buNone/>
+            </a:pPr>
+            <a:r>
+              <a:rPr lang="en-US" sz="2600" dirty="0"/>
+              <a:t>   (output is clear when compare match)</a:t>
+            </a:r>
+          </a:p>
+          <a:p>
+            <a:r>
+              <a:rPr lang="en-US" sz="2600" dirty="0"/>
+              <a:t>Let</a:t>
+            </a:r>
+          </a:p>
+          <a:p>
+            <a:pPr lvl="1"/>
+            <a:r>
+              <a:rPr lang="en-US" dirty="0"/>
+              <a:t> ARR = Auto-Reload Register (</a:t>
+            </a:r>
+            <a:r>
+              <a:rPr lang="en-US" dirty="0" err="1"/>
+              <a:t>TIMx</a:t>
+            </a:r>
+            <a:r>
+              <a:rPr lang="en-US" dirty="0"/>
+              <a:t>-&gt;ARR)</a:t>
+            </a:r>
+          </a:p>
+          <a:p>
+            <a:pPr lvl="1"/>
+            <a:r>
+              <a:rPr lang="en-US" dirty="0"/>
+              <a:t> CCR = Capture/Compare Register (</a:t>
+            </a:r>
+            <a:r>
+              <a:rPr lang="en-US" dirty="0" err="1"/>
+              <a:t>TIMx</a:t>
+            </a:r>
+            <a:r>
+              <a:rPr lang="en-US" dirty="0"/>
+              <a:t>-&gt;</a:t>
+            </a:r>
+            <a:r>
+              <a:rPr lang="en-US" dirty="0" err="1"/>
+              <a:t>CCRy</a:t>
+            </a:r>
+            <a:r>
+              <a:rPr lang="en-US" dirty="0"/>
+              <a:t>)</a:t>
+            </a:r>
+          </a:p>
+        </p:txBody>
+      </p:sp>
+      <p:pic>
+        <p:nvPicPr>
+          <p:cNvPr id="5" name="Picture 4">
+            <a:extLst>
+              <a:ext uri="{FF2B5EF4-FFF2-40B4-BE49-F238E27FC236}">
+                <a16:creationId xmlns:a16="http://schemas.microsoft.com/office/drawing/2014/main" id="{C0979252-B2C5-4ABC-9F29-55071F0AFFF5}"/>
+              </a:ext>
+            </a:extLst>
+          </p:cNvPr>
+          <p:cNvPicPr>
+            <a:picLocks noChangeAspect="1"/>
+          </p:cNvPicPr>
+          <p:nvPr/>
+        </p:nvPicPr>
+        <p:blipFill>
+          <a:blip r:embed="rId2"/>
+          <a:stretch>
+            <a:fillRect/>
+          </a:stretch>
+        </p:blipFill>
+        <p:spPr>
+          <a:xfrm>
+            <a:off x="2950746" y="4566216"/>
+            <a:ext cx="6173061" cy="1467055"/>
+          </a:xfrm>
+          <a:prstGeom prst="rect">
+            <a:avLst/>
+          </a:prstGeom>
+        </p:spPr>
+      </p:pic>
+    </p:spTree>
+    <p:extLst>
+      <p:ext uri="{BB962C8B-B14F-4D97-AF65-F5344CB8AC3E}">
+        <p14:creationId xmlns:p14="http://schemas.microsoft.com/office/powerpoint/2010/main" val="2070342249"/>
+      </p:ext>
+    </p:extLst>
+  </p:cSld>
+  <p:clrMapOvr>
+    <a:masterClrMapping/>
+  </p:clrMapOvr>
+</p:sld>
+</file>
+
+<file path=ppt/slides/slide27.xml><?xml version="1.0" encoding="utf-8"?>
 <p:sld xmlns:a="http://schemas.openxmlformats.org/drawingml/2006/main" xmlns:r="http://schemas.openxmlformats.org/officeDocument/2006/relationships" xmlns:p="http://schemas.openxmlformats.org/presentationml/2006/main">
   <p:cSld>
     <p:spTree>
@@ -15560,8 +16670,8 @@
         </p:blipFill>
         <p:spPr>
           <a:xfrm>
-            <a:off x="1818987" y="3275787"/>
-            <a:ext cx="7125694" cy="3515216"/>
+            <a:off x="4617202" y="2789238"/>
+            <a:ext cx="7574798" cy="3736766"/>
           </a:xfrm>
           <a:prstGeom prst="rect">
             <a:avLst/>
@@ -15984,7 +17094,19 @@
           <a:p>
             <a:r>
               <a:rPr lang="en-US" sz="2200" dirty="0"/>
-              <a:t>A counter keeps track of how many event ticks have occurred</a:t>
+              <a:t>A counter keeps track of how </a:t>
+            </a:r>
+            <a:r>
+              <a:rPr lang="en-US" sz="2200" dirty="0">
+                <a:solidFill>
+                  <a:srgbClr val="FF0000"/>
+                </a:solidFill>
+              </a:rPr>
+              <a:t>many event ticks </a:t>
+            </a:r>
+            <a:r>
+              <a:rPr lang="en-US" sz="2200" dirty="0"/>
+              <a:t>have occurred</a:t>
             </a:r>
           </a:p>
           <a:p>
@@ -16108,7 +17230,7 @@
         <p:spPr>
           <a:xfrm>
             <a:off x="609600" y="1719263"/>
-            <a:ext cx="7393497" cy="4010418"/>
+            <a:ext cx="7393497" cy="4429746"/>
           </a:xfrm>
         </p:spPr>
         <p:txBody>
@@ -16156,22 +17278,51 @@
           <a:p>
             <a:pPr lvl="1"/>
             <a:r>
+              <a:rPr lang="en-US" sz="2000" b="1" dirty="0">
+                <a:solidFill>
+                  <a:srgbClr val="FF0000"/>
+                </a:solidFill>
+              </a:rPr>
+              <a:t>Output compare </a:t>
+            </a:r>
+            <a:r>
               <a:rPr lang="en-US" sz="2000" dirty="0"/>
-              <a:t>Output compare – flags or toggles output pin when the counter reaches a certain value</a:t>
+              <a:t>– flags or toggles output pin when the counter reaches a certain value </a:t>
+            </a:r>
+          </a:p>
+          <a:p>
+            <a:pPr marL="344487" lvl="1" indent="0">
+              <a:buNone/>
+            </a:pPr>
+            <a:r>
+              <a:rPr lang="en-US" sz="2000" dirty="0"/>
+              <a:t>     PPM = Pulse per Second</a:t>
             </a:r>
           </a:p>
           <a:p>
             <a:pPr lvl="1"/>
             <a:r>
               <a:rPr lang="en-US" sz="2000" dirty="0"/>
-              <a:t>Pulse-width modulation (PWM) – generates</a:t>
+              <a:t>Pulse-width modulation (</a:t>
+            </a:r>
+            <a:r>
+              <a:rPr lang="en-US" sz="2000" b="1" dirty="0">
+                <a:solidFill>
+                  <a:srgbClr val="FF0000"/>
+                </a:solidFill>
+              </a:rPr>
+              <a:t>PWM</a:t>
+            </a:r>
+            <a:r>
+              <a:rPr lang="en-US" sz="2000" dirty="0"/>
+              <a:t>) – generates</a:t>
             </a:r>
           </a:p>
           <a:p>
             <a:pPr lvl="1"/>
             <a:r>
               <a:rPr lang="en-US" sz="2000" dirty="0"/>
-              <a:t>analog output encoded as pulse length</a:t>
+              <a:t>Analog output encoded as pulse length</a:t>
             </a:r>
           </a:p>
         </p:txBody>
@@ -16288,8 +17439,8 @@
         </p:blipFill>
         <p:spPr>
           <a:xfrm>
-            <a:off x="1255120" y="1643762"/>
-            <a:ext cx="8937504" cy="4648506"/>
+            <a:off x="609599" y="1333500"/>
+            <a:ext cx="9550777" cy="4967477"/>
           </a:xfrm>
         </p:spPr>
       </p:pic>
@@ -16461,7 +17612,7 @@
           <p:cNvPr id="2" name="Title 1">
             <a:extLst>
               <a:ext uri="{FF2B5EF4-FFF2-40B4-BE49-F238E27FC236}">
-                <a16:creationId xmlns:a16="http://schemas.microsoft.com/office/drawing/2014/main" id="{DDFA5402-6232-4AC1-8F2E-A22A886500B9}"/>
+                <a16:creationId xmlns:a16="http://schemas.microsoft.com/office/drawing/2014/main" id="{82EDC83A-F75A-4F07-A160-B021A8E23C59}"/>
               </a:ext>
             </a:extLst>
           </p:cNvPr>
@@ -16478,59 +17629,27 @@
           <a:lstStyle/>
           <a:p>
             <a:r>
-              <a:rPr lang="en-US" dirty="0" err="1"/>
-              <a:t>Prescaler</a:t>
-            </a:r>
-            <a:endParaRPr lang="en-US" dirty="0"/>
-          </a:p>
-        </p:txBody>
-      </p:sp>
-      <p:sp>
-        <p:nvSpPr>
-          <p:cNvPr id="3" name="Content Placeholder 2">
-            <a:extLst>
-              <a:ext uri="{FF2B5EF4-FFF2-40B4-BE49-F238E27FC236}">
-                <a16:creationId xmlns:a16="http://schemas.microsoft.com/office/drawing/2014/main" id="{0499A7CF-91AB-4CE7-9786-66A5D93E47DD}"/>
-              </a:ext>
-            </a:extLst>
-          </p:cNvPr>
-          <p:cNvSpPr>
-            <a:spLocks noGrp="1"/>
-          </p:cNvSpPr>
-          <p:nvPr>
-            <p:ph idx="1"/>
-          </p:nvPr>
-        </p:nvSpPr>
-        <p:spPr>
-          <a:xfrm>
-            <a:off x="609600" y="1719263"/>
-            <a:ext cx="10972800" cy="822601"/>
-          </a:xfrm>
-        </p:spPr>
-        <p:txBody>
-          <a:bodyPr/>
-          <a:lstStyle/>
-          <a:p>
-            <a:r>
               <a:rPr lang="en-US" dirty="0"/>
-              <a:t>Divides clock frequency; increases timer period</a:t>
+              <a:t>Basic timer block diagram</a:t>
             </a:r>
           </a:p>
         </p:txBody>
       </p:sp>
       <p:pic>
         <p:nvPicPr>
-          <p:cNvPr id="5" name="Picture 4">
+          <p:cNvPr id="8" name="Content Placeholder 7">
             <a:extLst>
               <a:ext uri="{FF2B5EF4-FFF2-40B4-BE49-F238E27FC236}">
-                <a16:creationId xmlns:a16="http://schemas.microsoft.com/office/drawing/2014/main" id="{79EDC7F5-E16D-43A9-ADF6-E463F44C535E}"/>
+                <a16:creationId xmlns:a16="http://schemas.microsoft.com/office/drawing/2014/main" id="{5AE98F2A-C5EC-4103-A255-82A5C09B30D7}"/>
               </a:ext>
             </a:extLst>
           </p:cNvPr>
           <p:cNvPicPr>
-            <a:picLocks noChangeAspect="1"/>
+            <a:picLocks noGrp="1" noChangeAspect="1"/>
           </p:cNvPicPr>
-          <p:nvPr/>
+          <p:nvPr>
+            <p:ph idx="1"/>
+          </p:nvPr>
         </p:nvPicPr>
         <p:blipFill>
           <a:blip r:embed="rId2"/>
@@ -16540,18 +17659,15 @@
         </p:blipFill>
         <p:spPr>
           <a:xfrm>
-            <a:off x="2155152" y="2415634"/>
-            <a:ext cx="7344800" cy="3801005"/>
+            <a:off x="1932455" y="1427162"/>
+            <a:ext cx="7960845" cy="4976635"/>
           </a:xfrm>
-          <a:prstGeom prst="rect">
-            <a:avLst/>
-          </a:prstGeom>
         </p:spPr>
       </p:pic>
     </p:spTree>
     <p:extLst>
       <p:ext uri="{BB962C8B-B14F-4D97-AF65-F5344CB8AC3E}">
-        <p14:creationId xmlns:p14="http://schemas.microsoft.com/office/powerpoint/2010/main" val="416518652"/>
+        <p14:creationId xmlns:p14="http://schemas.microsoft.com/office/powerpoint/2010/main" val="2095776355"/>
       </p:ext>
     </p:extLst>
   </p:cSld>
@@ -16583,7 +17699,7 @@
           <p:cNvPr id="2" name="Title 1">
             <a:extLst>
               <a:ext uri="{FF2B5EF4-FFF2-40B4-BE49-F238E27FC236}">
-                <a16:creationId xmlns:a16="http://schemas.microsoft.com/office/drawing/2014/main" id="{847AD627-04DE-41CA-BE15-6EA7644A1EF7}"/>
+                <a16:creationId xmlns:a16="http://schemas.microsoft.com/office/drawing/2014/main" id="{DDFA5402-6232-4AC1-8F2E-A22A886500B9}"/>
               </a:ext>
             </a:extLst>
           </p:cNvPr>
@@ -16600,9 +17716,10 @@
           <a:lstStyle/>
           <a:p>
             <a:r>
-              <a:rPr lang="en-US" dirty="0"/>
-              <a:t>Input Capture</a:t>
-            </a:r>
+              <a:rPr lang="en-US" dirty="0" err="1"/>
+              <a:t>Prescaler</a:t>
+            </a:r>
+            <a:endParaRPr lang="en-US" dirty="0"/>
           </a:p>
         </p:txBody>
       </p:sp>
@@ -16611,7 +17728,7 @@
           <p:cNvPr id="3" name="Content Placeholder 2">
             <a:extLst>
               <a:ext uri="{FF2B5EF4-FFF2-40B4-BE49-F238E27FC236}">
-                <a16:creationId xmlns:a16="http://schemas.microsoft.com/office/drawing/2014/main" id="{35F581DB-80FA-41F7-99BB-98A12141CC98}"/>
+                <a16:creationId xmlns:a16="http://schemas.microsoft.com/office/drawing/2014/main" id="{0499A7CF-91AB-4CE7-9786-66A5D93E47DD}"/>
               </a:ext>
             </a:extLst>
           </p:cNvPr>
@@ -16625,7 +17742,7 @@
         <p:spPr>
           <a:xfrm>
             <a:off x="609600" y="1719263"/>
-            <a:ext cx="10972800" cy="1795724"/>
+            <a:ext cx="10972800" cy="822601"/>
           </a:xfrm>
         </p:spPr>
         <p:txBody>
@@ -16633,14 +17750,8 @@
           <a:lstStyle/>
           <a:p>
             <a:r>
-              <a:rPr lang="en-US" sz="2600" dirty="0"/>
-              <a:t>Measures input pulse lengths</a:t>
-            </a:r>
-          </a:p>
-          <a:p>
-            <a:r>
-              <a:rPr lang="en-US" sz="2600" dirty="0"/>
-              <a:t>Applications: decoding remote control signals, distance measurement</a:t>
+              <a:rPr lang="en-US" dirty="0"/>
+              <a:t>Divides clock frequency; increases timer period</a:t>
             </a:r>
           </a:p>
         </p:txBody>
@@ -16650,7 +17761,7 @@
           <p:cNvPr id="5" name="Picture 4">
             <a:extLst>
               <a:ext uri="{FF2B5EF4-FFF2-40B4-BE49-F238E27FC236}">
-                <a16:creationId xmlns:a16="http://schemas.microsoft.com/office/drawing/2014/main" id="{762CA6E7-87D7-468E-9A66-640B026E6624}"/>
+                <a16:creationId xmlns:a16="http://schemas.microsoft.com/office/drawing/2014/main" id="{79EDC7F5-E16D-43A9-ADF6-E463F44C535E}"/>
               </a:ext>
             </a:extLst>
           </p:cNvPr>
@@ -16667,8 +17778,8 @@
         </p:blipFill>
         <p:spPr>
           <a:xfrm>
-            <a:off x="2276010" y="3234796"/>
-            <a:ext cx="7287642" cy="2972215"/>
+            <a:off x="1824952" y="2410643"/>
+            <a:ext cx="8093748" cy="4188593"/>
           </a:xfrm>
           <a:prstGeom prst="rect">
             <a:avLst/>
@@ -16678,7 +17789,7 @@
     </p:spTree>
     <p:extLst>
       <p:ext uri="{BB962C8B-B14F-4D97-AF65-F5344CB8AC3E}">
-        <p14:creationId xmlns:p14="http://schemas.microsoft.com/office/powerpoint/2010/main" val="4035833233"/>
+        <p14:creationId xmlns:p14="http://schemas.microsoft.com/office/powerpoint/2010/main" val="416518652"/>
       </p:ext>
     </p:extLst>
   </p:cSld>

--- a/04. Slides/04. TIMER/Timer.pptx
+++ b/04. Slides/04. TIMER/Timer.pptx
@@ -16272,7 +16272,27 @@
           <a:p>
             <a:r>
               <a:rPr lang="en-US" sz="2600" dirty="0"/>
-              <a:t>Assume up-counting configuration and PWM mode 1</a:t>
+              <a:t>Assume </a:t>
+            </a:r>
+            <a:r>
+              <a:rPr lang="en-US" sz="2600" dirty="0">
+                <a:solidFill>
+                  <a:srgbClr val="FF0000"/>
+                </a:solidFill>
+              </a:rPr>
+              <a:t>up-counting</a:t>
+            </a:r>
+            <a:r>
+              <a:rPr lang="en-US" sz="2600" dirty="0"/>
+              <a:t> configuration and </a:t>
+            </a:r>
+            <a:r>
+              <a:rPr lang="en-US" sz="2600" dirty="0">
+                <a:solidFill>
+                  <a:srgbClr val="FF0000"/>
+                </a:solidFill>
+              </a:rPr>
+              <a:t>PWM mode 1</a:t>
             </a:r>
           </a:p>
           <a:p>
@@ -16352,8 +16372,8 @@
         </p:blipFill>
         <p:spPr>
           <a:xfrm>
-            <a:off x="2950746" y="4566216"/>
-            <a:ext cx="6173061" cy="1467055"/>
+            <a:off x="2648742" y="4541049"/>
+            <a:ext cx="6689866" cy="1589876"/>
           </a:xfrm>
           <a:prstGeom prst="rect">
             <a:avLst/>
@@ -16436,8 +16456,8 @@
         </p:nvSpPr>
         <p:spPr>
           <a:xfrm>
-            <a:off x="609599" y="1719263"/>
-            <a:ext cx="11235655" cy="4411662"/>
+            <a:off x="475375" y="1962544"/>
+            <a:ext cx="6739157" cy="3892972"/>
           </a:xfrm>
         </p:spPr>
         <p:txBody>
@@ -16446,46 +16466,127 @@
           <a:p>
             <a:r>
               <a:rPr lang="en-US" sz="2600" dirty="0"/>
-              <a:t>What is the PWM’s frequency and duty cycle with the following configuration?</a:t>
+              <a:t>What is the </a:t>
+            </a:r>
+            <a:r>
+              <a:rPr lang="en-US" sz="2600" dirty="0">
+                <a:solidFill>
+                  <a:srgbClr val="FF0000"/>
+                </a:solidFill>
+              </a:rPr>
+              <a:t>PWM’s frequency </a:t>
+            </a:r>
+            <a:r>
+              <a:rPr lang="en-US" sz="2600" dirty="0"/>
+              <a:t>and</a:t>
+            </a:r>
+          </a:p>
+          <a:p>
+            <a:pPr marL="0" indent="0">
+              <a:buNone/>
+            </a:pPr>
+            <a:r>
+              <a:rPr lang="en-US" sz="2600" dirty="0"/>
+              <a:t>   </a:t>
+            </a:r>
+            <a:r>
+              <a:rPr lang="en-US" sz="2600" dirty="0">
+                <a:solidFill>
+                  <a:srgbClr val="FF0000"/>
+                </a:solidFill>
+              </a:rPr>
+              <a:t>duty cycle </a:t>
+            </a:r>
+            <a:r>
+              <a:rPr lang="en-US" sz="2600" dirty="0"/>
+              <a:t>with the following configuration?</a:t>
             </a:r>
           </a:p>
           <a:p>
             <a:pPr lvl="1"/>
             <a:r>
               <a:rPr lang="en-US" dirty="0"/>
-              <a:t> Up-counting configuration</a:t>
+              <a:t> </a:t>
+            </a:r>
+            <a:r>
+              <a:rPr lang="en-US" dirty="0">
+                <a:solidFill>
+                  <a:srgbClr val="FF0000"/>
+                </a:solidFill>
+              </a:rPr>
+              <a:t>Up-counting </a:t>
+            </a:r>
+            <a:r>
+              <a:rPr lang="en-US" dirty="0"/>
+              <a:t>configuration</a:t>
             </a:r>
           </a:p>
           <a:p>
             <a:pPr lvl="1"/>
             <a:r>
               <a:rPr lang="en-US" dirty="0"/>
-              <a:t> Input clock: 80 MHz</a:t>
+              <a:t> Input clock: </a:t>
+            </a:r>
+            <a:r>
+              <a:rPr lang="en-US" dirty="0">
+                <a:solidFill>
+                  <a:srgbClr val="FF0000"/>
+                </a:solidFill>
+              </a:rPr>
+              <a:t>80 MHz</a:t>
             </a:r>
           </a:p>
           <a:p>
             <a:pPr lvl="1"/>
+            <a:r>
+              <a:rPr lang="en-US" dirty="0"/>
+              <a:t> </a:t>
+            </a:r>
             <a:r>
               <a:rPr lang="en-US" dirty="0" err="1"/>
               <a:t>Prescaler</a:t>
             </a:r>
             <a:r>
               <a:rPr lang="en-US" dirty="0"/>
-              <a:t> (PSC): 79</a:t>
+              <a:t> (PSC): </a:t>
+            </a:r>
+            <a:r>
+              <a:rPr lang="en-US" dirty="0">
+                <a:solidFill>
+                  <a:srgbClr val="FF0000"/>
+                </a:solidFill>
+              </a:rPr>
+              <a:t>79</a:t>
             </a:r>
           </a:p>
           <a:p>
             <a:pPr lvl="1"/>
             <a:r>
               <a:rPr lang="en-US" dirty="0"/>
-              <a:t>Auto-reload register (ARR): 4999</a:t>
+              <a:t>Auto-reload register (ARR): </a:t>
+            </a:r>
+            <a:r>
+              <a:rPr lang="en-US" dirty="0">
+                <a:solidFill>
+                  <a:srgbClr val="FF0000"/>
+                </a:solidFill>
+              </a:rPr>
+              <a:t>4999</a:t>
             </a:r>
           </a:p>
           <a:p>
             <a:pPr lvl="1"/>
             <a:r>
               <a:rPr lang="it-IT" dirty="0"/>
-              <a:t>Capture/compare register (CRR): 2000</a:t>
+              <a:t>Capture/compare register (CRR): </a:t>
+            </a:r>
+            <a:r>
+              <a:rPr lang="it-IT" dirty="0">
+                <a:solidFill>
+                  <a:srgbClr val="FF0000"/>
+                </a:solidFill>
+              </a:rPr>
+              <a:t>2000</a:t>
             </a:r>
           </a:p>
           <a:p>
@@ -16493,6 +16594,143 @@
             <a:r>
               <a:rPr lang="en-US" dirty="0"/>
               <a:t>PWM mode 1</a:t>
+            </a:r>
+          </a:p>
+        </p:txBody>
+      </p:sp>
+      <p:sp>
+        <p:nvSpPr>
+          <p:cNvPr id="4" name="TextBox 3">
+            <a:extLst>
+              <a:ext uri="{FF2B5EF4-FFF2-40B4-BE49-F238E27FC236}">
+                <a16:creationId xmlns:a16="http://schemas.microsoft.com/office/drawing/2014/main" id="{CB2A4649-4E67-4000-BE74-92E30FA7668B}"/>
+              </a:ext>
+            </a:extLst>
+          </p:cNvPr>
+          <p:cNvSpPr txBox="1"/>
+          <p:nvPr/>
+        </p:nvSpPr>
+        <p:spPr>
+          <a:xfrm>
+            <a:off x="7083104" y="1819451"/>
+            <a:ext cx="5108896" cy="3693319"/>
+          </a:xfrm>
+          <a:prstGeom prst="rect">
+            <a:avLst/>
+          </a:prstGeom>
+          <a:noFill/>
+        </p:spPr>
+        <p:txBody>
+          <a:bodyPr wrap="square" rtlCol="0">
+            <a:spAutoFit/>
+          </a:bodyPr>
+          <a:lstStyle/>
+          <a:p>
+            <a:r>
+              <a:rPr lang="en-US" dirty="0"/>
+              <a:t> </a:t>
+            </a:r>
+          </a:p>
+          <a:p>
+            <a:r>
+              <a:rPr lang="en-US" dirty="0"/>
+              <a:t>1.  TMR_CLK = 80 MHz / (79 + 1) = 1 MHz</a:t>
+            </a:r>
+          </a:p>
+          <a:p>
+            <a:r>
+              <a:rPr lang="en-US" dirty="0"/>
+              <a:t> 2. TMR_TICK = 1 / 1MHz = 1 us</a:t>
+            </a:r>
+          </a:p>
+          <a:p>
+            <a:r>
+              <a:rPr lang="en-US" dirty="0"/>
+              <a:t> 3. Overflow period = TMR_TICK * (ARR + 1)</a:t>
+            </a:r>
+          </a:p>
+          <a:p>
+            <a:r>
+              <a:rPr lang="en-US" dirty="0"/>
+              <a:t>                                = 1 us * 5000</a:t>
+            </a:r>
+          </a:p>
+          <a:p>
+            <a:r>
+              <a:rPr lang="en-US" dirty="0"/>
+              <a:t>                                = 5 </a:t>
+            </a:r>
+            <a:r>
+              <a:rPr lang="en-US" dirty="0" err="1"/>
+              <a:t>ms</a:t>
+            </a:r>
+            <a:endParaRPr lang="en-US" dirty="0"/>
+          </a:p>
+          <a:p>
+            <a:r>
+              <a:rPr lang="en-US" dirty="0"/>
+              <a:t> =&gt; PWM Freq = 1 / Period = 1 / 5ms = 0.2 </a:t>
+            </a:r>
+            <a:r>
+              <a:rPr lang="en-US" dirty="0" err="1"/>
+              <a:t>KHz</a:t>
+            </a:r>
+            <a:endParaRPr lang="en-US" dirty="0"/>
+          </a:p>
+          <a:p>
+            <a:r>
+              <a:rPr lang="en-US" dirty="0"/>
+              <a:t>                         = </a:t>
+            </a:r>
+            <a:r>
+              <a:rPr lang="en-US" b="1" dirty="0">
+                <a:solidFill>
+                  <a:srgbClr val="FF0000"/>
+                </a:solidFill>
+              </a:rPr>
+              <a:t>200 Hz</a:t>
+            </a:r>
+          </a:p>
+          <a:p>
+            <a:pPr marL="285750" indent="-285750">
+              <a:buFont typeface="Symbol" panose="05050102010706020507" pitchFamily="18" charset="2"/>
+              <a:buChar char="Þ"/>
+            </a:pPr>
+            <a:r>
+              <a:rPr lang="en-US" dirty="0"/>
+              <a:t>Duty % = 2000 / (4999 + 1) </a:t>
+            </a:r>
+          </a:p>
+          <a:p>
+            <a:r>
+              <a:rPr lang="en-US" dirty="0"/>
+              <a:t>                  = 2000 / 5000 * 100%</a:t>
+            </a:r>
+          </a:p>
+          <a:p>
+            <a:r>
+              <a:rPr lang="en-US" dirty="0"/>
+              <a:t>                   =  </a:t>
+            </a:r>
+            <a:r>
+              <a:rPr lang="en-US" b="1" dirty="0">
+                <a:solidFill>
+                  <a:srgbClr val="FF0000"/>
+                </a:solidFill>
+              </a:rPr>
+              <a:t>40 %</a:t>
+            </a:r>
+          </a:p>
+          <a:p>
+            <a:r>
+              <a:rPr lang="en-US" dirty="0"/>
+              <a:t>			      </a:t>
+            </a:r>
+          </a:p>
+          <a:p>
+            <a:r>
+              <a:rPr lang="en-US" dirty="0"/>
+              <a:t> </a:t>
             </a:r>
           </a:p>
         </p:txBody>

--- a/04. Slides/04. TIMER/Timer.pptx
+++ b/04. Slides/04. TIMER/Timer.pptx
@@ -31,8 +31,9 @@
     <p:sldId id="434" r:id="rId25"/>
     <p:sldId id="429" r:id="rId26"/>
     <p:sldId id="430" r:id="rId27"/>
-    <p:sldId id="426" r:id="rId28"/>
-    <p:sldId id="427" r:id="rId29"/>
+    <p:sldId id="435" r:id="rId28"/>
+    <p:sldId id="426" r:id="rId29"/>
+    <p:sldId id="427" r:id="rId30"/>
   </p:sldIdLst>
   <p:sldSz cx="12192000" cy="6858000"/>
   <p:notesSz cx="6858000" cy="9144000"/>
@@ -13755,7 +13756,15 @@
           <a:p>
             <a:r>
               <a:rPr lang="en-US" sz="2600" dirty="0"/>
-              <a:t>Measures input pulse lengths</a:t>
+              <a:t>Measures input </a:t>
+            </a:r>
+            <a:r>
+              <a:rPr lang="en-US" sz="2600" i="1" dirty="0">
+                <a:solidFill>
+                  <a:srgbClr val="FF0000"/>
+                </a:solidFill>
+              </a:rPr>
+              <a:t>pulse lengths</a:t>
             </a:r>
           </a:p>
           <a:p>
@@ -16057,7 +16066,19 @@
             </a:r>
             <a:r>
               <a:rPr lang="en-US" sz="2800" dirty="0"/>
-              <a:t> ra event timer 100 us  với APB1 clock = 16 MHz </a:t>
+              <a:t> ra event timer </a:t>
+            </a:r>
+            <a:r>
+              <a:rPr lang="en-US" sz="2800" dirty="0">
+                <a:solidFill>
+                  <a:srgbClr val="FF0000"/>
+                </a:solidFill>
+              </a:rPr>
+              <a:t>100 us  </a:t>
+            </a:r>
+            <a:r>
+              <a:rPr lang="en-US" sz="2800" dirty="0"/>
+              <a:t>với APB1 clock = 36  MHz </a:t>
             </a:r>
             <a:r>
               <a:rPr lang="en-US" sz="2800" dirty="0" err="1"/>
@@ -16073,7 +16094,7 @@
             </a:r>
             <a:r>
               <a:rPr lang="en-US" sz="2800" dirty="0"/>
-              <a:t> TIM6</a:t>
+              <a:t> TIM4</a:t>
             </a:r>
           </a:p>
           <a:p>
@@ -16094,7 +16115,7 @@
               <a:rPr lang="en-US" sz="2800" dirty="0">
                 <a:sym typeface="Wingdings" panose="05000000000000000000" pitchFamily="2" charset="2"/>
               </a:rPr>
-              <a:t> 0.1s  Freq = 10 kHz</a:t>
+              <a:t> 0.1ms  Freq = 10 kHz</a:t>
             </a:r>
           </a:p>
           <a:p>
@@ -16125,7 +16146,7 @@
               <a:rPr lang="en-US" sz="2800" dirty="0">
                 <a:sym typeface="Wingdings" panose="05000000000000000000" pitchFamily="2" charset="2"/>
               </a:rPr>
-              <a:t>                      = 16 MHz / 10 kHz </a:t>
+              <a:t>                      = 36 MHz / 10 kHz </a:t>
             </a:r>
           </a:p>
           <a:p>
@@ -16136,7 +16157,7 @@
               <a:rPr lang="en-US" sz="2800" dirty="0">
                 <a:sym typeface="Wingdings" panose="05000000000000000000" pitchFamily="2" charset="2"/>
               </a:rPr>
-              <a:t>                      = 1.6 * 10^3</a:t>
+              <a:t>                      = 3.6 * 10^3</a:t>
             </a:r>
           </a:p>
           <a:p>
@@ -16147,7 +16168,7 @@
               <a:rPr lang="en-US" sz="2800" dirty="0">
                 <a:sym typeface="Wingdings" panose="05000000000000000000" pitchFamily="2" charset="2"/>
               </a:rPr>
-              <a:t>                      = 1600</a:t>
+              <a:t>                      = 3600</a:t>
             </a:r>
           </a:p>
           <a:p>
@@ -16171,7 +16192,7 @@
                 </a:solidFill>
                 <a:sym typeface="Wingdings" panose="05000000000000000000" pitchFamily="2" charset="2"/>
               </a:rPr>
-              <a:t> = 16 &amp; Auto-reload = 100</a:t>
+              <a:t> = 36 &amp; Auto-reload = 100</a:t>
             </a:r>
           </a:p>
           <a:p>
@@ -16186,7 +16207,7 @@
                 </a:solidFill>
                 <a:sym typeface="Wingdings" panose="05000000000000000000" pitchFamily="2" charset="2"/>
               </a:rPr>
-              <a:t>PSC Reg = 15 &amp; ARR = 99</a:t>
+              <a:t>PSC Reg = 35 &amp; ARR = 9</a:t>
             </a:r>
           </a:p>
         </p:txBody>
@@ -16205,6 +16226,258 @@
 </file>
 
 <file path=ppt/slides/slide26.xml><?xml version="1.0" encoding="utf-8"?>
+<p:sld xmlns:a="http://schemas.openxmlformats.org/drawingml/2006/main" xmlns:r="http://schemas.openxmlformats.org/officeDocument/2006/relationships" xmlns:p="http://schemas.openxmlformats.org/presentationml/2006/main">
+  <p:cSld>
+    <p:spTree>
+      <p:nvGrpSpPr>
+        <p:cNvPr id="1" name=""/>
+        <p:cNvGrpSpPr/>
+        <p:nvPr/>
+      </p:nvGrpSpPr>
+      <p:grpSpPr>
+        <a:xfrm>
+          <a:off x="0" y="0"/>
+          <a:ext cx="0" cy="0"/>
+          <a:chOff x="0" y="0"/>
+          <a:chExt cx="0" cy="0"/>
+        </a:xfrm>
+      </p:grpSpPr>
+      <p:sp>
+        <p:nvSpPr>
+          <p:cNvPr id="2" name="Title 1">
+            <a:extLst>
+              <a:ext uri="{FF2B5EF4-FFF2-40B4-BE49-F238E27FC236}">
+                <a16:creationId xmlns:a16="http://schemas.microsoft.com/office/drawing/2014/main" id="{C57112F1-16A4-473C-9C04-A59F542A212C}"/>
+              </a:ext>
+            </a:extLst>
+          </p:cNvPr>
+          <p:cNvSpPr>
+            <a:spLocks noGrp="1"/>
+          </p:cNvSpPr>
+          <p:nvPr>
+            <p:ph type="title"/>
+          </p:nvPr>
+        </p:nvSpPr>
+        <p:spPr/>
+        <p:txBody>
+          <a:bodyPr/>
+          <a:lstStyle/>
+          <a:p>
+            <a:r>
+              <a:rPr lang="en-US" dirty="0"/>
+              <a:t>Find Register Setting</a:t>
+            </a:r>
+          </a:p>
+        </p:txBody>
+      </p:sp>
+      <p:sp>
+        <p:nvSpPr>
+          <p:cNvPr id="3" name="Content Placeholder 2">
+            <a:extLst>
+              <a:ext uri="{FF2B5EF4-FFF2-40B4-BE49-F238E27FC236}">
+                <a16:creationId xmlns:a16="http://schemas.microsoft.com/office/drawing/2014/main" id="{A1B93ABE-C9F6-4252-A595-28A95EE1C373}"/>
+              </a:ext>
+            </a:extLst>
+          </p:cNvPr>
+          <p:cNvSpPr>
+            <a:spLocks noGrp="1"/>
+          </p:cNvSpPr>
+          <p:nvPr>
+            <p:ph idx="1"/>
+          </p:nvPr>
+        </p:nvSpPr>
+        <p:spPr>
+          <a:xfrm>
+            <a:off x="609600" y="1617662"/>
+            <a:ext cx="11252200" cy="5557838"/>
+          </a:xfrm>
+        </p:spPr>
+        <p:txBody>
+          <a:bodyPr/>
+          <a:lstStyle/>
+          <a:p>
+            <a:r>
+              <a:rPr lang="en-US" sz="2800" dirty="0" err="1"/>
+              <a:t>Tạo</a:t>
+            </a:r>
+            <a:r>
+              <a:rPr lang="en-US" sz="2800" dirty="0"/>
+              <a:t> ra event timer </a:t>
+            </a:r>
+            <a:r>
+              <a:rPr lang="en-US" sz="2800" dirty="0">
+                <a:solidFill>
+                  <a:srgbClr val="FF0000"/>
+                </a:solidFill>
+              </a:rPr>
+              <a:t>600 </a:t>
+            </a:r>
+            <a:r>
+              <a:rPr lang="en-US" sz="2800" dirty="0" err="1">
+                <a:solidFill>
+                  <a:srgbClr val="FF0000"/>
+                </a:solidFill>
+              </a:rPr>
+              <a:t>ms</a:t>
+            </a:r>
+            <a:r>
+              <a:rPr lang="en-US" sz="2800" dirty="0">
+                <a:solidFill>
+                  <a:srgbClr val="FF0000"/>
+                </a:solidFill>
+              </a:rPr>
+              <a:t>  </a:t>
+            </a:r>
+            <a:r>
+              <a:rPr lang="en-US" sz="2800" dirty="0"/>
+              <a:t>với APB1 clock = 36  MHz </a:t>
+            </a:r>
+            <a:r>
+              <a:rPr lang="en-US" sz="2800" dirty="0" err="1"/>
+              <a:t>sử</a:t>
+            </a:r>
+            <a:r>
+              <a:rPr lang="en-US" sz="2800" dirty="0"/>
+              <a:t> </a:t>
+            </a:r>
+            <a:r>
+              <a:rPr lang="en-US" sz="2800" dirty="0" err="1"/>
+              <a:t>dụng</a:t>
+            </a:r>
+            <a:r>
+              <a:rPr lang="en-US" sz="2800" dirty="0"/>
+              <a:t> TIM4</a:t>
+            </a:r>
+          </a:p>
+          <a:p>
+            <a:pPr marL="0" indent="0">
+              <a:buNone/>
+            </a:pPr>
+            <a:r>
+              <a:rPr lang="en-US" sz="2800" dirty="0"/>
+              <a:t> Analyzing step:</a:t>
+            </a:r>
+          </a:p>
+          <a:p>
+            <a:r>
+              <a:rPr lang="en-US" sz="2800" dirty="0"/>
+              <a:t> 100 us </a:t>
+            </a:r>
+            <a:r>
+              <a:rPr lang="en-US" sz="2800" dirty="0">
+                <a:sym typeface="Wingdings" panose="05000000000000000000" pitchFamily="2" charset="2"/>
+              </a:rPr>
+              <a:t> 0.1ms  Freq = 10 kHz</a:t>
+            </a:r>
+          </a:p>
+          <a:p>
+            <a:r>
+              <a:rPr lang="en-US" sz="2800" dirty="0">
+                <a:sym typeface="Wingdings" panose="05000000000000000000" pitchFamily="2" charset="2"/>
+              </a:rPr>
+              <a:t> Clock Ratio = APB1_CLK / </a:t>
+            </a:r>
+            <a:r>
+              <a:rPr lang="en-US" sz="2800" dirty="0" err="1">
+                <a:sym typeface="Wingdings" panose="05000000000000000000" pitchFamily="2" charset="2"/>
+              </a:rPr>
+              <a:t>Tmr_Freq</a:t>
+            </a:r>
+            <a:r>
+              <a:rPr lang="en-US" sz="2800" dirty="0">
+                <a:sym typeface="Wingdings" panose="05000000000000000000" pitchFamily="2" charset="2"/>
+              </a:rPr>
+              <a:t> </a:t>
+            </a:r>
+          </a:p>
+          <a:p>
+            <a:pPr marL="0" indent="0">
+              <a:buNone/>
+            </a:pPr>
+            <a:r>
+              <a:rPr lang="en-US" sz="2800" dirty="0">
+                <a:sym typeface="Wingdings" panose="05000000000000000000" pitchFamily="2" charset="2"/>
+              </a:rPr>
+              <a:t>                      = 36 MHz / 10 kHz </a:t>
+            </a:r>
+          </a:p>
+          <a:p>
+            <a:pPr marL="0" indent="0">
+              <a:buNone/>
+            </a:pPr>
+            <a:r>
+              <a:rPr lang="en-US" sz="2800" dirty="0">
+                <a:sym typeface="Wingdings" panose="05000000000000000000" pitchFamily="2" charset="2"/>
+              </a:rPr>
+              <a:t>                      = 3.6 * 10^3</a:t>
+            </a:r>
+          </a:p>
+          <a:p>
+            <a:pPr marL="0" indent="0">
+              <a:buNone/>
+            </a:pPr>
+            <a:r>
+              <a:rPr lang="en-US" sz="2800" dirty="0">
+                <a:sym typeface="Wingdings" panose="05000000000000000000" pitchFamily="2" charset="2"/>
+              </a:rPr>
+              <a:t>                      = 3600</a:t>
+            </a:r>
+          </a:p>
+          <a:p>
+            <a:pPr>
+              <a:buFont typeface="Symbol" panose="05050102010706020507" pitchFamily="18" charset="2"/>
+              <a:buChar char="Þ"/>
+            </a:pPr>
+            <a:r>
+              <a:rPr lang="en-US" sz="2800" dirty="0" err="1">
+                <a:solidFill>
+                  <a:srgbClr val="FF0000"/>
+                </a:solidFill>
+                <a:sym typeface="Wingdings" panose="05000000000000000000" pitchFamily="2" charset="2"/>
+              </a:rPr>
+              <a:t>Prescale</a:t>
+            </a:r>
+            <a:r>
+              <a:rPr lang="en-US" sz="2800" dirty="0">
+                <a:solidFill>
+                  <a:srgbClr val="FF0000"/>
+                </a:solidFill>
+                <a:sym typeface="Wingdings" panose="05000000000000000000" pitchFamily="2" charset="2"/>
+              </a:rPr>
+              <a:t> = 36000 &amp; Auto-reload = 500</a:t>
+            </a:r>
+          </a:p>
+          <a:p>
+            <a:pPr>
+              <a:buFont typeface="Symbol" panose="05050102010706020507" pitchFamily="18" charset="2"/>
+              <a:buChar char="Þ"/>
+            </a:pPr>
+            <a:r>
+              <a:rPr lang="en-US" sz="2800" dirty="0">
+                <a:solidFill>
+                  <a:srgbClr val="FF0000"/>
+                </a:solidFill>
+                <a:sym typeface="Wingdings" panose="05000000000000000000" pitchFamily="2" charset="2"/>
+              </a:rPr>
+              <a:t>PSC Reg = 35999 &amp; ARR = 499</a:t>
+            </a:r>
+          </a:p>
+        </p:txBody>
+      </p:sp>
+    </p:spTree>
+    <p:extLst>
+      <p:ext uri="{BB962C8B-B14F-4D97-AF65-F5344CB8AC3E}">
+        <p14:creationId xmlns:p14="http://schemas.microsoft.com/office/powerpoint/2010/main" val="444733953"/>
+      </p:ext>
+    </p:extLst>
+  </p:cSld>
+  <p:clrMapOvr>
+    <a:masterClrMapping/>
+  </p:clrMapOvr>
+</p:sld>
+</file>
+
+<file path=ppt/slides/slide27.xml><?xml version="1.0" encoding="utf-8"?>
 <p:sld xmlns:a="http://schemas.openxmlformats.org/drawingml/2006/main" xmlns:r="http://schemas.openxmlformats.org/officeDocument/2006/relationships" xmlns:p="http://schemas.openxmlformats.org/presentationml/2006/main">
   <p:cSld>
     <p:spTree>
@@ -16393,7 +16666,7 @@
 </p:sld>
 </file>
 
-<file path=ppt/slides/slide27.xml><?xml version="1.0" encoding="utf-8"?>
+<file path=ppt/slides/slide28.xml><?xml version="1.0" encoding="utf-8"?>
 <p:sld xmlns:a="http://schemas.openxmlformats.org/drawingml/2006/main" xmlns:r="http://schemas.openxmlformats.org/officeDocument/2006/relationships" xmlns:p="http://schemas.openxmlformats.org/presentationml/2006/main">
   <p:cSld>
     <p:spTree>
@@ -16908,7 +17181,7 @@
         </p:blipFill>
         <p:spPr>
           <a:xfrm>
-            <a:off x="4617202" y="2789238"/>
+            <a:off x="4617202" y="2728784"/>
             <a:ext cx="7574798" cy="3736766"/>
           </a:xfrm>
           <a:prstGeom prst="rect">
@@ -17898,7 +18171,7 @@
         <p:spPr>
           <a:xfrm>
             <a:off x="1932455" y="1427162"/>
-            <a:ext cx="7960845" cy="4976635"/>
+            <a:ext cx="8067222" cy="5043135"/>
           </a:xfrm>
         </p:spPr>
       </p:pic>
